--- a/Documentation/IMS Presentation.pptx
+++ b/Documentation/IMS Presentation.pptx
@@ -4,20 +4,22 @@
   <p:sldMasterIdLst>
     <p:sldMasterId id="2147483648" r:id="rId1"/>
   </p:sldMasterIdLst>
+  <p:notesMasterIdLst>
+    <p:notesMasterId r:id="rId14"/>
+  </p:notesMasterIdLst>
   <p:sldIdLst>
     <p:sldId id="256" r:id="rId2"/>
     <p:sldId id="257" r:id="rId3"/>
     <p:sldId id="258" r:id="rId4"/>
     <p:sldId id="259" r:id="rId5"/>
-    <p:sldId id="260" r:id="rId6"/>
-    <p:sldId id="261" r:id="rId7"/>
-    <p:sldId id="262" r:id="rId8"/>
+    <p:sldId id="262" r:id="rId6"/>
+    <p:sldId id="267" r:id="rId7"/>
+    <p:sldId id="261" r:id="rId8"/>
     <p:sldId id="266" r:id="rId9"/>
     <p:sldId id="268" r:id="rId10"/>
-    <p:sldId id="267" r:id="rId11"/>
-    <p:sldId id="263" r:id="rId12"/>
-    <p:sldId id="264" r:id="rId13"/>
-    <p:sldId id="265" r:id="rId14"/>
+    <p:sldId id="263" r:id="rId11"/>
+    <p:sldId id="264" r:id="rId12"/>
+    <p:sldId id="265" r:id="rId13"/>
   </p:sldIdLst>
   <p:sldSz cx="12192000" cy="6858000"/>
   <p:notesSz cx="6858000" cy="9144000"/>
@@ -116,7 +118,446 @@
       </a:defRPr>
     </a:lvl9pPr>
   </p:defaultTextStyle>
+  <p:extLst>
+    <p:ext uri="{EFAFB233-063F-42B5-8137-9DF3F51BA10A}">
+      <p15:sldGuideLst xmlns:p15="http://schemas.microsoft.com/office/powerpoint/2012/main"/>
+    </p:ext>
+  </p:extLst>
 </p:presentation>
+</file>
+
+<file path=ppt/notesMasters/notesMaster1.xml><?xml version="1.0" encoding="utf-8"?>
+<p:notesMaster xmlns:a="http://schemas.openxmlformats.org/drawingml/2006/main" xmlns:r="http://schemas.openxmlformats.org/officeDocument/2006/relationships" xmlns:p="http://schemas.openxmlformats.org/presentationml/2006/main">
+  <p:cSld>
+    <p:bg>
+      <p:bgRef idx="1001">
+        <a:schemeClr val="bg1"/>
+      </p:bgRef>
+    </p:bg>
+    <p:spTree>
+      <p:nvGrpSpPr>
+        <p:cNvPr id="1" name=""/>
+        <p:cNvGrpSpPr/>
+        <p:nvPr/>
+      </p:nvGrpSpPr>
+      <p:grpSpPr>
+        <a:xfrm>
+          <a:off x="0" y="0"/>
+          <a:ext cx="0" cy="0"/>
+          <a:chOff x="0" y="0"/>
+          <a:chExt cx="0" cy="0"/>
+        </a:xfrm>
+      </p:grpSpPr>
+      <p:sp>
+        <p:nvSpPr>
+          <p:cNvPr id="2" name="Header Placeholder 1"/>
+          <p:cNvSpPr>
+            <a:spLocks noGrp="1"/>
+          </p:cNvSpPr>
+          <p:nvPr>
+            <p:ph type="hdr" sz="quarter"/>
+          </p:nvPr>
+        </p:nvSpPr>
+        <p:spPr>
+          <a:xfrm>
+            <a:off x="0" y="0"/>
+            <a:ext cx="2971800" cy="458788"/>
+          </a:xfrm>
+          <a:prstGeom prst="rect">
+            <a:avLst/>
+          </a:prstGeom>
+        </p:spPr>
+        <p:txBody>
+          <a:bodyPr vert="horz" lIns="91440" tIns="45720" rIns="91440" bIns="45720" rtlCol="0"/>
+          <a:lstStyle>
+            <a:lvl1pPr algn="l">
+              <a:defRPr sz="1200"/>
+            </a:lvl1pPr>
+          </a:lstStyle>
+          <a:p>
+            <a:endParaRPr lang="en-GB"/>
+          </a:p>
+        </p:txBody>
+      </p:sp>
+      <p:sp>
+        <p:nvSpPr>
+          <p:cNvPr id="3" name="Date Placeholder 2"/>
+          <p:cNvSpPr>
+            <a:spLocks noGrp="1"/>
+          </p:cNvSpPr>
+          <p:nvPr>
+            <p:ph type="dt" idx="1"/>
+          </p:nvPr>
+        </p:nvSpPr>
+        <p:spPr>
+          <a:xfrm>
+            <a:off x="3884613" y="0"/>
+            <a:ext cx="2971800" cy="458788"/>
+          </a:xfrm>
+          <a:prstGeom prst="rect">
+            <a:avLst/>
+          </a:prstGeom>
+        </p:spPr>
+        <p:txBody>
+          <a:bodyPr vert="horz" lIns="91440" tIns="45720" rIns="91440" bIns="45720" rtlCol="0"/>
+          <a:lstStyle>
+            <a:lvl1pPr algn="r">
+              <a:defRPr sz="1200"/>
+            </a:lvl1pPr>
+          </a:lstStyle>
+          <a:p>
+            <a:fld id="{FF6C395E-54C1-4B51-A319-305A7AAB3C2B}" type="datetimeFigureOut">
+              <a:rPr lang="en-GB" smtClean="0"/>
+              <a:t>10/06/2022</a:t>
+            </a:fld>
+            <a:endParaRPr lang="en-GB"/>
+          </a:p>
+        </p:txBody>
+      </p:sp>
+      <p:sp>
+        <p:nvSpPr>
+          <p:cNvPr id="4" name="Slide Image Placeholder 3"/>
+          <p:cNvSpPr>
+            <a:spLocks noGrp="1" noRot="1" noChangeAspect="1"/>
+          </p:cNvSpPr>
+          <p:nvPr>
+            <p:ph type="sldImg" idx="2"/>
+          </p:nvPr>
+        </p:nvSpPr>
+        <p:spPr>
+          <a:xfrm>
+            <a:off x="685800" y="1143000"/>
+            <a:ext cx="5486400" cy="3086100"/>
+          </a:xfrm>
+          <a:prstGeom prst="rect">
+            <a:avLst/>
+          </a:prstGeom>
+          <a:noFill/>
+          <a:ln w="12700">
+            <a:solidFill>
+              <a:prstClr val="black"/>
+            </a:solidFill>
+          </a:ln>
+        </p:spPr>
+        <p:txBody>
+          <a:bodyPr vert="horz" lIns="91440" tIns="45720" rIns="91440" bIns="45720" rtlCol="0" anchor="ctr"/>
+          <a:lstStyle/>
+          <a:p>
+            <a:endParaRPr lang="en-GB"/>
+          </a:p>
+        </p:txBody>
+      </p:sp>
+      <p:sp>
+        <p:nvSpPr>
+          <p:cNvPr id="5" name="Notes Placeholder 4"/>
+          <p:cNvSpPr>
+            <a:spLocks noGrp="1"/>
+          </p:cNvSpPr>
+          <p:nvPr>
+            <p:ph type="body" sz="quarter" idx="3"/>
+          </p:nvPr>
+        </p:nvSpPr>
+        <p:spPr>
+          <a:xfrm>
+            <a:off x="685800" y="4400550"/>
+            <a:ext cx="5486400" cy="3600450"/>
+          </a:xfrm>
+          <a:prstGeom prst="rect">
+            <a:avLst/>
+          </a:prstGeom>
+        </p:spPr>
+        <p:txBody>
+          <a:bodyPr vert="horz" lIns="91440" tIns="45720" rIns="91440" bIns="45720" rtlCol="0"/>
+          <a:lstStyle/>
+          <a:p>
+            <a:pPr lvl="0"/>
+            <a:r>
+              <a:rPr lang="en-US"/>
+              <a:t>Click to edit Master text styles</a:t>
+            </a:r>
+          </a:p>
+          <a:p>
+            <a:pPr lvl="1"/>
+            <a:r>
+              <a:rPr lang="en-US"/>
+              <a:t>Second level</a:t>
+            </a:r>
+          </a:p>
+          <a:p>
+            <a:pPr lvl="2"/>
+            <a:r>
+              <a:rPr lang="en-US"/>
+              <a:t>Third level</a:t>
+            </a:r>
+          </a:p>
+          <a:p>
+            <a:pPr lvl="3"/>
+            <a:r>
+              <a:rPr lang="en-US"/>
+              <a:t>Fourth level</a:t>
+            </a:r>
+          </a:p>
+          <a:p>
+            <a:pPr lvl="4"/>
+            <a:r>
+              <a:rPr lang="en-US"/>
+              <a:t>Fifth level</a:t>
+            </a:r>
+            <a:endParaRPr lang="en-GB"/>
+          </a:p>
+        </p:txBody>
+      </p:sp>
+      <p:sp>
+        <p:nvSpPr>
+          <p:cNvPr id="6" name="Footer Placeholder 5"/>
+          <p:cNvSpPr>
+            <a:spLocks noGrp="1"/>
+          </p:cNvSpPr>
+          <p:nvPr>
+            <p:ph type="ftr" sz="quarter" idx="4"/>
+          </p:nvPr>
+        </p:nvSpPr>
+        <p:spPr>
+          <a:xfrm>
+            <a:off x="0" y="8685213"/>
+            <a:ext cx="2971800" cy="458787"/>
+          </a:xfrm>
+          <a:prstGeom prst="rect">
+            <a:avLst/>
+          </a:prstGeom>
+        </p:spPr>
+        <p:txBody>
+          <a:bodyPr vert="horz" lIns="91440" tIns="45720" rIns="91440" bIns="45720" rtlCol="0" anchor="b"/>
+          <a:lstStyle>
+            <a:lvl1pPr algn="l">
+              <a:defRPr sz="1200"/>
+            </a:lvl1pPr>
+          </a:lstStyle>
+          <a:p>
+            <a:endParaRPr lang="en-GB"/>
+          </a:p>
+        </p:txBody>
+      </p:sp>
+      <p:sp>
+        <p:nvSpPr>
+          <p:cNvPr id="7" name="Slide Number Placeholder 6"/>
+          <p:cNvSpPr>
+            <a:spLocks noGrp="1"/>
+          </p:cNvSpPr>
+          <p:nvPr>
+            <p:ph type="sldNum" sz="quarter" idx="5"/>
+          </p:nvPr>
+        </p:nvSpPr>
+        <p:spPr>
+          <a:xfrm>
+            <a:off x="3884613" y="8685213"/>
+            <a:ext cx="2971800" cy="458787"/>
+          </a:xfrm>
+          <a:prstGeom prst="rect">
+            <a:avLst/>
+          </a:prstGeom>
+        </p:spPr>
+        <p:txBody>
+          <a:bodyPr vert="horz" lIns="91440" tIns="45720" rIns="91440" bIns="45720" rtlCol="0" anchor="b"/>
+          <a:lstStyle>
+            <a:lvl1pPr algn="r">
+              <a:defRPr sz="1200"/>
+            </a:lvl1pPr>
+          </a:lstStyle>
+          <a:p>
+            <a:fld id="{2E54E8B5-D685-4E29-9152-08C373804003}" type="slidenum">
+              <a:rPr lang="en-GB" smtClean="0"/>
+              <a:t>‹#›</a:t>
+            </a:fld>
+            <a:endParaRPr lang="en-GB"/>
+          </a:p>
+        </p:txBody>
+      </p:sp>
+    </p:spTree>
+    <p:extLst>
+      <p:ext uri="{BB962C8B-B14F-4D97-AF65-F5344CB8AC3E}">
+        <p14:creationId xmlns:p14="http://schemas.microsoft.com/office/powerpoint/2010/main" val="1732796199"/>
+      </p:ext>
+    </p:extLst>
+  </p:cSld>
+  <p:clrMap bg1="lt1" tx1="dk1" bg2="lt2" tx2="dk2" accent1="accent1" accent2="accent2" accent3="accent3" accent4="accent4" accent5="accent5" accent6="accent6" hlink="hlink" folHlink="folHlink"/>
+  <p:notesStyle>
+    <a:lvl1pPr marL="0" algn="l" defTabSz="914400" rtl="0" eaLnBrk="1" latinLnBrk="0" hangingPunct="1">
+      <a:defRPr sz="1200" kern="1200">
+        <a:solidFill>
+          <a:schemeClr val="tx1"/>
+        </a:solidFill>
+        <a:latin typeface="+mn-lt"/>
+        <a:ea typeface="+mn-ea"/>
+        <a:cs typeface="+mn-cs"/>
+      </a:defRPr>
+    </a:lvl1pPr>
+    <a:lvl2pPr marL="457200" algn="l" defTabSz="914400" rtl="0" eaLnBrk="1" latinLnBrk="0" hangingPunct="1">
+      <a:defRPr sz="1200" kern="1200">
+        <a:solidFill>
+          <a:schemeClr val="tx1"/>
+        </a:solidFill>
+        <a:latin typeface="+mn-lt"/>
+        <a:ea typeface="+mn-ea"/>
+        <a:cs typeface="+mn-cs"/>
+      </a:defRPr>
+    </a:lvl2pPr>
+    <a:lvl3pPr marL="914400" algn="l" defTabSz="914400" rtl="0" eaLnBrk="1" latinLnBrk="0" hangingPunct="1">
+      <a:defRPr sz="1200" kern="1200">
+        <a:solidFill>
+          <a:schemeClr val="tx1"/>
+        </a:solidFill>
+        <a:latin typeface="+mn-lt"/>
+        <a:ea typeface="+mn-ea"/>
+        <a:cs typeface="+mn-cs"/>
+      </a:defRPr>
+    </a:lvl3pPr>
+    <a:lvl4pPr marL="1371600" algn="l" defTabSz="914400" rtl="0" eaLnBrk="1" latinLnBrk="0" hangingPunct="1">
+      <a:defRPr sz="1200" kern="1200">
+        <a:solidFill>
+          <a:schemeClr val="tx1"/>
+        </a:solidFill>
+        <a:latin typeface="+mn-lt"/>
+        <a:ea typeface="+mn-ea"/>
+        <a:cs typeface="+mn-cs"/>
+      </a:defRPr>
+    </a:lvl4pPr>
+    <a:lvl5pPr marL="1828800" algn="l" defTabSz="914400" rtl="0" eaLnBrk="1" latinLnBrk="0" hangingPunct="1">
+      <a:defRPr sz="1200" kern="1200">
+        <a:solidFill>
+          <a:schemeClr val="tx1"/>
+        </a:solidFill>
+        <a:latin typeface="+mn-lt"/>
+        <a:ea typeface="+mn-ea"/>
+        <a:cs typeface="+mn-cs"/>
+      </a:defRPr>
+    </a:lvl5pPr>
+    <a:lvl6pPr marL="2286000" algn="l" defTabSz="914400" rtl="0" eaLnBrk="1" latinLnBrk="0" hangingPunct="1">
+      <a:defRPr sz="1200" kern="1200">
+        <a:solidFill>
+          <a:schemeClr val="tx1"/>
+        </a:solidFill>
+        <a:latin typeface="+mn-lt"/>
+        <a:ea typeface="+mn-ea"/>
+        <a:cs typeface="+mn-cs"/>
+      </a:defRPr>
+    </a:lvl6pPr>
+    <a:lvl7pPr marL="2743200" algn="l" defTabSz="914400" rtl="0" eaLnBrk="1" latinLnBrk="0" hangingPunct="1">
+      <a:defRPr sz="1200" kern="1200">
+        <a:solidFill>
+          <a:schemeClr val="tx1"/>
+        </a:solidFill>
+        <a:latin typeface="+mn-lt"/>
+        <a:ea typeface="+mn-ea"/>
+        <a:cs typeface="+mn-cs"/>
+      </a:defRPr>
+    </a:lvl7pPr>
+    <a:lvl8pPr marL="3200400" algn="l" defTabSz="914400" rtl="0" eaLnBrk="1" latinLnBrk="0" hangingPunct="1">
+      <a:defRPr sz="1200" kern="1200">
+        <a:solidFill>
+          <a:schemeClr val="tx1"/>
+        </a:solidFill>
+        <a:latin typeface="+mn-lt"/>
+        <a:ea typeface="+mn-ea"/>
+        <a:cs typeface="+mn-cs"/>
+      </a:defRPr>
+    </a:lvl8pPr>
+    <a:lvl9pPr marL="3657600" algn="l" defTabSz="914400" rtl="0" eaLnBrk="1" latinLnBrk="0" hangingPunct="1">
+      <a:defRPr sz="1200" kern="1200">
+        <a:solidFill>
+          <a:schemeClr val="tx1"/>
+        </a:solidFill>
+        <a:latin typeface="+mn-lt"/>
+        <a:ea typeface="+mn-ea"/>
+        <a:cs typeface="+mn-cs"/>
+      </a:defRPr>
+    </a:lvl9pPr>
+  </p:notesStyle>
+</p:notesMaster>
+</file>
+
+<file path=ppt/notesSlides/notesSlide1.xml><?xml version="1.0" encoding="utf-8"?>
+<p:notes xmlns:a="http://schemas.openxmlformats.org/drawingml/2006/main" xmlns:r="http://schemas.openxmlformats.org/officeDocument/2006/relationships" xmlns:p="http://schemas.openxmlformats.org/presentationml/2006/main">
+  <p:cSld>
+    <p:spTree>
+      <p:nvGrpSpPr>
+        <p:cNvPr id="1" name=""/>
+        <p:cNvGrpSpPr/>
+        <p:nvPr/>
+      </p:nvGrpSpPr>
+      <p:grpSpPr>
+        <a:xfrm>
+          <a:off x="0" y="0"/>
+          <a:ext cx="0" cy="0"/>
+          <a:chOff x="0" y="0"/>
+          <a:chExt cx="0" cy="0"/>
+        </a:xfrm>
+      </p:grpSpPr>
+      <p:sp>
+        <p:nvSpPr>
+          <p:cNvPr id="2" name="Slide Image Placeholder 1"/>
+          <p:cNvSpPr>
+            <a:spLocks noGrp="1" noRot="1" noChangeAspect="1"/>
+          </p:cNvSpPr>
+          <p:nvPr>
+            <p:ph type="sldImg"/>
+          </p:nvPr>
+        </p:nvSpPr>
+        <p:spPr/>
+      </p:sp>
+      <p:sp>
+        <p:nvSpPr>
+          <p:cNvPr id="3" name="Notes Placeholder 2"/>
+          <p:cNvSpPr>
+            <a:spLocks noGrp="1"/>
+          </p:cNvSpPr>
+          <p:nvPr>
+            <p:ph type="body" idx="1"/>
+          </p:nvPr>
+        </p:nvSpPr>
+        <p:spPr/>
+        <p:txBody>
+          <a:bodyPr/>
+          <a:lstStyle/>
+          <a:p>
+            <a:endParaRPr lang="en-GB" dirty="0"/>
+          </a:p>
+        </p:txBody>
+      </p:sp>
+      <p:sp>
+        <p:nvSpPr>
+          <p:cNvPr id="4" name="Slide Number Placeholder 3"/>
+          <p:cNvSpPr>
+            <a:spLocks noGrp="1"/>
+          </p:cNvSpPr>
+          <p:nvPr>
+            <p:ph type="sldNum" sz="quarter" idx="5"/>
+          </p:nvPr>
+        </p:nvSpPr>
+        <p:spPr/>
+        <p:txBody>
+          <a:bodyPr/>
+          <a:lstStyle/>
+          <a:p>
+            <a:fld id="{2E54E8B5-D685-4E29-9152-08C373804003}" type="slidenum">
+              <a:rPr lang="en-GB" smtClean="0"/>
+              <a:t>3</a:t>
+            </a:fld>
+            <a:endParaRPr lang="en-GB"/>
+          </a:p>
+        </p:txBody>
+      </p:sp>
+    </p:spTree>
+    <p:extLst>
+      <p:ext uri="{BB962C8B-B14F-4D97-AF65-F5344CB8AC3E}">
+        <p14:creationId xmlns:p14="http://schemas.microsoft.com/office/powerpoint/2010/main" val="2335427579"/>
+      </p:ext>
+    </p:extLst>
+  </p:cSld>
+  <p:clrMapOvr>
+    <a:masterClrMapping/>
+  </p:clrMapOvr>
+</p:notes>
 </file>
 
 <file path=ppt/slideLayouts/slideLayout1.xml><?xml version="1.0" encoding="utf-8"?>
@@ -3340,89 +3781,6 @@
 <file path=ppt/slides/slide1.xml><?xml version="1.0" encoding="utf-8"?>
 <p:sld xmlns:a="http://schemas.openxmlformats.org/drawingml/2006/main" xmlns:r="http://schemas.openxmlformats.org/officeDocument/2006/relationships" xmlns:p="http://schemas.openxmlformats.org/presentationml/2006/main">
   <p:cSld>
-    <p:spTree>
-      <p:nvGrpSpPr>
-        <p:cNvPr id="1" name=""/>
-        <p:cNvGrpSpPr/>
-        <p:nvPr/>
-      </p:nvGrpSpPr>
-      <p:grpSpPr>
-        <a:xfrm>
-          <a:off x="0" y="0"/>
-          <a:ext cx="0" cy="0"/>
-          <a:chOff x="0" y="0"/>
-          <a:chExt cx="0" cy="0"/>
-        </a:xfrm>
-      </p:grpSpPr>
-      <p:sp>
-        <p:nvSpPr>
-          <p:cNvPr id="2" name="Title 1">
-            <a:extLst>
-              <a:ext uri="{FF2B5EF4-FFF2-40B4-BE49-F238E27FC236}">
-                <a16:creationId xmlns:a16="http://schemas.microsoft.com/office/drawing/2014/main" id="{BF4ECFE0-918E-112E-0B6E-EACF7DC1509B}"/>
-              </a:ext>
-            </a:extLst>
-          </p:cNvPr>
-          <p:cNvSpPr>
-            <a:spLocks noGrp="1"/>
-          </p:cNvSpPr>
-          <p:nvPr>
-            <p:ph type="ctrTitle"/>
-          </p:nvPr>
-        </p:nvSpPr>
-        <p:spPr/>
-        <p:txBody>
-          <a:bodyPr/>
-          <a:lstStyle/>
-          <a:p>
-            <a:r>
-              <a:rPr lang="en-GB" dirty="0"/>
-              <a:t>Inventory Management Systems</a:t>
-            </a:r>
-          </a:p>
-        </p:txBody>
-      </p:sp>
-      <p:sp>
-        <p:nvSpPr>
-          <p:cNvPr id="3" name="Subtitle 2">
-            <a:extLst>
-              <a:ext uri="{FF2B5EF4-FFF2-40B4-BE49-F238E27FC236}">
-                <a16:creationId xmlns:a16="http://schemas.microsoft.com/office/drawing/2014/main" id="{CA5969D0-5227-EE5A-5EA5-B6DBEC734CFA}"/>
-              </a:ext>
-            </a:extLst>
-          </p:cNvPr>
-          <p:cNvSpPr>
-            <a:spLocks noGrp="1"/>
-          </p:cNvSpPr>
-          <p:nvPr>
-            <p:ph type="subTitle" idx="1"/>
-          </p:nvPr>
-        </p:nvSpPr>
-        <p:spPr/>
-        <p:txBody>
-          <a:bodyPr/>
-          <a:lstStyle/>
-          <a:p>
-            <a:endParaRPr lang="en-GB"/>
-          </a:p>
-        </p:txBody>
-      </p:sp>
-    </p:spTree>
-    <p:extLst>
-      <p:ext uri="{BB962C8B-B14F-4D97-AF65-F5344CB8AC3E}">
-        <p14:creationId xmlns:p14="http://schemas.microsoft.com/office/powerpoint/2010/main" val="3202053479"/>
-      </p:ext>
-    </p:extLst>
-  </p:cSld>
-  <p:clrMapOvr>
-    <a:masterClrMapping/>
-  </p:clrMapOvr>
-</p:sld>
-</file>
-
-<file path=ppt/slides/slide10.xml><?xml version="1.0" encoding="utf-8"?>
-<p:sld xmlns:a="http://schemas.openxmlformats.org/drawingml/2006/main" xmlns:r="http://schemas.openxmlformats.org/officeDocument/2006/relationships" xmlns:p="http://schemas.openxmlformats.org/presentationml/2006/main">
-  <p:cSld>
     <p:bg>
       <p:bgPr>
         <a:solidFill>
@@ -3447,10 +3805,10 @@
       </p:grpSpPr>
       <p:sp useBgFill="1">
         <p:nvSpPr>
-          <p:cNvPr id="10" name="Rectangle 9">
+          <p:cNvPr id="8" name="Rectangle 7">
             <a:extLst>
               <a:ext uri="{FF2B5EF4-FFF2-40B4-BE49-F238E27FC236}">
-                <a16:creationId xmlns:a16="http://schemas.microsoft.com/office/drawing/2014/main" id="{AB8C311F-7253-4AED-9701-7FC0708C41C7}"/>
+                <a16:creationId xmlns:a16="http://schemas.microsoft.com/office/drawing/2014/main" id="{6F5A5072-7B47-4D32-B52A-4EBBF590B8A5}"/>
               </a:ext>
               <a:ext uri="{C183D7F6-B498-43B3-948B-1728B52AA6E4}">
                 <adec:decorative xmlns:adec="http://schemas.microsoft.com/office/drawing/2017/decorative" val="1"/>
@@ -3523,10 +3881,10 @@
       </p:sp>
       <p:sp>
         <p:nvSpPr>
-          <p:cNvPr id="12" name="Rectangle 11">
+          <p:cNvPr id="10" name="Rectangle 9">
             <a:extLst>
               <a:ext uri="{FF2B5EF4-FFF2-40B4-BE49-F238E27FC236}">
-                <a16:creationId xmlns:a16="http://schemas.microsoft.com/office/drawing/2014/main" id="{FD073016-B734-483B-8953-5BADEE145112}"/>
+                <a16:creationId xmlns:a16="http://schemas.microsoft.com/office/drawing/2014/main" id="{9715DAF0-AE1B-46C9-8A6B-DB2AA05AB91D}"/>
               </a:ext>
               <a:ext uri="{C183D7F6-B498-43B3-948B-1728B52AA6E4}">
                 <adec:decorative xmlns:adec="http://schemas.microsoft.com/office/drawing/2017/decorative" val="1"/>
@@ -3545,30 +3903,25 @@
           </p:nvPr>
         </p:nvSpPr>
         <p:spPr>
-          <a:xfrm>
-            <a:off x="4038600" y="0"/>
-            <a:ext cx="8157458" cy="6858000"/>
+          <a:xfrm rot="10800000">
+            <a:off x="-2" y="-22693"/>
+            <a:ext cx="12191999" cy="4374129"/>
           </a:xfrm>
           <a:prstGeom prst="rect">
             <a:avLst/>
           </a:prstGeom>
           <a:gradFill>
             <a:gsLst>
-              <a:gs pos="2000">
-                <a:schemeClr val="accent1"/>
-              </a:gs>
-              <a:gs pos="78000">
+              <a:gs pos="0">
                 <a:schemeClr val="accent1">
-                  <a:lumMod val="50000"/>
+                  <a:lumMod val="75000"/>
                 </a:schemeClr>
               </a:gs>
               <a:gs pos="100000">
-                <a:srgbClr val="000000">
-                  <a:alpha val="85000"/>
-                </a:srgbClr>
+                <a:srgbClr val="000000"/>
               </a:gs>
             </a:gsLst>
-            <a:lin ang="18000000" scaled="0"/>
+            <a:lin ang="15000000" scaled="0"/>
           </a:gradFill>
           <a:ln>
             <a:noFill/>
@@ -3601,10 +3954,10 @@
       </p:sp>
       <p:sp>
         <p:nvSpPr>
-          <p:cNvPr id="14" name="Rectangle 13">
+          <p:cNvPr id="12" name="Rectangle 11">
             <a:extLst>
               <a:ext uri="{FF2B5EF4-FFF2-40B4-BE49-F238E27FC236}">
-                <a16:creationId xmlns:a16="http://schemas.microsoft.com/office/drawing/2014/main" id="{90A7EAB6-59D3-4325-8DE6-E0CA4009CE53}"/>
+                <a16:creationId xmlns:a16="http://schemas.microsoft.com/office/drawing/2014/main" id="{6016219D-510E-4184-9090-6D5578A87BD1}"/>
               </a:ext>
               <a:ext uri="{C183D7F6-B498-43B3-948B-1728B52AA6E4}">
                 <adec:decorative xmlns:adec="http://schemas.microsoft.com/office/drawing/2017/decorative" val="1"/>
@@ -3623,29 +3976,28 @@
           </p:nvPr>
         </p:nvSpPr>
         <p:spPr>
-          <a:xfrm flipH="1">
-            <a:off x="4034537" y="1839884"/>
-            <a:ext cx="8157460" cy="5017687"/>
+          <a:xfrm rot="5400000">
+            <a:off x="3908719" y="-3931841"/>
+            <a:ext cx="4374557" cy="12192000"/>
           </a:xfrm>
           <a:prstGeom prst="rect">
             <a:avLst/>
           </a:prstGeom>
           <a:gradFill>
             <a:gsLst>
-              <a:gs pos="0">
+              <a:gs pos="40000">
                 <a:schemeClr val="accent1">
-                  <a:lumMod val="60000"/>
-                  <a:lumOff val="40000"/>
-                  <a:alpha val="30000"/>
+                  <a:alpha val="0"/>
                 </a:schemeClr>
               </a:gs>
               <a:gs pos="100000">
-                <a:srgbClr val="000000">
-                  <a:alpha val="44000"/>
-                </a:srgbClr>
+                <a:schemeClr val="accent1">
+                  <a:lumMod val="75000"/>
+                  <a:alpha val="52000"/>
+                </a:schemeClr>
               </a:gs>
             </a:gsLst>
-            <a:lin ang="4800000" scaled="0"/>
+            <a:lin ang="2400000" scaled="0"/>
           </a:gradFill>
           <a:ln>
             <a:noFill/>
@@ -3678,10 +4030,10 @@
       </p:sp>
       <p:sp>
         <p:nvSpPr>
-          <p:cNvPr id="16" name="Rectangle 15">
+          <p:cNvPr id="14" name="Rectangle 13">
             <a:extLst>
               <a:ext uri="{FF2B5EF4-FFF2-40B4-BE49-F238E27FC236}">
-                <a16:creationId xmlns:a16="http://schemas.microsoft.com/office/drawing/2014/main" id="{A8D57A06-A426-446D-B02C-A2DC6B62E45E}"/>
+                <a16:creationId xmlns:a16="http://schemas.microsoft.com/office/drawing/2014/main" id="{AFF4A713-7B75-4B21-90D7-5AB19547C728}"/>
               </a:ext>
               <a:ext uri="{C183D7F6-B498-43B3-948B-1728B52AA6E4}">
                 <adec:decorative xmlns:adec="http://schemas.microsoft.com/office/drawing/2017/decorative" val="1"/>
@@ -3700,27 +4052,27 @@
           </p:nvPr>
         </p:nvSpPr>
         <p:spPr>
-          <a:xfrm rot="5400000" flipH="1">
-            <a:off x="4063179" y="-33131"/>
-            <a:ext cx="6857999" cy="6923403"/>
+          <a:xfrm rot="5400000">
+            <a:off x="4136696" y="-3703868"/>
+            <a:ext cx="4374128" cy="11736479"/>
           </a:xfrm>
           <a:prstGeom prst="rect">
             <a:avLst/>
           </a:prstGeom>
           <a:gradFill>
             <a:gsLst>
-              <a:gs pos="56000">
+              <a:gs pos="17000">
                 <a:schemeClr val="accent1">
-                  <a:lumMod val="60000"/>
-                  <a:lumOff val="40000"/>
                   <a:alpha val="0"/>
                 </a:schemeClr>
               </a:gs>
               <a:gs pos="100000">
-                <a:schemeClr val="accent1"/>
+                <a:srgbClr val="000000">
+                  <a:alpha val="37000"/>
+                </a:srgbClr>
               </a:gs>
             </a:gsLst>
-            <a:lin ang="6600000" scaled="0"/>
+            <a:lin ang="7800000" scaled="0"/>
           </a:gradFill>
           <a:ln>
             <a:noFill/>
@@ -3751,42 +4103,307 @@
           </a:p>
         </p:txBody>
       </p:sp>
-      <p:pic>
-        <p:nvPicPr>
-          <p:cNvPr id="5" name="Content Placeholder 4">
+      <p:sp>
+        <p:nvSpPr>
+          <p:cNvPr id="16" name="Rectangle 15">
             <a:extLst>
               <a:ext uri="{FF2B5EF4-FFF2-40B4-BE49-F238E27FC236}">
-                <a16:creationId xmlns:a16="http://schemas.microsoft.com/office/drawing/2014/main" id="{A6474410-544C-D436-7B5E-3C952C084D24}"/>
+                <a16:creationId xmlns:a16="http://schemas.microsoft.com/office/drawing/2014/main" id="{DC631C0B-6DA6-4E57-8231-CE32B3434A7E}"/>
+              </a:ext>
+              <a:ext uri="{C183D7F6-B498-43B3-948B-1728B52AA6E4}">
+                <adec:decorative xmlns:adec="http://schemas.microsoft.com/office/drawing/2017/decorative" val="1"/>
               </a:ext>
             </a:extLst>
           </p:cNvPr>
-          <p:cNvPicPr>
-            <a:picLocks noGrp="1" noChangeAspect="1"/>
-          </p:cNvPicPr>
+          <p:cNvSpPr>
+            <a:spLocks noGrp="1" noRot="1" noChangeAspect="1" noMove="1" noResize="1" noEditPoints="1" noAdjustHandles="1" noChangeArrowheads="1" noChangeShapeType="1" noTextEdit="1"/>
+          </p:cNvSpPr>
           <p:nvPr>
-            <p:ph idx="1"/>
+            <p:extLst>
+              <p:ext uri="{386F3935-93C4-4BCD-93E2-E3B085C9AB24}">
+                <p16:designElem xmlns:p16="http://schemas.microsoft.com/office/powerpoint/2015/main" val="1"/>
+              </p:ext>
+            </p:extLst>
           </p:nvPr>
-        </p:nvPicPr>
-        <p:blipFill>
-          <a:blip r:embed="rId2"/>
-          <a:stretch>
-            <a:fillRect/>
-          </a:stretch>
-        </p:blipFill>
+        </p:nvSpPr>
         <p:spPr>
           <a:xfrm>
-            <a:off x="1610263" y="457200"/>
-            <a:ext cx="8971473" cy="5943600"/>
+            <a:off x="-5" y="-22690"/>
+            <a:ext cx="8542485" cy="4374126"/>
           </a:xfrm>
           <a:prstGeom prst="rect">
             <a:avLst/>
           </a:prstGeom>
+          <a:gradFill>
+            <a:gsLst>
+              <a:gs pos="0">
+                <a:schemeClr val="accent1">
+                  <a:lumMod val="50000"/>
+                  <a:alpha val="0"/>
+                </a:schemeClr>
+              </a:gs>
+              <a:gs pos="100000">
+                <a:srgbClr val="000000">
+                  <a:alpha val="25000"/>
+                </a:srgbClr>
+              </a:gs>
+            </a:gsLst>
+            <a:lin ang="18600000" scaled="0"/>
+          </a:gradFill>
+          <a:ln>
+            <a:noFill/>
+          </a:ln>
         </p:spPr>
-      </p:pic>
+        <p:style>
+          <a:lnRef idx="2">
+            <a:schemeClr val="accent1">
+              <a:shade val="50000"/>
+            </a:schemeClr>
+          </a:lnRef>
+          <a:fillRef idx="1">
+            <a:schemeClr val="accent1"/>
+          </a:fillRef>
+          <a:effectRef idx="0">
+            <a:schemeClr val="accent1"/>
+          </a:effectRef>
+          <a:fontRef idx="minor">
+            <a:schemeClr val="lt1"/>
+          </a:fontRef>
+        </p:style>
+        <p:txBody>
+          <a:bodyPr rtlCol="0" anchor="ctr"/>
+          <a:lstStyle/>
+          <a:p>
+            <a:pPr algn="ctr"/>
+            <a:endParaRPr lang="en-US"/>
+          </a:p>
+        </p:txBody>
+      </p:sp>
+      <p:sp>
+        <p:nvSpPr>
+          <p:cNvPr id="18" name="Freeform: Shape 17">
+            <a:extLst>
+              <a:ext uri="{FF2B5EF4-FFF2-40B4-BE49-F238E27FC236}">
+                <a16:creationId xmlns:a16="http://schemas.microsoft.com/office/drawing/2014/main" id="{C29501E6-A978-4A61-9689-9085AF97A53A}"/>
+              </a:ext>
+              <a:ext uri="{C183D7F6-B498-43B3-948B-1728B52AA6E4}">
+                <adec:decorative xmlns:adec="http://schemas.microsoft.com/office/drawing/2017/decorative" val="1"/>
+              </a:ext>
+            </a:extLst>
+          </p:cNvPr>
+          <p:cNvSpPr>
+            <a:spLocks noGrp="1" noRot="1" noChangeAspect="1" noMove="1" noResize="1" noEditPoints="1" noAdjustHandles="1" noChangeArrowheads="1" noChangeShapeType="1" noTextEdit="1"/>
+          </p:cNvSpPr>
+          <p:nvPr>
+            <p:extLst>
+              <p:ext uri="{386F3935-93C4-4BCD-93E2-E3B085C9AB24}">
+                <p16:designElem xmlns:p16="http://schemas.microsoft.com/office/powerpoint/2015/main" val="1"/>
+              </p:ext>
+            </p:extLst>
+          </p:nvPr>
+        </p:nvSpPr>
+        <p:spPr>
+          <a:xfrm rot="12508972">
+            <a:off x="5945431" y="-1032053"/>
+            <a:ext cx="4990147" cy="4439131"/>
+          </a:xfrm>
+          <a:custGeom>
+            <a:avLst/>
+            <a:gdLst>
+              <a:gd name="connsiteX0" fmla="*/ 4990147 w 4990147"/>
+              <a:gd name="connsiteY0" fmla="*/ 2229378 h 4439131"/>
+              <a:gd name="connsiteX1" fmla="*/ 917384 w 4990147"/>
+              <a:gd name="connsiteY1" fmla="*/ 4439131 h 4439131"/>
+              <a:gd name="connsiteX2" fmla="*/ 910814 w 4990147"/>
+              <a:gd name="connsiteY2" fmla="*/ 4434219 h 4439131"/>
+              <a:gd name="connsiteX3" fmla="*/ 0 w 4990147"/>
+              <a:gd name="connsiteY3" fmla="*/ 2502877 h 4439131"/>
+              <a:gd name="connsiteX4" fmla="*/ 2502877 w 4990147"/>
+              <a:gd name="connsiteY4" fmla="*/ 0 h 4439131"/>
+              <a:gd name="connsiteX5" fmla="*/ 4954904 w 4990147"/>
+              <a:gd name="connsiteY5" fmla="*/ 1998460 h 4439131"/>
+            </a:gdLst>
+            <a:ahLst/>
+            <a:cxnLst>
+              <a:cxn ang="0">
+                <a:pos x="connsiteX0" y="connsiteY0"/>
+              </a:cxn>
+              <a:cxn ang="0">
+                <a:pos x="connsiteX1" y="connsiteY1"/>
+              </a:cxn>
+              <a:cxn ang="0">
+                <a:pos x="connsiteX2" y="connsiteY2"/>
+              </a:cxn>
+              <a:cxn ang="0">
+                <a:pos x="connsiteX3" y="connsiteY3"/>
+              </a:cxn>
+              <a:cxn ang="0">
+                <a:pos x="connsiteX4" y="connsiteY4"/>
+              </a:cxn>
+              <a:cxn ang="0">
+                <a:pos x="connsiteX5" y="connsiteY5"/>
+              </a:cxn>
+            </a:cxnLst>
+            <a:rect l="l" t="t" r="r" b="b"/>
+            <a:pathLst>
+              <a:path w="4990147" h="4439131">
+                <a:moveTo>
+                  <a:pt x="4990147" y="2229378"/>
+                </a:moveTo>
+                <a:lnTo>
+                  <a:pt x="917384" y="4439131"/>
+                </a:lnTo>
+                <a:lnTo>
+                  <a:pt x="910814" y="4434219"/>
+                </a:lnTo>
+                <a:cubicBezTo>
+                  <a:pt x="354557" y="3975154"/>
+                  <a:pt x="0" y="3280421"/>
+                  <a:pt x="0" y="2502877"/>
+                </a:cubicBezTo>
+                <a:cubicBezTo>
+                  <a:pt x="0" y="1120576"/>
+                  <a:pt x="1120576" y="0"/>
+                  <a:pt x="2502877" y="0"/>
+                </a:cubicBezTo>
+                <a:cubicBezTo>
+                  <a:pt x="3712390" y="0"/>
+                  <a:pt x="4721520" y="857941"/>
+                  <a:pt x="4954904" y="1998460"/>
+                </a:cubicBezTo>
+                <a:close/>
+              </a:path>
+            </a:pathLst>
+          </a:custGeom>
+          <a:gradFill>
+            <a:gsLst>
+              <a:gs pos="0">
+                <a:schemeClr val="accent1">
+                  <a:alpha val="22000"/>
+                </a:schemeClr>
+              </a:gs>
+              <a:gs pos="87000">
+                <a:schemeClr val="accent1">
+                  <a:lumMod val="60000"/>
+                  <a:lumOff val="40000"/>
+                  <a:alpha val="2000"/>
+                </a:schemeClr>
+              </a:gs>
+            </a:gsLst>
+            <a:lin ang="8400000" scaled="0"/>
+          </a:gradFill>
+          <a:ln>
+            <a:noFill/>
+          </a:ln>
+        </p:spPr>
+        <p:style>
+          <a:lnRef idx="2">
+            <a:schemeClr val="accent1">
+              <a:shade val="50000"/>
+            </a:schemeClr>
+          </a:lnRef>
+          <a:fillRef idx="1">
+            <a:schemeClr val="accent1"/>
+          </a:fillRef>
+          <a:effectRef idx="0">
+            <a:schemeClr val="accent1"/>
+          </a:effectRef>
+          <a:fontRef idx="minor">
+            <a:schemeClr val="lt1"/>
+          </a:fontRef>
+        </p:style>
+        <p:txBody>
+          <a:bodyPr wrap="square" rtlCol="0" anchor="ctr">
+            <a:noAutofit/>
+          </a:bodyPr>
+          <a:lstStyle/>
+          <a:p>
+            <a:pPr algn="ctr"/>
+            <a:endParaRPr lang="en-US" dirty="0"/>
+          </a:p>
+        </p:txBody>
+      </p:sp>
+      <p:sp>
+        <p:nvSpPr>
+          <p:cNvPr id="2" name="Title 1">
+            <a:extLst>
+              <a:ext uri="{FF2B5EF4-FFF2-40B4-BE49-F238E27FC236}">
+                <a16:creationId xmlns:a16="http://schemas.microsoft.com/office/drawing/2014/main" id="{BF4ECFE0-918E-112E-0B6E-EACF7DC1509B}"/>
+              </a:ext>
+            </a:extLst>
+          </p:cNvPr>
+          <p:cNvSpPr>
+            <a:spLocks noGrp="1"/>
+          </p:cNvSpPr>
+          <p:nvPr>
+            <p:ph type="ctrTitle"/>
+          </p:nvPr>
+        </p:nvSpPr>
+        <p:spPr>
+          <a:xfrm>
+            <a:off x="1906584" y="1905000"/>
+            <a:ext cx="8616576" cy="958476"/>
+          </a:xfrm>
+        </p:spPr>
+        <p:txBody>
+          <a:bodyPr anchor="b">
+            <a:normAutofit/>
+          </a:bodyPr>
+          <a:lstStyle/>
+          <a:p>
+            <a:pPr algn="l"/>
+            <a:r>
+              <a:rPr lang="en-GB" sz="4800" dirty="0">
+                <a:solidFill>
+                  <a:srgbClr val="FFFFFF"/>
+                </a:solidFill>
+              </a:rPr>
+              <a:t>Inventory Management System</a:t>
+            </a:r>
+          </a:p>
+        </p:txBody>
+      </p:sp>
+      <p:sp>
+        <p:nvSpPr>
+          <p:cNvPr id="3" name="Subtitle 2">
+            <a:extLst>
+              <a:ext uri="{FF2B5EF4-FFF2-40B4-BE49-F238E27FC236}">
+                <a16:creationId xmlns:a16="http://schemas.microsoft.com/office/drawing/2014/main" id="{CA5969D0-5227-EE5A-5EA5-B6DBEC734CFA}"/>
+              </a:ext>
+            </a:extLst>
+          </p:cNvPr>
+          <p:cNvSpPr>
+            <a:spLocks noGrp="1"/>
+          </p:cNvSpPr>
+          <p:nvPr>
+            <p:ph type="subTitle" idx="1"/>
+          </p:nvPr>
+        </p:nvSpPr>
+        <p:spPr>
+          <a:xfrm>
+            <a:off x="7753569" y="5004117"/>
+            <a:ext cx="3615018" cy="577476"/>
+          </a:xfrm>
+        </p:spPr>
+        <p:txBody>
+          <a:bodyPr anchor="ctr">
+            <a:normAutofit/>
+          </a:bodyPr>
+          <a:lstStyle/>
+          <a:p>
+            <a:pPr algn="l"/>
+            <a:r>
+              <a:rPr lang="en-GB" dirty="0"/>
+              <a:t>By Ridwan Kawsar</a:t>
+            </a:r>
+            <a:endParaRPr lang="en-GB"/>
+          </a:p>
+        </p:txBody>
+      </p:sp>
     </p:spTree>
     <p:extLst>
       <p:ext uri="{BB962C8B-B14F-4D97-AF65-F5344CB8AC3E}">
-        <p14:creationId xmlns:p14="http://schemas.microsoft.com/office/powerpoint/2010/main" val="2262616446"/>
+        <p14:creationId xmlns:p14="http://schemas.microsoft.com/office/powerpoint/2010/main" val="3202053479"/>
       </p:ext>
     </p:extLst>
   </p:cSld>
@@ -3796,95 +4413,7 @@
 </p:sld>
 </file>
 
-<file path=ppt/slides/slide11.xml><?xml version="1.0" encoding="utf-8"?>
-<p:sld xmlns:a="http://schemas.openxmlformats.org/drawingml/2006/main" xmlns:r="http://schemas.openxmlformats.org/officeDocument/2006/relationships" xmlns:p="http://schemas.openxmlformats.org/presentationml/2006/main">
-  <p:cSld>
-    <p:spTree>
-      <p:nvGrpSpPr>
-        <p:cNvPr id="1" name=""/>
-        <p:cNvGrpSpPr/>
-        <p:nvPr/>
-      </p:nvGrpSpPr>
-      <p:grpSpPr>
-        <a:xfrm>
-          <a:off x="0" y="0"/>
-          <a:ext cx="0" cy="0"/>
-          <a:chOff x="0" y="0"/>
-          <a:chExt cx="0" cy="0"/>
-        </a:xfrm>
-      </p:grpSpPr>
-      <p:sp>
-        <p:nvSpPr>
-          <p:cNvPr id="2" name="Title 1">
-            <a:extLst>
-              <a:ext uri="{FF2B5EF4-FFF2-40B4-BE49-F238E27FC236}">
-                <a16:creationId xmlns:a16="http://schemas.microsoft.com/office/drawing/2014/main" id="{F702E1B9-A07E-BD3E-DFF1-D7ED4137494E}"/>
-              </a:ext>
-            </a:extLst>
-          </p:cNvPr>
-          <p:cNvSpPr>
-            <a:spLocks noGrp="1"/>
-          </p:cNvSpPr>
-          <p:nvPr>
-            <p:ph type="title"/>
-          </p:nvPr>
-        </p:nvSpPr>
-        <p:spPr>
-          <a:xfrm>
-            <a:off x="838199" y="365125"/>
-            <a:ext cx="10722429" cy="1325563"/>
-          </a:xfrm>
-        </p:spPr>
-        <p:txBody>
-          <a:bodyPr/>
-          <a:lstStyle/>
-          <a:p>
-            <a:r>
-              <a:rPr lang="en-GB" dirty="0"/>
-              <a:t>Version Control – Feature Branch Model (FBM)</a:t>
-            </a:r>
-          </a:p>
-        </p:txBody>
-      </p:sp>
-      <p:sp>
-        <p:nvSpPr>
-          <p:cNvPr id="3" name="Content Placeholder 2">
-            <a:extLst>
-              <a:ext uri="{FF2B5EF4-FFF2-40B4-BE49-F238E27FC236}">
-                <a16:creationId xmlns:a16="http://schemas.microsoft.com/office/drawing/2014/main" id="{6559FDE9-7BA8-2E4B-7F6B-63B2825E72B6}"/>
-              </a:ext>
-            </a:extLst>
-          </p:cNvPr>
-          <p:cNvSpPr>
-            <a:spLocks noGrp="1"/>
-          </p:cNvSpPr>
-          <p:nvPr>
-            <p:ph idx="1"/>
-          </p:nvPr>
-        </p:nvSpPr>
-        <p:spPr/>
-        <p:txBody>
-          <a:bodyPr/>
-          <a:lstStyle/>
-          <a:p>
-            <a:endParaRPr lang="en-GB"/>
-          </a:p>
-        </p:txBody>
-      </p:sp>
-    </p:spTree>
-    <p:extLst>
-      <p:ext uri="{BB962C8B-B14F-4D97-AF65-F5344CB8AC3E}">
-        <p14:creationId xmlns:p14="http://schemas.microsoft.com/office/powerpoint/2010/main" val="2302782993"/>
-      </p:ext>
-    </p:extLst>
-  </p:cSld>
-  <p:clrMapOvr>
-    <a:masterClrMapping/>
-  </p:clrMapOvr>
-</p:sld>
-</file>
-
-<file path=ppt/slides/slide12.xml><?xml version="1.0" encoding="utf-8"?>
+<file path=ppt/slides/slide10.xml><?xml version="1.0" encoding="utf-8"?>
 <p:sld xmlns:a="http://schemas.openxmlformats.org/drawingml/2006/main" xmlns:r="http://schemas.openxmlformats.org/officeDocument/2006/relationships" xmlns:p="http://schemas.openxmlformats.org/presentationml/2006/main">
   <p:cSld>
     <p:bg>
@@ -3911,7 +4440,7 @@
       </p:grpSpPr>
       <p:sp>
         <p:nvSpPr>
-          <p:cNvPr id="17" name="Rectangle 16">
+          <p:cNvPr id="24" name="Rectangle 23">
             <a:extLst>
               <a:ext uri="{FF2B5EF4-FFF2-40B4-BE49-F238E27FC236}">
                 <a16:creationId xmlns:a16="http://schemas.microsoft.com/office/drawing/2014/main" id="{6753252F-4873-4F63-801D-CC719279A7D5}"/>
@@ -3974,6 +4503,253 @@
       </p:sp>
       <p:sp>
         <p:nvSpPr>
+          <p:cNvPr id="26" name="Rectangle 25">
+            <a:extLst>
+              <a:ext uri="{FF2B5EF4-FFF2-40B4-BE49-F238E27FC236}">
+                <a16:creationId xmlns:a16="http://schemas.microsoft.com/office/drawing/2014/main" id="{047C8CCB-F95D-4249-92DD-651249D3535A}"/>
+              </a:ext>
+              <a:ext uri="{C183D7F6-B498-43B3-948B-1728B52AA6E4}">
+                <adec:decorative xmlns:adec="http://schemas.microsoft.com/office/drawing/2017/decorative" val="1"/>
+              </a:ext>
+            </a:extLst>
+          </p:cNvPr>
+          <p:cNvSpPr>
+            <a:spLocks noGrp="1" noRot="1" noChangeAspect="1" noMove="1" noResize="1" noEditPoints="1" noAdjustHandles="1" noChangeArrowheads="1" noChangeShapeType="1" noTextEdit="1"/>
+          </p:cNvSpPr>
+          <p:nvPr>
+            <p:extLst>
+              <p:ext uri="{386F3935-93C4-4BCD-93E2-E3B085C9AB24}">
+                <p16:designElem xmlns:p16="http://schemas.microsoft.com/office/powerpoint/2015/main" val="1"/>
+              </p:ext>
+            </p:extLst>
+          </p:nvPr>
+        </p:nvSpPr>
+        <p:spPr>
+          <a:xfrm>
+            <a:off x="0" y="0"/>
+            <a:ext cx="2013557" cy="6858000"/>
+          </a:xfrm>
+          <a:prstGeom prst="rect">
+            <a:avLst/>
+          </a:prstGeom>
+          <a:solidFill>
+            <a:srgbClr val="205E4E"/>
+          </a:solidFill>
+          <a:ln>
+            <a:noFill/>
+          </a:ln>
+        </p:spPr>
+        <p:style>
+          <a:lnRef idx="2">
+            <a:schemeClr val="accent1">
+              <a:shade val="50000"/>
+            </a:schemeClr>
+          </a:lnRef>
+          <a:fillRef idx="1">
+            <a:schemeClr val="accent1"/>
+          </a:fillRef>
+          <a:effectRef idx="0">
+            <a:schemeClr val="accent1"/>
+          </a:effectRef>
+          <a:fontRef idx="minor">
+            <a:schemeClr val="lt1"/>
+          </a:fontRef>
+        </p:style>
+        <p:txBody>
+          <a:bodyPr rtlCol="0" anchor="ctr"/>
+          <a:lstStyle/>
+          <a:p>
+            <a:pPr algn="ctr"/>
+            <a:endParaRPr lang="en-US"/>
+          </a:p>
+        </p:txBody>
+      </p:sp>
+      <p:sp>
+        <p:nvSpPr>
+          <p:cNvPr id="2" name="Title 1">
+            <a:extLst>
+              <a:ext uri="{FF2B5EF4-FFF2-40B4-BE49-F238E27FC236}">
+                <a16:creationId xmlns:a16="http://schemas.microsoft.com/office/drawing/2014/main" id="{F702E1B9-A07E-BD3E-DFF1-D7ED4137494E}"/>
+              </a:ext>
+            </a:extLst>
+          </p:cNvPr>
+          <p:cNvSpPr>
+            <a:spLocks noGrp="1"/>
+          </p:cNvSpPr>
+          <p:nvPr>
+            <p:ph type="title"/>
+          </p:nvPr>
+        </p:nvSpPr>
+        <p:spPr>
+          <a:xfrm>
+            <a:off x="640080" y="2074363"/>
+            <a:ext cx="2752354" cy="2709275"/>
+          </a:xfrm>
+          <a:prstGeom prst="ellipse">
+            <a:avLst/>
+          </a:prstGeom>
+          <a:solidFill>
+            <a:srgbClr val="262626"/>
+          </a:solidFill>
+          <a:ln w="174625" cmpd="thinThick">
+            <a:solidFill>
+              <a:srgbClr val="262626"/>
+            </a:solidFill>
+          </a:ln>
+        </p:spPr>
+        <p:txBody>
+          <a:bodyPr vert="horz" lIns="91440" tIns="45720" rIns="91440" bIns="45720" rtlCol="0" anchor="ctr">
+            <a:normAutofit/>
+          </a:bodyPr>
+          <a:lstStyle/>
+          <a:p>
+            <a:pPr algn="ctr"/>
+            <a:r>
+              <a:rPr lang="en-US" sz="2600" kern="1200">
+                <a:solidFill>
+                  <a:srgbClr val="FFFFFF"/>
+                </a:solidFill>
+                <a:latin typeface="+mj-lt"/>
+                <a:ea typeface="+mj-ea"/>
+                <a:cs typeface="+mj-cs"/>
+              </a:rPr>
+              <a:t>Version Control – Feature Branch Model (FBM)</a:t>
+            </a:r>
+          </a:p>
+        </p:txBody>
+      </p:sp>
+      <p:pic>
+        <p:nvPicPr>
+          <p:cNvPr id="5" name="Content Placeholder 4">
+            <a:extLst>
+              <a:ext uri="{FF2B5EF4-FFF2-40B4-BE49-F238E27FC236}">
+                <a16:creationId xmlns:a16="http://schemas.microsoft.com/office/drawing/2014/main" id="{96D40FCD-049B-EE76-8E14-351DBF69555D}"/>
+              </a:ext>
+            </a:extLst>
+          </p:cNvPr>
+          <p:cNvPicPr>
+            <a:picLocks noChangeAspect="1"/>
+          </p:cNvPicPr>
+          <p:nvPr/>
+        </p:nvPicPr>
+        <p:blipFill rotWithShape="1">
+          <a:blip r:embed="rId2"/>
+          <a:srcRect r="15663" b="1"/>
+          <a:stretch/>
+        </p:blipFill>
+        <p:spPr>
+          <a:xfrm>
+            <a:off x="3700272" y="866456"/>
+            <a:ext cx="7188199" cy="4218934"/>
+          </a:xfrm>
+          <a:prstGeom prst="rect">
+            <a:avLst/>
+          </a:prstGeom>
+        </p:spPr>
+      </p:pic>
+    </p:spTree>
+    <p:extLst>
+      <p:ext uri="{BB962C8B-B14F-4D97-AF65-F5344CB8AC3E}">
+        <p14:creationId xmlns:p14="http://schemas.microsoft.com/office/powerpoint/2010/main" val="2302782993"/>
+      </p:ext>
+    </p:extLst>
+  </p:cSld>
+  <p:clrMapOvr>
+    <a:masterClrMapping/>
+  </p:clrMapOvr>
+</p:sld>
+</file>
+
+<file path=ppt/slides/slide11.xml><?xml version="1.0" encoding="utf-8"?>
+<p:sld xmlns:a="http://schemas.openxmlformats.org/drawingml/2006/main" xmlns:r="http://schemas.openxmlformats.org/officeDocument/2006/relationships" xmlns:p="http://schemas.openxmlformats.org/presentationml/2006/main">
+  <p:cSld>
+    <p:bg>
+      <p:bgPr>
+        <a:solidFill>
+          <a:schemeClr val="bg1"/>
+        </a:solidFill>
+        <a:effectLst/>
+      </p:bgPr>
+    </p:bg>
+    <p:spTree>
+      <p:nvGrpSpPr>
+        <p:cNvPr id="1" name=""/>
+        <p:cNvGrpSpPr/>
+        <p:nvPr/>
+      </p:nvGrpSpPr>
+      <p:grpSpPr>
+        <a:xfrm>
+          <a:off x="0" y="0"/>
+          <a:ext cx="0" cy="0"/>
+          <a:chOff x="0" y="0"/>
+          <a:chExt cx="0" cy="0"/>
+        </a:xfrm>
+      </p:grpSpPr>
+      <p:sp>
+        <p:nvSpPr>
+          <p:cNvPr id="17" name="Rectangle 16">
+            <a:extLst>
+              <a:ext uri="{FF2B5EF4-FFF2-40B4-BE49-F238E27FC236}">
+                <a16:creationId xmlns:a16="http://schemas.microsoft.com/office/drawing/2014/main" id="{6753252F-4873-4F63-801D-CC719279A7D5}"/>
+              </a:ext>
+              <a:ext uri="{C183D7F6-B498-43B3-948B-1728B52AA6E4}">
+                <adec:decorative xmlns:adec="http://schemas.microsoft.com/office/drawing/2017/decorative" val="1"/>
+              </a:ext>
+            </a:extLst>
+          </p:cNvPr>
+          <p:cNvSpPr>
+            <a:spLocks noGrp="1" noRot="1" noChangeAspect="1" noMove="1" noResize="1" noEditPoints="1" noAdjustHandles="1" noChangeArrowheads="1" noChangeShapeType="1" noTextEdit="1"/>
+          </p:cNvSpPr>
+          <p:nvPr>
+            <p:extLst>
+              <p:ext uri="{386F3935-93C4-4BCD-93E2-E3B085C9AB24}">
+                <p16:designElem xmlns:p16="http://schemas.microsoft.com/office/powerpoint/2015/main" val="1"/>
+              </p:ext>
+            </p:extLst>
+          </p:nvPr>
+        </p:nvSpPr>
+        <p:spPr>
+          <a:xfrm>
+            <a:off x="0" y="0"/>
+            <a:ext cx="12192000" cy="6858000"/>
+          </a:xfrm>
+          <a:prstGeom prst="rect">
+            <a:avLst/>
+          </a:prstGeom>
+          <a:solidFill>
+            <a:srgbClr val="FFFFFF"/>
+          </a:solidFill>
+          <a:ln>
+            <a:noFill/>
+          </a:ln>
+        </p:spPr>
+        <p:style>
+          <a:lnRef idx="2">
+            <a:schemeClr val="accent1">
+              <a:shade val="50000"/>
+            </a:schemeClr>
+          </a:lnRef>
+          <a:fillRef idx="1">
+            <a:schemeClr val="accent1"/>
+          </a:fillRef>
+          <a:effectRef idx="0">
+            <a:schemeClr val="accent1"/>
+          </a:effectRef>
+          <a:fontRef idx="minor">
+            <a:schemeClr val="lt1"/>
+          </a:fontRef>
+        </p:style>
+        <p:txBody>
+          <a:bodyPr rtlCol="0" anchor="ctr"/>
+          <a:lstStyle/>
+          <a:p>
+            <a:pPr algn="ctr"/>
+            <a:endParaRPr lang="en-US"/>
+          </a:p>
+        </p:txBody>
+      </p:sp>
+      <p:sp>
+        <p:nvSpPr>
           <p:cNvPr id="19" name="Rectangle 18">
             <a:extLst>
               <a:ext uri="{FF2B5EF4-FFF2-40B4-BE49-F238E27FC236}">
@@ -4059,8 +4835,8 @@
         </p:blipFill>
         <p:spPr>
           <a:xfrm>
-            <a:off x="2521376" y="969686"/>
-            <a:ext cx="9162804" cy="4764659"/>
+            <a:off x="3183427" y="805094"/>
+            <a:ext cx="8861831" cy="4608153"/>
           </a:xfrm>
           <a:prstGeom prst="rect">
             <a:avLst/>
@@ -4134,7 +4910,7 @@
 </p:sld>
 </file>
 
-<file path=ppt/slides/slide13.xml><?xml version="1.0" encoding="utf-8"?>
+<file path=ppt/slides/slide12.xml><?xml version="1.0" encoding="utf-8"?>
 <p:sld xmlns:a="http://schemas.openxmlformats.org/drawingml/2006/main" xmlns:r="http://schemas.openxmlformats.org/officeDocument/2006/relationships" xmlns:p="http://schemas.openxmlformats.org/presentationml/2006/main">
   <p:cSld>
     <p:spTree>
@@ -4181,26 +4957,139 @@
       </p:sp>
       <p:sp>
         <p:nvSpPr>
-          <p:cNvPr id="3" name="Content Placeholder 2">
+          <p:cNvPr id="4" name="Rectangle 2">
             <a:extLst>
               <a:ext uri="{FF2B5EF4-FFF2-40B4-BE49-F238E27FC236}">
-                <a16:creationId xmlns:a16="http://schemas.microsoft.com/office/drawing/2014/main" id="{9B53F641-F947-DE99-C2CB-134FC3D3F866}"/>
+                <a16:creationId xmlns:a16="http://schemas.microsoft.com/office/drawing/2014/main" id="{7FC72616-5667-5BAE-5723-250AAA9957A1}"/>
               </a:ext>
             </a:extLst>
           </p:cNvPr>
           <p:cNvSpPr>
-            <a:spLocks noGrp="1"/>
+            <a:spLocks noChangeArrowheads="1"/>
           </p:cNvSpPr>
-          <p:nvPr>
-            <p:ph idx="1"/>
-          </p:nvPr>
+          <p:nvPr/>
         </p:nvSpPr>
-        <p:spPr/>
+        <p:spPr bwMode="auto">
+          <a:xfrm>
+            <a:off x="723900" y="1397000"/>
+            <a:ext cx="12192000" cy="0"/>
+          </a:xfrm>
+          <a:prstGeom prst="rect">
+            <a:avLst/>
+          </a:prstGeom>
+          <a:noFill/>
+          <a:ln>
+            <a:noFill/>
+          </a:ln>
+          <a:effectLst/>
+          <a:extLst>
+            <a:ext uri="{909E8E84-426E-40DD-AFC4-6F175D3DCCD1}">
+              <a14:hiddenFill xmlns:a14="http://schemas.microsoft.com/office/drawing/2010/main">
+                <a:solidFill>
+                  <a:schemeClr val="accent1"/>
+                </a:solidFill>
+              </a14:hiddenFill>
+            </a:ext>
+            <a:ext uri="{91240B29-F687-4F45-9708-019B960494DF}">
+              <a14:hiddenLine xmlns:a14="http://schemas.microsoft.com/office/drawing/2010/main" w="9525">
+                <a:solidFill>
+                  <a:schemeClr val="tx1"/>
+                </a:solidFill>
+                <a:miter lim="800000"/>
+                <a:headEnd/>
+                <a:tailEnd/>
+              </a14:hiddenLine>
+            </a:ext>
+            <a:ext uri="{AF507438-7753-43E0-B8FC-AC1667EBCBE1}">
+              <a14:hiddenEffects xmlns:a14="http://schemas.microsoft.com/office/drawing/2010/main">
+                <a:effectLst>
+                  <a:outerShdw dist="35921" dir="2700000" algn="ctr" rotWithShape="0">
+                    <a:schemeClr val="bg2"/>
+                  </a:outerShdw>
+                </a:effectLst>
+              </a14:hiddenEffects>
+            </a:ext>
+          </a:extLst>
+        </p:spPr>
         <p:txBody>
-          <a:bodyPr/>
+          <a:bodyPr vert="horz" wrap="none" lIns="91440" tIns="45720" rIns="91440" bIns="45720" numCol="1" anchor="ctr" anchorCtr="0" compatLnSpc="1">
+            <a:prstTxWarp prst="textNoShape">
+              <a:avLst/>
+            </a:prstTxWarp>
+            <a:spAutoFit/>
+          </a:bodyPr>
           <a:lstStyle/>
           <a:p>
-            <a:endParaRPr lang="en-GB" dirty="0"/>
+            <a:endParaRPr lang="en-GB"/>
+          </a:p>
+        </p:txBody>
+      </p:sp>
+      <p:sp>
+        <p:nvSpPr>
+          <p:cNvPr id="6" name="Rectangle 4">
+            <a:extLst>
+              <a:ext uri="{FF2B5EF4-FFF2-40B4-BE49-F238E27FC236}">
+                <a16:creationId xmlns:a16="http://schemas.microsoft.com/office/drawing/2014/main" id="{3CD4E14C-D387-3CDB-8F88-DBF561986F88}"/>
+              </a:ext>
+            </a:extLst>
+          </p:cNvPr>
+          <p:cNvSpPr>
+            <a:spLocks noChangeArrowheads="1"/>
+          </p:cNvSpPr>
+          <p:nvPr/>
+        </p:nvSpPr>
+        <p:spPr bwMode="auto">
+          <a:xfrm>
+            <a:off x="3266515" y="2720197"/>
+            <a:ext cx="18314163" cy="48086"/>
+          </a:xfrm>
+          <a:prstGeom prst="rect">
+            <a:avLst/>
+          </a:prstGeom>
+          <a:noFill/>
+          <a:ln>
+            <a:noFill/>
+          </a:ln>
+          <a:effectLst/>
+          <a:extLst>
+            <a:ext uri="{909E8E84-426E-40DD-AFC4-6F175D3DCCD1}">
+              <a14:hiddenFill xmlns:a14="http://schemas.microsoft.com/office/drawing/2010/main">
+                <a:solidFill>
+                  <a:schemeClr val="accent1"/>
+                </a:solidFill>
+              </a14:hiddenFill>
+            </a:ext>
+            <a:ext uri="{91240B29-F687-4F45-9708-019B960494DF}">
+              <a14:hiddenLine xmlns:a14="http://schemas.microsoft.com/office/drawing/2010/main" w="9525">
+                <a:solidFill>
+                  <a:schemeClr val="tx1"/>
+                </a:solidFill>
+                <a:miter lim="800000"/>
+                <a:headEnd/>
+                <a:tailEnd/>
+              </a14:hiddenLine>
+            </a:ext>
+            <a:ext uri="{AF507438-7753-43E0-B8FC-AC1667EBCBE1}">
+              <a14:hiddenEffects xmlns:a14="http://schemas.microsoft.com/office/drawing/2010/main">
+                <a:effectLst>
+                  <a:outerShdw dist="35921" dir="2700000" algn="ctr" rotWithShape="0">
+                    <a:schemeClr val="bg2"/>
+                  </a:outerShdw>
+                </a:effectLst>
+              </a14:hiddenEffects>
+            </a:ext>
+          </a:extLst>
+        </p:spPr>
+        <p:txBody>
+          <a:bodyPr vert="horz" wrap="square" lIns="91440" tIns="45720" rIns="91440" bIns="45720" numCol="1" anchor="ctr" anchorCtr="0" compatLnSpc="1">
+            <a:prstTxWarp prst="textNoShape">
+              <a:avLst/>
+            </a:prstTxWarp>
+            <a:spAutoFit/>
+          </a:bodyPr>
+          <a:lstStyle/>
+          <a:p>
+            <a:endParaRPr lang="en-GB"/>
           </a:p>
         </p:txBody>
       </p:sp>
@@ -4563,6 +5452,14 @@
 <file path=ppt/slides/slide3.xml><?xml version="1.0" encoding="utf-8"?>
 <p:sld xmlns:a="http://schemas.openxmlformats.org/drawingml/2006/main" xmlns:r="http://schemas.openxmlformats.org/officeDocument/2006/relationships" xmlns:p="http://schemas.openxmlformats.org/presentationml/2006/main">
   <p:cSld>
+    <p:bg>
+      <p:bgPr>
+        <a:solidFill>
+          <a:schemeClr val="bg1"/>
+        </a:solidFill>
+        <a:effectLst/>
+      </p:bgPr>
+    </p:bg>
     <p:spTree>
       <p:nvGrpSpPr>
         <p:cNvPr id="1" name=""/>
@@ -4577,6 +5474,309 @@
           <a:chExt cx="0" cy="0"/>
         </a:xfrm>
       </p:grpSpPr>
+      <p:sp useBgFill="1">
+        <p:nvSpPr>
+          <p:cNvPr id="15" name="Rectangle 14">
+            <a:extLst>
+              <a:ext uri="{FF2B5EF4-FFF2-40B4-BE49-F238E27FC236}">
+                <a16:creationId xmlns:a16="http://schemas.microsoft.com/office/drawing/2014/main" id="{BACC6370-2D7E-4714-9D71-7542949D7D5D}"/>
+              </a:ext>
+              <a:ext uri="{C183D7F6-B498-43B3-948B-1728B52AA6E4}">
+                <adec:decorative xmlns:adec="http://schemas.microsoft.com/office/drawing/2017/decorative" val="1"/>
+              </a:ext>
+            </a:extLst>
+          </p:cNvPr>
+          <p:cNvSpPr>
+            <a:spLocks noGrp="1" noRot="1" noChangeAspect="1" noMove="1" noResize="1" noEditPoints="1" noAdjustHandles="1" noChangeArrowheads="1" noChangeShapeType="1" noTextEdit="1"/>
+          </p:cNvSpPr>
+          <p:nvPr>
+            <p:extLst>
+              <p:ext uri="{386F3935-93C4-4BCD-93E2-E3B085C9AB24}">
+                <p16:designElem xmlns:p16="http://schemas.microsoft.com/office/powerpoint/2015/main" val="1"/>
+              </p:ext>
+            </p:extLst>
+          </p:nvPr>
+        </p:nvSpPr>
+        <p:spPr>
+          <a:xfrm>
+            <a:off x="0" y="0"/>
+            <a:ext cx="12192000" cy="6858000"/>
+          </a:xfrm>
+          <a:prstGeom prst="rect">
+            <a:avLst/>
+          </a:prstGeom>
+          <a:ln w="12700" cap="flat" cmpd="sng" algn="ctr">
+            <a:noFill/>
+            <a:prstDash val="solid"/>
+            <a:miter lim="800000"/>
+          </a:ln>
+          <a:effectLst/>
+          <a:extLst>
+            <a:ext uri="{91240B29-F687-4F45-9708-019B960494DF}">
+              <a14:hiddenLine xmlns:a14="http://schemas.microsoft.com/office/drawing/2010/main" w="12700" cap="flat" cmpd="sng" algn="ctr">
+                <a:solidFill>
+                  <a:schemeClr val="accent1">
+                    <a:shade val="50000"/>
+                  </a:schemeClr>
+                </a:solidFill>
+                <a:prstDash val="solid"/>
+                <a:miter lim="800000"/>
+              </a14:hiddenLine>
+            </a:ext>
+          </a:extLst>
+        </p:spPr>
+        <p:style>
+          <a:lnRef idx="2">
+            <a:schemeClr val="accent1">
+              <a:shade val="50000"/>
+            </a:schemeClr>
+          </a:lnRef>
+          <a:fillRef idx="1">
+            <a:schemeClr val="accent1"/>
+          </a:fillRef>
+          <a:effectRef idx="0">
+            <a:schemeClr val="accent1"/>
+          </a:effectRef>
+          <a:fontRef idx="minor">
+            <a:schemeClr val="lt1"/>
+          </a:fontRef>
+        </p:style>
+        <p:txBody>
+          <a:bodyPr rtlCol="0" anchor="ctr"/>
+          <a:lstStyle/>
+          <a:p>
+            <a:pPr algn="ctr"/>
+            <a:endParaRPr lang="en-US"/>
+          </a:p>
+        </p:txBody>
+      </p:sp>
+      <p:sp>
+        <p:nvSpPr>
+          <p:cNvPr id="17" name="Rectangle 16">
+            <a:extLst>
+              <a:ext uri="{FF2B5EF4-FFF2-40B4-BE49-F238E27FC236}">
+                <a16:creationId xmlns:a16="http://schemas.microsoft.com/office/drawing/2014/main" id="{F68B3F68-107C-434F-AA38-110D5EA91B85}"/>
+              </a:ext>
+              <a:ext uri="{C183D7F6-B498-43B3-948B-1728B52AA6E4}">
+                <adec:decorative xmlns:adec="http://schemas.microsoft.com/office/drawing/2017/decorative" val="1"/>
+              </a:ext>
+            </a:extLst>
+          </p:cNvPr>
+          <p:cNvSpPr>
+            <a:spLocks noGrp="1" noRot="1" noChangeAspect="1" noMove="1" noResize="1" noEditPoints="1" noAdjustHandles="1" noChangeArrowheads="1" noChangeShapeType="1" noTextEdit="1"/>
+          </p:cNvSpPr>
+          <p:nvPr>
+            <p:extLst>
+              <p:ext uri="{386F3935-93C4-4BCD-93E2-E3B085C9AB24}">
+                <p16:designElem xmlns:p16="http://schemas.microsoft.com/office/powerpoint/2015/main" val="1"/>
+              </p:ext>
+            </p:extLst>
+          </p:nvPr>
+        </p:nvSpPr>
+        <p:spPr>
+          <a:xfrm flipH="1">
+            <a:off x="2" y="0"/>
+            <a:ext cx="12191998" cy="2170031"/>
+          </a:xfrm>
+          <a:prstGeom prst="rect">
+            <a:avLst/>
+          </a:prstGeom>
+          <a:gradFill>
+            <a:gsLst>
+              <a:gs pos="0">
+                <a:srgbClr val="000000">
+                  <a:alpha val="96000"/>
+                </a:srgbClr>
+              </a:gs>
+              <a:gs pos="100000">
+                <a:schemeClr val="accent1">
+                  <a:lumMod val="75000"/>
+                </a:schemeClr>
+              </a:gs>
+            </a:gsLst>
+            <a:lin ang="19800000" scaled="0"/>
+          </a:gradFill>
+          <a:ln>
+            <a:noFill/>
+          </a:ln>
+        </p:spPr>
+        <p:style>
+          <a:lnRef idx="2">
+            <a:schemeClr val="accent1">
+              <a:shade val="50000"/>
+            </a:schemeClr>
+          </a:lnRef>
+          <a:fillRef idx="1">
+            <a:schemeClr val="accent1"/>
+          </a:fillRef>
+          <a:effectRef idx="0">
+            <a:schemeClr val="accent1"/>
+          </a:effectRef>
+          <a:fontRef idx="minor">
+            <a:schemeClr val="lt1"/>
+          </a:fontRef>
+        </p:style>
+        <p:txBody>
+          <a:bodyPr rtlCol="0" anchor="ctr"/>
+          <a:lstStyle/>
+          <a:p>
+            <a:pPr algn="ctr"/>
+            <a:endParaRPr lang="en-US"/>
+          </a:p>
+        </p:txBody>
+      </p:sp>
+      <p:sp>
+        <p:nvSpPr>
+          <p:cNvPr id="19" name="Rectangle 18">
+            <a:extLst>
+              <a:ext uri="{FF2B5EF4-FFF2-40B4-BE49-F238E27FC236}">
+                <a16:creationId xmlns:a16="http://schemas.microsoft.com/office/drawing/2014/main" id="{AAD0DBB9-1A4B-4391-81D4-CB19F9AB918A}"/>
+              </a:ext>
+              <a:ext uri="{C183D7F6-B498-43B3-948B-1728B52AA6E4}">
+                <adec:decorative xmlns:adec="http://schemas.microsoft.com/office/drawing/2017/decorative" val="1"/>
+              </a:ext>
+            </a:extLst>
+          </p:cNvPr>
+          <p:cNvSpPr>
+            <a:spLocks noGrp="1" noRot="1" noChangeAspect="1" noMove="1" noResize="1" noEditPoints="1" noAdjustHandles="1" noChangeArrowheads="1" noChangeShapeType="1" noTextEdit="1"/>
+          </p:cNvSpPr>
+          <p:nvPr>
+            <p:extLst>
+              <p:ext uri="{386F3935-93C4-4BCD-93E2-E3B085C9AB24}">
+                <p16:designElem xmlns:p16="http://schemas.microsoft.com/office/powerpoint/2015/main" val="1"/>
+              </p:ext>
+            </p:extLst>
+          </p:nvPr>
+        </p:nvSpPr>
+        <p:spPr>
+          <a:xfrm flipH="1">
+            <a:off x="8082819" y="0"/>
+            <a:ext cx="4097211" cy="2170661"/>
+          </a:xfrm>
+          <a:prstGeom prst="rect">
+            <a:avLst/>
+          </a:prstGeom>
+          <a:gradFill>
+            <a:gsLst>
+              <a:gs pos="19000">
+                <a:schemeClr val="accent1">
+                  <a:lumMod val="50000"/>
+                  <a:alpha val="68000"/>
+                </a:schemeClr>
+              </a:gs>
+              <a:gs pos="100000">
+                <a:schemeClr val="accent1">
+                  <a:alpha val="48000"/>
+                </a:schemeClr>
+              </a:gs>
+            </a:gsLst>
+            <a:lin ang="19200000" scaled="0"/>
+          </a:gradFill>
+          <a:ln>
+            <a:noFill/>
+          </a:ln>
+        </p:spPr>
+        <p:style>
+          <a:lnRef idx="2">
+            <a:schemeClr val="accent1">
+              <a:shade val="50000"/>
+            </a:schemeClr>
+          </a:lnRef>
+          <a:fillRef idx="1">
+            <a:schemeClr val="accent1"/>
+          </a:fillRef>
+          <a:effectRef idx="0">
+            <a:schemeClr val="accent1"/>
+          </a:effectRef>
+          <a:fontRef idx="minor">
+            <a:schemeClr val="lt1"/>
+          </a:fontRef>
+        </p:style>
+        <p:txBody>
+          <a:bodyPr rtlCol="0" anchor="ctr"/>
+          <a:lstStyle/>
+          <a:p>
+            <a:pPr algn="ctr"/>
+            <a:endParaRPr lang="en-US"/>
+          </a:p>
+        </p:txBody>
+      </p:sp>
+      <p:sp>
+        <p:nvSpPr>
+          <p:cNvPr id="21" name="Rectangle 20">
+            <a:extLst>
+              <a:ext uri="{FF2B5EF4-FFF2-40B4-BE49-F238E27FC236}">
+                <a16:creationId xmlns:a16="http://schemas.microsoft.com/office/drawing/2014/main" id="{063BBA22-50EA-4C4D-BE05-F1CE4E63AA56}"/>
+              </a:ext>
+              <a:ext uri="{C183D7F6-B498-43B3-948B-1728B52AA6E4}">
+                <adec:decorative xmlns:adec="http://schemas.microsoft.com/office/drawing/2017/decorative" val="1"/>
+              </a:ext>
+            </a:extLst>
+          </p:cNvPr>
+          <p:cNvSpPr>
+            <a:spLocks noGrp="1" noRot="1" noChangeAspect="1" noMove="1" noResize="1" noEditPoints="1" noAdjustHandles="1" noChangeArrowheads="1" noChangeShapeType="1" noTextEdit="1"/>
+          </p:cNvSpPr>
+          <p:nvPr>
+            <p:extLst>
+              <p:ext uri="{386F3935-93C4-4BCD-93E2-E3B085C9AB24}">
+                <p16:designElem xmlns:p16="http://schemas.microsoft.com/office/powerpoint/2015/main" val="1"/>
+              </p:ext>
+            </p:extLst>
+          </p:nvPr>
+        </p:nvSpPr>
+        <p:spPr>
+          <a:xfrm rot="16200000" flipH="1">
+            <a:off x="5010646" y="-5010043"/>
+            <a:ext cx="2170709" cy="12192000"/>
+          </a:xfrm>
+          <a:prstGeom prst="rect">
+            <a:avLst/>
+          </a:prstGeom>
+          <a:gradFill>
+            <a:gsLst>
+              <a:gs pos="23000">
+                <a:schemeClr val="accent1">
+                  <a:lumMod val="75000"/>
+                  <a:alpha val="16000"/>
+                </a:schemeClr>
+              </a:gs>
+              <a:gs pos="99000">
+                <a:srgbClr val="000000">
+                  <a:alpha val="45000"/>
+                </a:srgbClr>
+              </a:gs>
+            </a:gsLst>
+            <a:lin ang="21000000" scaled="0"/>
+          </a:gradFill>
+          <a:ln>
+            <a:noFill/>
+          </a:ln>
+        </p:spPr>
+        <p:style>
+          <a:lnRef idx="2">
+            <a:schemeClr val="accent1">
+              <a:shade val="50000"/>
+            </a:schemeClr>
+          </a:lnRef>
+          <a:fillRef idx="1">
+            <a:schemeClr val="accent1"/>
+          </a:fillRef>
+          <a:effectRef idx="0">
+            <a:schemeClr val="accent1"/>
+          </a:effectRef>
+          <a:fontRef idx="minor">
+            <a:schemeClr val="lt1"/>
+          </a:fontRef>
+        </p:style>
+        <p:txBody>
+          <a:bodyPr rtlCol="0" anchor="ctr"/>
+          <a:lstStyle/>
+          <a:p>
+            <a:pPr algn="ctr"/>
+            <a:endParaRPr lang="en-US" dirty="0"/>
+          </a:p>
+        </p:txBody>
+      </p:sp>
       <p:sp>
         <p:nvSpPr>
           <p:cNvPr id="2" name="Title 1">
@@ -4593,43 +5793,4532 @@
             <p:ph type="title"/>
           </p:nvPr>
         </p:nvSpPr>
-        <p:spPr/>
+        <p:spPr>
+          <a:xfrm>
+            <a:off x="1383564" y="348865"/>
+            <a:ext cx="9718111" cy="1576446"/>
+          </a:xfrm>
+        </p:spPr>
         <p:txBody>
-          <a:bodyPr/>
+          <a:bodyPr anchor="ctr">
+            <a:normAutofit/>
+          </a:bodyPr>
           <a:lstStyle/>
           <a:p>
             <a:r>
-              <a:rPr lang="en-GB" dirty="0"/>
+              <a:rPr lang="en-GB" sz="4000">
+                <a:solidFill>
+                  <a:srgbClr val="FFFFFF"/>
+                </a:solidFill>
+              </a:rPr>
               <a:t>Risk Assessment</a:t>
             </a:r>
           </a:p>
         </p:txBody>
       </p:sp>
-      <p:sp>
-        <p:nvSpPr>
-          <p:cNvPr id="3" name="Content Placeholder 2">
+      <p:graphicFrame>
+        <p:nvGraphicFramePr>
+          <p:cNvPr id="10" name="Content Placeholder 9">
             <a:extLst>
               <a:ext uri="{FF2B5EF4-FFF2-40B4-BE49-F238E27FC236}">
-                <a16:creationId xmlns:a16="http://schemas.microsoft.com/office/drawing/2014/main" id="{F3BFC242-145D-DB96-AC5E-5C64BBA1F834}"/>
+                <a16:creationId xmlns:a16="http://schemas.microsoft.com/office/drawing/2014/main" id="{7AC29E76-5FA9-C544-4969-D9E9FCA7A9FB}"/>
               </a:ext>
             </a:extLst>
           </p:cNvPr>
-          <p:cNvSpPr>
-            <a:spLocks noGrp="1"/>
-          </p:cNvSpPr>
+          <p:cNvGraphicFramePr>
+            <a:graphicFrameLocks noGrp="1"/>
+          </p:cNvGraphicFramePr>
           <p:nvPr>
             <p:ph idx="1"/>
+            <p:extLst>
+              <p:ext uri="{D42A27DB-BD31-4B8C-83A1-F6EECF244321}">
+                <p14:modId xmlns:p14="http://schemas.microsoft.com/office/powerpoint/2010/main" val="2969302461"/>
+              </p:ext>
+            </p:extLst>
           </p:nvPr>
-        </p:nvSpPr>
-        <p:spPr/>
-        <p:txBody>
-          <a:bodyPr/>
-          <a:lstStyle/>
-          <a:p>
-            <a:endParaRPr lang="en-GB"/>
-          </a:p>
-        </p:txBody>
-      </p:sp>
+        </p:nvGraphicFramePr>
+        <p:xfrm>
+          <a:off x="219456" y="2273574"/>
+          <a:ext cx="11750038" cy="4026643"/>
+        </p:xfrm>
+        <a:graphic>
+          <a:graphicData uri="http://schemas.openxmlformats.org/drawingml/2006/table">
+            <a:tbl>
+              <a:tblPr/>
+              <a:tblGrid>
+                <a:gridCol w="1094878">
+                  <a:extLst>
+                    <a:ext uri="{9D8B030D-6E8A-4147-A177-3AD203B41FA5}">
+                      <a16:colId xmlns:a16="http://schemas.microsoft.com/office/drawing/2014/main" val="4180136103"/>
+                    </a:ext>
+                  </a:extLst>
+                </a:gridCol>
+                <a:gridCol w="3133234">
+                  <a:extLst>
+                    <a:ext uri="{9D8B030D-6E8A-4147-A177-3AD203B41FA5}">
+                      <a16:colId xmlns:a16="http://schemas.microsoft.com/office/drawing/2014/main" val="1938441470"/>
+                    </a:ext>
+                  </a:extLst>
+                </a:gridCol>
+                <a:gridCol w="3179143">
+                  <a:extLst>
+                    <a:ext uri="{9D8B030D-6E8A-4147-A177-3AD203B41FA5}">
+                      <a16:colId xmlns:a16="http://schemas.microsoft.com/office/drawing/2014/main" val="1959555273"/>
+                    </a:ext>
+                  </a:extLst>
+                </a:gridCol>
+                <a:gridCol w="3079164">
+                  <a:extLst>
+                    <a:ext uri="{9D8B030D-6E8A-4147-A177-3AD203B41FA5}">
+                      <a16:colId xmlns:a16="http://schemas.microsoft.com/office/drawing/2014/main" val="2881347176"/>
+                    </a:ext>
+                  </a:extLst>
+                </a:gridCol>
+                <a:gridCol w="449091">
+                  <a:extLst>
+                    <a:ext uri="{9D8B030D-6E8A-4147-A177-3AD203B41FA5}">
+                      <a16:colId xmlns:a16="http://schemas.microsoft.com/office/drawing/2014/main" val="1357908441"/>
+                    </a:ext>
+                  </a:extLst>
+                </a:gridCol>
+                <a:gridCol w="383799">
+                  <a:extLst>
+                    <a:ext uri="{9D8B030D-6E8A-4147-A177-3AD203B41FA5}">
+                      <a16:colId xmlns:a16="http://schemas.microsoft.com/office/drawing/2014/main" val="2879459004"/>
+                    </a:ext>
+                  </a:extLst>
+                </a:gridCol>
+                <a:gridCol w="430729">
+                  <a:extLst>
+                    <a:ext uri="{9D8B030D-6E8A-4147-A177-3AD203B41FA5}">
+                      <a16:colId xmlns:a16="http://schemas.microsoft.com/office/drawing/2014/main" val="3415437969"/>
+                    </a:ext>
+                  </a:extLst>
+                </a:gridCol>
+              </a:tblGrid>
+              <a:tr h="155469">
+                <a:tc>
+                  <a:txBody>
+                    <a:bodyPr/>
+                    <a:lstStyle/>
+                    <a:p>
+                      <a:pPr algn="ctr" fontAlgn="ctr">
+                        <a:spcBef>
+                          <a:spcPts val="0"/>
+                        </a:spcBef>
+                        <a:spcAft>
+                          <a:spcPts val="0"/>
+                        </a:spcAft>
+                      </a:pPr>
+                      <a:r>
+                        <a:rPr lang="en-GB" sz="700" b="0" i="0" u="none" strike="noStrike">
+                          <a:solidFill>
+                            <a:srgbClr val="000000"/>
+                          </a:solidFill>
+                          <a:effectLst/>
+                          <a:latin typeface="Calibri" panose="020F0502020204030204" pitchFamily="34" charset="0"/>
+                        </a:rPr>
+                        <a:t>Risk</a:t>
+                      </a:r>
+                      <a:endParaRPr lang="en-GB" sz="1100" b="0" i="0" u="none" strike="noStrike">
+                        <a:effectLst/>
+                        <a:latin typeface="Arial" panose="020B0604020202020204" pitchFamily="34" charset="0"/>
+                      </a:endParaRPr>
+                    </a:p>
+                  </a:txBody>
+                  <a:tcPr marL="3795" marR="3795" marT="3795" marB="0" anchor="ctr">
+                    <a:lnL w="6350" cap="flat" cmpd="sng" algn="ctr">
+                      <a:solidFill>
+                        <a:srgbClr val="000000"/>
+                      </a:solidFill>
+                      <a:prstDash val="solid"/>
+                      <a:round/>
+                      <a:headEnd type="none" w="med" len="med"/>
+                      <a:tailEnd type="none" w="med" len="med"/>
+                    </a:lnL>
+                    <a:lnR w="6350" cap="flat" cmpd="sng" algn="ctr">
+                      <a:solidFill>
+                        <a:srgbClr val="000000"/>
+                      </a:solidFill>
+                      <a:prstDash val="solid"/>
+                      <a:round/>
+                      <a:headEnd type="none" w="med" len="med"/>
+                      <a:tailEnd type="none" w="med" len="med"/>
+                    </a:lnR>
+                    <a:lnT w="6350" cap="flat" cmpd="sng" algn="ctr">
+                      <a:solidFill>
+                        <a:srgbClr val="000000"/>
+                      </a:solidFill>
+                      <a:prstDash val="solid"/>
+                      <a:round/>
+                      <a:headEnd type="none" w="med" len="med"/>
+                      <a:tailEnd type="none" w="med" len="med"/>
+                    </a:lnT>
+                    <a:lnB w="6350" cap="flat" cmpd="sng" algn="ctr">
+                      <a:solidFill>
+                        <a:srgbClr val="000000"/>
+                      </a:solidFill>
+                      <a:prstDash val="solid"/>
+                      <a:round/>
+                      <a:headEnd type="none" w="med" len="med"/>
+                      <a:tailEnd type="none" w="med" len="med"/>
+                    </a:lnB>
+                  </a:tcPr>
+                </a:tc>
+                <a:tc>
+                  <a:txBody>
+                    <a:bodyPr/>
+                    <a:lstStyle/>
+                    <a:p>
+                      <a:pPr algn="ctr" fontAlgn="ctr">
+                        <a:spcBef>
+                          <a:spcPts val="0"/>
+                        </a:spcBef>
+                        <a:spcAft>
+                          <a:spcPts val="0"/>
+                        </a:spcAft>
+                      </a:pPr>
+                      <a:r>
+                        <a:rPr lang="en-GB" sz="700" b="0" i="0" u="none" strike="noStrike">
+                          <a:solidFill>
+                            <a:srgbClr val="000000"/>
+                          </a:solidFill>
+                          <a:effectLst/>
+                          <a:latin typeface="Calibri" panose="020F0502020204030204" pitchFamily="34" charset="0"/>
+                        </a:rPr>
+                        <a:t>Statement</a:t>
+                      </a:r>
+                      <a:endParaRPr lang="en-GB" sz="1100" b="0" i="0" u="none" strike="noStrike">
+                        <a:effectLst/>
+                        <a:latin typeface="Arial" panose="020B0604020202020204" pitchFamily="34" charset="0"/>
+                      </a:endParaRPr>
+                    </a:p>
+                  </a:txBody>
+                  <a:tcPr marL="3795" marR="3795" marT="3795" marB="0" anchor="ctr">
+                    <a:lnL w="6350" cap="flat" cmpd="sng" algn="ctr">
+                      <a:solidFill>
+                        <a:srgbClr val="000000"/>
+                      </a:solidFill>
+                      <a:prstDash val="solid"/>
+                      <a:round/>
+                      <a:headEnd type="none" w="med" len="med"/>
+                      <a:tailEnd type="none" w="med" len="med"/>
+                    </a:lnL>
+                    <a:lnR w="6350" cap="flat" cmpd="sng" algn="ctr">
+                      <a:solidFill>
+                        <a:srgbClr val="000000"/>
+                      </a:solidFill>
+                      <a:prstDash val="solid"/>
+                      <a:round/>
+                      <a:headEnd type="none" w="med" len="med"/>
+                      <a:tailEnd type="none" w="med" len="med"/>
+                    </a:lnR>
+                    <a:lnT w="6350" cap="flat" cmpd="sng" algn="ctr">
+                      <a:solidFill>
+                        <a:srgbClr val="000000"/>
+                      </a:solidFill>
+                      <a:prstDash val="solid"/>
+                      <a:round/>
+                      <a:headEnd type="none" w="med" len="med"/>
+                      <a:tailEnd type="none" w="med" len="med"/>
+                    </a:lnT>
+                    <a:lnB w="6350" cap="flat" cmpd="sng" algn="ctr">
+                      <a:solidFill>
+                        <a:srgbClr val="000000"/>
+                      </a:solidFill>
+                      <a:prstDash val="solid"/>
+                      <a:round/>
+                      <a:headEnd type="none" w="med" len="med"/>
+                      <a:tailEnd type="none" w="med" len="med"/>
+                    </a:lnB>
+                  </a:tcPr>
+                </a:tc>
+                <a:tc>
+                  <a:txBody>
+                    <a:bodyPr/>
+                    <a:lstStyle/>
+                    <a:p>
+                      <a:pPr algn="ctr" fontAlgn="ctr">
+                        <a:spcBef>
+                          <a:spcPts val="0"/>
+                        </a:spcBef>
+                        <a:spcAft>
+                          <a:spcPts val="0"/>
+                        </a:spcAft>
+                      </a:pPr>
+                      <a:r>
+                        <a:rPr lang="en-GB" sz="700" b="0" i="0" u="none" strike="noStrike">
+                          <a:solidFill>
+                            <a:srgbClr val="000000"/>
+                          </a:solidFill>
+                          <a:effectLst/>
+                          <a:latin typeface="Calibri" panose="020F0502020204030204" pitchFamily="34" charset="0"/>
+                        </a:rPr>
+                        <a:t>Response</a:t>
+                      </a:r>
+                      <a:endParaRPr lang="en-GB" sz="1100" b="0" i="0" u="none" strike="noStrike">
+                        <a:effectLst/>
+                        <a:latin typeface="Arial" panose="020B0604020202020204" pitchFamily="34" charset="0"/>
+                      </a:endParaRPr>
+                    </a:p>
+                  </a:txBody>
+                  <a:tcPr marL="3795" marR="3795" marT="3795" marB="0" anchor="ctr">
+                    <a:lnL w="6350" cap="flat" cmpd="sng" algn="ctr">
+                      <a:solidFill>
+                        <a:srgbClr val="000000"/>
+                      </a:solidFill>
+                      <a:prstDash val="solid"/>
+                      <a:round/>
+                      <a:headEnd type="none" w="med" len="med"/>
+                      <a:tailEnd type="none" w="med" len="med"/>
+                    </a:lnL>
+                    <a:lnR w="6350" cap="flat" cmpd="sng" algn="ctr">
+                      <a:solidFill>
+                        <a:srgbClr val="000000"/>
+                      </a:solidFill>
+                      <a:prstDash val="solid"/>
+                      <a:round/>
+                      <a:headEnd type="none" w="med" len="med"/>
+                      <a:tailEnd type="none" w="med" len="med"/>
+                    </a:lnR>
+                    <a:lnT w="6350" cap="flat" cmpd="sng" algn="ctr">
+                      <a:solidFill>
+                        <a:srgbClr val="000000"/>
+                      </a:solidFill>
+                      <a:prstDash val="solid"/>
+                      <a:round/>
+                      <a:headEnd type="none" w="med" len="med"/>
+                      <a:tailEnd type="none" w="med" len="med"/>
+                    </a:lnT>
+                    <a:lnB w="6350" cap="flat" cmpd="sng" algn="ctr">
+                      <a:solidFill>
+                        <a:srgbClr val="000000"/>
+                      </a:solidFill>
+                      <a:prstDash val="solid"/>
+                      <a:round/>
+                      <a:headEnd type="none" w="med" len="med"/>
+                      <a:tailEnd type="none" w="med" len="med"/>
+                    </a:lnB>
+                  </a:tcPr>
+                </a:tc>
+                <a:tc>
+                  <a:txBody>
+                    <a:bodyPr/>
+                    <a:lstStyle/>
+                    <a:p>
+                      <a:pPr algn="ctr" fontAlgn="ctr">
+                        <a:spcBef>
+                          <a:spcPts val="0"/>
+                        </a:spcBef>
+                        <a:spcAft>
+                          <a:spcPts val="0"/>
+                        </a:spcAft>
+                      </a:pPr>
+                      <a:r>
+                        <a:rPr lang="en-GB" sz="700" b="0" i="0" u="none" strike="noStrike">
+                          <a:solidFill>
+                            <a:srgbClr val="000000"/>
+                          </a:solidFill>
+                          <a:effectLst/>
+                          <a:latin typeface="Calibri" panose="020F0502020204030204" pitchFamily="34" charset="0"/>
+                        </a:rPr>
+                        <a:t>Objective</a:t>
+                      </a:r>
+                      <a:endParaRPr lang="en-GB" sz="1100" b="0" i="0" u="none" strike="noStrike">
+                        <a:effectLst/>
+                        <a:latin typeface="Arial" panose="020B0604020202020204" pitchFamily="34" charset="0"/>
+                      </a:endParaRPr>
+                    </a:p>
+                  </a:txBody>
+                  <a:tcPr marL="3795" marR="3795" marT="3795" marB="0" anchor="ctr">
+                    <a:lnL w="6350" cap="flat" cmpd="sng" algn="ctr">
+                      <a:solidFill>
+                        <a:srgbClr val="000000"/>
+                      </a:solidFill>
+                      <a:prstDash val="solid"/>
+                      <a:round/>
+                      <a:headEnd type="none" w="med" len="med"/>
+                      <a:tailEnd type="none" w="med" len="med"/>
+                    </a:lnL>
+                    <a:lnR w="6350" cap="flat" cmpd="sng" algn="ctr">
+                      <a:solidFill>
+                        <a:srgbClr val="000000"/>
+                      </a:solidFill>
+                      <a:prstDash val="solid"/>
+                      <a:round/>
+                      <a:headEnd type="none" w="med" len="med"/>
+                      <a:tailEnd type="none" w="med" len="med"/>
+                    </a:lnR>
+                    <a:lnT w="6350" cap="flat" cmpd="sng" algn="ctr">
+                      <a:solidFill>
+                        <a:srgbClr val="000000"/>
+                      </a:solidFill>
+                      <a:prstDash val="solid"/>
+                      <a:round/>
+                      <a:headEnd type="none" w="med" len="med"/>
+                      <a:tailEnd type="none" w="med" len="med"/>
+                    </a:lnT>
+                    <a:lnB w="6350" cap="flat" cmpd="sng" algn="ctr">
+                      <a:solidFill>
+                        <a:srgbClr val="000000"/>
+                      </a:solidFill>
+                      <a:prstDash val="solid"/>
+                      <a:round/>
+                      <a:headEnd type="none" w="med" len="med"/>
+                      <a:tailEnd type="none" w="med" len="med"/>
+                    </a:lnB>
+                  </a:tcPr>
+                </a:tc>
+                <a:tc>
+                  <a:txBody>
+                    <a:bodyPr/>
+                    <a:lstStyle/>
+                    <a:p>
+                      <a:pPr algn="ctr" fontAlgn="ctr">
+                        <a:spcBef>
+                          <a:spcPts val="0"/>
+                        </a:spcBef>
+                        <a:spcAft>
+                          <a:spcPts val="0"/>
+                        </a:spcAft>
+                      </a:pPr>
+                      <a:r>
+                        <a:rPr lang="en-GB" sz="700" b="0" i="0" u="none" strike="noStrike">
+                          <a:solidFill>
+                            <a:srgbClr val="000000"/>
+                          </a:solidFill>
+                          <a:effectLst/>
+                          <a:latin typeface="Calibri" panose="020F0502020204030204" pitchFamily="34" charset="0"/>
+                        </a:rPr>
+                        <a:t>Likelihood</a:t>
+                      </a:r>
+                      <a:endParaRPr lang="en-GB" sz="1100" b="0" i="0" u="none" strike="noStrike">
+                        <a:effectLst/>
+                        <a:latin typeface="Arial" panose="020B0604020202020204" pitchFamily="34" charset="0"/>
+                      </a:endParaRPr>
+                    </a:p>
+                  </a:txBody>
+                  <a:tcPr marL="3795" marR="3795" marT="3795" marB="0" anchor="ctr">
+                    <a:lnL w="6350" cap="flat" cmpd="sng" algn="ctr">
+                      <a:solidFill>
+                        <a:srgbClr val="000000"/>
+                      </a:solidFill>
+                      <a:prstDash val="solid"/>
+                      <a:round/>
+                      <a:headEnd type="none" w="med" len="med"/>
+                      <a:tailEnd type="none" w="med" len="med"/>
+                    </a:lnL>
+                    <a:lnR w="6350" cap="flat" cmpd="sng" algn="ctr">
+                      <a:solidFill>
+                        <a:srgbClr val="000000"/>
+                      </a:solidFill>
+                      <a:prstDash val="solid"/>
+                      <a:round/>
+                      <a:headEnd type="none" w="med" len="med"/>
+                      <a:tailEnd type="none" w="med" len="med"/>
+                    </a:lnR>
+                    <a:lnT w="6350" cap="flat" cmpd="sng" algn="ctr">
+                      <a:solidFill>
+                        <a:srgbClr val="000000"/>
+                      </a:solidFill>
+                      <a:prstDash val="solid"/>
+                      <a:round/>
+                      <a:headEnd type="none" w="med" len="med"/>
+                      <a:tailEnd type="none" w="med" len="med"/>
+                    </a:lnT>
+                    <a:lnB w="6350" cap="flat" cmpd="sng" algn="ctr">
+                      <a:solidFill>
+                        <a:srgbClr val="000000"/>
+                      </a:solidFill>
+                      <a:prstDash val="solid"/>
+                      <a:round/>
+                      <a:headEnd type="none" w="med" len="med"/>
+                      <a:tailEnd type="none" w="med" len="med"/>
+                    </a:lnB>
+                  </a:tcPr>
+                </a:tc>
+                <a:tc>
+                  <a:txBody>
+                    <a:bodyPr/>
+                    <a:lstStyle/>
+                    <a:p>
+                      <a:pPr algn="ctr" fontAlgn="ctr">
+                        <a:spcBef>
+                          <a:spcPts val="0"/>
+                        </a:spcBef>
+                        <a:spcAft>
+                          <a:spcPts val="0"/>
+                        </a:spcAft>
+                      </a:pPr>
+                      <a:r>
+                        <a:rPr lang="en-GB" sz="700" b="0" i="0" u="none" strike="noStrike">
+                          <a:solidFill>
+                            <a:srgbClr val="000000"/>
+                          </a:solidFill>
+                          <a:effectLst/>
+                          <a:latin typeface="Calibri" panose="020F0502020204030204" pitchFamily="34" charset="0"/>
+                        </a:rPr>
+                        <a:t>Impact</a:t>
+                      </a:r>
+                      <a:endParaRPr lang="en-GB" sz="1100" b="0" i="0" u="none" strike="noStrike">
+                        <a:effectLst/>
+                        <a:latin typeface="Arial" panose="020B0604020202020204" pitchFamily="34" charset="0"/>
+                      </a:endParaRPr>
+                    </a:p>
+                  </a:txBody>
+                  <a:tcPr marL="3795" marR="3795" marT="3795" marB="0" anchor="ctr">
+                    <a:lnL w="6350" cap="flat" cmpd="sng" algn="ctr">
+                      <a:solidFill>
+                        <a:srgbClr val="000000"/>
+                      </a:solidFill>
+                      <a:prstDash val="solid"/>
+                      <a:round/>
+                      <a:headEnd type="none" w="med" len="med"/>
+                      <a:tailEnd type="none" w="med" len="med"/>
+                    </a:lnL>
+                    <a:lnR w="6350" cap="flat" cmpd="sng" algn="ctr">
+                      <a:solidFill>
+                        <a:srgbClr val="000000"/>
+                      </a:solidFill>
+                      <a:prstDash val="solid"/>
+                      <a:round/>
+                      <a:headEnd type="none" w="med" len="med"/>
+                      <a:tailEnd type="none" w="med" len="med"/>
+                    </a:lnR>
+                    <a:lnT w="6350" cap="flat" cmpd="sng" algn="ctr">
+                      <a:solidFill>
+                        <a:srgbClr val="000000"/>
+                      </a:solidFill>
+                      <a:prstDash val="solid"/>
+                      <a:round/>
+                      <a:headEnd type="none" w="med" len="med"/>
+                      <a:tailEnd type="none" w="med" len="med"/>
+                    </a:lnT>
+                    <a:lnB w="6350" cap="flat" cmpd="sng" algn="ctr">
+                      <a:solidFill>
+                        <a:srgbClr val="000000"/>
+                      </a:solidFill>
+                      <a:prstDash val="solid"/>
+                      <a:round/>
+                      <a:headEnd type="none" w="med" len="med"/>
+                      <a:tailEnd type="none" w="med" len="med"/>
+                    </a:lnB>
+                  </a:tcPr>
+                </a:tc>
+                <a:tc>
+                  <a:txBody>
+                    <a:bodyPr/>
+                    <a:lstStyle/>
+                    <a:p>
+                      <a:pPr algn="ctr" fontAlgn="ctr">
+                        <a:spcBef>
+                          <a:spcPts val="0"/>
+                        </a:spcBef>
+                        <a:spcAft>
+                          <a:spcPts val="0"/>
+                        </a:spcAft>
+                      </a:pPr>
+                      <a:r>
+                        <a:rPr lang="en-GB" sz="700" b="0" i="0" u="none" strike="noStrike">
+                          <a:solidFill>
+                            <a:srgbClr val="000000"/>
+                          </a:solidFill>
+                          <a:effectLst/>
+                          <a:latin typeface="Calibri" panose="020F0502020204030204" pitchFamily="34" charset="0"/>
+                        </a:rPr>
+                        <a:t>Risk Level</a:t>
+                      </a:r>
+                      <a:endParaRPr lang="en-GB" sz="1100" b="0" i="0" u="none" strike="noStrike">
+                        <a:effectLst/>
+                        <a:latin typeface="Arial" panose="020B0604020202020204" pitchFamily="34" charset="0"/>
+                      </a:endParaRPr>
+                    </a:p>
+                  </a:txBody>
+                  <a:tcPr marL="3795" marR="3795" marT="3795" marB="0" anchor="ctr">
+                    <a:lnL w="6350" cap="flat" cmpd="sng" algn="ctr">
+                      <a:solidFill>
+                        <a:srgbClr val="000000"/>
+                      </a:solidFill>
+                      <a:prstDash val="solid"/>
+                      <a:round/>
+                      <a:headEnd type="none" w="med" len="med"/>
+                      <a:tailEnd type="none" w="med" len="med"/>
+                    </a:lnL>
+                    <a:lnR w="6350" cap="flat" cmpd="sng" algn="ctr">
+                      <a:solidFill>
+                        <a:srgbClr val="000000"/>
+                      </a:solidFill>
+                      <a:prstDash val="solid"/>
+                      <a:round/>
+                      <a:headEnd type="none" w="med" len="med"/>
+                      <a:tailEnd type="none" w="med" len="med"/>
+                    </a:lnR>
+                    <a:lnT w="6350" cap="flat" cmpd="sng" algn="ctr">
+                      <a:solidFill>
+                        <a:srgbClr val="000000"/>
+                      </a:solidFill>
+                      <a:prstDash val="solid"/>
+                      <a:round/>
+                      <a:headEnd type="none" w="med" len="med"/>
+                      <a:tailEnd type="none" w="med" len="med"/>
+                    </a:lnT>
+                    <a:lnB w="6350" cap="flat" cmpd="sng" algn="ctr">
+                      <a:solidFill>
+                        <a:srgbClr val="000000"/>
+                      </a:solidFill>
+                      <a:prstDash val="solid"/>
+                      <a:round/>
+                      <a:headEnd type="none" w="med" len="med"/>
+                      <a:tailEnd type="none" w="med" len="med"/>
+                    </a:lnB>
+                  </a:tcPr>
+                </a:tc>
+                <a:extLst>
+                  <a:ext uri="{0D108BD9-81ED-4DB2-BD59-A6C34878D82A}">
+                    <a16:rowId xmlns:a16="http://schemas.microsoft.com/office/drawing/2014/main" val="890781357"/>
+                  </a:ext>
+                </a:extLst>
+              </a:tr>
+              <a:tr h="403015">
+                <a:tc>
+                  <a:txBody>
+                    <a:bodyPr/>
+                    <a:lstStyle/>
+                    <a:p>
+                      <a:pPr algn="ctr" fontAlgn="ctr">
+                        <a:spcBef>
+                          <a:spcPts val="0"/>
+                        </a:spcBef>
+                        <a:spcAft>
+                          <a:spcPts val="0"/>
+                        </a:spcAft>
+                      </a:pPr>
+                      <a:r>
+                        <a:rPr lang="en-GB" sz="700" b="0" i="0" u="none" strike="noStrike">
+                          <a:solidFill>
+                            <a:srgbClr val="000000"/>
+                          </a:solidFill>
+                          <a:effectLst/>
+                          <a:latin typeface="Calibri" panose="020F0502020204030204" pitchFamily="34" charset="0"/>
+                        </a:rPr>
+                        <a:t>Data Breach</a:t>
+                      </a:r>
+                      <a:endParaRPr lang="en-GB" sz="1100" b="0" i="0" u="none" strike="noStrike">
+                        <a:effectLst/>
+                        <a:latin typeface="Arial" panose="020B0604020202020204" pitchFamily="34" charset="0"/>
+                      </a:endParaRPr>
+                    </a:p>
+                  </a:txBody>
+                  <a:tcPr marL="3795" marR="3795" marT="3795" marB="0" anchor="ctr">
+                    <a:lnL w="6350" cap="flat" cmpd="sng" algn="ctr">
+                      <a:solidFill>
+                        <a:srgbClr val="000000"/>
+                      </a:solidFill>
+                      <a:prstDash val="solid"/>
+                      <a:round/>
+                      <a:headEnd type="none" w="med" len="med"/>
+                      <a:tailEnd type="none" w="med" len="med"/>
+                    </a:lnL>
+                    <a:lnR w="6350" cap="flat" cmpd="sng" algn="ctr">
+                      <a:solidFill>
+                        <a:srgbClr val="000000"/>
+                      </a:solidFill>
+                      <a:prstDash val="solid"/>
+                      <a:round/>
+                      <a:headEnd type="none" w="med" len="med"/>
+                      <a:tailEnd type="none" w="med" len="med"/>
+                    </a:lnR>
+                    <a:lnT w="6350" cap="flat" cmpd="sng" algn="ctr">
+                      <a:solidFill>
+                        <a:srgbClr val="000000"/>
+                      </a:solidFill>
+                      <a:prstDash val="solid"/>
+                      <a:round/>
+                      <a:headEnd type="none" w="med" len="med"/>
+                      <a:tailEnd type="none" w="med" len="med"/>
+                    </a:lnT>
+                    <a:lnB w="6350" cap="flat" cmpd="sng" algn="ctr">
+                      <a:solidFill>
+                        <a:srgbClr val="000000"/>
+                      </a:solidFill>
+                      <a:prstDash val="solid"/>
+                      <a:round/>
+                      <a:headEnd type="none" w="med" len="med"/>
+                      <a:tailEnd type="none" w="med" len="med"/>
+                    </a:lnB>
+                  </a:tcPr>
+                </a:tc>
+                <a:tc>
+                  <a:txBody>
+                    <a:bodyPr/>
+                    <a:lstStyle/>
+                    <a:p>
+                      <a:pPr algn="ctr" fontAlgn="ctr">
+                        <a:spcBef>
+                          <a:spcPts val="0"/>
+                        </a:spcBef>
+                        <a:spcAft>
+                          <a:spcPts val="0"/>
+                        </a:spcAft>
+                      </a:pPr>
+                      <a:r>
+                        <a:rPr lang="en-GB" sz="700" b="0" i="0" u="none" strike="noStrike">
+                          <a:solidFill>
+                            <a:srgbClr val="000000"/>
+                          </a:solidFill>
+                          <a:effectLst/>
+                          <a:latin typeface="Calibri" panose="020F0502020204030204" pitchFamily="34" charset="0"/>
+                        </a:rPr>
+                        <a:t>Since an IMS is being built, it is of utmost importance that data from the inventory system isn't breached. Could contain personal information such as one's names, contact numbers or even home address.</a:t>
+                      </a:r>
+                      <a:endParaRPr lang="en-GB" sz="1100" b="0" i="0" u="none" strike="noStrike">
+                        <a:effectLst/>
+                        <a:latin typeface="Arial" panose="020B0604020202020204" pitchFamily="34" charset="0"/>
+                      </a:endParaRPr>
+                    </a:p>
+                  </a:txBody>
+                  <a:tcPr marL="3795" marR="3795" marT="3795" marB="0" anchor="ctr">
+                    <a:lnL w="6350" cap="flat" cmpd="sng" algn="ctr">
+                      <a:solidFill>
+                        <a:srgbClr val="000000"/>
+                      </a:solidFill>
+                      <a:prstDash val="solid"/>
+                      <a:round/>
+                      <a:headEnd type="none" w="med" len="med"/>
+                      <a:tailEnd type="none" w="med" len="med"/>
+                    </a:lnL>
+                    <a:lnR w="6350" cap="flat" cmpd="sng" algn="ctr">
+                      <a:solidFill>
+                        <a:srgbClr val="000000"/>
+                      </a:solidFill>
+                      <a:prstDash val="solid"/>
+                      <a:round/>
+                      <a:headEnd type="none" w="med" len="med"/>
+                      <a:tailEnd type="none" w="med" len="med"/>
+                    </a:lnR>
+                    <a:lnT w="6350" cap="flat" cmpd="sng" algn="ctr">
+                      <a:solidFill>
+                        <a:srgbClr val="000000"/>
+                      </a:solidFill>
+                      <a:prstDash val="solid"/>
+                      <a:round/>
+                      <a:headEnd type="none" w="med" len="med"/>
+                      <a:tailEnd type="none" w="med" len="med"/>
+                    </a:lnT>
+                    <a:lnB w="6350" cap="flat" cmpd="sng" algn="ctr">
+                      <a:solidFill>
+                        <a:srgbClr val="000000"/>
+                      </a:solidFill>
+                      <a:prstDash val="solid"/>
+                      <a:round/>
+                      <a:headEnd type="none" w="med" len="med"/>
+                      <a:tailEnd type="none" w="med" len="med"/>
+                    </a:lnB>
+                  </a:tcPr>
+                </a:tc>
+                <a:tc>
+                  <a:txBody>
+                    <a:bodyPr/>
+                    <a:lstStyle/>
+                    <a:p>
+                      <a:pPr algn="ctr" fontAlgn="ctr">
+                        <a:spcBef>
+                          <a:spcPts val="0"/>
+                        </a:spcBef>
+                        <a:spcAft>
+                          <a:spcPts val="0"/>
+                        </a:spcAft>
+                      </a:pPr>
+                      <a:r>
+                        <a:rPr lang="en-GB" sz="700" b="0" i="0" u="none" strike="noStrike" dirty="0">
+                          <a:solidFill>
+                            <a:srgbClr val="000000"/>
+                          </a:solidFill>
+                          <a:effectLst/>
+                          <a:latin typeface="Calibri" panose="020F0502020204030204" pitchFamily="34" charset="0"/>
+                        </a:rPr>
+                        <a:t>Employing data confidentiality and data integrity by limiting the amount of information stored. Using a means of encryption to hide stored data in case of a breach. Encryption has the potential to ensure data cannot be accessed.</a:t>
+                      </a:r>
+                      <a:endParaRPr lang="en-GB" sz="1100" b="0" i="0" u="none" strike="noStrike" dirty="0">
+                        <a:effectLst/>
+                        <a:latin typeface="Arial" panose="020B0604020202020204" pitchFamily="34" charset="0"/>
+                      </a:endParaRPr>
+                    </a:p>
+                  </a:txBody>
+                  <a:tcPr marL="3795" marR="3795" marT="3795" marB="0" anchor="ctr">
+                    <a:lnL w="6350" cap="flat" cmpd="sng" algn="ctr">
+                      <a:solidFill>
+                        <a:srgbClr val="000000"/>
+                      </a:solidFill>
+                      <a:prstDash val="solid"/>
+                      <a:round/>
+                      <a:headEnd type="none" w="med" len="med"/>
+                      <a:tailEnd type="none" w="med" len="med"/>
+                    </a:lnL>
+                    <a:lnR w="6350" cap="flat" cmpd="sng" algn="ctr">
+                      <a:solidFill>
+                        <a:srgbClr val="000000"/>
+                      </a:solidFill>
+                      <a:prstDash val="solid"/>
+                      <a:round/>
+                      <a:headEnd type="none" w="med" len="med"/>
+                      <a:tailEnd type="none" w="med" len="med"/>
+                    </a:lnR>
+                    <a:lnT w="6350" cap="flat" cmpd="sng" algn="ctr">
+                      <a:solidFill>
+                        <a:srgbClr val="000000"/>
+                      </a:solidFill>
+                      <a:prstDash val="solid"/>
+                      <a:round/>
+                      <a:headEnd type="none" w="med" len="med"/>
+                      <a:tailEnd type="none" w="med" len="med"/>
+                    </a:lnT>
+                    <a:lnB w="6350" cap="flat" cmpd="sng" algn="ctr">
+                      <a:solidFill>
+                        <a:srgbClr val="000000"/>
+                      </a:solidFill>
+                      <a:prstDash val="solid"/>
+                      <a:round/>
+                      <a:headEnd type="none" w="med" len="med"/>
+                      <a:tailEnd type="none" w="med" len="med"/>
+                    </a:lnB>
+                  </a:tcPr>
+                </a:tc>
+                <a:tc>
+                  <a:txBody>
+                    <a:bodyPr/>
+                    <a:lstStyle/>
+                    <a:p>
+                      <a:pPr algn="ctr" fontAlgn="ctr">
+                        <a:spcBef>
+                          <a:spcPts val="0"/>
+                        </a:spcBef>
+                        <a:spcAft>
+                          <a:spcPts val="0"/>
+                        </a:spcAft>
+                      </a:pPr>
+                      <a:r>
+                        <a:rPr lang="en-GB" sz="700" b="0" i="0" u="none" strike="noStrike">
+                          <a:solidFill>
+                            <a:srgbClr val="000000"/>
+                          </a:solidFill>
+                          <a:effectLst/>
+                          <a:latin typeface="Calibri" panose="020F0502020204030204" pitchFamily="34" charset="0"/>
+                        </a:rPr>
+                        <a:t>To provide customers and clients with a sense of security and ensure that GDPR regulations are adhered to. </a:t>
+                      </a:r>
+                      <a:endParaRPr lang="en-GB" sz="1100" b="0" i="0" u="none" strike="noStrike">
+                        <a:effectLst/>
+                        <a:latin typeface="Arial" panose="020B0604020202020204" pitchFamily="34" charset="0"/>
+                      </a:endParaRPr>
+                    </a:p>
+                  </a:txBody>
+                  <a:tcPr marL="3795" marR="3795" marT="3795" marB="0" anchor="ctr">
+                    <a:lnL w="6350" cap="flat" cmpd="sng" algn="ctr">
+                      <a:solidFill>
+                        <a:srgbClr val="000000"/>
+                      </a:solidFill>
+                      <a:prstDash val="solid"/>
+                      <a:round/>
+                      <a:headEnd type="none" w="med" len="med"/>
+                      <a:tailEnd type="none" w="med" len="med"/>
+                    </a:lnL>
+                    <a:lnR w="6350" cap="flat" cmpd="sng" algn="ctr">
+                      <a:solidFill>
+                        <a:srgbClr val="000000"/>
+                      </a:solidFill>
+                      <a:prstDash val="solid"/>
+                      <a:round/>
+                      <a:headEnd type="none" w="med" len="med"/>
+                      <a:tailEnd type="none" w="med" len="med"/>
+                    </a:lnR>
+                    <a:lnT w="6350" cap="flat" cmpd="sng" algn="ctr">
+                      <a:solidFill>
+                        <a:srgbClr val="000000"/>
+                      </a:solidFill>
+                      <a:prstDash val="solid"/>
+                      <a:round/>
+                      <a:headEnd type="none" w="med" len="med"/>
+                      <a:tailEnd type="none" w="med" len="med"/>
+                    </a:lnT>
+                    <a:lnB w="6350" cap="flat" cmpd="sng" algn="ctr">
+                      <a:solidFill>
+                        <a:srgbClr val="000000"/>
+                      </a:solidFill>
+                      <a:prstDash val="solid"/>
+                      <a:round/>
+                      <a:headEnd type="none" w="med" len="med"/>
+                      <a:tailEnd type="none" w="med" len="med"/>
+                    </a:lnB>
+                  </a:tcPr>
+                </a:tc>
+                <a:tc>
+                  <a:txBody>
+                    <a:bodyPr/>
+                    <a:lstStyle/>
+                    <a:p>
+                      <a:pPr algn="ctr" fontAlgn="ctr">
+                        <a:spcBef>
+                          <a:spcPts val="0"/>
+                        </a:spcBef>
+                        <a:spcAft>
+                          <a:spcPts val="0"/>
+                        </a:spcAft>
+                      </a:pPr>
+                      <a:r>
+                        <a:rPr lang="en-GB" sz="700" b="0" i="0" u="none" strike="noStrike">
+                          <a:solidFill>
+                            <a:srgbClr val="000000"/>
+                          </a:solidFill>
+                          <a:effectLst/>
+                          <a:latin typeface="Calibri" panose="020F0502020204030204" pitchFamily="34" charset="0"/>
+                        </a:rPr>
+                        <a:t>Low</a:t>
+                      </a:r>
+                      <a:endParaRPr lang="en-GB" sz="1100" b="0" i="0" u="none" strike="noStrike">
+                        <a:effectLst/>
+                        <a:latin typeface="Arial" panose="020B0604020202020204" pitchFamily="34" charset="0"/>
+                      </a:endParaRPr>
+                    </a:p>
+                  </a:txBody>
+                  <a:tcPr marL="3795" marR="3795" marT="3795" marB="0" anchor="ctr">
+                    <a:lnL w="6350" cap="flat" cmpd="sng" algn="ctr">
+                      <a:solidFill>
+                        <a:srgbClr val="000000"/>
+                      </a:solidFill>
+                      <a:prstDash val="solid"/>
+                      <a:round/>
+                      <a:headEnd type="none" w="med" len="med"/>
+                      <a:tailEnd type="none" w="med" len="med"/>
+                    </a:lnL>
+                    <a:lnR w="6350" cap="flat" cmpd="sng" algn="ctr">
+                      <a:solidFill>
+                        <a:srgbClr val="000000"/>
+                      </a:solidFill>
+                      <a:prstDash val="solid"/>
+                      <a:round/>
+                      <a:headEnd type="none" w="med" len="med"/>
+                      <a:tailEnd type="none" w="med" len="med"/>
+                    </a:lnR>
+                    <a:lnT w="6350" cap="flat" cmpd="sng" algn="ctr">
+                      <a:solidFill>
+                        <a:srgbClr val="000000"/>
+                      </a:solidFill>
+                      <a:prstDash val="solid"/>
+                      <a:round/>
+                      <a:headEnd type="none" w="med" len="med"/>
+                      <a:tailEnd type="none" w="med" len="med"/>
+                    </a:lnT>
+                    <a:lnB w="6350" cap="flat" cmpd="sng" algn="ctr">
+                      <a:solidFill>
+                        <a:srgbClr val="000000"/>
+                      </a:solidFill>
+                      <a:prstDash val="solid"/>
+                      <a:round/>
+                      <a:headEnd type="none" w="med" len="med"/>
+                      <a:tailEnd type="none" w="med" len="med"/>
+                    </a:lnB>
+                    <a:solidFill>
+                      <a:srgbClr val="00B050"/>
+                    </a:solidFill>
+                  </a:tcPr>
+                </a:tc>
+                <a:tc>
+                  <a:txBody>
+                    <a:bodyPr/>
+                    <a:lstStyle/>
+                    <a:p>
+                      <a:pPr algn="ctr" fontAlgn="ctr">
+                        <a:spcBef>
+                          <a:spcPts val="0"/>
+                        </a:spcBef>
+                        <a:spcAft>
+                          <a:spcPts val="0"/>
+                        </a:spcAft>
+                      </a:pPr>
+                      <a:r>
+                        <a:rPr lang="en-GB" sz="700" b="0" i="0" u="none" strike="noStrike">
+                          <a:solidFill>
+                            <a:srgbClr val="000000"/>
+                          </a:solidFill>
+                          <a:effectLst/>
+                          <a:latin typeface="Calibri" panose="020F0502020204030204" pitchFamily="34" charset="0"/>
+                        </a:rPr>
+                        <a:t>High</a:t>
+                      </a:r>
+                      <a:endParaRPr lang="en-GB" sz="1100" b="0" i="0" u="none" strike="noStrike">
+                        <a:effectLst/>
+                        <a:latin typeface="Arial" panose="020B0604020202020204" pitchFamily="34" charset="0"/>
+                      </a:endParaRPr>
+                    </a:p>
+                  </a:txBody>
+                  <a:tcPr marL="3795" marR="3795" marT="3795" marB="0" anchor="ctr">
+                    <a:lnL w="6350" cap="flat" cmpd="sng" algn="ctr">
+                      <a:solidFill>
+                        <a:srgbClr val="000000"/>
+                      </a:solidFill>
+                      <a:prstDash val="solid"/>
+                      <a:round/>
+                      <a:headEnd type="none" w="med" len="med"/>
+                      <a:tailEnd type="none" w="med" len="med"/>
+                    </a:lnL>
+                    <a:lnR w="6350" cap="flat" cmpd="sng" algn="ctr">
+                      <a:solidFill>
+                        <a:srgbClr val="000000"/>
+                      </a:solidFill>
+                      <a:prstDash val="solid"/>
+                      <a:round/>
+                      <a:headEnd type="none" w="med" len="med"/>
+                      <a:tailEnd type="none" w="med" len="med"/>
+                    </a:lnR>
+                    <a:lnT w="6350" cap="flat" cmpd="sng" algn="ctr">
+                      <a:solidFill>
+                        <a:srgbClr val="000000"/>
+                      </a:solidFill>
+                      <a:prstDash val="solid"/>
+                      <a:round/>
+                      <a:headEnd type="none" w="med" len="med"/>
+                      <a:tailEnd type="none" w="med" len="med"/>
+                    </a:lnT>
+                    <a:lnB w="6350" cap="flat" cmpd="sng" algn="ctr">
+                      <a:solidFill>
+                        <a:srgbClr val="000000"/>
+                      </a:solidFill>
+                      <a:prstDash val="solid"/>
+                      <a:round/>
+                      <a:headEnd type="none" w="med" len="med"/>
+                      <a:tailEnd type="none" w="med" len="med"/>
+                    </a:lnB>
+                    <a:solidFill>
+                      <a:srgbClr val="FF0000"/>
+                    </a:solidFill>
+                  </a:tcPr>
+                </a:tc>
+                <a:tc>
+                  <a:txBody>
+                    <a:bodyPr/>
+                    <a:lstStyle/>
+                    <a:p>
+                      <a:pPr algn="ctr" fontAlgn="ctr">
+                        <a:spcBef>
+                          <a:spcPts val="0"/>
+                        </a:spcBef>
+                        <a:spcAft>
+                          <a:spcPts val="0"/>
+                        </a:spcAft>
+                      </a:pPr>
+                      <a:r>
+                        <a:rPr lang="en-GB" sz="700" b="0" i="0" u="none" strike="noStrike">
+                          <a:solidFill>
+                            <a:srgbClr val="000000"/>
+                          </a:solidFill>
+                          <a:effectLst/>
+                          <a:latin typeface="Calibri" panose="020F0502020204030204" pitchFamily="34" charset="0"/>
+                        </a:rPr>
+                        <a:t>Medium</a:t>
+                      </a:r>
+                      <a:endParaRPr lang="en-GB" sz="1100" b="0" i="0" u="none" strike="noStrike">
+                        <a:effectLst/>
+                        <a:latin typeface="Arial" panose="020B0604020202020204" pitchFamily="34" charset="0"/>
+                      </a:endParaRPr>
+                    </a:p>
+                  </a:txBody>
+                  <a:tcPr marL="3795" marR="3795" marT="3795" marB="0" anchor="ctr">
+                    <a:lnL w="6350" cap="flat" cmpd="sng" algn="ctr">
+                      <a:solidFill>
+                        <a:srgbClr val="000000"/>
+                      </a:solidFill>
+                      <a:prstDash val="solid"/>
+                      <a:round/>
+                      <a:headEnd type="none" w="med" len="med"/>
+                      <a:tailEnd type="none" w="med" len="med"/>
+                    </a:lnL>
+                    <a:lnR w="6350" cap="flat" cmpd="sng" algn="ctr">
+                      <a:solidFill>
+                        <a:srgbClr val="000000"/>
+                      </a:solidFill>
+                      <a:prstDash val="solid"/>
+                      <a:round/>
+                      <a:headEnd type="none" w="med" len="med"/>
+                      <a:tailEnd type="none" w="med" len="med"/>
+                    </a:lnR>
+                    <a:lnT w="6350" cap="flat" cmpd="sng" algn="ctr">
+                      <a:solidFill>
+                        <a:srgbClr val="000000"/>
+                      </a:solidFill>
+                      <a:prstDash val="solid"/>
+                      <a:round/>
+                      <a:headEnd type="none" w="med" len="med"/>
+                      <a:tailEnd type="none" w="med" len="med"/>
+                    </a:lnT>
+                    <a:lnB w="6350" cap="flat" cmpd="sng" algn="ctr">
+                      <a:solidFill>
+                        <a:srgbClr val="000000"/>
+                      </a:solidFill>
+                      <a:prstDash val="solid"/>
+                      <a:round/>
+                      <a:headEnd type="none" w="med" len="med"/>
+                      <a:tailEnd type="none" w="med" len="med"/>
+                    </a:lnB>
+                    <a:solidFill>
+                      <a:srgbClr val="FFFF00"/>
+                    </a:solidFill>
+                  </a:tcPr>
+                </a:tc>
+                <a:extLst>
+                  <a:ext uri="{0D108BD9-81ED-4DB2-BD59-A6C34878D82A}">
+                    <a16:rowId xmlns:a16="http://schemas.microsoft.com/office/drawing/2014/main" val="1403839954"/>
+                  </a:ext>
+                </a:extLst>
+              </a:tr>
+              <a:tr h="403015">
+                <a:tc>
+                  <a:txBody>
+                    <a:bodyPr/>
+                    <a:lstStyle/>
+                    <a:p>
+                      <a:pPr algn="ctr" fontAlgn="ctr">
+                        <a:spcBef>
+                          <a:spcPts val="0"/>
+                        </a:spcBef>
+                        <a:spcAft>
+                          <a:spcPts val="0"/>
+                        </a:spcAft>
+                      </a:pPr>
+                      <a:r>
+                        <a:rPr lang="en-GB" sz="700" b="0" i="0" u="none" strike="noStrike">
+                          <a:solidFill>
+                            <a:srgbClr val="000000"/>
+                          </a:solidFill>
+                          <a:effectLst/>
+                          <a:latin typeface="Calibri" panose="020F0502020204030204" pitchFamily="34" charset="0"/>
+                        </a:rPr>
+                        <a:t>Hardware Failure</a:t>
+                      </a:r>
+                      <a:endParaRPr lang="en-GB" sz="1100" b="0" i="0" u="none" strike="noStrike">
+                        <a:effectLst/>
+                        <a:latin typeface="Arial" panose="020B0604020202020204" pitchFamily="34" charset="0"/>
+                      </a:endParaRPr>
+                    </a:p>
+                  </a:txBody>
+                  <a:tcPr marL="3795" marR="3795" marT="3795" marB="0" anchor="ctr">
+                    <a:lnL w="6350" cap="flat" cmpd="sng" algn="ctr">
+                      <a:solidFill>
+                        <a:srgbClr val="000000"/>
+                      </a:solidFill>
+                      <a:prstDash val="solid"/>
+                      <a:round/>
+                      <a:headEnd type="none" w="med" len="med"/>
+                      <a:tailEnd type="none" w="med" len="med"/>
+                    </a:lnL>
+                    <a:lnR w="6350" cap="flat" cmpd="sng" algn="ctr">
+                      <a:solidFill>
+                        <a:srgbClr val="000000"/>
+                      </a:solidFill>
+                      <a:prstDash val="solid"/>
+                      <a:round/>
+                      <a:headEnd type="none" w="med" len="med"/>
+                      <a:tailEnd type="none" w="med" len="med"/>
+                    </a:lnR>
+                    <a:lnT w="6350" cap="flat" cmpd="sng" algn="ctr">
+                      <a:solidFill>
+                        <a:srgbClr val="000000"/>
+                      </a:solidFill>
+                      <a:prstDash val="solid"/>
+                      <a:round/>
+                      <a:headEnd type="none" w="med" len="med"/>
+                      <a:tailEnd type="none" w="med" len="med"/>
+                    </a:lnT>
+                    <a:lnB w="6350" cap="flat" cmpd="sng" algn="ctr">
+                      <a:solidFill>
+                        <a:srgbClr val="000000"/>
+                      </a:solidFill>
+                      <a:prstDash val="solid"/>
+                      <a:round/>
+                      <a:headEnd type="none" w="med" len="med"/>
+                      <a:tailEnd type="none" w="med" len="med"/>
+                    </a:lnB>
+                  </a:tcPr>
+                </a:tc>
+                <a:tc>
+                  <a:txBody>
+                    <a:bodyPr/>
+                    <a:lstStyle/>
+                    <a:p>
+                      <a:pPr algn="ctr" fontAlgn="ctr">
+                        <a:spcBef>
+                          <a:spcPts val="0"/>
+                        </a:spcBef>
+                        <a:spcAft>
+                          <a:spcPts val="0"/>
+                        </a:spcAft>
+                      </a:pPr>
+                      <a:r>
+                        <a:rPr lang="en-GB" sz="700" b="0" i="0" u="none" strike="noStrike">
+                          <a:solidFill>
+                            <a:srgbClr val="000000"/>
+                          </a:solidFill>
+                          <a:effectLst/>
+                          <a:latin typeface="Calibri" panose="020F0502020204030204" pitchFamily="34" charset="0"/>
+                        </a:rPr>
+                        <a:t>Machine failure of personal equipment, i.e. PC/Laptop, could lead to a corruption of local files. Could also increase dwell time (unproductivity) if someone doesn't have access to a second machine.</a:t>
+                      </a:r>
+                      <a:endParaRPr lang="en-GB" sz="1100" b="0" i="0" u="none" strike="noStrike">
+                        <a:effectLst/>
+                        <a:latin typeface="Arial" panose="020B0604020202020204" pitchFamily="34" charset="0"/>
+                      </a:endParaRPr>
+                    </a:p>
+                  </a:txBody>
+                  <a:tcPr marL="3795" marR="3795" marT="3795" marB="0" anchor="ctr">
+                    <a:lnL w="6350" cap="flat" cmpd="sng" algn="ctr">
+                      <a:solidFill>
+                        <a:srgbClr val="000000"/>
+                      </a:solidFill>
+                      <a:prstDash val="solid"/>
+                      <a:round/>
+                      <a:headEnd type="none" w="med" len="med"/>
+                      <a:tailEnd type="none" w="med" len="med"/>
+                    </a:lnL>
+                    <a:lnR w="6350" cap="flat" cmpd="sng" algn="ctr">
+                      <a:solidFill>
+                        <a:srgbClr val="000000"/>
+                      </a:solidFill>
+                      <a:prstDash val="solid"/>
+                      <a:round/>
+                      <a:headEnd type="none" w="med" len="med"/>
+                      <a:tailEnd type="none" w="med" len="med"/>
+                    </a:lnR>
+                    <a:lnT w="6350" cap="flat" cmpd="sng" algn="ctr">
+                      <a:solidFill>
+                        <a:srgbClr val="000000"/>
+                      </a:solidFill>
+                      <a:prstDash val="solid"/>
+                      <a:round/>
+                      <a:headEnd type="none" w="med" len="med"/>
+                      <a:tailEnd type="none" w="med" len="med"/>
+                    </a:lnT>
+                    <a:lnB w="6350" cap="flat" cmpd="sng" algn="ctr">
+                      <a:solidFill>
+                        <a:srgbClr val="000000"/>
+                      </a:solidFill>
+                      <a:prstDash val="solid"/>
+                      <a:round/>
+                      <a:headEnd type="none" w="med" len="med"/>
+                      <a:tailEnd type="none" w="med" len="med"/>
+                    </a:lnB>
+                  </a:tcPr>
+                </a:tc>
+                <a:tc>
+                  <a:txBody>
+                    <a:bodyPr/>
+                    <a:lstStyle/>
+                    <a:p>
+                      <a:pPr algn="ctr" fontAlgn="ctr">
+                        <a:spcBef>
+                          <a:spcPts val="0"/>
+                        </a:spcBef>
+                        <a:spcAft>
+                          <a:spcPts val="0"/>
+                        </a:spcAft>
+                      </a:pPr>
+                      <a:r>
+                        <a:rPr lang="en-GB" sz="700" b="0" i="0" u="none" strike="noStrike">
+                          <a:solidFill>
+                            <a:srgbClr val="000000"/>
+                          </a:solidFill>
+                          <a:effectLst/>
+                          <a:latin typeface="Calibri" panose="020F0502020204030204" pitchFamily="34" charset="0"/>
+                        </a:rPr>
+                        <a:t>Employ a plan B - either by having access to a second means of equipment or performing regular back-ups on the cloud.</a:t>
+                      </a:r>
+                      <a:endParaRPr lang="en-GB" sz="1100" b="0" i="0" u="none" strike="noStrike">
+                        <a:effectLst/>
+                        <a:latin typeface="Arial" panose="020B0604020202020204" pitchFamily="34" charset="0"/>
+                      </a:endParaRPr>
+                    </a:p>
+                  </a:txBody>
+                  <a:tcPr marL="3795" marR="3795" marT="3795" marB="0" anchor="ctr">
+                    <a:lnL w="6350" cap="flat" cmpd="sng" algn="ctr">
+                      <a:solidFill>
+                        <a:srgbClr val="000000"/>
+                      </a:solidFill>
+                      <a:prstDash val="solid"/>
+                      <a:round/>
+                      <a:headEnd type="none" w="med" len="med"/>
+                      <a:tailEnd type="none" w="med" len="med"/>
+                    </a:lnL>
+                    <a:lnR w="6350" cap="flat" cmpd="sng" algn="ctr">
+                      <a:solidFill>
+                        <a:srgbClr val="000000"/>
+                      </a:solidFill>
+                      <a:prstDash val="solid"/>
+                      <a:round/>
+                      <a:headEnd type="none" w="med" len="med"/>
+                      <a:tailEnd type="none" w="med" len="med"/>
+                    </a:lnR>
+                    <a:lnT w="6350" cap="flat" cmpd="sng" algn="ctr">
+                      <a:solidFill>
+                        <a:srgbClr val="000000"/>
+                      </a:solidFill>
+                      <a:prstDash val="solid"/>
+                      <a:round/>
+                      <a:headEnd type="none" w="med" len="med"/>
+                      <a:tailEnd type="none" w="med" len="med"/>
+                    </a:lnT>
+                    <a:lnB w="6350" cap="flat" cmpd="sng" algn="ctr">
+                      <a:solidFill>
+                        <a:srgbClr val="000000"/>
+                      </a:solidFill>
+                      <a:prstDash val="solid"/>
+                      <a:round/>
+                      <a:headEnd type="none" w="med" len="med"/>
+                      <a:tailEnd type="none" w="med" len="med"/>
+                    </a:lnB>
+                  </a:tcPr>
+                </a:tc>
+                <a:tc>
+                  <a:txBody>
+                    <a:bodyPr/>
+                    <a:lstStyle/>
+                    <a:p>
+                      <a:pPr algn="ctr" fontAlgn="ctr">
+                        <a:spcBef>
+                          <a:spcPts val="0"/>
+                        </a:spcBef>
+                        <a:spcAft>
+                          <a:spcPts val="0"/>
+                        </a:spcAft>
+                      </a:pPr>
+                      <a:r>
+                        <a:rPr lang="en-GB" sz="700" b="0" i="0" u="none" strike="noStrike">
+                          <a:solidFill>
+                            <a:srgbClr val="000000"/>
+                          </a:solidFill>
+                          <a:effectLst/>
+                          <a:latin typeface="Calibri" panose="020F0502020204030204" pitchFamily="34" charset="0"/>
+                        </a:rPr>
+                        <a:t>Minimises the disruption that is caused by hardware failure and if regularly backed up, then it reduces the impact a corrupt file could have. It also improves data integrity; the accuracy and consistency of data stored.</a:t>
+                      </a:r>
+                      <a:endParaRPr lang="en-GB" sz="1100" b="0" i="0" u="none" strike="noStrike">
+                        <a:effectLst/>
+                        <a:latin typeface="Arial" panose="020B0604020202020204" pitchFamily="34" charset="0"/>
+                      </a:endParaRPr>
+                    </a:p>
+                  </a:txBody>
+                  <a:tcPr marL="3795" marR="3795" marT="3795" marB="0" anchor="ctr">
+                    <a:lnL w="6350" cap="flat" cmpd="sng" algn="ctr">
+                      <a:solidFill>
+                        <a:srgbClr val="000000"/>
+                      </a:solidFill>
+                      <a:prstDash val="solid"/>
+                      <a:round/>
+                      <a:headEnd type="none" w="med" len="med"/>
+                      <a:tailEnd type="none" w="med" len="med"/>
+                    </a:lnL>
+                    <a:lnR w="6350" cap="flat" cmpd="sng" algn="ctr">
+                      <a:solidFill>
+                        <a:srgbClr val="000000"/>
+                      </a:solidFill>
+                      <a:prstDash val="solid"/>
+                      <a:round/>
+                      <a:headEnd type="none" w="med" len="med"/>
+                      <a:tailEnd type="none" w="med" len="med"/>
+                    </a:lnR>
+                    <a:lnT w="6350" cap="flat" cmpd="sng" algn="ctr">
+                      <a:solidFill>
+                        <a:srgbClr val="000000"/>
+                      </a:solidFill>
+                      <a:prstDash val="solid"/>
+                      <a:round/>
+                      <a:headEnd type="none" w="med" len="med"/>
+                      <a:tailEnd type="none" w="med" len="med"/>
+                    </a:lnT>
+                    <a:lnB w="6350" cap="flat" cmpd="sng" algn="ctr">
+                      <a:solidFill>
+                        <a:srgbClr val="000000"/>
+                      </a:solidFill>
+                      <a:prstDash val="solid"/>
+                      <a:round/>
+                      <a:headEnd type="none" w="med" len="med"/>
+                      <a:tailEnd type="none" w="med" len="med"/>
+                    </a:lnB>
+                  </a:tcPr>
+                </a:tc>
+                <a:tc>
+                  <a:txBody>
+                    <a:bodyPr/>
+                    <a:lstStyle/>
+                    <a:p>
+                      <a:pPr algn="ctr" fontAlgn="ctr">
+                        <a:spcBef>
+                          <a:spcPts val="0"/>
+                        </a:spcBef>
+                        <a:spcAft>
+                          <a:spcPts val="0"/>
+                        </a:spcAft>
+                      </a:pPr>
+                      <a:r>
+                        <a:rPr lang="en-GB" sz="700" b="0" i="0" u="none" strike="noStrike">
+                          <a:solidFill>
+                            <a:srgbClr val="000000"/>
+                          </a:solidFill>
+                          <a:effectLst/>
+                          <a:latin typeface="Calibri" panose="020F0502020204030204" pitchFamily="34" charset="0"/>
+                        </a:rPr>
+                        <a:t>Low</a:t>
+                      </a:r>
+                      <a:endParaRPr lang="en-GB" sz="1100" b="0" i="0" u="none" strike="noStrike">
+                        <a:effectLst/>
+                        <a:latin typeface="Arial" panose="020B0604020202020204" pitchFamily="34" charset="0"/>
+                      </a:endParaRPr>
+                    </a:p>
+                  </a:txBody>
+                  <a:tcPr marL="3795" marR="3795" marT="3795" marB="0" anchor="ctr">
+                    <a:lnL w="6350" cap="flat" cmpd="sng" algn="ctr">
+                      <a:solidFill>
+                        <a:srgbClr val="000000"/>
+                      </a:solidFill>
+                      <a:prstDash val="solid"/>
+                      <a:round/>
+                      <a:headEnd type="none" w="med" len="med"/>
+                      <a:tailEnd type="none" w="med" len="med"/>
+                    </a:lnL>
+                    <a:lnR w="6350" cap="flat" cmpd="sng" algn="ctr">
+                      <a:solidFill>
+                        <a:srgbClr val="000000"/>
+                      </a:solidFill>
+                      <a:prstDash val="solid"/>
+                      <a:round/>
+                      <a:headEnd type="none" w="med" len="med"/>
+                      <a:tailEnd type="none" w="med" len="med"/>
+                    </a:lnR>
+                    <a:lnT w="6350" cap="flat" cmpd="sng" algn="ctr">
+                      <a:solidFill>
+                        <a:srgbClr val="000000"/>
+                      </a:solidFill>
+                      <a:prstDash val="solid"/>
+                      <a:round/>
+                      <a:headEnd type="none" w="med" len="med"/>
+                      <a:tailEnd type="none" w="med" len="med"/>
+                    </a:lnT>
+                    <a:lnB w="6350" cap="flat" cmpd="sng" algn="ctr">
+                      <a:solidFill>
+                        <a:srgbClr val="000000"/>
+                      </a:solidFill>
+                      <a:prstDash val="solid"/>
+                      <a:round/>
+                      <a:headEnd type="none" w="med" len="med"/>
+                      <a:tailEnd type="none" w="med" len="med"/>
+                    </a:lnB>
+                    <a:solidFill>
+                      <a:srgbClr val="00B050"/>
+                    </a:solidFill>
+                  </a:tcPr>
+                </a:tc>
+                <a:tc>
+                  <a:txBody>
+                    <a:bodyPr/>
+                    <a:lstStyle/>
+                    <a:p>
+                      <a:pPr algn="ctr" fontAlgn="ctr">
+                        <a:spcBef>
+                          <a:spcPts val="0"/>
+                        </a:spcBef>
+                        <a:spcAft>
+                          <a:spcPts val="0"/>
+                        </a:spcAft>
+                      </a:pPr>
+                      <a:r>
+                        <a:rPr lang="en-GB" sz="700" b="0" i="0" u="none" strike="noStrike">
+                          <a:solidFill>
+                            <a:srgbClr val="000000"/>
+                          </a:solidFill>
+                          <a:effectLst/>
+                          <a:latin typeface="Calibri" panose="020F0502020204030204" pitchFamily="34" charset="0"/>
+                        </a:rPr>
+                        <a:t>High</a:t>
+                      </a:r>
+                      <a:endParaRPr lang="en-GB" sz="1100" b="0" i="0" u="none" strike="noStrike">
+                        <a:effectLst/>
+                        <a:latin typeface="Arial" panose="020B0604020202020204" pitchFamily="34" charset="0"/>
+                      </a:endParaRPr>
+                    </a:p>
+                  </a:txBody>
+                  <a:tcPr marL="3795" marR="3795" marT="3795" marB="0" anchor="ctr">
+                    <a:lnL w="6350" cap="flat" cmpd="sng" algn="ctr">
+                      <a:solidFill>
+                        <a:srgbClr val="000000"/>
+                      </a:solidFill>
+                      <a:prstDash val="solid"/>
+                      <a:round/>
+                      <a:headEnd type="none" w="med" len="med"/>
+                      <a:tailEnd type="none" w="med" len="med"/>
+                    </a:lnL>
+                    <a:lnR w="6350" cap="flat" cmpd="sng" algn="ctr">
+                      <a:solidFill>
+                        <a:srgbClr val="000000"/>
+                      </a:solidFill>
+                      <a:prstDash val="solid"/>
+                      <a:round/>
+                      <a:headEnd type="none" w="med" len="med"/>
+                      <a:tailEnd type="none" w="med" len="med"/>
+                    </a:lnR>
+                    <a:lnT w="6350" cap="flat" cmpd="sng" algn="ctr">
+                      <a:solidFill>
+                        <a:srgbClr val="000000"/>
+                      </a:solidFill>
+                      <a:prstDash val="solid"/>
+                      <a:round/>
+                      <a:headEnd type="none" w="med" len="med"/>
+                      <a:tailEnd type="none" w="med" len="med"/>
+                    </a:lnT>
+                    <a:lnB w="6350" cap="flat" cmpd="sng" algn="ctr">
+                      <a:solidFill>
+                        <a:srgbClr val="000000"/>
+                      </a:solidFill>
+                      <a:prstDash val="solid"/>
+                      <a:round/>
+                      <a:headEnd type="none" w="med" len="med"/>
+                      <a:tailEnd type="none" w="med" len="med"/>
+                    </a:lnB>
+                    <a:solidFill>
+                      <a:srgbClr val="FF0000"/>
+                    </a:solidFill>
+                  </a:tcPr>
+                </a:tc>
+                <a:tc>
+                  <a:txBody>
+                    <a:bodyPr/>
+                    <a:lstStyle/>
+                    <a:p>
+                      <a:pPr algn="ctr" fontAlgn="ctr">
+                        <a:spcBef>
+                          <a:spcPts val="0"/>
+                        </a:spcBef>
+                        <a:spcAft>
+                          <a:spcPts val="0"/>
+                        </a:spcAft>
+                      </a:pPr>
+                      <a:r>
+                        <a:rPr lang="en-GB" sz="700" b="0" i="0" u="none" strike="noStrike">
+                          <a:solidFill>
+                            <a:srgbClr val="000000"/>
+                          </a:solidFill>
+                          <a:effectLst/>
+                          <a:latin typeface="Calibri" panose="020F0502020204030204" pitchFamily="34" charset="0"/>
+                        </a:rPr>
+                        <a:t>Medium</a:t>
+                      </a:r>
+                      <a:endParaRPr lang="en-GB" sz="1100" b="0" i="0" u="none" strike="noStrike">
+                        <a:effectLst/>
+                        <a:latin typeface="Arial" panose="020B0604020202020204" pitchFamily="34" charset="0"/>
+                      </a:endParaRPr>
+                    </a:p>
+                  </a:txBody>
+                  <a:tcPr marL="3795" marR="3795" marT="3795" marB="0" anchor="ctr">
+                    <a:lnL w="6350" cap="flat" cmpd="sng" algn="ctr">
+                      <a:solidFill>
+                        <a:srgbClr val="000000"/>
+                      </a:solidFill>
+                      <a:prstDash val="solid"/>
+                      <a:round/>
+                      <a:headEnd type="none" w="med" len="med"/>
+                      <a:tailEnd type="none" w="med" len="med"/>
+                    </a:lnL>
+                    <a:lnR w="6350" cap="flat" cmpd="sng" algn="ctr">
+                      <a:solidFill>
+                        <a:srgbClr val="000000"/>
+                      </a:solidFill>
+                      <a:prstDash val="solid"/>
+                      <a:round/>
+                      <a:headEnd type="none" w="med" len="med"/>
+                      <a:tailEnd type="none" w="med" len="med"/>
+                    </a:lnR>
+                    <a:lnT w="6350" cap="flat" cmpd="sng" algn="ctr">
+                      <a:solidFill>
+                        <a:srgbClr val="000000"/>
+                      </a:solidFill>
+                      <a:prstDash val="solid"/>
+                      <a:round/>
+                      <a:headEnd type="none" w="med" len="med"/>
+                      <a:tailEnd type="none" w="med" len="med"/>
+                    </a:lnT>
+                    <a:lnB w="6350" cap="flat" cmpd="sng" algn="ctr">
+                      <a:solidFill>
+                        <a:srgbClr val="000000"/>
+                      </a:solidFill>
+                      <a:prstDash val="solid"/>
+                      <a:round/>
+                      <a:headEnd type="none" w="med" len="med"/>
+                      <a:tailEnd type="none" w="med" len="med"/>
+                    </a:lnB>
+                    <a:solidFill>
+                      <a:srgbClr val="FFFF00"/>
+                    </a:solidFill>
+                  </a:tcPr>
+                </a:tc>
+                <a:extLst>
+                  <a:ext uri="{0D108BD9-81ED-4DB2-BD59-A6C34878D82A}">
+                    <a16:rowId xmlns:a16="http://schemas.microsoft.com/office/drawing/2014/main" val="2431882546"/>
+                  </a:ext>
+                </a:extLst>
+              </a:tr>
+              <a:tr h="531832">
+                <a:tc>
+                  <a:txBody>
+                    <a:bodyPr/>
+                    <a:lstStyle/>
+                    <a:p>
+                      <a:pPr algn="ctr" fontAlgn="ctr">
+                        <a:spcBef>
+                          <a:spcPts val="0"/>
+                        </a:spcBef>
+                        <a:spcAft>
+                          <a:spcPts val="0"/>
+                        </a:spcAft>
+                      </a:pPr>
+                      <a:r>
+                        <a:rPr lang="en-GB" sz="700" b="0" i="0" u="none" strike="noStrike">
+                          <a:solidFill>
+                            <a:srgbClr val="000000"/>
+                          </a:solidFill>
+                          <a:effectLst/>
+                          <a:latin typeface="Calibri" panose="020F0502020204030204" pitchFamily="34" charset="0"/>
+                        </a:rPr>
+                        <a:t>Internet Connectivity</a:t>
+                      </a:r>
+                      <a:endParaRPr lang="en-GB" sz="1100" b="0" i="0" u="none" strike="noStrike">
+                        <a:effectLst/>
+                        <a:latin typeface="Arial" panose="020B0604020202020204" pitchFamily="34" charset="0"/>
+                      </a:endParaRPr>
+                    </a:p>
+                  </a:txBody>
+                  <a:tcPr marL="3795" marR="3795" marT="3795" marB="0" anchor="ctr">
+                    <a:lnL w="6350" cap="flat" cmpd="sng" algn="ctr">
+                      <a:solidFill>
+                        <a:srgbClr val="000000"/>
+                      </a:solidFill>
+                      <a:prstDash val="solid"/>
+                      <a:round/>
+                      <a:headEnd type="none" w="med" len="med"/>
+                      <a:tailEnd type="none" w="med" len="med"/>
+                    </a:lnL>
+                    <a:lnR w="6350" cap="flat" cmpd="sng" algn="ctr">
+                      <a:solidFill>
+                        <a:srgbClr val="000000"/>
+                      </a:solidFill>
+                      <a:prstDash val="solid"/>
+                      <a:round/>
+                      <a:headEnd type="none" w="med" len="med"/>
+                      <a:tailEnd type="none" w="med" len="med"/>
+                    </a:lnR>
+                    <a:lnT w="6350" cap="flat" cmpd="sng" algn="ctr">
+                      <a:solidFill>
+                        <a:srgbClr val="000000"/>
+                      </a:solidFill>
+                      <a:prstDash val="solid"/>
+                      <a:round/>
+                      <a:headEnd type="none" w="med" len="med"/>
+                      <a:tailEnd type="none" w="med" len="med"/>
+                    </a:lnT>
+                    <a:lnB w="6350" cap="flat" cmpd="sng" algn="ctr">
+                      <a:solidFill>
+                        <a:srgbClr val="000000"/>
+                      </a:solidFill>
+                      <a:prstDash val="solid"/>
+                      <a:round/>
+                      <a:headEnd type="none" w="med" len="med"/>
+                      <a:tailEnd type="none" w="med" len="med"/>
+                    </a:lnB>
+                  </a:tcPr>
+                </a:tc>
+                <a:tc>
+                  <a:txBody>
+                    <a:bodyPr/>
+                    <a:lstStyle/>
+                    <a:p>
+                      <a:pPr algn="ctr" fontAlgn="ctr">
+                        <a:spcBef>
+                          <a:spcPts val="0"/>
+                        </a:spcBef>
+                        <a:spcAft>
+                          <a:spcPts val="0"/>
+                        </a:spcAft>
+                      </a:pPr>
+                      <a:r>
+                        <a:rPr lang="en-GB" sz="700" b="0" i="0" u="none" strike="noStrike">
+                          <a:solidFill>
+                            <a:srgbClr val="000000"/>
+                          </a:solidFill>
+                          <a:effectLst/>
+                          <a:latin typeface="Calibri" panose="020F0502020204030204" pitchFamily="34" charset="0"/>
+                        </a:rPr>
+                        <a:t>No internet connectivity will ensure you can't access remote files or create backups on cloud hosted websites. </a:t>
+                      </a:r>
+                      <a:endParaRPr lang="en-GB" sz="1100" b="0" i="0" u="none" strike="noStrike">
+                        <a:effectLst/>
+                        <a:latin typeface="Arial" panose="020B0604020202020204" pitchFamily="34" charset="0"/>
+                      </a:endParaRPr>
+                    </a:p>
+                  </a:txBody>
+                  <a:tcPr marL="3795" marR="3795" marT="3795" marB="0" anchor="ctr">
+                    <a:lnL w="6350" cap="flat" cmpd="sng" algn="ctr">
+                      <a:solidFill>
+                        <a:srgbClr val="000000"/>
+                      </a:solidFill>
+                      <a:prstDash val="solid"/>
+                      <a:round/>
+                      <a:headEnd type="none" w="med" len="med"/>
+                      <a:tailEnd type="none" w="med" len="med"/>
+                    </a:lnL>
+                    <a:lnR w="6350" cap="flat" cmpd="sng" algn="ctr">
+                      <a:solidFill>
+                        <a:srgbClr val="000000"/>
+                      </a:solidFill>
+                      <a:prstDash val="solid"/>
+                      <a:round/>
+                      <a:headEnd type="none" w="med" len="med"/>
+                      <a:tailEnd type="none" w="med" len="med"/>
+                    </a:lnR>
+                    <a:lnT w="6350" cap="flat" cmpd="sng" algn="ctr">
+                      <a:solidFill>
+                        <a:srgbClr val="000000"/>
+                      </a:solidFill>
+                      <a:prstDash val="solid"/>
+                      <a:round/>
+                      <a:headEnd type="none" w="med" len="med"/>
+                      <a:tailEnd type="none" w="med" len="med"/>
+                    </a:lnT>
+                    <a:lnB w="6350" cap="flat" cmpd="sng" algn="ctr">
+                      <a:solidFill>
+                        <a:srgbClr val="000000"/>
+                      </a:solidFill>
+                      <a:prstDash val="solid"/>
+                      <a:round/>
+                      <a:headEnd type="none" w="med" len="med"/>
+                      <a:tailEnd type="none" w="med" len="med"/>
+                    </a:lnB>
+                  </a:tcPr>
+                </a:tc>
+                <a:tc>
+                  <a:txBody>
+                    <a:bodyPr/>
+                    <a:lstStyle/>
+                    <a:p>
+                      <a:pPr algn="ctr" fontAlgn="ctr">
+                        <a:spcBef>
+                          <a:spcPts val="0"/>
+                        </a:spcBef>
+                        <a:spcAft>
+                          <a:spcPts val="0"/>
+                        </a:spcAft>
+                      </a:pPr>
+                      <a:r>
+                        <a:rPr lang="en-GB" sz="700" b="0" i="0" u="none" strike="noStrike">
+                          <a:solidFill>
+                            <a:srgbClr val="000000"/>
+                          </a:solidFill>
+                          <a:effectLst/>
+                          <a:latin typeface="Calibri" panose="020F0502020204030204" pitchFamily="34" charset="0"/>
+                        </a:rPr>
+                        <a:t>Having the means to a facility that offers reliable internet connection such as a café/library/academic environment could be employed to mitigate the risk. Changing Network providers or asking for a network engineer to resolve the issue.</a:t>
+                      </a:r>
+                      <a:endParaRPr lang="en-GB" sz="1100" b="0" i="0" u="none" strike="noStrike">
+                        <a:effectLst/>
+                        <a:latin typeface="Arial" panose="020B0604020202020204" pitchFamily="34" charset="0"/>
+                      </a:endParaRPr>
+                    </a:p>
+                  </a:txBody>
+                  <a:tcPr marL="3795" marR="3795" marT="3795" marB="0" anchor="ctr">
+                    <a:lnL w="6350" cap="flat" cmpd="sng" algn="ctr">
+                      <a:solidFill>
+                        <a:srgbClr val="000000"/>
+                      </a:solidFill>
+                      <a:prstDash val="solid"/>
+                      <a:round/>
+                      <a:headEnd type="none" w="med" len="med"/>
+                      <a:tailEnd type="none" w="med" len="med"/>
+                    </a:lnL>
+                    <a:lnR w="6350" cap="flat" cmpd="sng" algn="ctr">
+                      <a:solidFill>
+                        <a:srgbClr val="000000"/>
+                      </a:solidFill>
+                      <a:prstDash val="solid"/>
+                      <a:round/>
+                      <a:headEnd type="none" w="med" len="med"/>
+                      <a:tailEnd type="none" w="med" len="med"/>
+                    </a:lnR>
+                    <a:lnT w="6350" cap="flat" cmpd="sng" algn="ctr">
+                      <a:solidFill>
+                        <a:srgbClr val="000000"/>
+                      </a:solidFill>
+                      <a:prstDash val="solid"/>
+                      <a:round/>
+                      <a:headEnd type="none" w="med" len="med"/>
+                      <a:tailEnd type="none" w="med" len="med"/>
+                    </a:lnT>
+                    <a:lnB w="6350" cap="flat" cmpd="sng" algn="ctr">
+                      <a:solidFill>
+                        <a:srgbClr val="000000"/>
+                      </a:solidFill>
+                      <a:prstDash val="solid"/>
+                      <a:round/>
+                      <a:headEnd type="none" w="med" len="med"/>
+                      <a:tailEnd type="none" w="med" len="med"/>
+                    </a:lnB>
+                  </a:tcPr>
+                </a:tc>
+                <a:tc>
+                  <a:txBody>
+                    <a:bodyPr/>
+                    <a:lstStyle/>
+                    <a:p>
+                      <a:pPr algn="ctr" fontAlgn="ctr">
+                        <a:spcBef>
+                          <a:spcPts val="0"/>
+                        </a:spcBef>
+                        <a:spcAft>
+                          <a:spcPts val="0"/>
+                        </a:spcAft>
+                      </a:pPr>
+                      <a:r>
+                        <a:rPr lang="en-GB" sz="700" b="0" i="0" u="none" strike="noStrike">
+                          <a:solidFill>
+                            <a:srgbClr val="000000"/>
+                          </a:solidFill>
+                          <a:effectLst/>
+                          <a:latin typeface="Calibri" panose="020F0502020204030204" pitchFamily="34" charset="0"/>
+                        </a:rPr>
+                        <a:t>Reduces the severity and inconvenience caused by the loss of internet connectivity.</a:t>
+                      </a:r>
+                      <a:endParaRPr lang="en-GB" sz="1100" b="0" i="0" u="none" strike="noStrike">
+                        <a:effectLst/>
+                        <a:latin typeface="Arial" panose="020B0604020202020204" pitchFamily="34" charset="0"/>
+                      </a:endParaRPr>
+                    </a:p>
+                  </a:txBody>
+                  <a:tcPr marL="3795" marR="3795" marT="3795" marB="0" anchor="ctr">
+                    <a:lnL w="6350" cap="flat" cmpd="sng" algn="ctr">
+                      <a:solidFill>
+                        <a:srgbClr val="000000"/>
+                      </a:solidFill>
+                      <a:prstDash val="solid"/>
+                      <a:round/>
+                      <a:headEnd type="none" w="med" len="med"/>
+                      <a:tailEnd type="none" w="med" len="med"/>
+                    </a:lnL>
+                    <a:lnR w="6350" cap="flat" cmpd="sng" algn="ctr">
+                      <a:solidFill>
+                        <a:srgbClr val="000000"/>
+                      </a:solidFill>
+                      <a:prstDash val="solid"/>
+                      <a:round/>
+                      <a:headEnd type="none" w="med" len="med"/>
+                      <a:tailEnd type="none" w="med" len="med"/>
+                    </a:lnR>
+                    <a:lnT w="6350" cap="flat" cmpd="sng" algn="ctr">
+                      <a:solidFill>
+                        <a:srgbClr val="000000"/>
+                      </a:solidFill>
+                      <a:prstDash val="solid"/>
+                      <a:round/>
+                      <a:headEnd type="none" w="med" len="med"/>
+                      <a:tailEnd type="none" w="med" len="med"/>
+                    </a:lnT>
+                    <a:lnB w="6350" cap="flat" cmpd="sng" algn="ctr">
+                      <a:solidFill>
+                        <a:srgbClr val="000000"/>
+                      </a:solidFill>
+                      <a:prstDash val="solid"/>
+                      <a:round/>
+                      <a:headEnd type="none" w="med" len="med"/>
+                      <a:tailEnd type="none" w="med" len="med"/>
+                    </a:lnB>
+                  </a:tcPr>
+                </a:tc>
+                <a:tc>
+                  <a:txBody>
+                    <a:bodyPr/>
+                    <a:lstStyle/>
+                    <a:p>
+                      <a:pPr algn="ctr" fontAlgn="ctr">
+                        <a:spcBef>
+                          <a:spcPts val="0"/>
+                        </a:spcBef>
+                        <a:spcAft>
+                          <a:spcPts val="0"/>
+                        </a:spcAft>
+                      </a:pPr>
+                      <a:r>
+                        <a:rPr lang="en-GB" sz="700" b="0" i="0" u="none" strike="noStrike">
+                          <a:solidFill>
+                            <a:srgbClr val="000000"/>
+                          </a:solidFill>
+                          <a:effectLst/>
+                          <a:latin typeface="Calibri" panose="020F0502020204030204" pitchFamily="34" charset="0"/>
+                        </a:rPr>
+                        <a:t>Medium</a:t>
+                      </a:r>
+                      <a:endParaRPr lang="en-GB" sz="1100" b="0" i="0" u="none" strike="noStrike">
+                        <a:effectLst/>
+                        <a:latin typeface="Arial" panose="020B0604020202020204" pitchFamily="34" charset="0"/>
+                      </a:endParaRPr>
+                    </a:p>
+                  </a:txBody>
+                  <a:tcPr marL="3795" marR="3795" marT="3795" marB="0" anchor="ctr">
+                    <a:lnL w="6350" cap="flat" cmpd="sng" algn="ctr">
+                      <a:solidFill>
+                        <a:srgbClr val="000000"/>
+                      </a:solidFill>
+                      <a:prstDash val="solid"/>
+                      <a:round/>
+                      <a:headEnd type="none" w="med" len="med"/>
+                      <a:tailEnd type="none" w="med" len="med"/>
+                    </a:lnL>
+                    <a:lnR w="6350" cap="flat" cmpd="sng" algn="ctr">
+                      <a:solidFill>
+                        <a:srgbClr val="000000"/>
+                      </a:solidFill>
+                      <a:prstDash val="solid"/>
+                      <a:round/>
+                      <a:headEnd type="none" w="med" len="med"/>
+                      <a:tailEnd type="none" w="med" len="med"/>
+                    </a:lnR>
+                    <a:lnT w="6350" cap="flat" cmpd="sng" algn="ctr">
+                      <a:solidFill>
+                        <a:srgbClr val="000000"/>
+                      </a:solidFill>
+                      <a:prstDash val="solid"/>
+                      <a:round/>
+                      <a:headEnd type="none" w="med" len="med"/>
+                      <a:tailEnd type="none" w="med" len="med"/>
+                    </a:lnT>
+                    <a:lnB w="6350" cap="flat" cmpd="sng" algn="ctr">
+                      <a:solidFill>
+                        <a:srgbClr val="000000"/>
+                      </a:solidFill>
+                      <a:prstDash val="solid"/>
+                      <a:round/>
+                      <a:headEnd type="none" w="med" len="med"/>
+                      <a:tailEnd type="none" w="med" len="med"/>
+                    </a:lnB>
+                    <a:solidFill>
+                      <a:srgbClr val="FFFF00"/>
+                    </a:solidFill>
+                  </a:tcPr>
+                </a:tc>
+                <a:tc>
+                  <a:txBody>
+                    <a:bodyPr/>
+                    <a:lstStyle/>
+                    <a:p>
+                      <a:pPr algn="ctr" fontAlgn="ctr">
+                        <a:spcBef>
+                          <a:spcPts val="0"/>
+                        </a:spcBef>
+                        <a:spcAft>
+                          <a:spcPts val="0"/>
+                        </a:spcAft>
+                      </a:pPr>
+                      <a:r>
+                        <a:rPr lang="en-GB" sz="700" b="0" i="0" u="none" strike="noStrike">
+                          <a:solidFill>
+                            <a:srgbClr val="000000"/>
+                          </a:solidFill>
+                          <a:effectLst/>
+                          <a:latin typeface="Calibri" panose="020F0502020204030204" pitchFamily="34" charset="0"/>
+                        </a:rPr>
+                        <a:t>Low</a:t>
+                      </a:r>
+                      <a:endParaRPr lang="en-GB" sz="1100" b="0" i="0" u="none" strike="noStrike">
+                        <a:effectLst/>
+                        <a:latin typeface="Arial" panose="020B0604020202020204" pitchFamily="34" charset="0"/>
+                      </a:endParaRPr>
+                    </a:p>
+                  </a:txBody>
+                  <a:tcPr marL="3795" marR="3795" marT="3795" marB="0" anchor="ctr">
+                    <a:lnL w="6350" cap="flat" cmpd="sng" algn="ctr">
+                      <a:solidFill>
+                        <a:srgbClr val="000000"/>
+                      </a:solidFill>
+                      <a:prstDash val="solid"/>
+                      <a:round/>
+                      <a:headEnd type="none" w="med" len="med"/>
+                      <a:tailEnd type="none" w="med" len="med"/>
+                    </a:lnL>
+                    <a:lnR w="6350" cap="flat" cmpd="sng" algn="ctr">
+                      <a:solidFill>
+                        <a:srgbClr val="000000"/>
+                      </a:solidFill>
+                      <a:prstDash val="solid"/>
+                      <a:round/>
+                      <a:headEnd type="none" w="med" len="med"/>
+                      <a:tailEnd type="none" w="med" len="med"/>
+                    </a:lnR>
+                    <a:lnT w="6350" cap="flat" cmpd="sng" algn="ctr">
+                      <a:solidFill>
+                        <a:srgbClr val="000000"/>
+                      </a:solidFill>
+                      <a:prstDash val="solid"/>
+                      <a:round/>
+                      <a:headEnd type="none" w="med" len="med"/>
+                      <a:tailEnd type="none" w="med" len="med"/>
+                    </a:lnT>
+                    <a:lnB w="6350" cap="flat" cmpd="sng" algn="ctr">
+                      <a:solidFill>
+                        <a:srgbClr val="000000"/>
+                      </a:solidFill>
+                      <a:prstDash val="solid"/>
+                      <a:round/>
+                      <a:headEnd type="none" w="med" len="med"/>
+                      <a:tailEnd type="none" w="med" len="med"/>
+                    </a:lnB>
+                    <a:solidFill>
+                      <a:srgbClr val="00B050"/>
+                    </a:solidFill>
+                  </a:tcPr>
+                </a:tc>
+                <a:tc>
+                  <a:txBody>
+                    <a:bodyPr/>
+                    <a:lstStyle/>
+                    <a:p>
+                      <a:pPr algn="ctr" fontAlgn="ctr">
+                        <a:spcBef>
+                          <a:spcPts val="0"/>
+                        </a:spcBef>
+                        <a:spcAft>
+                          <a:spcPts val="0"/>
+                        </a:spcAft>
+                      </a:pPr>
+                      <a:r>
+                        <a:rPr lang="en-GB" sz="700" b="0" i="0" u="none" strike="noStrike">
+                          <a:solidFill>
+                            <a:srgbClr val="000000"/>
+                          </a:solidFill>
+                          <a:effectLst/>
+                          <a:latin typeface="Calibri" panose="020F0502020204030204" pitchFamily="34" charset="0"/>
+                        </a:rPr>
+                        <a:t>Medium</a:t>
+                      </a:r>
+                      <a:endParaRPr lang="en-GB" sz="1100" b="0" i="0" u="none" strike="noStrike">
+                        <a:effectLst/>
+                        <a:latin typeface="Arial" panose="020B0604020202020204" pitchFamily="34" charset="0"/>
+                      </a:endParaRPr>
+                    </a:p>
+                  </a:txBody>
+                  <a:tcPr marL="3795" marR="3795" marT="3795" marB="0" anchor="ctr">
+                    <a:lnL w="6350" cap="flat" cmpd="sng" algn="ctr">
+                      <a:solidFill>
+                        <a:srgbClr val="000000"/>
+                      </a:solidFill>
+                      <a:prstDash val="solid"/>
+                      <a:round/>
+                      <a:headEnd type="none" w="med" len="med"/>
+                      <a:tailEnd type="none" w="med" len="med"/>
+                    </a:lnL>
+                    <a:lnR w="6350" cap="flat" cmpd="sng" algn="ctr">
+                      <a:solidFill>
+                        <a:srgbClr val="000000"/>
+                      </a:solidFill>
+                      <a:prstDash val="solid"/>
+                      <a:round/>
+                      <a:headEnd type="none" w="med" len="med"/>
+                      <a:tailEnd type="none" w="med" len="med"/>
+                    </a:lnR>
+                    <a:lnT w="6350" cap="flat" cmpd="sng" algn="ctr">
+                      <a:solidFill>
+                        <a:srgbClr val="000000"/>
+                      </a:solidFill>
+                      <a:prstDash val="solid"/>
+                      <a:round/>
+                      <a:headEnd type="none" w="med" len="med"/>
+                      <a:tailEnd type="none" w="med" len="med"/>
+                    </a:lnT>
+                    <a:lnB w="6350" cap="flat" cmpd="sng" algn="ctr">
+                      <a:solidFill>
+                        <a:srgbClr val="000000"/>
+                      </a:solidFill>
+                      <a:prstDash val="solid"/>
+                      <a:round/>
+                      <a:headEnd type="none" w="med" len="med"/>
+                      <a:tailEnd type="none" w="med" len="med"/>
+                    </a:lnB>
+                    <a:solidFill>
+                      <a:srgbClr val="FFFF00"/>
+                    </a:solidFill>
+                  </a:tcPr>
+                </a:tc>
+                <a:extLst>
+                  <a:ext uri="{0D108BD9-81ED-4DB2-BD59-A6C34878D82A}">
+                    <a16:rowId xmlns:a16="http://schemas.microsoft.com/office/drawing/2014/main" val="1577449214"/>
+                  </a:ext>
+                </a:extLst>
+              </a:tr>
+              <a:tr h="663618">
+                <a:tc>
+                  <a:txBody>
+                    <a:bodyPr/>
+                    <a:lstStyle/>
+                    <a:p>
+                      <a:pPr algn="ctr" fontAlgn="ctr">
+                        <a:spcBef>
+                          <a:spcPts val="0"/>
+                        </a:spcBef>
+                        <a:spcAft>
+                          <a:spcPts val="0"/>
+                        </a:spcAft>
+                      </a:pPr>
+                      <a:r>
+                        <a:rPr lang="en-GB" sz="700" b="0" i="0" u="none" strike="noStrike">
+                          <a:solidFill>
+                            <a:srgbClr val="000000"/>
+                          </a:solidFill>
+                          <a:effectLst/>
+                          <a:latin typeface="Calibri" panose="020F0502020204030204" pitchFamily="34" charset="0"/>
+                        </a:rPr>
+                        <a:t>Github/Terminal</a:t>
+                      </a:r>
+                      <a:endParaRPr lang="en-GB" sz="1100" b="0" i="0" u="none" strike="noStrike">
+                        <a:effectLst/>
+                        <a:latin typeface="Arial" panose="020B0604020202020204" pitchFamily="34" charset="0"/>
+                      </a:endParaRPr>
+                    </a:p>
+                  </a:txBody>
+                  <a:tcPr marL="3795" marR="3795" marT="3795" marB="0" anchor="ctr">
+                    <a:lnL w="6350" cap="flat" cmpd="sng" algn="ctr">
+                      <a:solidFill>
+                        <a:srgbClr val="000000"/>
+                      </a:solidFill>
+                      <a:prstDash val="solid"/>
+                      <a:round/>
+                      <a:headEnd type="none" w="med" len="med"/>
+                      <a:tailEnd type="none" w="med" len="med"/>
+                    </a:lnL>
+                    <a:lnR w="6350" cap="flat" cmpd="sng" algn="ctr">
+                      <a:solidFill>
+                        <a:srgbClr val="000000"/>
+                      </a:solidFill>
+                      <a:prstDash val="solid"/>
+                      <a:round/>
+                      <a:headEnd type="none" w="med" len="med"/>
+                      <a:tailEnd type="none" w="med" len="med"/>
+                    </a:lnR>
+                    <a:lnT w="6350" cap="flat" cmpd="sng" algn="ctr">
+                      <a:solidFill>
+                        <a:srgbClr val="000000"/>
+                      </a:solidFill>
+                      <a:prstDash val="solid"/>
+                      <a:round/>
+                      <a:headEnd type="none" w="med" len="med"/>
+                      <a:tailEnd type="none" w="med" len="med"/>
+                    </a:lnT>
+                    <a:lnB w="6350" cap="flat" cmpd="sng" algn="ctr">
+                      <a:solidFill>
+                        <a:srgbClr val="000000"/>
+                      </a:solidFill>
+                      <a:prstDash val="solid"/>
+                      <a:round/>
+                      <a:headEnd type="none" w="med" len="med"/>
+                      <a:tailEnd type="none" w="med" len="med"/>
+                    </a:lnB>
+                  </a:tcPr>
+                </a:tc>
+                <a:tc>
+                  <a:txBody>
+                    <a:bodyPr/>
+                    <a:lstStyle/>
+                    <a:p>
+                      <a:pPr algn="ctr" fontAlgn="ctr">
+                        <a:spcBef>
+                          <a:spcPts val="0"/>
+                        </a:spcBef>
+                        <a:spcAft>
+                          <a:spcPts val="0"/>
+                        </a:spcAft>
+                      </a:pPr>
+                      <a:r>
+                        <a:rPr lang="en-GB" sz="700" b="0" i="0" u="none" strike="noStrike">
+                          <a:solidFill>
+                            <a:srgbClr val="000000"/>
+                          </a:solidFill>
+                          <a:effectLst/>
+                          <a:latin typeface="Calibri" panose="020F0502020204030204" pitchFamily="34" charset="0"/>
+                        </a:rPr>
+                        <a:t>With the work constantly being pushing/pulling to and from the repo, entering wrong commands on the bash terminal may lead to the source code not being uploaded in its entirety.</a:t>
+                      </a:r>
+                      <a:endParaRPr lang="en-GB" sz="1100" b="0" i="0" u="none" strike="noStrike">
+                        <a:effectLst/>
+                        <a:latin typeface="Arial" panose="020B0604020202020204" pitchFamily="34" charset="0"/>
+                      </a:endParaRPr>
+                    </a:p>
+                  </a:txBody>
+                  <a:tcPr marL="3795" marR="3795" marT="3795" marB="0" anchor="ctr">
+                    <a:lnL w="6350" cap="flat" cmpd="sng" algn="ctr">
+                      <a:solidFill>
+                        <a:srgbClr val="000000"/>
+                      </a:solidFill>
+                      <a:prstDash val="solid"/>
+                      <a:round/>
+                      <a:headEnd type="none" w="med" len="med"/>
+                      <a:tailEnd type="none" w="med" len="med"/>
+                    </a:lnL>
+                    <a:lnR w="6350" cap="flat" cmpd="sng" algn="ctr">
+                      <a:solidFill>
+                        <a:srgbClr val="000000"/>
+                      </a:solidFill>
+                      <a:prstDash val="solid"/>
+                      <a:round/>
+                      <a:headEnd type="none" w="med" len="med"/>
+                      <a:tailEnd type="none" w="med" len="med"/>
+                    </a:lnR>
+                    <a:lnT w="6350" cap="flat" cmpd="sng" algn="ctr">
+                      <a:solidFill>
+                        <a:srgbClr val="000000"/>
+                      </a:solidFill>
+                      <a:prstDash val="solid"/>
+                      <a:round/>
+                      <a:headEnd type="none" w="med" len="med"/>
+                      <a:tailEnd type="none" w="med" len="med"/>
+                    </a:lnT>
+                    <a:lnB w="6350" cap="flat" cmpd="sng" algn="ctr">
+                      <a:solidFill>
+                        <a:srgbClr val="000000"/>
+                      </a:solidFill>
+                      <a:prstDash val="solid"/>
+                      <a:round/>
+                      <a:headEnd type="none" w="med" len="med"/>
+                      <a:tailEnd type="none" w="med" len="med"/>
+                    </a:lnB>
+                  </a:tcPr>
+                </a:tc>
+                <a:tc>
+                  <a:txBody>
+                    <a:bodyPr/>
+                    <a:lstStyle/>
+                    <a:p>
+                      <a:pPr algn="ctr" fontAlgn="ctr">
+                        <a:spcBef>
+                          <a:spcPts val="0"/>
+                        </a:spcBef>
+                        <a:spcAft>
+                          <a:spcPts val="0"/>
+                        </a:spcAft>
+                      </a:pPr>
+                      <a:r>
+                        <a:rPr lang="en-GB" sz="700" b="0" i="0" u="none" strike="noStrike">
+                          <a:solidFill>
+                            <a:srgbClr val="000000"/>
+                          </a:solidFill>
+                          <a:effectLst/>
+                          <a:latin typeface="Calibri" panose="020F0502020204030204" pitchFamily="34" charset="0"/>
+                        </a:rPr>
+                        <a:t>Employ the Feature-Branch Model (FBM) to organise your work and only merging the branches to your development branch when you feel like you reached a milestone/checkpoint/a working completion of a feature. If the work is to be done in a secure environment then using internet hotspot from a personal mobile phone is preferred.</a:t>
+                      </a:r>
+                      <a:endParaRPr lang="en-GB" sz="1100" b="0" i="0" u="none" strike="noStrike">
+                        <a:effectLst/>
+                        <a:latin typeface="Arial" panose="020B0604020202020204" pitchFamily="34" charset="0"/>
+                      </a:endParaRPr>
+                    </a:p>
+                  </a:txBody>
+                  <a:tcPr marL="3795" marR="3795" marT="3795" marB="0" anchor="ctr">
+                    <a:lnL w="6350" cap="flat" cmpd="sng" algn="ctr">
+                      <a:solidFill>
+                        <a:srgbClr val="000000"/>
+                      </a:solidFill>
+                      <a:prstDash val="solid"/>
+                      <a:round/>
+                      <a:headEnd type="none" w="med" len="med"/>
+                      <a:tailEnd type="none" w="med" len="med"/>
+                    </a:lnL>
+                    <a:lnR w="6350" cap="flat" cmpd="sng" algn="ctr">
+                      <a:solidFill>
+                        <a:srgbClr val="000000"/>
+                      </a:solidFill>
+                      <a:prstDash val="solid"/>
+                      <a:round/>
+                      <a:headEnd type="none" w="med" len="med"/>
+                      <a:tailEnd type="none" w="med" len="med"/>
+                    </a:lnR>
+                    <a:lnT w="6350" cap="flat" cmpd="sng" algn="ctr">
+                      <a:solidFill>
+                        <a:srgbClr val="000000"/>
+                      </a:solidFill>
+                      <a:prstDash val="solid"/>
+                      <a:round/>
+                      <a:headEnd type="none" w="med" len="med"/>
+                      <a:tailEnd type="none" w="med" len="med"/>
+                    </a:lnT>
+                    <a:lnB w="6350" cap="flat" cmpd="sng" algn="ctr">
+                      <a:solidFill>
+                        <a:srgbClr val="000000"/>
+                      </a:solidFill>
+                      <a:prstDash val="solid"/>
+                      <a:round/>
+                      <a:headEnd type="none" w="med" len="med"/>
+                      <a:tailEnd type="none" w="med" len="med"/>
+                    </a:lnB>
+                  </a:tcPr>
+                </a:tc>
+                <a:tc>
+                  <a:txBody>
+                    <a:bodyPr/>
+                    <a:lstStyle/>
+                    <a:p>
+                      <a:pPr algn="ctr" fontAlgn="ctr">
+                        <a:spcBef>
+                          <a:spcPts val="0"/>
+                        </a:spcBef>
+                        <a:spcAft>
+                          <a:spcPts val="0"/>
+                        </a:spcAft>
+                      </a:pPr>
+                      <a:r>
+                        <a:rPr lang="en-GB" sz="700" b="0" i="0" u="none" strike="noStrike">
+                          <a:solidFill>
+                            <a:srgbClr val="000000"/>
+                          </a:solidFill>
+                          <a:effectLst/>
+                          <a:latin typeface="Calibri" panose="020F0502020204030204" pitchFamily="34" charset="0"/>
+                        </a:rPr>
+                        <a:t>Keeps work organised, reduces the likelihood of working codes going missing. If it does occur, can easily be reversed by looking through commit history (git log)</a:t>
+                      </a:r>
+                      <a:endParaRPr lang="en-GB" sz="1100" b="0" i="0" u="none" strike="noStrike">
+                        <a:effectLst/>
+                        <a:latin typeface="Arial" panose="020B0604020202020204" pitchFamily="34" charset="0"/>
+                      </a:endParaRPr>
+                    </a:p>
+                  </a:txBody>
+                  <a:tcPr marL="3795" marR="3795" marT="3795" marB="0" anchor="ctr">
+                    <a:lnL w="6350" cap="flat" cmpd="sng" algn="ctr">
+                      <a:solidFill>
+                        <a:srgbClr val="000000"/>
+                      </a:solidFill>
+                      <a:prstDash val="solid"/>
+                      <a:round/>
+                      <a:headEnd type="none" w="med" len="med"/>
+                      <a:tailEnd type="none" w="med" len="med"/>
+                    </a:lnL>
+                    <a:lnR w="6350" cap="flat" cmpd="sng" algn="ctr">
+                      <a:solidFill>
+                        <a:srgbClr val="000000"/>
+                      </a:solidFill>
+                      <a:prstDash val="solid"/>
+                      <a:round/>
+                      <a:headEnd type="none" w="med" len="med"/>
+                      <a:tailEnd type="none" w="med" len="med"/>
+                    </a:lnR>
+                    <a:lnT w="6350" cap="flat" cmpd="sng" algn="ctr">
+                      <a:solidFill>
+                        <a:srgbClr val="000000"/>
+                      </a:solidFill>
+                      <a:prstDash val="solid"/>
+                      <a:round/>
+                      <a:headEnd type="none" w="med" len="med"/>
+                      <a:tailEnd type="none" w="med" len="med"/>
+                    </a:lnT>
+                    <a:lnB w="6350" cap="flat" cmpd="sng" algn="ctr">
+                      <a:solidFill>
+                        <a:srgbClr val="000000"/>
+                      </a:solidFill>
+                      <a:prstDash val="solid"/>
+                      <a:round/>
+                      <a:headEnd type="none" w="med" len="med"/>
+                      <a:tailEnd type="none" w="med" len="med"/>
+                    </a:lnB>
+                  </a:tcPr>
+                </a:tc>
+                <a:tc>
+                  <a:txBody>
+                    <a:bodyPr/>
+                    <a:lstStyle/>
+                    <a:p>
+                      <a:pPr algn="ctr" fontAlgn="ctr">
+                        <a:spcBef>
+                          <a:spcPts val="0"/>
+                        </a:spcBef>
+                        <a:spcAft>
+                          <a:spcPts val="0"/>
+                        </a:spcAft>
+                      </a:pPr>
+                      <a:r>
+                        <a:rPr lang="en-GB" sz="700" b="0" i="0" u="none" strike="noStrike">
+                          <a:solidFill>
+                            <a:srgbClr val="000000"/>
+                          </a:solidFill>
+                          <a:effectLst/>
+                          <a:latin typeface="Calibri" panose="020F0502020204030204" pitchFamily="34" charset="0"/>
+                        </a:rPr>
+                        <a:t>High</a:t>
+                      </a:r>
+                      <a:endParaRPr lang="en-GB" sz="1100" b="0" i="0" u="none" strike="noStrike">
+                        <a:effectLst/>
+                        <a:latin typeface="Arial" panose="020B0604020202020204" pitchFamily="34" charset="0"/>
+                      </a:endParaRPr>
+                    </a:p>
+                  </a:txBody>
+                  <a:tcPr marL="3795" marR="3795" marT="3795" marB="0" anchor="ctr">
+                    <a:lnL w="6350" cap="flat" cmpd="sng" algn="ctr">
+                      <a:solidFill>
+                        <a:srgbClr val="000000"/>
+                      </a:solidFill>
+                      <a:prstDash val="solid"/>
+                      <a:round/>
+                      <a:headEnd type="none" w="med" len="med"/>
+                      <a:tailEnd type="none" w="med" len="med"/>
+                    </a:lnL>
+                    <a:lnR w="6350" cap="flat" cmpd="sng" algn="ctr">
+                      <a:solidFill>
+                        <a:srgbClr val="000000"/>
+                      </a:solidFill>
+                      <a:prstDash val="solid"/>
+                      <a:round/>
+                      <a:headEnd type="none" w="med" len="med"/>
+                      <a:tailEnd type="none" w="med" len="med"/>
+                    </a:lnR>
+                    <a:lnT w="6350" cap="flat" cmpd="sng" algn="ctr">
+                      <a:solidFill>
+                        <a:srgbClr val="000000"/>
+                      </a:solidFill>
+                      <a:prstDash val="solid"/>
+                      <a:round/>
+                      <a:headEnd type="none" w="med" len="med"/>
+                      <a:tailEnd type="none" w="med" len="med"/>
+                    </a:lnT>
+                    <a:lnB w="6350" cap="flat" cmpd="sng" algn="ctr">
+                      <a:solidFill>
+                        <a:srgbClr val="000000"/>
+                      </a:solidFill>
+                      <a:prstDash val="solid"/>
+                      <a:round/>
+                      <a:headEnd type="none" w="med" len="med"/>
+                      <a:tailEnd type="none" w="med" len="med"/>
+                    </a:lnB>
+                    <a:solidFill>
+                      <a:srgbClr val="FF0000"/>
+                    </a:solidFill>
+                  </a:tcPr>
+                </a:tc>
+                <a:tc>
+                  <a:txBody>
+                    <a:bodyPr/>
+                    <a:lstStyle/>
+                    <a:p>
+                      <a:pPr algn="ctr" fontAlgn="ctr">
+                        <a:spcBef>
+                          <a:spcPts val="0"/>
+                        </a:spcBef>
+                        <a:spcAft>
+                          <a:spcPts val="0"/>
+                        </a:spcAft>
+                      </a:pPr>
+                      <a:r>
+                        <a:rPr lang="en-GB" sz="700" b="0" i="0" u="none" strike="noStrike">
+                          <a:solidFill>
+                            <a:srgbClr val="000000"/>
+                          </a:solidFill>
+                          <a:effectLst/>
+                          <a:latin typeface="Calibri" panose="020F0502020204030204" pitchFamily="34" charset="0"/>
+                        </a:rPr>
+                        <a:t>High</a:t>
+                      </a:r>
+                      <a:endParaRPr lang="en-GB" sz="1100" b="0" i="0" u="none" strike="noStrike">
+                        <a:effectLst/>
+                        <a:latin typeface="Arial" panose="020B0604020202020204" pitchFamily="34" charset="0"/>
+                      </a:endParaRPr>
+                    </a:p>
+                  </a:txBody>
+                  <a:tcPr marL="3795" marR="3795" marT="3795" marB="0" anchor="ctr">
+                    <a:lnL w="6350" cap="flat" cmpd="sng" algn="ctr">
+                      <a:solidFill>
+                        <a:srgbClr val="000000"/>
+                      </a:solidFill>
+                      <a:prstDash val="solid"/>
+                      <a:round/>
+                      <a:headEnd type="none" w="med" len="med"/>
+                      <a:tailEnd type="none" w="med" len="med"/>
+                    </a:lnL>
+                    <a:lnR w="6350" cap="flat" cmpd="sng" algn="ctr">
+                      <a:solidFill>
+                        <a:srgbClr val="000000"/>
+                      </a:solidFill>
+                      <a:prstDash val="solid"/>
+                      <a:round/>
+                      <a:headEnd type="none" w="med" len="med"/>
+                      <a:tailEnd type="none" w="med" len="med"/>
+                    </a:lnR>
+                    <a:lnT w="6350" cap="flat" cmpd="sng" algn="ctr">
+                      <a:solidFill>
+                        <a:srgbClr val="000000"/>
+                      </a:solidFill>
+                      <a:prstDash val="solid"/>
+                      <a:round/>
+                      <a:headEnd type="none" w="med" len="med"/>
+                      <a:tailEnd type="none" w="med" len="med"/>
+                    </a:lnT>
+                    <a:lnB w="6350" cap="flat" cmpd="sng" algn="ctr">
+                      <a:solidFill>
+                        <a:srgbClr val="000000"/>
+                      </a:solidFill>
+                      <a:prstDash val="solid"/>
+                      <a:round/>
+                      <a:headEnd type="none" w="med" len="med"/>
+                      <a:tailEnd type="none" w="med" len="med"/>
+                    </a:lnB>
+                    <a:solidFill>
+                      <a:srgbClr val="FF0000"/>
+                    </a:solidFill>
+                  </a:tcPr>
+                </a:tc>
+                <a:tc>
+                  <a:txBody>
+                    <a:bodyPr/>
+                    <a:lstStyle/>
+                    <a:p>
+                      <a:pPr algn="ctr" fontAlgn="ctr">
+                        <a:spcBef>
+                          <a:spcPts val="0"/>
+                        </a:spcBef>
+                        <a:spcAft>
+                          <a:spcPts val="0"/>
+                        </a:spcAft>
+                      </a:pPr>
+                      <a:r>
+                        <a:rPr lang="en-GB" sz="700" b="0" i="0" u="none" strike="noStrike">
+                          <a:solidFill>
+                            <a:srgbClr val="000000"/>
+                          </a:solidFill>
+                          <a:effectLst/>
+                          <a:latin typeface="Calibri" panose="020F0502020204030204" pitchFamily="34" charset="0"/>
+                        </a:rPr>
+                        <a:t>High</a:t>
+                      </a:r>
+                      <a:endParaRPr lang="en-GB" sz="1100" b="0" i="0" u="none" strike="noStrike">
+                        <a:effectLst/>
+                        <a:latin typeface="Arial" panose="020B0604020202020204" pitchFamily="34" charset="0"/>
+                      </a:endParaRPr>
+                    </a:p>
+                  </a:txBody>
+                  <a:tcPr marL="3795" marR="3795" marT="3795" marB="0" anchor="ctr">
+                    <a:lnL w="6350" cap="flat" cmpd="sng" algn="ctr">
+                      <a:solidFill>
+                        <a:srgbClr val="000000"/>
+                      </a:solidFill>
+                      <a:prstDash val="solid"/>
+                      <a:round/>
+                      <a:headEnd type="none" w="med" len="med"/>
+                      <a:tailEnd type="none" w="med" len="med"/>
+                    </a:lnL>
+                    <a:lnR w="6350" cap="flat" cmpd="sng" algn="ctr">
+                      <a:solidFill>
+                        <a:srgbClr val="000000"/>
+                      </a:solidFill>
+                      <a:prstDash val="solid"/>
+                      <a:round/>
+                      <a:headEnd type="none" w="med" len="med"/>
+                      <a:tailEnd type="none" w="med" len="med"/>
+                    </a:lnR>
+                    <a:lnT w="6350" cap="flat" cmpd="sng" algn="ctr">
+                      <a:solidFill>
+                        <a:srgbClr val="000000"/>
+                      </a:solidFill>
+                      <a:prstDash val="solid"/>
+                      <a:round/>
+                      <a:headEnd type="none" w="med" len="med"/>
+                      <a:tailEnd type="none" w="med" len="med"/>
+                    </a:lnT>
+                    <a:lnB w="6350" cap="flat" cmpd="sng" algn="ctr">
+                      <a:solidFill>
+                        <a:srgbClr val="000000"/>
+                      </a:solidFill>
+                      <a:prstDash val="solid"/>
+                      <a:round/>
+                      <a:headEnd type="none" w="med" len="med"/>
+                      <a:tailEnd type="none" w="med" len="med"/>
+                    </a:lnB>
+                    <a:solidFill>
+                      <a:srgbClr val="FF0000"/>
+                    </a:solidFill>
+                  </a:tcPr>
+                </a:tc>
+                <a:extLst>
+                  <a:ext uri="{0D108BD9-81ED-4DB2-BD59-A6C34878D82A}">
+                    <a16:rowId xmlns:a16="http://schemas.microsoft.com/office/drawing/2014/main" val="2729939743"/>
+                  </a:ext>
+                </a:extLst>
+              </a:tr>
+              <a:tr h="403015">
+                <a:tc>
+                  <a:txBody>
+                    <a:bodyPr/>
+                    <a:lstStyle/>
+                    <a:p>
+                      <a:pPr algn="ctr" fontAlgn="ctr">
+                        <a:spcBef>
+                          <a:spcPts val="0"/>
+                        </a:spcBef>
+                        <a:spcAft>
+                          <a:spcPts val="0"/>
+                        </a:spcAft>
+                      </a:pPr>
+                      <a:r>
+                        <a:rPr lang="en-GB" sz="700" b="0" i="0" u="none" strike="noStrike">
+                          <a:solidFill>
+                            <a:srgbClr val="000000"/>
+                          </a:solidFill>
+                          <a:effectLst/>
+                          <a:latin typeface="Calibri" panose="020F0502020204030204" pitchFamily="34" charset="0"/>
+                        </a:rPr>
+                        <a:t>Power cut</a:t>
+                      </a:r>
+                      <a:endParaRPr lang="en-GB" sz="1100" b="0" i="0" u="none" strike="noStrike">
+                        <a:effectLst/>
+                        <a:latin typeface="Arial" panose="020B0604020202020204" pitchFamily="34" charset="0"/>
+                      </a:endParaRPr>
+                    </a:p>
+                  </a:txBody>
+                  <a:tcPr marL="3795" marR="3795" marT="3795" marB="0" anchor="ctr">
+                    <a:lnL w="6350" cap="flat" cmpd="sng" algn="ctr">
+                      <a:solidFill>
+                        <a:srgbClr val="000000"/>
+                      </a:solidFill>
+                      <a:prstDash val="solid"/>
+                      <a:round/>
+                      <a:headEnd type="none" w="med" len="med"/>
+                      <a:tailEnd type="none" w="med" len="med"/>
+                    </a:lnL>
+                    <a:lnR w="6350" cap="flat" cmpd="sng" algn="ctr">
+                      <a:solidFill>
+                        <a:srgbClr val="000000"/>
+                      </a:solidFill>
+                      <a:prstDash val="solid"/>
+                      <a:round/>
+                      <a:headEnd type="none" w="med" len="med"/>
+                      <a:tailEnd type="none" w="med" len="med"/>
+                    </a:lnR>
+                    <a:lnT w="6350" cap="flat" cmpd="sng" algn="ctr">
+                      <a:solidFill>
+                        <a:srgbClr val="000000"/>
+                      </a:solidFill>
+                      <a:prstDash val="solid"/>
+                      <a:round/>
+                      <a:headEnd type="none" w="med" len="med"/>
+                      <a:tailEnd type="none" w="med" len="med"/>
+                    </a:lnT>
+                    <a:lnB w="6350" cap="flat" cmpd="sng" algn="ctr">
+                      <a:solidFill>
+                        <a:srgbClr val="000000"/>
+                      </a:solidFill>
+                      <a:prstDash val="solid"/>
+                      <a:round/>
+                      <a:headEnd type="none" w="med" len="med"/>
+                      <a:tailEnd type="none" w="med" len="med"/>
+                    </a:lnB>
+                  </a:tcPr>
+                </a:tc>
+                <a:tc>
+                  <a:txBody>
+                    <a:bodyPr/>
+                    <a:lstStyle/>
+                    <a:p>
+                      <a:pPr algn="ctr" fontAlgn="ctr">
+                        <a:spcBef>
+                          <a:spcPts val="0"/>
+                        </a:spcBef>
+                        <a:spcAft>
+                          <a:spcPts val="0"/>
+                        </a:spcAft>
+                      </a:pPr>
+                      <a:r>
+                        <a:rPr lang="en-GB" sz="700" b="0" i="0" u="none" strike="noStrike">
+                          <a:solidFill>
+                            <a:srgbClr val="000000"/>
+                          </a:solidFill>
+                          <a:effectLst/>
+                          <a:latin typeface="Calibri" panose="020F0502020204030204" pitchFamily="34" charset="0"/>
+                        </a:rPr>
+                        <a:t>Power cuts can lead to a loss of data, Can come without a warning and prevent one from accessing their pc's. It's a risk out of one's control and will need to be investigated by a third party, i.e. electricians. </a:t>
+                      </a:r>
+                      <a:endParaRPr lang="en-GB" sz="1100" b="0" i="0" u="none" strike="noStrike">
+                        <a:effectLst/>
+                        <a:latin typeface="Arial" panose="020B0604020202020204" pitchFamily="34" charset="0"/>
+                      </a:endParaRPr>
+                    </a:p>
+                  </a:txBody>
+                  <a:tcPr marL="3795" marR="3795" marT="3795" marB="0" anchor="ctr">
+                    <a:lnL w="6350" cap="flat" cmpd="sng" algn="ctr">
+                      <a:solidFill>
+                        <a:srgbClr val="000000"/>
+                      </a:solidFill>
+                      <a:prstDash val="solid"/>
+                      <a:round/>
+                      <a:headEnd type="none" w="med" len="med"/>
+                      <a:tailEnd type="none" w="med" len="med"/>
+                    </a:lnL>
+                    <a:lnR w="6350" cap="flat" cmpd="sng" algn="ctr">
+                      <a:solidFill>
+                        <a:srgbClr val="000000"/>
+                      </a:solidFill>
+                      <a:prstDash val="solid"/>
+                      <a:round/>
+                      <a:headEnd type="none" w="med" len="med"/>
+                      <a:tailEnd type="none" w="med" len="med"/>
+                    </a:lnR>
+                    <a:lnT w="6350" cap="flat" cmpd="sng" algn="ctr">
+                      <a:solidFill>
+                        <a:srgbClr val="000000"/>
+                      </a:solidFill>
+                      <a:prstDash val="solid"/>
+                      <a:round/>
+                      <a:headEnd type="none" w="med" len="med"/>
+                      <a:tailEnd type="none" w="med" len="med"/>
+                    </a:lnT>
+                    <a:lnB w="6350" cap="flat" cmpd="sng" algn="ctr">
+                      <a:solidFill>
+                        <a:srgbClr val="000000"/>
+                      </a:solidFill>
+                      <a:prstDash val="solid"/>
+                      <a:round/>
+                      <a:headEnd type="none" w="med" len="med"/>
+                      <a:tailEnd type="none" w="med" len="med"/>
+                    </a:lnB>
+                  </a:tcPr>
+                </a:tc>
+                <a:tc>
+                  <a:txBody>
+                    <a:bodyPr/>
+                    <a:lstStyle/>
+                    <a:p>
+                      <a:pPr algn="ctr" fontAlgn="ctr">
+                        <a:spcBef>
+                          <a:spcPts val="0"/>
+                        </a:spcBef>
+                        <a:spcAft>
+                          <a:spcPts val="0"/>
+                        </a:spcAft>
+                      </a:pPr>
+                      <a:r>
+                        <a:rPr lang="en-GB" sz="700" b="0" i="0" u="none" strike="noStrike">
+                          <a:solidFill>
+                            <a:srgbClr val="000000"/>
+                          </a:solidFill>
+                          <a:effectLst/>
+                          <a:latin typeface="Calibri" panose="020F0502020204030204" pitchFamily="34" charset="0"/>
+                        </a:rPr>
+                        <a:t>Mitigating this type of risk could be to save work frequently, making use of the FBM and pushing up to Git regularly. Another way could be to have external power banks and chargers to use temporarily during downtime.</a:t>
+                      </a:r>
+                      <a:endParaRPr lang="en-GB" sz="1100" b="0" i="0" u="none" strike="noStrike">
+                        <a:effectLst/>
+                        <a:latin typeface="Arial" panose="020B0604020202020204" pitchFamily="34" charset="0"/>
+                      </a:endParaRPr>
+                    </a:p>
+                  </a:txBody>
+                  <a:tcPr marL="3795" marR="3795" marT="3795" marB="0" anchor="ctr">
+                    <a:lnL w="6350" cap="flat" cmpd="sng" algn="ctr">
+                      <a:solidFill>
+                        <a:srgbClr val="000000"/>
+                      </a:solidFill>
+                      <a:prstDash val="solid"/>
+                      <a:round/>
+                      <a:headEnd type="none" w="med" len="med"/>
+                      <a:tailEnd type="none" w="med" len="med"/>
+                    </a:lnL>
+                    <a:lnR w="6350" cap="flat" cmpd="sng" algn="ctr">
+                      <a:solidFill>
+                        <a:srgbClr val="000000"/>
+                      </a:solidFill>
+                      <a:prstDash val="solid"/>
+                      <a:round/>
+                      <a:headEnd type="none" w="med" len="med"/>
+                      <a:tailEnd type="none" w="med" len="med"/>
+                    </a:lnR>
+                    <a:lnT w="6350" cap="flat" cmpd="sng" algn="ctr">
+                      <a:solidFill>
+                        <a:srgbClr val="000000"/>
+                      </a:solidFill>
+                      <a:prstDash val="solid"/>
+                      <a:round/>
+                      <a:headEnd type="none" w="med" len="med"/>
+                      <a:tailEnd type="none" w="med" len="med"/>
+                    </a:lnT>
+                    <a:lnB w="6350" cap="flat" cmpd="sng" algn="ctr">
+                      <a:solidFill>
+                        <a:srgbClr val="000000"/>
+                      </a:solidFill>
+                      <a:prstDash val="solid"/>
+                      <a:round/>
+                      <a:headEnd type="none" w="med" len="med"/>
+                      <a:tailEnd type="none" w="med" len="med"/>
+                    </a:lnB>
+                  </a:tcPr>
+                </a:tc>
+                <a:tc>
+                  <a:txBody>
+                    <a:bodyPr/>
+                    <a:lstStyle/>
+                    <a:p>
+                      <a:pPr algn="ctr" fontAlgn="ctr">
+                        <a:spcBef>
+                          <a:spcPts val="0"/>
+                        </a:spcBef>
+                        <a:spcAft>
+                          <a:spcPts val="0"/>
+                        </a:spcAft>
+                      </a:pPr>
+                      <a:r>
+                        <a:rPr lang="en-GB" sz="700" b="0" i="0" u="none" strike="noStrike" dirty="0">
+                          <a:solidFill>
+                            <a:srgbClr val="000000"/>
+                          </a:solidFill>
+                          <a:effectLst/>
+                          <a:latin typeface="Calibri" panose="020F0502020204030204" pitchFamily="34" charset="0"/>
+                        </a:rPr>
+                        <a:t>Minimises the disruptions caused and since it is a risk out of our scope, having external power can reduce downtime and allow development on an object to continue.</a:t>
+                      </a:r>
+                      <a:endParaRPr lang="en-GB" sz="1100" b="0" i="0" u="none" strike="noStrike" dirty="0">
+                        <a:effectLst/>
+                        <a:latin typeface="Arial" panose="020B0604020202020204" pitchFamily="34" charset="0"/>
+                      </a:endParaRPr>
+                    </a:p>
+                  </a:txBody>
+                  <a:tcPr marL="3795" marR="3795" marT="3795" marB="0" anchor="ctr">
+                    <a:lnL w="6350" cap="flat" cmpd="sng" algn="ctr">
+                      <a:solidFill>
+                        <a:srgbClr val="000000"/>
+                      </a:solidFill>
+                      <a:prstDash val="solid"/>
+                      <a:round/>
+                      <a:headEnd type="none" w="med" len="med"/>
+                      <a:tailEnd type="none" w="med" len="med"/>
+                    </a:lnL>
+                    <a:lnR w="6350" cap="flat" cmpd="sng" algn="ctr">
+                      <a:solidFill>
+                        <a:srgbClr val="000000"/>
+                      </a:solidFill>
+                      <a:prstDash val="solid"/>
+                      <a:round/>
+                      <a:headEnd type="none" w="med" len="med"/>
+                      <a:tailEnd type="none" w="med" len="med"/>
+                    </a:lnR>
+                    <a:lnT w="6350" cap="flat" cmpd="sng" algn="ctr">
+                      <a:solidFill>
+                        <a:srgbClr val="000000"/>
+                      </a:solidFill>
+                      <a:prstDash val="solid"/>
+                      <a:round/>
+                      <a:headEnd type="none" w="med" len="med"/>
+                      <a:tailEnd type="none" w="med" len="med"/>
+                    </a:lnT>
+                    <a:lnB w="6350" cap="flat" cmpd="sng" algn="ctr">
+                      <a:solidFill>
+                        <a:srgbClr val="000000"/>
+                      </a:solidFill>
+                      <a:prstDash val="solid"/>
+                      <a:round/>
+                      <a:headEnd type="none" w="med" len="med"/>
+                      <a:tailEnd type="none" w="med" len="med"/>
+                    </a:lnB>
+                  </a:tcPr>
+                </a:tc>
+                <a:tc>
+                  <a:txBody>
+                    <a:bodyPr/>
+                    <a:lstStyle/>
+                    <a:p>
+                      <a:pPr algn="ctr" fontAlgn="ctr">
+                        <a:spcBef>
+                          <a:spcPts val="0"/>
+                        </a:spcBef>
+                        <a:spcAft>
+                          <a:spcPts val="0"/>
+                        </a:spcAft>
+                      </a:pPr>
+                      <a:r>
+                        <a:rPr lang="en-GB" sz="700" b="0" i="0" u="none" strike="noStrike">
+                          <a:solidFill>
+                            <a:srgbClr val="000000"/>
+                          </a:solidFill>
+                          <a:effectLst/>
+                          <a:latin typeface="Calibri" panose="020F0502020204030204" pitchFamily="34" charset="0"/>
+                        </a:rPr>
+                        <a:t>Low</a:t>
+                      </a:r>
+                      <a:endParaRPr lang="en-GB" sz="1100" b="0" i="0" u="none" strike="noStrike">
+                        <a:effectLst/>
+                        <a:latin typeface="Arial" panose="020B0604020202020204" pitchFamily="34" charset="0"/>
+                      </a:endParaRPr>
+                    </a:p>
+                  </a:txBody>
+                  <a:tcPr marL="3795" marR="3795" marT="3795" marB="0" anchor="ctr">
+                    <a:lnL w="6350" cap="flat" cmpd="sng" algn="ctr">
+                      <a:solidFill>
+                        <a:srgbClr val="000000"/>
+                      </a:solidFill>
+                      <a:prstDash val="solid"/>
+                      <a:round/>
+                      <a:headEnd type="none" w="med" len="med"/>
+                      <a:tailEnd type="none" w="med" len="med"/>
+                    </a:lnL>
+                    <a:lnR w="6350" cap="flat" cmpd="sng" algn="ctr">
+                      <a:solidFill>
+                        <a:srgbClr val="000000"/>
+                      </a:solidFill>
+                      <a:prstDash val="solid"/>
+                      <a:round/>
+                      <a:headEnd type="none" w="med" len="med"/>
+                      <a:tailEnd type="none" w="med" len="med"/>
+                    </a:lnR>
+                    <a:lnT w="6350" cap="flat" cmpd="sng" algn="ctr">
+                      <a:solidFill>
+                        <a:srgbClr val="000000"/>
+                      </a:solidFill>
+                      <a:prstDash val="solid"/>
+                      <a:round/>
+                      <a:headEnd type="none" w="med" len="med"/>
+                      <a:tailEnd type="none" w="med" len="med"/>
+                    </a:lnT>
+                    <a:lnB w="6350" cap="flat" cmpd="sng" algn="ctr">
+                      <a:solidFill>
+                        <a:srgbClr val="000000"/>
+                      </a:solidFill>
+                      <a:prstDash val="solid"/>
+                      <a:round/>
+                      <a:headEnd type="none" w="med" len="med"/>
+                      <a:tailEnd type="none" w="med" len="med"/>
+                    </a:lnB>
+                    <a:solidFill>
+                      <a:srgbClr val="00B050"/>
+                    </a:solidFill>
+                  </a:tcPr>
+                </a:tc>
+                <a:tc>
+                  <a:txBody>
+                    <a:bodyPr/>
+                    <a:lstStyle/>
+                    <a:p>
+                      <a:pPr algn="ctr" fontAlgn="ctr">
+                        <a:spcBef>
+                          <a:spcPts val="0"/>
+                        </a:spcBef>
+                        <a:spcAft>
+                          <a:spcPts val="0"/>
+                        </a:spcAft>
+                      </a:pPr>
+                      <a:r>
+                        <a:rPr lang="en-GB" sz="700" b="0" i="0" u="none" strike="noStrike">
+                          <a:solidFill>
+                            <a:srgbClr val="000000"/>
+                          </a:solidFill>
+                          <a:effectLst/>
+                          <a:latin typeface="Calibri" panose="020F0502020204030204" pitchFamily="34" charset="0"/>
+                        </a:rPr>
+                        <a:t>Medium</a:t>
+                      </a:r>
+                      <a:endParaRPr lang="en-GB" sz="1100" b="0" i="0" u="none" strike="noStrike">
+                        <a:effectLst/>
+                        <a:latin typeface="Arial" panose="020B0604020202020204" pitchFamily="34" charset="0"/>
+                      </a:endParaRPr>
+                    </a:p>
+                  </a:txBody>
+                  <a:tcPr marL="3795" marR="3795" marT="3795" marB="0" anchor="ctr">
+                    <a:lnL w="6350" cap="flat" cmpd="sng" algn="ctr">
+                      <a:solidFill>
+                        <a:srgbClr val="000000"/>
+                      </a:solidFill>
+                      <a:prstDash val="solid"/>
+                      <a:round/>
+                      <a:headEnd type="none" w="med" len="med"/>
+                      <a:tailEnd type="none" w="med" len="med"/>
+                    </a:lnL>
+                    <a:lnR w="6350" cap="flat" cmpd="sng" algn="ctr">
+                      <a:solidFill>
+                        <a:srgbClr val="000000"/>
+                      </a:solidFill>
+                      <a:prstDash val="solid"/>
+                      <a:round/>
+                      <a:headEnd type="none" w="med" len="med"/>
+                      <a:tailEnd type="none" w="med" len="med"/>
+                    </a:lnR>
+                    <a:lnT w="6350" cap="flat" cmpd="sng" algn="ctr">
+                      <a:solidFill>
+                        <a:srgbClr val="000000"/>
+                      </a:solidFill>
+                      <a:prstDash val="solid"/>
+                      <a:round/>
+                      <a:headEnd type="none" w="med" len="med"/>
+                      <a:tailEnd type="none" w="med" len="med"/>
+                    </a:lnT>
+                    <a:lnB w="6350" cap="flat" cmpd="sng" algn="ctr">
+                      <a:solidFill>
+                        <a:srgbClr val="000000"/>
+                      </a:solidFill>
+                      <a:prstDash val="solid"/>
+                      <a:round/>
+                      <a:headEnd type="none" w="med" len="med"/>
+                      <a:tailEnd type="none" w="med" len="med"/>
+                    </a:lnB>
+                    <a:solidFill>
+                      <a:srgbClr val="FFFF00"/>
+                    </a:solidFill>
+                  </a:tcPr>
+                </a:tc>
+                <a:tc>
+                  <a:txBody>
+                    <a:bodyPr/>
+                    <a:lstStyle/>
+                    <a:p>
+                      <a:pPr algn="ctr" fontAlgn="ctr">
+                        <a:spcBef>
+                          <a:spcPts val="0"/>
+                        </a:spcBef>
+                        <a:spcAft>
+                          <a:spcPts val="0"/>
+                        </a:spcAft>
+                      </a:pPr>
+                      <a:r>
+                        <a:rPr lang="en-GB" sz="700" b="0" i="0" u="none" strike="noStrike">
+                          <a:solidFill>
+                            <a:srgbClr val="000000"/>
+                          </a:solidFill>
+                          <a:effectLst/>
+                          <a:latin typeface="Calibri" panose="020F0502020204030204" pitchFamily="34" charset="0"/>
+                        </a:rPr>
+                        <a:t>Medium</a:t>
+                      </a:r>
+                      <a:endParaRPr lang="en-GB" sz="1100" b="0" i="0" u="none" strike="noStrike">
+                        <a:effectLst/>
+                        <a:latin typeface="Arial" panose="020B0604020202020204" pitchFamily="34" charset="0"/>
+                      </a:endParaRPr>
+                    </a:p>
+                  </a:txBody>
+                  <a:tcPr marL="3795" marR="3795" marT="3795" marB="0" anchor="ctr">
+                    <a:lnL w="6350" cap="flat" cmpd="sng" algn="ctr">
+                      <a:solidFill>
+                        <a:srgbClr val="000000"/>
+                      </a:solidFill>
+                      <a:prstDash val="solid"/>
+                      <a:round/>
+                      <a:headEnd type="none" w="med" len="med"/>
+                      <a:tailEnd type="none" w="med" len="med"/>
+                    </a:lnL>
+                    <a:lnR w="6350" cap="flat" cmpd="sng" algn="ctr">
+                      <a:solidFill>
+                        <a:srgbClr val="000000"/>
+                      </a:solidFill>
+                      <a:prstDash val="solid"/>
+                      <a:round/>
+                      <a:headEnd type="none" w="med" len="med"/>
+                      <a:tailEnd type="none" w="med" len="med"/>
+                    </a:lnR>
+                    <a:lnT w="6350" cap="flat" cmpd="sng" algn="ctr">
+                      <a:solidFill>
+                        <a:srgbClr val="000000"/>
+                      </a:solidFill>
+                      <a:prstDash val="solid"/>
+                      <a:round/>
+                      <a:headEnd type="none" w="med" len="med"/>
+                      <a:tailEnd type="none" w="med" len="med"/>
+                    </a:lnT>
+                    <a:lnB w="6350" cap="flat" cmpd="sng" algn="ctr">
+                      <a:solidFill>
+                        <a:srgbClr val="000000"/>
+                      </a:solidFill>
+                      <a:prstDash val="solid"/>
+                      <a:round/>
+                      <a:headEnd type="none" w="med" len="med"/>
+                      <a:tailEnd type="none" w="med" len="med"/>
+                    </a:lnB>
+                    <a:solidFill>
+                      <a:srgbClr val="FFFF00"/>
+                    </a:solidFill>
+                  </a:tcPr>
+                </a:tc>
+                <a:extLst>
+                  <a:ext uri="{0D108BD9-81ED-4DB2-BD59-A6C34878D82A}">
+                    <a16:rowId xmlns:a16="http://schemas.microsoft.com/office/drawing/2014/main" val="4165536110"/>
+                  </a:ext>
+                </a:extLst>
+              </a:tr>
+              <a:tr h="403015">
+                <a:tc>
+                  <a:txBody>
+                    <a:bodyPr/>
+                    <a:lstStyle/>
+                    <a:p>
+                      <a:pPr algn="ctr" fontAlgn="ctr">
+                        <a:spcBef>
+                          <a:spcPts val="0"/>
+                        </a:spcBef>
+                        <a:spcAft>
+                          <a:spcPts val="0"/>
+                        </a:spcAft>
+                      </a:pPr>
+                      <a:r>
+                        <a:rPr lang="en-GB" sz="700" b="0" i="0" u="none" strike="noStrike">
+                          <a:solidFill>
+                            <a:srgbClr val="000000"/>
+                          </a:solidFill>
+                          <a:effectLst/>
+                          <a:latin typeface="Calibri" panose="020F0502020204030204" pitchFamily="34" charset="0"/>
+                        </a:rPr>
+                        <a:t>Illness</a:t>
+                      </a:r>
+                      <a:endParaRPr lang="en-GB" sz="1100" b="0" i="0" u="none" strike="noStrike">
+                        <a:effectLst/>
+                        <a:latin typeface="Arial" panose="020B0604020202020204" pitchFamily="34" charset="0"/>
+                      </a:endParaRPr>
+                    </a:p>
+                  </a:txBody>
+                  <a:tcPr marL="3795" marR="3795" marT="3795" marB="0" anchor="ctr">
+                    <a:lnL w="6350" cap="flat" cmpd="sng" algn="ctr">
+                      <a:solidFill>
+                        <a:srgbClr val="000000"/>
+                      </a:solidFill>
+                      <a:prstDash val="solid"/>
+                      <a:round/>
+                      <a:headEnd type="none" w="med" len="med"/>
+                      <a:tailEnd type="none" w="med" len="med"/>
+                    </a:lnL>
+                    <a:lnR w="6350" cap="flat" cmpd="sng" algn="ctr">
+                      <a:solidFill>
+                        <a:srgbClr val="000000"/>
+                      </a:solidFill>
+                      <a:prstDash val="solid"/>
+                      <a:round/>
+                      <a:headEnd type="none" w="med" len="med"/>
+                      <a:tailEnd type="none" w="med" len="med"/>
+                    </a:lnR>
+                    <a:lnT w="6350" cap="flat" cmpd="sng" algn="ctr">
+                      <a:solidFill>
+                        <a:srgbClr val="000000"/>
+                      </a:solidFill>
+                      <a:prstDash val="solid"/>
+                      <a:round/>
+                      <a:headEnd type="none" w="med" len="med"/>
+                      <a:tailEnd type="none" w="med" len="med"/>
+                    </a:lnT>
+                    <a:lnB w="6350" cap="flat" cmpd="sng" algn="ctr">
+                      <a:solidFill>
+                        <a:srgbClr val="000000"/>
+                      </a:solidFill>
+                      <a:prstDash val="solid"/>
+                      <a:round/>
+                      <a:headEnd type="none" w="med" len="med"/>
+                      <a:tailEnd type="none" w="med" len="med"/>
+                    </a:lnB>
+                  </a:tcPr>
+                </a:tc>
+                <a:tc>
+                  <a:txBody>
+                    <a:bodyPr/>
+                    <a:lstStyle/>
+                    <a:p>
+                      <a:pPr algn="ctr" fontAlgn="ctr">
+                        <a:spcBef>
+                          <a:spcPts val="0"/>
+                        </a:spcBef>
+                        <a:spcAft>
+                          <a:spcPts val="0"/>
+                        </a:spcAft>
+                      </a:pPr>
+                      <a:r>
+                        <a:rPr lang="en-GB" sz="700" b="0" i="0" u="none" strike="noStrike">
+                          <a:solidFill>
+                            <a:srgbClr val="000000"/>
+                          </a:solidFill>
+                          <a:effectLst/>
+                          <a:latin typeface="Calibri" panose="020F0502020204030204" pitchFamily="34" charset="0"/>
+                        </a:rPr>
+                        <a:t>Can lead to a setback with the project, illness can vary between people to people. Response is not always the same. Can lead to a loss in development time on the IMS.</a:t>
+                      </a:r>
+                      <a:endParaRPr lang="en-GB" sz="1100" b="0" i="0" u="none" strike="noStrike">
+                        <a:effectLst/>
+                        <a:latin typeface="Arial" panose="020B0604020202020204" pitchFamily="34" charset="0"/>
+                      </a:endParaRPr>
+                    </a:p>
+                  </a:txBody>
+                  <a:tcPr marL="3795" marR="3795" marT="3795" marB="0" anchor="ctr">
+                    <a:lnL w="6350" cap="flat" cmpd="sng" algn="ctr">
+                      <a:solidFill>
+                        <a:srgbClr val="000000"/>
+                      </a:solidFill>
+                      <a:prstDash val="solid"/>
+                      <a:round/>
+                      <a:headEnd type="none" w="med" len="med"/>
+                      <a:tailEnd type="none" w="med" len="med"/>
+                    </a:lnL>
+                    <a:lnR w="6350" cap="flat" cmpd="sng" algn="ctr">
+                      <a:solidFill>
+                        <a:srgbClr val="000000"/>
+                      </a:solidFill>
+                      <a:prstDash val="solid"/>
+                      <a:round/>
+                      <a:headEnd type="none" w="med" len="med"/>
+                      <a:tailEnd type="none" w="med" len="med"/>
+                    </a:lnR>
+                    <a:lnT w="6350" cap="flat" cmpd="sng" algn="ctr">
+                      <a:solidFill>
+                        <a:srgbClr val="000000"/>
+                      </a:solidFill>
+                      <a:prstDash val="solid"/>
+                      <a:round/>
+                      <a:headEnd type="none" w="med" len="med"/>
+                      <a:tailEnd type="none" w="med" len="med"/>
+                    </a:lnT>
+                    <a:lnB w="6350" cap="flat" cmpd="sng" algn="ctr">
+                      <a:solidFill>
+                        <a:srgbClr val="000000"/>
+                      </a:solidFill>
+                      <a:prstDash val="solid"/>
+                      <a:round/>
+                      <a:headEnd type="none" w="med" len="med"/>
+                      <a:tailEnd type="none" w="med" len="med"/>
+                    </a:lnB>
+                  </a:tcPr>
+                </a:tc>
+                <a:tc>
+                  <a:txBody>
+                    <a:bodyPr/>
+                    <a:lstStyle/>
+                    <a:p>
+                      <a:pPr algn="ctr" fontAlgn="ctr">
+                        <a:spcBef>
+                          <a:spcPts val="0"/>
+                        </a:spcBef>
+                        <a:spcAft>
+                          <a:spcPts val="0"/>
+                        </a:spcAft>
+                      </a:pPr>
+                      <a:r>
+                        <a:rPr lang="en-GB" sz="700" b="0" i="0" u="none" strike="noStrike">
+                          <a:solidFill>
+                            <a:srgbClr val="000000"/>
+                          </a:solidFill>
+                          <a:effectLst/>
+                          <a:latin typeface="Calibri" panose="020F0502020204030204" pitchFamily="34" charset="0"/>
+                        </a:rPr>
+                        <a:t>Ensuring you take the right medications prescribed and employ a healthy eating habit. Working in a clean environment and regularly cleaning hands. </a:t>
+                      </a:r>
+                      <a:endParaRPr lang="en-GB" sz="1100" b="0" i="0" u="none" strike="noStrike">
+                        <a:effectLst/>
+                        <a:latin typeface="Arial" panose="020B0604020202020204" pitchFamily="34" charset="0"/>
+                      </a:endParaRPr>
+                    </a:p>
+                  </a:txBody>
+                  <a:tcPr marL="3795" marR="3795" marT="3795" marB="0" anchor="ctr">
+                    <a:lnL w="6350" cap="flat" cmpd="sng" algn="ctr">
+                      <a:solidFill>
+                        <a:srgbClr val="000000"/>
+                      </a:solidFill>
+                      <a:prstDash val="solid"/>
+                      <a:round/>
+                      <a:headEnd type="none" w="med" len="med"/>
+                      <a:tailEnd type="none" w="med" len="med"/>
+                    </a:lnL>
+                    <a:lnR w="6350" cap="flat" cmpd="sng" algn="ctr">
+                      <a:solidFill>
+                        <a:srgbClr val="000000"/>
+                      </a:solidFill>
+                      <a:prstDash val="solid"/>
+                      <a:round/>
+                      <a:headEnd type="none" w="med" len="med"/>
+                      <a:tailEnd type="none" w="med" len="med"/>
+                    </a:lnR>
+                    <a:lnT w="6350" cap="flat" cmpd="sng" algn="ctr">
+                      <a:solidFill>
+                        <a:srgbClr val="000000"/>
+                      </a:solidFill>
+                      <a:prstDash val="solid"/>
+                      <a:round/>
+                      <a:headEnd type="none" w="med" len="med"/>
+                      <a:tailEnd type="none" w="med" len="med"/>
+                    </a:lnT>
+                    <a:lnB w="6350" cap="flat" cmpd="sng" algn="ctr">
+                      <a:solidFill>
+                        <a:srgbClr val="000000"/>
+                      </a:solidFill>
+                      <a:prstDash val="solid"/>
+                      <a:round/>
+                      <a:headEnd type="none" w="med" len="med"/>
+                      <a:tailEnd type="none" w="med" len="med"/>
+                    </a:lnB>
+                  </a:tcPr>
+                </a:tc>
+                <a:tc>
+                  <a:txBody>
+                    <a:bodyPr/>
+                    <a:lstStyle/>
+                    <a:p>
+                      <a:pPr algn="ctr" fontAlgn="ctr">
+                        <a:spcBef>
+                          <a:spcPts val="0"/>
+                        </a:spcBef>
+                        <a:spcAft>
+                          <a:spcPts val="0"/>
+                        </a:spcAft>
+                      </a:pPr>
+                      <a:r>
+                        <a:rPr lang="en-GB" sz="700" b="0" i="0" u="none" strike="noStrike">
+                          <a:solidFill>
+                            <a:srgbClr val="000000"/>
+                          </a:solidFill>
+                          <a:effectLst/>
+                          <a:latin typeface="Calibri" panose="020F0502020204030204" pitchFamily="34" charset="0"/>
+                        </a:rPr>
+                        <a:t>Giving oneself the best possible chance of eradicating bacteria or preventing germs from being spread, or even other disease and illnesses related to food, such as food poisoning.</a:t>
+                      </a:r>
+                      <a:endParaRPr lang="en-GB" sz="1100" b="0" i="0" u="none" strike="noStrike">
+                        <a:effectLst/>
+                        <a:latin typeface="Arial" panose="020B0604020202020204" pitchFamily="34" charset="0"/>
+                      </a:endParaRPr>
+                    </a:p>
+                  </a:txBody>
+                  <a:tcPr marL="3795" marR="3795" marT="3795" marB="0" anchor="ctr">
+                    <a:lnL w="6350" cap="flat" cmpd="sng" algn="ctr">
+                      <a:solidFill>
+                        <a:srgbClr val="000000"/>
+                      </a:solidFill>
+                      <a:prstDash val="solid"/>
+                      <a:round/>
+                      <a:headEnd type="none" w="med" len="med"/>
+                      <a:tailEnd type="none" w="med" len="med"/>
+                    </a:lnL>
+                    <a:lnR w="6350" cap="flat" cmpd="sng" algn="ctr">
+                      <a:solidFill>
+                        <a:srgbClr val="000000"/>
+                      </a:solidFill>
+                      <a:prstDash val="solid"/>
+                      <a:round/>
+                      <a:headEnd type="none" w="med" len="med"/>
+                      <a:tailEnd type="none" w="med" len="med"/>
+                    </a:lnR>
+                    <a:lnT w="6350" cap="flat" cmpd="sng" algn="ctr">
+                      <a:solidFill>
+                        <a:srgbClr val="000000"/>
+                      </a:solidFill>
+                      <a:prstDash val="solid"/>
+                      <a:round/>
+                      <a:headEnd type="none" w="med" len="med"/>
+                      <a:tailEnd type="none" w="med" len="med"/>
+                    </a:lnT>
+                    <a:lnB w="6350" cap="flat" cmpd="sng" algn="ctr">
+                      <a:solidFill>
+                        <a:srgbClr val="000000"/>
+                      </a:solidFill>
+                      <a:prstDash val="solid"/>
+                      <a:round/>
+                      <a:headEnd type="none" w="med" len="med"/>
+                      <a:tailEnd type="none" w="med" len="med"/>
+                    </a:lnB>
+                  </a:tcPr>
+                </a:tc>
+                <a:tc>
+                  <a:txBody>
+                    <a:bodyPr/>
+                    <a:lstStyle/>
+                    <a:p>
+                      <a:pPr algn="ctr" fontAlgn="ctr">
+                        <a:spcBef>
+                          <a:spcPts val="0"/>
+                        </a:spcBef>
+                        <a:spcAft>
+                          <a:spcPts val="0"/>
+                        </a:spcAft>
+                      </a:pPr>
+                      <a:r>
+                        <a:rPr lang="en-GB" sz="700" b="0" i="0" u="none" strike="noStrike">
+                          <a:solidFill>
+                            <a:srgbClr val="000000"/>
+                          </a:solidFill>
+                          <a:effectLst/>
+                          <a:latin typeface="Calibri" panose="020F0502020204030204" pitchFamily="34" charset="0"/>
+                        </a:rPr>
+                        <a:t>Low</a:t>
+                      </a:r>
+                      <a:endParaRPr lang="en-GB" sz="1100" b="0" i="0" u="none" strike="noStrike">
+                        <a:effectLst/>
+                        <a:latin typeface="Arial" panose="020B0604020202020204" pitchFamily="34" charset="0"/>
+                      </a:endParaRPr>
+                    </a:p>
+                  </a:txBody>
+                  <a:tcPr marL="3795" marR="3795" marT="3795" marB="0" anchor="ctr">
+                    <a:lnL w="6350" cap="flat" cmpd="sng" algn="ctr">
+                      <a:solidFill>
+                        <a:srgbClr val="000000"/>
+                      </a:solidFill>
+                      <a:prstDash val="solid"/>
+                      <a:round/>
+                      <a:headEnd type="none" w="med" len="med"/>
+                      <a:tailEnd type="none" w="med" len="med"/>
+                    </a:lnL>
+                    <a:lnR w="6350" cap="flat" cmpd="sng" algn="ctr">
+                      <a:solidFill>
+                        <a:srgbClr val="000000"/>
+                      </a:solidFill>
+                      <a:prstDash val="solid"/>
+                      <a:round/>
+                      <a:headEnd type="none" w="med" len="med"/>
+                      <a:tailEnd type="none" w="med" len="med"/>
+                    </a:lnR>
+                    <a:lnT w="6350" cap="flat" cmpd="sng" algn="ctr">
+                      <a:solidFill>
+                        <a:srgbClr val="000000"/>
+                      </a:solidFill>
+                      <a:prstDash val="solid"/>
+                      <a:round/>
+                      <a:headEnd type="none" w="med" len="med"/>
+                      <a:tailEnd type="none" w="med" len="med"/>
+                    </a:lnT>
+                    <a:lnB w="6350" cap="flat" cmpd="sng" algn="ctr">
+                      <a:solidFill>
+                        <a:srgbClr val="000000"/>
+                      </a:solidFill>
+                      <a:prstDash val="solid"/>
+                      <a:round/>
+                      <a:headEnd type="none" w="med" len="med"/>
+                      <a:tailEnd type="none" w="med" len="med"/>
+                    </a:lnB>
+                    <a:solidFill>
+                      <a:srgbClr val="00B050"/>
+                    </a:solidFill>
+                  </a:tcPr>
+                </a:tc>
+                <a:tc>
+                  <a:txBody>
+                    <a:bodyPr/>
+                    <a:lstStyle/>
+                    <a:p>
+                      <a:pPr algn="ctr" fontAlgn="ctr">
+                        <a:spcBef>
+                          <a:spcPts val="0"/>
+                        </a:spcBef>
+                        <a:spcAft>
+                          <a:spcPts val="0"/>
+                        </a:spcAft>
+                      </a:pPr>
+                      <a:r>
+                        <a:rPr lang="en-GB" sz="700" b="0" i="0" u="none" strike="noStrike">
+                          <a:solidFill>
+                            <a:srgbClr val="000000"/>
+                          </a:solidFill>
+                          <a:effectLst/>
+                          <a:latin typeface="Calibri" panose="020F0502020204030204" pitchFamily="34" charset="0"/>
+                        </a:rPr>
+                        <a:t>High</a:t>
+                      </a:r>
+                      <a:endParaRPr lang="en-GB" sz="1100" b="0" i="0" u="none" strike="noStrike">
+                        <a:effectLst/>
+                        <a:latin typeface="Arial" panose="020B0604020202020204" pitchFamily="34" charset="0"/>
+                      </a:endParaRPr>
+                    </a:p>
+                  </a:txBody>
+                  <a:tcPr marL="3795" marR="3795" marT="3795" marB="0" anchor="ctr">
+                    <a:lnL w="6350" cap="flat" cmpd="sng" algn="ctr">
+                      <a:solidFill>
+                        <a:srgbClr val="000000"/>
+                      </a:solidFill>
+                      <a:prstDash val="solid"/>
+                      <a:round/>
+                      <a:headEnd type="none" w="med" len="med"/>
+                      <a:tailEnd type="none" w="med" len="med"/>
+                    </a:lnL>
+                    <a:lnR w="6350" cap="flat" cmpd="sng" algn="ctr">
+                      <a:solidFill>
+                        <a:srgbClr val="000000"/>
+                      </a:solidFill>
+                      <a:prstDash val="solid"/>
+                      <a:round/>
+                      <a:headEnd type="none" w="med" len="med"/>
+                      <a:tailEnd type="none" w="med" len="med"/>
+                    </a:lnR>
+                    <a:lnT w="6350" cap="flat" cmpd="sng" algn="ctr">
+                      <a:solidFill>
+                        <a:srgbClr val="000000"/>
+                      </a:solidFill>
+                      <a:prstDash val="solid"/>
+                      <a:round/>
+                      <a:headEnd type="none" w="med" len="med"/>
+                      <a:tailEnd type="none" w="med" len="med"/>
+                    </a:lnT>
+                    <a:lnB w="6350" cap="flat" cmpd="sng" algn="ctr">
+                      <a:solidFill>
+                        <a:srgbClr val="000000"/>
+                      </a:solidFill>
+                      <a:prstDash val="solid"/>
+                      <a:round/>
+                      <a:headEnd type="none" w="med" len="med"/>
+                      <a:tailEnd type="none" w="med" len="med"/>
+                    </a:lnB>
+                    <a:solidFill>
+                      <a:srgbClr val="FF0000"/>
+                    </a:solidFill>
+                  </a:tcPr>
+                </a:tc>
+                <a:tc>
+                  <a:txBody>
+                    <a:bodyPr/>
+                    <a:lstStyle/>
+                    <a:p>
+                      <a:pPr algn="ctr" fontAlgn="ctr">
+                        <a:spcBef>
+                          <a:spcPts val="0"/>
+                        </a:spcBef>
+                        <a:spcAft>
+                          <a:spcPts val="0"/>
+                        </a:spcAft>
+                      </a:pPr>
+                      <a:r>
+                        <a:rPr lang="en-GB" sz="700" b="0" i="0" u="none" strike="noStrike">
+                          <a:solidFill>
+                            <a:srgbClr val="000000"/>
+                          </a:solidFill>
+                          <a:effectLst/>
+                          <a:latin typeface="Calibri" panose="020F0502020204030204" pitchFamily="34" charset="0"/>
+                        </a:rPr>
+                        <a:t>Medium</a:t>
+                      </a:r>
+                      <a:endParaRPr lang="en-GB" sz="1100" b="0" i="0" u="none" strike="noStrike">
+                        <a:effectLst/>
+                        <a:latin typeface="Arial" panose="020B0604020202020204" pitchFamily="34" charset="0"/>
+                      </a:endParaRPr>
+                    </a:p>
+                  </a:txBody>
+                  <a:tcPr marL="3795" marR="3795" marT="3795" marB="0" anchor="ctr">
+                    <a:lnL w="6350" cap="flat" cmpd="sng" algn="ctr">
+                      <a:solidFill>
+                        <a:srgbClr val="000000"/>
+                      </a:solidFill>
+                      <a:prstDash val="solid"/>
+                      <a:round/>
+                      <a:headEnd type="none" w="med" len="med"/>
+                      <a:tailEnd type="none" w="med" len="med"/>
+                    </a:lnL>
+                    <a:lnR w="6350" cap="flat" cmpd="sng" algn="ctr">
+                      <a:solidFill>
+                        <a:srgbClr val="000000"/>
+                      </a:solidFill>
+                      <a:prstDash val="solid"/>
+                      <a:round/>
+                      <a:headEnd type="none" w="med" len="med"/>
+                      <a:tailEnd type="none" w="med" len="med"/>
+                    </a:lnR>
+                    <a:lnT w="6350" cap="flat" cmpd="sng" algn="ctr">
+                      <a:solidFill>
+                        <a:srgbClr val="000000"/>
+                      </a:solidFill>
+                      <a:prstDash val="solid"/>
+                      <a:round/>
+                      <a:headEnd type="none" w="med" len="med"/>
+                      <a:tailEnd type="none" w="med" len="med"/>
+                    </a:lnT>
+                    <a:lnB w="6350" cap="flat" cmpd="sng" algn="ctr">
+                      <a:solidFill>
+                        <a:srgbClr val="000000"/>
+                      </a:solidFill>
+                      <a:prstDash val="solid"/>
+                      <a:round/>
+                      <a:headEnd type="none" w="med" len="med"/>
+                      <a:tailEnd type="none" w="med" len="med"/>
+                    </a:lnB>
+                    <a:solidFill>
+                      <a:srgbClr val="FFFF00"/>
+                    </a:solidFill>
+                  </a:tcPr>
+                </a:tc>
+                <a:extLst>
+                  <a:ext uri="{0D108BD9-81ED-4DB2-BD59-A6C34878D82A}">
+                    <a16:rowId xmlns:a16="http://schemas.microsoft.com/office/drawing/2014/main" val="605920241"/>
+                  </a:ext>
+                </a:extLst>
+              </a:tr>
+              <a:tr h="531832">
+                <a:tc>
+                  <a:txBody>
+                    <a:bodyPr/>
+                    <a:lstStyle/>
+                    <a:p>
+                      <a:pPr algn="ctr" fontAlgn="ctr">
+                        <a:spcBef>
+                          <a:spcPts val="0"/>
+                        </a:spcBef>
+                        <a:spcAft>
+                          <a:spcPts val="0"/>
+                        </a:spcAft>
+                      </a:pPr>
+                      <a:r>
+                        <a:rPr lang="en-GB" sz="700" b="0" i="0" u="none" strike="noStrike">
+                          <a:solidFill>
+                            <a:srgbClr val="000000"/>
+                          </a:solidFill>
+                          <a:effectLst/>
+                          <a:latin typeface="Calibri" panose="020F0502020204030204" pitchFamily="34" charset="0"/>
+                        </a:rPr>
+                        <a:t>Loss of Data</a:t>
+                      </a:r>
+                      <a:endParaRPr lang="en-GB" sz="1100" b="0" i="0" u="none" strike="noStrike">
+                        <a:effectLst/>
+                        <a:latin typeface="Arial" panose="020B0604020202020204" pitchFamily="34" charset="0"/>
+                      </a:endParaRPr>
+                    </a:p>
+                  </a:txBody>
+                  <a:tcPr marL="3795" marR="3795" marT="3795" marB="0" anchor="ctr">
+                    <a:lnL w="6350" cap="flat" cmpd="sng" algn="ctr">
+                      <a:solidFill>
+                        <a:srgbClr val="000000"/>
+                      </a:solidFill>
+                      <a:prstDash val="solid"/>
+                      <a:round/>
+                      <a:headEnd type="none" w="med" len="med"/>
+                      <a:tailEnd type="none" w="med" len="med"/>
+                    </a:lnL>
+                    <a:lnR w="6350" cap="flat" cmpd="sng" algn="ctr">
+                      <a:solidFill>
+                        <a:srgbClr val="000000"/>
+                      </a:solidFill>
+                      <a:prstDash val="solid"/>
+                      <a:round/>
+                      <a:headEnd type="none" w="med" len="med"/>
+                      <a:tailEnd type="none" w="med" len="med"/>
+                    </a:lnR>
+                    <a:lnT w="6350" cap="flat" cmpd="sng" algn="ctr">
+                      <a:solidFill>
+                        <a:srgbClr val="000000"/>
+                      </a:solidFill>
+                      <a:prstDash val="solid"/>
+                      <a:round/>
+                      <a:headEnd type="none" w="med" len="med"/>
+                      <a:tailEnd type="none" w="med" len="med"/>
+                    </a:lnT>
+                    <a:lnB w="6350" cap="flat" cmpd="sng" algn="ctr">
+                      <a:solidFill>
+                        <a:srgbClr val="000000"/>
+                      </a:solidFill>
+                      <a:prstDash val="solid"/>
+                      <a:round/>
+                      <a:headEnd type="none" w="med" len="med"/>
+                      <a:tailEnd type="none" w="med" len="med"/>
+                    </a:lnB>
+                  </a:tcPr>
+                </a:tc>
+                <a:tc>
+                  <a:txBody>
+                    <a:bodyPr/>
+                    <a:lstStyle/>
+                    <a:p>
+                      <a:pPr algn="ctr" fontAlgn="ctr">
+                        <a:spcBef>
+                          <a:spcPts val="0"/>
+                        </a:spcBef>
+                        <a:spcAft>
+                          <a:spcPts val="0"/>
+                        </a:spcAft>
+                      </a:pPr>
+                      <a:r>
+                        <a:rPr lang="en-GB" sz="700" b="0" i="0" u="none" strike="noStrike">
+                          <a:solidFill>
+                            <a:srgbClr val="000000"/>
+                          </a:solidFill>
+                          <a:effectLst/>
+                          <a:latin typeface="Calibri" panose="020F0502020204030204" pitchFamily="34" charset="0"/>
+                        </a:rPr>
+                        <a:t>In the general sense, loss of data can occur from human error / accidental deletion / overwritting fully functioning codes. Data loss can also occur through third party softwares or people such as hackers. Can lead to data being comprimised and manipulated.</a:t>
+                      </a:r>
+                      <a:endParaRPr lang="en-GB" sz="1100" b="0" i="0" u="none" strike="noStrike">
+                        <a:effectLst/>
+                        <a:latin typeface="Arial" panose="020B0604020202020204" pitchFamily="34" charset="0"/>
+                      </a:endParaRPr>
+                    </a:p>
+                  </a:txBody>
+                  <a:tcPr marL="3795" marR="3795" marT="3795" marB="0" anchor="ctr">
+                    <a:lnL w="6350" cap="flat" cmpd="sng" algn="ctr">
+                      <a:solidFill>
+                        <a:srgbClr val="000000"/>
+                      </a:solidFill>
+                      <a:prstDash val="solid"/>
+                      <a:round/>
+                      <a:headEnd type="none" w="med" len="med"/>
+                      <a:tailEnd type="none" w="med" len="med"/>
+                    </a:lnL>
+                    <a:lnR w="6350" cap="flat" cmpd="sng" algn="ctr">
+                      <a:solidFill>
+                        <a:srgbClr val="000000"/>
+                      </a:solidFill>
+                      <a:prstDash val="solid"/>
+                      <a:round/>
+                      <a:headEnd type="none" w="med" len="med"/>
+                      <a:tailEnd type="none" w="med" len="med"/>
+                    </a:lnR>
+                    <a:lnT w="6350" cap="flat" cmpd="sng" algn="ctr">
+                      <a:solidFill>
+                        <a:srgbClr val="000000"/>
+                      </a:solidFill>
+                      <a:prstDash val="solid"/>
+                      <a:round/>
+                      <a:headEnd type="none" w="med" len="med"/>
+                      <a:tailEnd type="none" w="med" len="med"/>
+                    </a:lnT>
+                    <a:lnB w="6350" cap="flat" cmpd="sng" algn="ctr">
+                      <a:solidFill>
+                        <a:srgbClr val="000000"/>
+                      </a:solidFill>
+                      <a:prstDash val="solid"/>
+                      <a:round/>
+                      <a:headEnd type="none" w="med" len="med"/>
+                      <a:tailEnd type="none" w="med" len="med"/>
+                    </a:lnB>
+                  </a:tcPr>
+                </a:tc>
+                <a:tc>
+                  <a:txBody>
+                    <a:bodyPr/>
+                    <a:lstStyle/>
+                    <a:p>
+                      <a:pPr algn="ctr" fontAlgn="ctr">
+                        <a:spcBef>
+                          <a:spcPts val="0"/>
+                        </a:spcBef>
+                        <a:spcAft>
+                          <a:spcPts val="0"/>
+                        </a:spcAft>
+                      </a:pPr>
+                      <a:r>
+                        <a:rPr lang="en-GB" sz="700" b="0" i="0" u="none" strike="noStrike">
+                          <a:solidFill>
+                            <a:srgbClr val="000000"/>
+                          </a:solidFill>
+                          <a:effectLst/>
+                          <a:latin typeface="Calibri" panose="020F0502020204030204" pitchFamily="34" charset="0"/>
+                        </a:rPr>
+                        <a:t>Making frequent implementation of version control to upload and track data so that it can be recoverable. Using cloud hosted sites to store data such as onedrive. </a:t>
+                      </a:r>
+                      <a:endParaRPr lang="en-GB" sz="1100" b="0" i="0" u="none" strike="noStrike">
+                        <a:effectLst/>
+                        <a:latin typeface="Arial" panose="020B0604020202020204" pitchFamily="34" charset="0"/>
+                      </a:endParaRPr>
+                    </a:p>
+                  </a:txBody>
+                  <a:tcPr marL="3795" marR="3795" marT="3795" marB="0" anchor="ctr">
+                    <a:lnL w="6350" cap="flat" cmpd="sng" algn="ctr">
+                      <a:solidFill>
+                        <a:srgbClr val="000000"/>
+                      </a:solidFill>
+                      <a:prstDash val="solid"/>
+                      <a:round/>
+                      <a:headEnd type="none" w="med" len="med"/>
+                      <a:tailEnd type="none" w="med" len="med"/>
+                    </a:lnL>
+                    <a:lnR w="6350" cap="flat" cmpd="sng" algn="ctr">
+                      <a:solidFill>
+                        <a:srgbClr val="000000"/>
+                      </a:solidFill>
+                      <a:prstDash val="solid"/>
+                      <a:round/>
+                      <a:headEnd type="none" w="med" len="med"/>
+                      <a:tailEnd type="none" w="med" len="med"/>
+                    </a:lnR>
+                    <a:lnT w="6350" cap="flat" cmpd="sng" algn="ctr">
+                      <a:solidFill>
+                        <a:srgbClr val="000000"/>
+                      </a:solidFill>
+                      <a:prstDash val="solid"/>
+                      <a:round/>
+                      <a:headEnd type="none" w="med" len="med"/>
+                      <a:tailEnd type="none" w="med" len="med"/>
+                    </a:lnT>
+                    <a:lnB w="6350" cap="flat" cmpd="sng" algn="ctr">
+                      <a:solidFill>
+                        <a:srgbClr val="000000"/>
+                      </a:solidFill>
+                      <a:prstDash val="solid"/>
+                      <a:round/>
+                      <a:headEnd type="none" w="med" len="med"/>
+                      <a:tailEnd type="none" w="med" len="med"/>
+                    </a:lnB>
+                  </a:tcPr>
+                </a:tc>
+                <a:tc>
+                  <a:txBody>
+                    <a:bodyPr/>
+                    <a:lstStyle/>
+                    <a:p>
+                      <a:pPr algn="ctr" fontAlgn="ctr">
+                        <a:spcBef>
+                          <a:spcPts val="0"/>
+                        </a:spcBef>
+                        <a:spcAft>
+                          <a:spcPts val="0"/>
+                        </a:spcAft>
+                      </a:pPr>
+                      <a:r>
+                        <a:rPr lang="en-GB" sz="700" b="0" i="0" u="none" strike="noStrike">
+                          <a:solidFill>
+                            <a:srgbClr val="000000"/>
+                          </a:solidFill>
+                          <a:effectLst/>
+                          <a:latin typeface="Calibri" panose="020F0502020204030204" pitchFamily="34" charset="0"/>
+                        </a:rPr>
+                        <a:t>Ensures minimal amount of time to be consumed in the event of data being lost. </a:t>
+                      </a:r>
+                      <a:endParaRPr lang="en-GB" sz="1100" b="0" i="0" u="none" strike="noStrike">
+                        <a:effectLst/>
+                        <a:latin typeface="Arial" panose="020B0604020202020204" pitchFamily="34" charset="0"/>
+                      </a:endParaRPr>
+                    </a:p>
+                  </a:txBody>
+                  <a:tcPr marL="3795" marR="3795" marT="3795" marB="0" anchor="ctr">
+                    <a:lnL w="6350" cap="flat" cmpd="sng" algn="ctr">
+                      <a:solidFill>
+                        <a:srgbClr val="000000"/>
+                      </a:solidFill>
+                      <a:prstDash val="solid"/>
+                      <a:round/>
+                      <a:headEnd type="none" w="med" len="med"/>
+                      <a:tailEnd type="none" w="med" len="med"/>
+                    </a:lnL>
+                    <a:lnR w="6350" cap="flat" cmpd="sng" algn="ctr">
+                      <a:solidFill>
+                        <a:srgbClr val="000000"/>
+                      </a:solidFill>
+                      <a:prstDash val="solid"/>
+                      <a:round/>
+                      <a:headEnd type="none" w="med" len="med"/>
+                      <a:tailEnd type="none" w="med" len="med"/>
+                    </a:lnR>
+                    <a:lnT w="6350" cap="flat" cmpd="sng" algn="ctr">
+                      <a:solidFill>
+                        <a:srgbClr val="000000"/>
+                      </a:solidFill>
+                      <a:prstDash val="solid"/>
+                      <a:round/>
+                      <a:headEnd type="none" w="med" len="med"/>
+                      <a:tailEnd type="none" w="med" len="med"/>
+                    </a:lnT>
+                    <a:lnB w="6350" cap="flat" cmpd="sng" algn="ctr">
+                      <a:solidFill>
+                        <a:srgbClr val="000000"/>
+                      </a:solidFill>
+                      <a:prstDash val="solid"/>
+                      <a:round/>
+                      <a:headEnd type="none" w="med" len="med"/>
+                      <a:tailEnd type="none" w="med" len="med"/>
+                    </a:lnB>
+                  </a:tcPr>
+                </a:tc>
+                <a:tc>
+                  <a:txBody>
+                    <a:bodyPr/>
+                    <a:lstStyle/>
+                    <a:p>
+                      <a:pPr algn="ctr" fontAlgn="ctr">
+                        <a:spcBef>
+                          <a:spcPts val="0"/>
+                        </a:spcBef>
+                        <a:spcAft>
+                          <a:spcPts val="0"/>
+                        </a:spcAft>
+                      </a:pPr>
+                      <a:r>
+                        <a:rPr lang="en-GB" sz="700" b="0" i="0" u="none" strike="noStrike">
+                          <a:solidFill>
+                            <a:srgbClr val="000000"/>
+                          </a:solidFill>
+                          <a:effectLst/>
+                          <a:latin typeface="Calibri" panose="020F0502020204030204" pitchFamily="34" charset="0"/>
+                        </a:rPr>
+                        <a:t>High</a:t>
+                      </a:r>
+                      <a:endParaRPr lang="en-GB" sz="1100" b="0" i="0" u="none" strike="noStrike">
+                        <a:effectLst/>
+                        <a:latin typeface="Arial" panose="020B0604020202020204" pitchFamily="34" charset="0"/>
+                      </a:endParaRPr>
+                    </a:p>
+                  </a:txBody>
+                  <a:tcPr marL="3795" marR="3795" marT="3795" marB="0" anchor="ctr">
+                    <a:lnL w="6350" cap="flat" cmpd="sng" algn="ctr">
+                      <a:solidFill>
+                        <a:srgbClr val="000000"/>
+                      </a:solidFill>
+                      <a:prstDash val="solid"/>
+                      <a:round/>
+                      <a:headEnd type="none" w="med" len="med"/>
+                      <a:tailEnd type="none" w="med" len="med"/>
+                    </a:lnL>
+                    <a:lnR w="6350" cap="flat" cmpd="sng" algn="ctr">
+                      <a:solidFill>
+                        <a:srgbClr val="000000"/>
+                      </a:solidFill>
+                      <a:prstDash val="solid"/>
+                      <a:round/>
+                      <a:headEnd type="none" w="med" len="med"/>
+                      <a:tailEnd type="none" w="med" len="med"/>
+                    </a:lnR>
+                    <a:lnT w="6350" cap="flat" cmpd="sng" algn="ctr">
+                      <a:solidFill>
+                        <a:srgbClr val="000000"/>
+                      </a:solidFill>
+                      <a:prstDash val="solid"/>
+                      <a:round/>
+                      <a:headEnd type="none" w="med" len="med"/>
+                      <a:tailEnd type="none" w="med" len="med"/>
+                    </a:lnT>
+                    <a:lnB w="6350" cap="flat" cmpd="sng" algn="ctr">
+                      <a:solidFill>
+                        <a:srgbClr val="000000"/>
+                      </a:solidFill>
+                      <a:prstDash val="solid"/>
+                      <a:round/>
+                      <a:headEnd type="none" w="med" len="med"/>
+                      <a:tailEnd type="none" w="med" len="med"/>
+                    </a:lnB>
+                    <a:solidFill>
+                      <a:srgbClr val="FF0000"/>
+                    </a:solidFill>
+                  </a:tcPr>
+                </a:tc>
+                <a:tc>
+                  <a:txBody>
+                    <a:bodyPr/>
+                    <a:lstStyle/>
+                    <a:p>
+                      <a:pPr algn="ctr" fontAlgn="ctr">
+                        <a:spcBef>
+                          <a:spcPts val="0"/>
+                        </a:spcBef>
+                        <a:spcAft>
+                          <a:spcPts val="0"/>
+                        </a:spcAft>
+                      </a:pPr>
+                      <a:r>
+                        <a:rPr lang="en-GB" sz="700" b="0" i="0" u="none" strike="noStrike">
+                          <a:solidFill>
+                            <a:srgbClr val="000000"/>
+                          </a:solidFill>
+                          <a:effectLst/>
+                          <a:latin typeface="Calibri" panose="020F0502020204030204" pitchFamily="34" charset="0"/>
+                        </a:rPr>
+                        <a:t>High</a:t>
+                      </a:r>
+                      <a:endParaRPr lang="en-GB" sz="1100" b="0" i="0" u="none" strike="noStrike">
+                        <a:effectLst/>
+                        <a:latin typeface="Arial" panose="020B0604020202020204" pitchFamily="34" charset="0"/>
+                      </a:endParaRPr>
+                    </a:p>
+                  </a:txBody>
+                  <a:tcPr marL="3795" marR="3795" marT="3795" marB="0" anchor="ctr">
+                    <a:lnL w="6350" cap="flat" cmpd="sng" algn="ctr">
+                      <a:solidFill>
+                        <a:srgbClr val="000000"/>
+                      </a:solidFill>
+                      <a:prstDash val="solid"/>
+                      <a:round/>
+                      <a:headEnd type="none" w="med" len="med"/>
+                      <a:tailEnd type="none" w="med" len="med"/>
+                    </a:lnL>
+                    <a:lnR w="6350" cap="flat" cmpd="sng" algn="ctr">
+                      <a:solidFill>
+                        <a:srgbClr val="000000"/>
+                      </a:solidFill>
+                      <a:prstDash val="solid"/>
+                      <a:round/>
+                      <a:headEnd type="none" w="med" len="med"/>
+                      <a:tailEnd type="none" w="med" len="med"/>
+                    </a:lnR>
+                    <a:lnT w="6350" cap="flat" cmpd="sng" algn="ctr">
+                      <a:solidFill>
+                        <a:srgbClr val="000000"/>
+                      </a:solidFill>
+                      <a:prstDash val="solid"/>
+                      <a:round/>
+                      <a:headEnd type="none" w="med" len="med"/>
+                      <a:tailEnd type="none" w="med" len="med"/>
+                    </a:lnT>
+                    <a:lnB w="6350" cap="flat" cmpd="sng" algn="ctr">
+                      <a:solidFill>
+                        <a:srgbClr val="000000"/>
+                      </a:solidFill>
+                      <a:prstDash val="solid"/>
+                      <a:round/>
+                      <a:headEnd type="none" w="med" len="med"/>
+                      <a:tailEnd type="none" w="med" len="med"/>
+                    </a:lnB>
+                    <a:solidFill>
+                      <a:srgbClr val="FF0000"/>
+                    </a:solidFill>
+                  </a:tcPr>
+                </a:tc>
+                <a:tc>
+                  <a:txBody>
+                    <a:bodyPr/>
+                    <a:lstStyle/>
+                    <a:p>
+                      <a:pPr algn="ctr" fontAlgn="ctr">
+                        <a:spcBef>
+                          <a:spcPts val="0"/>
+                        </a:spcBef>
+                        <a:spcAft>
+                          <a:spcPts val="0"/>
+                        </a:spcAft>
+                      </a:pPr>
+                      <a:r>
+                        <a:rPr lang="en-GB" sz="700" b="0" i="0" u="none" strike="noStrike">
+                          <a:solidFill>
+                            <a:srgbClr val="000000"/>
+                          </a:solidFill>
+                          <a:effectLst/>
+                          <a:latin typeface="Calibri" panose="020F0502020204030204" pitchFamily="34" charset="0"/>
+                        </a:rPr>
+                        <a:t>High</a:t>
+                      </a:r>
+                      <a:endParaRPr lang="en-GB" sz="1100" b="0" i="0" u="none" strike="noStrike">
+                        <a:effectLst/>
+                        <a:latin typeface="Arial" panose="020B0604020202020204" pitchFamily="34" charset="0"/>
+                      </a:endParaRPr>
+                    </a:p>
+                  </a:txBody>
+                  <a:tcPr marL="3795" marR="3795" marT="3795" marB="0" anchor="ctr">
+                    <a:lnL w="6350" cap="flat" cmpd="sng" algn="ctr">
+                      <a:solidFill>
+                        <a:srgbClr val="000000"/>
+                      </a:solidFill>
+                      <a:prstDash val="solid"/>
+                      <a:round/>
+                      <a:headEnd type="none" w="med" len="med"/>
+                      <a:tailEnd type="none" w="med" len="med"/>
+                    </a:lnL>
+                    <a:lnR w="6350" cap="flat" cmpd="sng" algn="ctr">
+                      <a:solidFill>
+                        <a:srgbClr val="000000"/>
+                      </a:solidFill>
+                      <a:prstDash val="solid"/>
+                      <a:round/>
+                      <a:headEnd type="none" w="med" len="med"/>
+                      <a:tailEnd type="none" w="med" len="med"/>
+                    </a:lnR>
+                    <a:lnT w="6350" cap="flat" cmpd="sng" algn="ctr">
+                      <a:solidFill>
+                        <a:srgbClr val="000000"/>
+                      </a:solidFill>
+                      <a:prstDash val="solid"/>
+                      <a:round/>
+                      <a:headEnd type="none" w="med" len="med"/>
+                      <a:tailEnd type="none" w="med" len="med"/>
+                    </a:lnT>
+                    <a:lnB w="6350" cap="flat" cmpd="sng" algn="ctr">
+                      <a:solidFill>
+                        <a:srgbClr val="000000"/>
+                      </a:solidFill>
+                      <a:prstDash val="solid"/>
+                      <a:round/>
+                      <a:headEnd type="none" w="med" len="med"/>
+                      <a:tailEnd type="none" w="med" len="med"/>
+                    </a:lnB>
+                    <a:solidFill>
+                      <a:srgbClr val="FF0000"/>
+                    </a:solidFill>
+                  </a:tcPr>
+                </a:tc>
+                <a:extLst>
+                  <a:ext uri="{0D108BD9-81ED-4DB2-BD59-A6C34878D82A}">
+                    <a16:rowId xmlns:a16="http://schemas.microsoft.com/office/drawing/2014/main" val="1593812121"/>
+                  </a:ext>
+                </a:extLst>
+              </a:tr>
+              <a:tr h="531832">
+                <a:tc>
+                  <a:txBody>
+                    <a:bodyPr/>
+                    <a:lstStyle/>
+                    <a:p>
+                      <a:pPr algn="ctr" fontAlgn="ctr">
+                        <a:spcBef>
+                          <a:spcPts val="0"/>
+                        </a:spcBef>
+                        <a:spcAft>
+                          <a:spcPts val="0"/>
+                        </a:spcAft>
+                      </a:pPr>
+                      <a:r>
+                        <a:rPr lang="en-GB" sz="700" b="0" i="0" u="none" strike="noStrike">
+                          <a:solidFill>
+                            <a:srgbClr val="000000"/>
+                          </a:solidFill>
+                          <a:effectLst/>
+                          <a:latin typeface="Calibri" panose="020F0502020204030204" pitchFamily="34" charset="0"/>
+                        </a:rPr>
+                        <a:t>Software Knowledge/Ability</a:t>
+                      </a:r>
+                      <a:endParaRPr lang="en-GB" sz="1100" b="0" i="0" u="none" strike="noStrike">
+                        <a:effectLst/>
+                        <a:latin typeface="Arial" panose="020B0604020202020204" pitchFamily="34" charset="0"/>
+                      </a:endParaRPr>
+                    </a:p>
+                  </a:txBody>
+                  <a:tcPr marL="3795" marR="3795" marT="3795" marB="0" anchor="ctr">
+                    <a:lnL w="6350" cap="flat" cmpd="sng" algn="ctr">
+                      <a:solidFill>
+                        <a:srgbClr val="000000"/>
+                      </a:solidFill>
+                      <a:prstDash val="solid"/>
+                      <a:round/>
+                      <a:headEnd type="none" w="med" len="med"/>
+                      <a:tailEnd type="none" w="med" len="med"/>
+                    </a:lnL>
+                    <a:lnR w="6350" cap="flat" cmpd="sng" algn="ctr">
+                      <a:solidFill>
+                        <a:srgbClr val="000000"/>
+                      </a:solidFill>
+                      <a:prstDash val="solid"/>
+                      <a:round/>
+                      <a:headEnd type="none" w="med" len="med"/>
+                      <a:tailEnd type="none" w="med" len="med"/>
+                    </a:lnR>
+                    <a:lnT w="6350" cap="flat" cmpd="sng" algn="ctr">
+                      <a:solidFill>
+                        <a:srgbClr val="000000"/>
+                      </a:solidFill>
+                      <a:prstDash val="solid"/>
+                      <a:round/>
+                      <a:headEnd type="none" w="med" len="med"/>
+                      <a:tailEnd type="none" w="med" len="med"/>
+                    </a:lnT>
+                    <a:lnB w="6350" cap="flat" cmpd="sng" algn="ctr">
+                      <a:solidFill>
+                        <a:srgbClr val="000000"/>
+                      </a:solidFill>
+                      <a:prstDash val="solid"/>
+                      <a:round/>
+                      <a:headEnd type="none" w="med" len="med"/>
+                      <a:tailEnd type="none" w="med" len="med"/>
+                    </a:lnB>
+                  </a:tcPr>
+                </a:tc>
+                <a:tc>
+                  <a:txBody>
+                    <a:bodyPr/>
+                    <a:lstStyle/>
+                    <a:p>
+                      <a:pPr algn="ctr" fontAlgn="ctr">
+                        <a:spcBef>
+                          <a:spcPts val="0"/>
+                        </a:spcBef>
+                        <a:spcAft>
+                          <a:spcPts val="0"/>
+                        </a:spcAft>
+                      </a:pPr>
+                      <a:r>
+                        <a:rPr lang="en-GB" sz="700" b="0" i="0" u="none" strike="noStrike">
+                          <a:solidFill>
+                            <a:srgbClr val="000000"/>
+                          </a:solidFill>
+                          <a:effectLst/>
+                          <a:latin typeface="Calibri" panose="020F0502020204030204" pitchFamily="34" charset="0"/>
+                        </a:rPr>
+                        <a:t>Writing efficient and fully functioning codes is dependent on one's ability and understanding of the programming language being used. </a:t>
+                      </a:r>
+                      <a:endParaRPr lang="en-GB" sz="1100" b="0" i="0" u="none" strike="noStrike">
+                        <a:effectLst/>
+                        <a:latin typeface="Arial" panose="020B0604020202020204" pitchFamily="34" charset="0"/>
+                      </a:endParaRPr>
+                    </a:p>
+                  </a:txBody>
+                  <a:tcPr marL="3795" marR="3795" marT="3795" marB="0" anchor="ctr">
+                    <a:lnL w="6350" cap="flat" cmpd="sng" algn="ctr">
+                      <a:solidFill>
+                        <a:srgbClr val="000000"/>
+                      </a:solidFill>
+                      <a:prstDash val="solid"/>
+                      <a:round/>
+                      <a:headEnd type="none" w="med" len="med"/>
+                      <a:tailEnd type="none" w="med" len="med"/>
+                    </a:lnL>
+                    <a:lnR w="6350" cap="flat" cmpd="sng" algn="ctr">
+                      <a:solidFill>
+                        <a:srgbClr val="000000"/>
+                      </a:solidFill>
+                      <a:prstDash val="solid"/>
+                      <a:round/>
+                      <a:headEnd type="none" w="med" len="med"/>
+                      <a:tailEnd type="none" w="med" len="med"/>
+                    </a:lnR>
+                    <a:lnT w="6350" cap="flat" cmpd="sng" algn="ctr">
+                      <a:solidFill>
+                        <a:srgbClr val="000000"/>
+                      </a:solidFill>
+                      <a:prstDash val="solid"/>
+                      <a:round/>
+                      <a:headEnd type="none" w="med" len="med"/>
+                      <a:tailEnd type="none" w="med" len="med"/>
+                    </a:lnT>
+                    <a:lnB w="6350" cap="flat" cmpd="sng" algn="ctr">
+                      <a:solidFill>
+                        <a:srgbClr val="000000"/>
+                      </a:solidFill>
+                      <a:prstDash val="solid"/>
+                      <a:round/>
+                      <a:headEnd type="none" w="med" len="med"/>
+                      <a:tailEnd type="none" w="med" len="med"/>
+                    </a:lnB>
+                  </a:tcPr>
+                </a:tc>
+                <a:tc>
+                  <a:txBody>
+                    <a:bodyPr/>
+                    <a:lstStyle/>
+                    <a:p>
+                      <a:pPr algn="ctr" fontAlgn="ctr">
+                        <a:spcBef>
+                          <a:spcPts val="0"/>
+                        </a:spcBef>
+                        <a:spcAft>
+                          <a:spcPts val="0"/>
+                        </a:spcAft>
+                      </a:pPr>
+                      <a:r>
+                        <a:rPr lang="en-GB" sz="700" b="0" i="0" u="none" strike="noStrike">
+                          <a:solidFill>
+                            <a:srgbClr val="000000"/>
+                          </a:solidFill>
+                          <a:effectLst/>
+                          <a:latin typeface="Calibri" panose="020F0502020204030204" pitchFamily="34" charset="0"/>
+                        </a:rPr>
+                        <a:t>Asking trainer for assistance when needed, scouring the net / reading through a manual to understand what each function of the coding does. Making use of external learning sites such as Udemy, Youtube even to bridge the gap in knowledge.</a:t>
+                      </a:r>
+                      <a:endParaRPr lang="en-GB" sz="1100" b="0" i="0" u="none" strike="noStrike">
+                        <a:effectLst/>
+                        <a:latin typeface="Arial" panose="020B0604020202020204" pitchFamily="34" charset="0"/>
+                      </a:endParaRPr>
+                    </a:p>
+                  </a:txBody>
+                  <a:tcPr marL="3795" marR="3795" marT="3795" marB="0" anchor="ctr">
+                    <a:lnL w="6350" cap="flat" cmpd="sng" algn="ctr">
+                      <a:solidFill>
+                        <a:srgbClr val="000000"/>
+                      </a:solidFill>
+                      <a:prstDash val="solid"/>
+                      <a:round/>
+                      <a:headEnd type="none" w="med" len="med"/>
+                      <a:tailEnd type="none" w="med" len="med"/>
+                    </a:lnL>
+                    <a:lnR w="6350" cap="flat" cmpd="sng" algn="ctr">
+                      <a:solidFill>
+                        <a:srgbClr val="000000"/>
+                      </a:solidFill>
+                      <a:prstDash val="solid"/>
+                      <a:round/>
+                      <a:headEnd type="none" w="med" len="med"/>
+                      <a:tailEnd type="none" w="med" len="med"/>
+                    </a:lnR>
+                    <a:lnT w="6350" cap="flat" cmpd="sng" algn="ctr">
+                      <a:solidFill>
+                        <a:srgbClr val="000000"/>
+                      </a:solidFill>
+                      <a:prstDash val="solid"/>
+                      <a:round/>
+                      <a:headEnd type="none" w="med" len="med"/>
+                      <a:tailEnd type="none" w="med" len="med"/>
+                    </a:lnT>
+                    <a:lnB w="6350" cap="flat" cmpd="sng" algn="ctr">
+                      <a:solidFill>
+                        <a:srgbClr val="000000"/>
+                      </a:solidFill>
+                      <a:prstDash val="solid"/>
+                      <a:round/>
+                      <a:headEnd type="none" w="med" len="med"/>
+                      <a:tailEnd type="none" w="med" len="med"/>
+                    </a:lnB>
+                  </a:tcPr>
+                </a:tc>
+                <a:tc>
+                  <a:txBody>
+                    <a:bodyPr/>
+                    <a:lstStyle/>
+                    <a:p>
+                      <a:pPr algn="ctr" fontAlgn="ctr">
+                        <a:spcBef>
+                          <a:spcPts val="0"/>
+                        </a:spcBef>
+                        <a:spcAft>
+                          <a:spcPts val="0"/>
+                        </a:spcAft>
+                      </a:pPr>
+                      <a:r>
+                        <a:rPr lang="en-GB" sz="700" b="0" i="0" u="none" strike="noStrike">
+                          <a:solidFill>
+                            <a:srgbClr val="000000"/>
+                          </a:solidFill>
+                          <a:effectLst/>
+                          <a:latin typeface="Calibri" panose="020F0502020204030204" pitchFamily="34" charset="0"/>
+                        </a:rPr>
+                        <a:t>To make oneself a confident developer, ensuring efficiency in one's coding. Having the mindset and ability to problem solve  whether it be finding a way to make this function or resolve that error. </a:t>
+                      </a:r>
+                      <a:endParaRPr lang="en-GB" sz="1100" b="0" i="0" u="none" strike="noStrike">
+                        <a:effectLst/>
+                        <a:latin typeface="Arial" panose="020B0604020202020204" pitchFamily="34" charset="0"/>
+                      </a:endParaRPr>
+                    </a:p>
+                  </a:txBody>
+                  <a:tcPr marL="3795" marR="3795" marT="3795" marB="0" anchor="ctr">
+                    <a:lnL w="6350" cap="flat" cmpd="sng" algn="ctr">
+                      <a:solidFill>
+                        <a:srgbClr val="000000"/>
+                      </a:solidFill>
+                      <a:prstDash val="solid"/>
+                      <a:round/>
+                      <a:headEnd type="none" w="med" len="med"/>
+                      <a:tailEnd type="none" w="med" len="med"/>
+                    </a:lnL>
+                    <a:lnR w="6350" cap="flat" cmpd="sng" algn="ctr">
+                      <a:solidFill>
+                        <a:srgbClr val="000000"/>
+                      </a:solidFill>
+                      <a:prstDash val="solid"/>
+                      <a:round/>
+                      <a:headEnd type="none" w="med" len="med"/>
+                      <a:tailEnd type="none" w="med" len="med"/>
+                    </a:lnR>
+                    <a:lnT w="6350" cap="flat" cmpd="sng" algn="ctr">
+                      <a:solidFill>
+                        <a:srgbClr val="000000"/>
+                      </a:solidFill>
+                      <a:prstDash val="solid"/>
+                      <a:round/>
+                      <a:headEnd type="none" w="med" len="med"/>
+                      <a:tailEnd type="none" w="med" len="med"/>
+                    </a:lnT>
+                    <a:lnB w="6350" cap="flat" cmpd="sng" algn="ctr">
+                      <a:solidFill>
+                        <a:srgbClr val="000000"/>
+                      </a:solidFill>
+                      <a:prstDash val="solid"/>
+                      <a:round/>
+                      <a:headEnd type="none" w="med" len="med"/>
+                      <a:tailEnd type="none" w="med" len="med"/>
+                    </a:lnB>
+                  </a:tcPr>
+                </a:tc>
+                <a:tc>
+                  <a:txBody>
+                    <a:bodyPr/>
+                    <a:lstStyle/>
+                    <a:p>
+                      <a:pPr algn="ctr" fontAlgn="ctr">
+                        <a:spcBef>
+                          <a:spcPts val="0"/>
+                        </a:spcBef>
+                        <a:spcAft>
+                          <a:spcPts val="0"/>
+                        </a:spcAft>
+                      </a:pPr>
+                      <a:r>
+                        <a:rPr lang="en-GB" sz="700" b="0" i="0" u="none" strike="noStrike">
+                          <a:solidFill>
+                            <a:srgbClr val="000000"/>
+                          </a:solidFill>
+                          <a:effectLst/>
+                          <a:latin typeface="Calibri" panose="020F0502020204030204" pitchFamily="34" charset="0"/>
+                        </a:rPr>
+                        <a:t>High</a:t>
+                      </a:r>
+                      <a:endParaRPr lang="en-GB" sz="1100" b="0" i="0" u="none" strike="noStrike">
+                        <a:effectLst/>
+                        <a:latin typeface="Arial" panose="020B0604020202020204" pitchFamily="34" charset="0"/>
+                      </a:endParaRPr>
+                    </a:p>
+                  </a:txBody>
+                  <a:tcPr marL="3795" marR="3795" marT="3795" marB="0" anchor="ctr">
+                    <a:lnL w="6350" cap="flat" cmpd="sng" algn="ctr">
+                      <a:solidFill>
+                        <a:srgbClr val="000000"/>
+                      </a:solidFill>
+                      <a:prstDash val="solid"/>
+                      <a:round/>
+                      <a:headEnd type="none" w="med" len="med"/>
+                      <a:tailEnd type="none" w="med" len="med"/>
+                    </a:lnL>
+                    <a:lnR w="6350" cap="flat" cmpd="sng" algn="ctr">
+                      <a:solidFill>
+                        <a:srgbClr val="000000"/>
+                      </a:solidFill>
+                      <a:prstDash val="solid"/>
+                      <a:round/>
+                      <a:headEnd type="none" w="med" len="med"/>
+                      <a:tailEnd type="none" w="med" len="med"/>
+                    </a:lnR>
+                    <a:lnT w="6350" cap="flat" cmpd="sng" algn="ctr">
+                      <a:solidFill>
+                        <a:srgbClr val="000000"/>
+                      </a:solidFill>
+                      <a:prstDash val="solid"/>
+                      <a:round/>
+                      <a:headEnd type="none" w="med" len="med"/>
+                      <a:tailEnd type="none" w="med" len="med"/>
+                    </a:lnT>
+                    <a:lnB w="6350" cap="flat" cmpd="sng" algn="ctr">
+                      <a:solidFill>
+                        <a:srgbClr val="000000"/>
+                      </a:solidFill>
+                      <a:prstDash val="solid"/>
+                      <a:round/>
+                      <a:headEnd type="none" w="med" len="med"/>
+                      <a:tailEnd type="none" w="med" len="med"/>
+                    </a:lnB>
+                    <a:solidFill>
+                      <a:srgbClr val="FF0000"/>
+                    </a:solidFill>
+                  </a:tcPr>
+                </a:tc>
+                <a:tc>
+                  <a:txBody>
+                    <a:bodyPr/>
+                    <a:lstStyle/>
+                    <a:p>
+                      <a:pPr algn="ctr" fontAlgn="ctr">
+                        <a:spcBef>
+                          <a:spcPts val="0"/>
+                        </a:spcBef>
+                        <a:spcAft>
+                          <a:spcPts val="0"/>
+                        </a:spcAft>
+                      </a:pPr>
+                      <a:r>
+                        <a:rPr lang="en-GB" sz="700" b="0" i="0" u="none" strike="noStrike">
+                          <a:solidFill>
+                            <a:srgbClr val="000000"/>
+                          </a:solidFill>
+                          <a:effectLst/>
+                          <a:latin typeface="Calibri" panose="020F0502020204030204" pitchFamily="34" charset="0"/>
+                        </a:rPr>
+                        <a:t>Low</a:t>
+                      </a:r>
+                      <a:endParaRPr lang="en-GB" sz="1100" b="0" i="0" u="none" strike="noStrike">
+                        <a:effectLst/>
+                        <a:latin typeface="Arial" panose="020B0604020202020204" pitchFamily="34" charset="0"/>
+                      </a:endParaRPr>
+                    </a:p>
+                  </a:txBody>
+                  <a:tcPr marL="3795" marR="3795" marT="3795" marB="0" anchor="ctr">
+                    <a:lnL w="6350" cap="flat" cmpd="sng" algn="ctr">
+                      <a:solidFill>
+                        <a:srgbClr val="000000"/>
+                      </a:solidFill>
+                      <a:prstDash val="solid"/>
+                      <a:round/>
+                      <a:headEnd type="none" w="med" len="med"/>
+                      <a:tailEnd type="none" w="med" len="med"/>
+                    </a:lnL>
+                    <a:lnR w="6350" cap="flat" cmpd="sng" algn="ctr">
+                      <a:solidFill>
+                        <a:srgbClr val="000000"/>
+                      </a:solidFill>
+                      <a:prstDash val="solid"/>
+                      <a:round/>
+                      <a:headEnd type="none" w="med" len="med"/>
+                      <a:tailEnd type="none" w="med" len="med"/>
+                    </a:lnR>
+                    <a:lnT w="6350" cap="flat" cmpd="sng" algn="ctr">
+                      <a:solidFill>
+                        <a:srgbClr val="000000"/>
+                      </a:solidFill>
+                      <a:prstDash val="solid"/>
+                      <a:round/>
+                      <a:headEnd type="none" w="med" len="med"/>
+                      <a:tailEnd type="none" w="med" len="med"/>
+                    </a:lnT>
+                    <a:lnB w="6350" cap="flat" cmpd="sng" algn="ctr">
+                      <a:solidFill>
+                        <a:srgbClr val="000000"/>
+                      </a:solidFill>
+                      <a:prstDash val="solid"/>
+                      <a:round/>
+                      <a:headEnd type="none" w="med" len="med"/>
+                      <a:tailEnd type="none" w="med" len="med"/>
+                    </a:lnB>
+                    <a:solidFill>
+                      <a:srgbClr val="00B050"/>
+                    </a:solidFill>
+                  </a:tcPr>
+                </a:tc>
+                <a:tc>
+                  <a:txBody>
+                    <a:bodyPr/>
+                    <a:lstStyle/>
+                    <a:p>
+                      <a:pPr algn="ctr" fontAlgn="ctr">
+                        <a:spcBef>
+                          <a:spcPts val="0"/>
+                        </a:spcBef>
+                        <a:spcAft>
+                          <a:spcPts val="0"/>
+                        </a:spcAft>
+                      </a:pPr>
+                      <a:r>
+                        <a:rPr lang="en-GB" sz="700" b="0" i="0" u="none" strike="noStrike" dirty="0">
+                          <a:solidFill>
+                            <a:srgbClr val="000000"/>
+                          </a:solidFill>
+                          <a:effectLst/>
+                          <a:latin typeface="Calibri" panose="020F0502020204030204" pitchFamily="34" charset="0"/>
+                        </a:rPr>
+                        <a:t>High</a:t>
+                      </a:r>
+                      <a:endParaRPr lang="en-GB" sz="1100" b="0" i="0" u="none" strike="noStrike" dirty="0">
+                        <a:effectLst/>
+                        <a:latin typeface="Arial" panose="020B0604020202020204" pitchFamily="34" charset="0"/>
+                      </a:endParaRPr>
+                    </a:p>
+                  </a:txBody>
+                  <a:tcPr marL="3795" marR="3795" marT="3795" marB="0" anchor="ctr">
+                    <a:lnL w="6350" cap="flat" cmpd="sng" algn="ctr">
+                      <a:solidFill>
+                        <a:srgbClr val="000000"/>
+                      </a:solidFill>
+                      <a:prstDash val="solid"/>
+                      <a:round/>
+                      <a:headEnd type="none" w="med" len="med"/>
+                      <a:tailEnd type="none" w="med" len="med"/>
+                    </a:lnL>
+                    <a:lnR w="6350" cap="flat" cmpd="sng" algn="ctr">
+                      <a:solidFill>
+                        <a:srgbClr val="000000"/>
+                      </a:solidFill>
+                      <a:prstDash val="solid"/>
+                      <a:round/>
+                      <a:headEnd type="none" w="med" len="med"/>
+                      <a:tailEnd type="none" w="med" len="med"/>
+                    </a:lnR>
+                    <a:lnT w="6350" cap="flat" cmpd="sng" algn="ctr">
+                      <a:solidFill>
+                        <a:srgbClr val="000000"/>
+                      </a:solidFill>
+                      <a:prstDash val="solid"/>
+                      <a:round/>
+                      <a:headEnd type="none" w="med" len="med"/>
+                      <a:tailEnd type="none" w="med" len="med"/>
+                    </a:lnT>
+                    <a:lnB w="6350" cap="flat" cmpd="sng" algn="ctr">
+                      <a:solidFill>
+                        <a:srgbClr val="000000"/>
+                      </a:solidFill>
+                      <a:prstDash val="solid"/>
+                      <a:round/>
+                      <a:headEnd type="none" w="med" len="med"/>
+                      <a:tailEnd type="none" w="med" len="med"/>
+                    </a:lnB>
+                    <a:solidFill>
+                      <a:srgbClr val="FFFF00"/>
+                    </a:solidFill>
+                  </a:tcPr>
+                </a:tc>
+                <a:extLst>
+                  <a:ext uri="{0D108BD9-81ED-4DB2-BD59-A6C34878D82A}">
+                    <a16:rowId xmlns:a16="http://schemas.microsoft.com/office/drawing/2014/main" val="3489057470"/>
+                  </a:ext>
+                </a:extLst>
+              </a:tr>
+            </a:tbl>
+          </a:graphicData>
+        </a:graphic>
+      </p:graphicFrame>
     </p:spTree>
     <p:extLst>
       <p:ext uri="{BB962C8B-B14F-4D97-AF65-F5344CB8AC3E}">
@@ -4693,31 +10382,35 @@
           </a:p>
         </p:txBody>
       </p:sp>
-      <p:sp>
-        <p:nvSpPr>
-          <p:cNvPr id="3" name="Content Placeholder 2">
+      <p:pic>
+        <p:nvPicPr>
+          <p:cNvPr id="5" name="Content Placeholder 4">
             <a:extLst>
               <a:ext uri="{FF2B5EF4-FFF2-40B4-BE49-F238E27FC236}">
-                <a16:creationId xmlns:a16="http://schemas.microsoft.com/office/drawing/2014/main" id="{D89DD579-03A9-B815-103A-A7672B9568EF}"/>
+                <a16:creationId xmlns:a16="http://schemas.microsoft.com/office/drawing/2014/main" id="{FDBC8DD4-2D6F-39E0-F571-56A84E5157E6}"/>
               </a:ext>
             </a:extLst>
           </p:cNvPr>
-          <p:cNvSpPr>
-            <a:spLocks noGrp="1"/>
-          </p:cNvSpPr>
+          <p:cNvPicPr>
+            <a:picLocks noGrp="1" noChangeAspect="1"/>
+          </p:cNvPicPr>
           <p:nvPr>
             <p:ph idx="1"/>
           </p:nvPr>
-        </p:nvSpPr>
-        <p:spPr/>
-        <p:txBody>
-          <a:bodyPr/>
-          <a:lstStyle/>
-          <a:p>
-            <a:endParaRPr lang="en-GB" dirty="0"/>
-          </a:p>
-        </p:txBody>
-      </p:sp>
+        </p:nvPicPr>
+        <p:blipFill>
+          <a:blip r:embed="rId2"/>
+          <a:stretch>
+            <a:fillRect/>
+          </a:stretch>
+        </p:blipFill>
+        <p:spPr>
+          <a:xfrm>
+            <a:off x="6324600" y="1792288"/>
+            <a:ext cx="5363112" cy="4351338"/>
+          </a:xfrm>
+        </p:spPr>
+      </p:pic>
     </p:spTree>
     <p:extLst>
       <p:ext uri="{BB962C8B-B14F-4D97-AF65-F5344CB8AC3E}">
@@ -4734,6 +10427,14 @@
 <file path=ppt/slides/slide5.xml><?xml version="1.0" encoding="utf-8"?>
 <p:sld xmlns:a="http://schemas.openxmlformats.org/drawingml/2006/main" xmlns:r="http://schemas.openxmlformats.org/officeDocument/2006/relationships" xmlns:p="http://schemas.openxmlformats.org/presentationml/2006/main">
   <p:cSld>
+    <p:bg>
+      <p:bgPr>
+        <a:solidFill>
+          <a:schemeClr val="bg1"/>
+        </a:solidFill>
+        <a:effectLst/>
+      </p:bgPr>
+    </p:bg>
     <p:spTree>
       <p:nvGrpSpPr>
         <p:cNvPr id="1" name=""/>
@@ -4750,10 +10451,104 @@
       </p:grpSpPr>
       <p:sp>
         <p:nvSpPr>
+          <p:cNvPr id="10" name="Rectangle 9">
+            <a:extLst>
+              <a:ext uri="{FF2B5EF4-FFF2-40B4-BE49-F238E27FC236}">
+                <a16:creationId xmlns:a16="http://schemas.microsoft.com/office/drawing/2014/main" id="{823AC064-BC96-4F32-8AE1-B2FD38754823}"/>
+              </a:ext>
+              <a:ext uri="{C183D7F6-B498-43B3-948B-1728B52AA6E4}">
+                <adec:decorative xmlns:adec="http://schemas.microsoft.com/office/drawing/2017/decorative" val="1"/>
+              </a:ext>
+            </a:extLst>
+          </p:cNvPr>
+          <p:cNvSpPr>
+            <a:spLocks noGrp="1" noRot="1" noChangeAspect="1" noMove="1" noResize="1" noEditPoints="1" noAdjustHandles="1" noChangeArrowheads="1" noChangeShapeType="1" noTextEdit="1"/>
+          </p:cNvSpPr>
+          <p:nvPr>
+            <p:extLst>
+              <p:ext uri="{386F3935-93C4-4BCD-93E2-E3B085C9AB24}">
+                <p16:designElem xmlns:p16="http://schemas.microsoft.com/office/powerpoint/2015/main" val="1"/>
+              </p:ext>
+            </p:extLst>
+          </p:nvPr>
+        </p:nvSpPr>
+        <p:spPr bwMode="ltGray">
+          <a:xfrm>
+            <a:off x="378068" y="343486"/>
+            <a:ext cx="11438793" cy="1844256"/>
+          </a:xfrm>
+          <a:prstGeom prst="rect">
+            <a:avLst/>
+          </a:prstGeom>
+          <a:solidFill>
+            <a:srgbClr val="404040"/>
+          </a:solidFill>
+          <a:ln w="127000" cap="sq" cmpd="thinThick">
+            <a:solidFill>
+              <a:srgbClr val="404040"/>
+            </a:solidFill>
+          </a:ln>
+        </p:spPr>
+        <p:style>
+          <a:lnRef idx="2">
+            <a:schemeClr val="accent1">
+              <a:shade val="50000"/>
+            </a:schemeClr>
+          </a:lnRef>
+          <a:fillRef idx="1">
+            <a:schemeClr val="accent1"/>
+          </a:fillRef>
+          <a:effectRef idx="0">
+            <a:schemeClr val="accent1"/>
+          </a:effectRef>
+          <a:fontRef idx="minor">
+            <a:schemeClr val="lt1"/>
+          </a:fontRef>
+        </p:style>
+        <p:txBody>
+          <a:bodyPr rtlCol="0" anchor="ctr"/>
+          <a:lstStyle/>
+          <a:p>
+            <a:pPr marL="0" marR="0" lvl="0" indent="0" algn="ctr" defTabSz="914400" rtl="0" eaLnBrk="1" fontAlgn="auto" latinLnBrk="0" hangingPunct="1">
+              <a:lnSpc>
+                <a:spcPct val="100000"/>
+              </a:lnSpc>
+              <a:spcBef>
+                <a:spcPts val="0"/>
+              </a:spcBef>
+              <a:spcAft>
+                <a:spcPts val="0"/>
+              </a:spcAft>
+              <a:buClrTx/>
+              <a:buSzTx/>
+              <a:buFontTx/>
+              <a:buNone/>
+              <a:tabLst/>
+              <a:defRPr/>
+            </a:pPr>
+            <a:endParaRPr kumimoji="0" lang="en-US" sz="1800" b="0" i="0" u="none" strike="noStrike" kern="1200" cap="none" spc="0" normalizeH="0" baseline="0" noProof="0">
+              <a:ln>
+                <a:noFill/>
+              </a:ln>
+              <a:solidFill>
+                <a:prstClr val="white"/>
+              </a:solidFill>
+              <a:effectLst/>
+              <a:uLnTx/>
+              <a:uFillTx/>
+              <a:latin typeface="Calibri" panose="020F0502020204030204"/>
+              <a:ea typeface="+mn-ea"/>
+              <a:cs typeface="+mn-cs"/>
+            </a:endParaRPr>
+          </a:p>
+        </p:txBody>
+      </p:sp>
+      <p:sp>
+        <p:nvSpPr>
           <p:cNvPr id="2" name="Title 1">
             <a:extLst>
               <a:ext uri="{FF2B5EF4-FFF2-40B4-BE49-F238E27FC236}">
-                <a16:creationId xmlns:a16="http://schemas.microsoft.com/office/drawing/2014/main" id="{17C998D7-08E8-8344-AF5A-67EADDEF2442}"/>
+                <a16:creationId xmlns:a16="http://schemas.microsoft.com/office/drawing/2014/main" id="{B757C77D-E122-0AEC-135B-410A17D162D5}"/>
               </a:ext>
             </a:extLst>
           </p:cNvPr>
@@ -4764,47 +10559,204 @@
             <p:ph type="title"/>
           </p:nvPr>
         </p:nvSpPr>
-        <p:spPr/>
+        <p:spPr>
+          <a:xfrm>
+            <a:off x="526073" y="477622"/>
+            <a:ext cx="11139854" cy="930447"/>
+          </a:xfrm>
+        </p:spPr>
         <p:txBody>
-          <a:bodyPr/>
+          <a:bodyPr vert="horz" lIns="91440" tIns="45720" rIns="91440" bIns="45720" rtlCol="0" anchor="b">
+            <a:normAutofit/>
+          </a:bodyPr>
           <a:lstStyle/>
           <a:p>
+            <a:pPr algn="ctr"/>
             <a:r>
-              <a:rPr lang="en-GB" dirty="0"/>
-              <a:t>Unified Modelling Language (UML)</a:t>
+              <a:rPr lang="en-US" sz="3400" kern="1200" dirty="0">
+                <a:solidFill>
+                  <a:srgbClr val="FFFFFF"/>
+                </a:solidFill>
+                <a:latin typeface="+mj-lt"/>
+                <a:ea typeface="+mj-ea"/>
+                <a:cs typeface="+mj-cs"/>
+              </a:rPr>
+              <a:t>Jira Board – Epics/User Stories</a:t>
             </a:r>
           </a:p>
         </p:txBody>
       </p:sp>
-      <p:sp>
-        <p:nvSpPr>
-          <p:cNvPr id="3" name="Content Placeholder 2">
+      <p:cxnSp>
+        <p:nvCxnSpPr>
+          <p:cNvPr id="12" name="Straight Connector 11">
             <a:extLst>
               <a:ext uri="{FF2B5EF4-FFF2-40B4-BE49-F238E27FC236}">
-                <a16:creationId xmlns:a16="http://schemas.microsoft.com/office/drawing/2014/main" id="{92017D6B-7E42-9943-6FAF-70F280D79A32}"/>
+                <a16:creationId xmlns:a16="http://schemas.microsoft.com/office/drawing/2014/main" id="{7E7C77BC-7138-40B1-A15B-20F57A494629}"/>
+              </a:ext>
+              <a:ext uri="{C183D7F6-B498-43B3-948B-1728B52AA6E4}">
+                <adec:decorative xmlns:adec="http://schemas.microsoft.com/office/drawing/2017/decorative" val="1"/>
               </a:ext>
             </a:extLst>
           </p:cNvPr>
-          <p:cNvSpPr>
-            <a:spLocks noGrp="1"/>
-          </p:cNvSpPr>
+          <p:cNvCxnSpPr>
+            <a:cxnSpLocks noGrp="1" noRot="1" noChangeAspect="1" noMove="1" noResize="1" noEditPoints="1" noAdjustHandles="1" noChangeArrowheads="1" noChangeShapeType="1"/>
+          </p:cNvCxnSpPr>
+          <p:nvPr>
+            <p:extLst>
+              <p:ext uri="{386F3935-93C4-4BCD-93E2-E3B085C9AB24}">
+                <p16:designElem xmlns:p16="http://schemas.microsoft.com/office/powerpoint/2015/main" val="1"/>
+              </p:ext>
+            </p:extLst>
+          </p:nvPr>
+        </p:nvCxnSpPr>
+        <p:spPr>
+          <a:xfrm>
+            <a:off x="2209800" y="1448631"/>
+            <a:ext cx="7772400" cy="0"/>
+          </a:xfrm>
+          <a:prstGeom prst="line">
+            <a:avLst/>
+          </a:prstGeom>
+          <a:ln w="22225">
+            <a:solidFill>
+              <a:srgbClr val="D9D9D9"/>
+            </a:solidFill>
+          </a:ln>
+        </p:spPr>
+        <p:style>
+          <a:lnRef idx="1">
+            <a:schemeClr val="accent1"/>
+          </a:lnRef>
+          <a:fillRef idx="0">
+            <a:schemeClr val="accent1"/>
+          </a:fillRef>
+          <a:effectRef idx="0">
+            <a:schemeClr val="accent1"/>
+          </a:effectRef>
+          <a:fontRef idx="minor">
+            <a:schemeClr val="tx1"/>
+          </a:fontRef>
+        </p:style>
+      </p:cxnSp>
+      <p:pic>
+        <p:nvPicPr>
+          <p:cNvPr id="9" name="Content Placeholder 4" descr="A screenshot of a computer&#10;&#10;Description automatically generated">
+            <a:extLst>
+              <a:ext uri="{FF2B5EF4-FFF2-40B4-BE49-F238E27FC236}">
+                <a16:creationId xmlns:a16="http://schemas.microsoft.com/office/drawing/2014/main" id="{698B7BFA-4F86-C762-DFBE-48E5D4D2C79C}"/>
+              </a:ext>
+            </a:extLst>
+          </p:cNvPr>
+          <p:cNvPicPr>
+            <a:picLocks noGrp="1" noChangeAspect="1"/>
+          </p:cNvPicPr>
           <p:nvPr>
             <p:ph idx="1"/>
           </p:nvPr>
-        </p:nvSpPr>
-        <p:spPr/>
-        <p:txBody>
-          <a:bodyPr/>
-          <a:lstStyle/>
-          <a:p>
-            <a:endParaRPr lang="en-GB"/>
-          </a:p>
-        </p:txBody>
-      </p:sp>
+        </p:nvPicPr>
+        <p:blipFill rotWithShape="1">
+          <a:blip r:embed="rId2"/>
+          <a:srcRect l="1478" t="2850" r="1685" b="8254"/>
+          <a:stretch/>
+        </p:blipFill>
+        <p:spPr>
+          <a:xfrm>
+            <a:off x="3621025" y="2321878"/>
+            <a:ext cx="8192908" cy="3423740"/>
+          </a:xfrm>
+          <a:prstGeom prst="rect">
+            <a:avLst/>
+          </a:prstGeom>
+        </p:spPr>
+      </p:pic>
+      <p:graphicFrame>
+        <p:nvGraphicFramePr>
+          <p:cNvPr id="18" name="Object 17">
+            <a:extLst>
+              <a:ext uri="{FF2B5EF4-FFF2-40B4-BE49-F238E27FC236}">
+                <a16:creationId xmlns:a16="http://schemas.microsoft.com/office/drawing/2014/main" id="{62E32B08-145C-5860-57A0-FEC837ED9A49}"/>
+              </a:ext>
+            </a:extLst>
+          </p:cNvPr>
+          <p:cNvGraphicFramePr>
+            <a:graphicFrameLocks/>
+          </p:cNvGraphicFramePr>
+          <p:nvPr>
+            <p:extLst>
+              <p:ext uri="{D42A27DB-BD31-4B8C-83A1-F6EECF244321}">
+                <p14:modId xmlns:p14="http://schemas.microsoft.com/office/powerpoint/2010/main" val="3770777291"/>
+              </p:ext>
+            </p:extLst>
+          </p:nvPr>
+        </p:nvGraphicFramePr>
+        <p:xfrm>
+          <a:off x="378068" y="2619101"/>
+          <a:ext cx="2952881" cy="2771736"/>
+        </p:xfrm>
+        <a:graphic>
+          <a:graphicData uri="http://schemas.openxmlformats.org/presentationml/2006/ole">
+            <mc:AlternateContent xmlns:mc="http://schemas.openxmlformats.org/markup-compatibility/2006">
+              <mc:Choice xmlns:v="urn:schemas-microsoft-com:vml" Requires="v">
+                <p:oleObj name="Picture" r:id="rId3" imgW="0" imgH="0" progId="StaticMetafile">
+                  <p:embed/>
+                </p:oleObj>
+              </mc:Choice>
+              <mc:Fallback>
+                <p:oleObj name="Picture" r:id="rId3" imgW="0" imgH="0" progId="StaticMetafile">
+                  <p:embed/>
+                  <p:pic>
+                    <p:nvPicPr>
+                      <p:cNvPr id="5" name="Object 4">
+                        <a:extLst>
+                          <a:ext uri="{FF2B5EF4-FFF2-40B4-BE49-F238E27FC236}">
+                            <a16:creationId xmlns:a16="http://schemas.microsoft.com/office/drawing/2014/main" id="{E2FBB555-31FC-ED8B-CF86-C768546899EA}"/>
+                          </a:ext>
+                        </a:extLst>
+                      </p:cNvPr>
+                      <p:cNvPicPr>
+                        <a:picLocks noChangeArrowheads="1"/>
+                      </p:cNvPicPr>
+                      <p:nvPr/>
+                    </p:nvPicPr>
+                    <p:blipFill>
+                      <a:blip r:embed="rId4">
+                        <a:extLst>
+                          <a:ext uri="{28A0092B-C50C-407E-A947-70E740481C1C}">
+                            <a14:useLocalDpi xmlns:a14="http://schemas.microsoft.com/office/drawing/2010/main" val="0"/>
+                          </a:ext>
+                        </a:extLst>
+                      </a:blip>
+                      <a:srcRect/>
+                      <a:stretch>
+                        <a:fillRect/>
+                      </a:stretch>
+                    </p:blipFill>
+                    <p:spPr bwMode="auto">
+                      <a:xfrm>
+                        <a:off x="378068" y="2619101"/>
+                        <a:ext cx="2952881" cy="2771736"/>
+                      </a:xfrm>
+                      <a:prstGeom prst="rect">
+                        <a:avLst/>
+                      </a:prstGeom>
+                      <a:solidFill>
+                        <a:srgbClr val="FFFFFF"/>
+                      </a:solidFill>
+                      <a:ln>
+                        <a:noFill/>
+                      </a:ln>
+                    </p:spPr>
+                  </p:pic>
+                </p:oleObj>
+              </mc:Fallback>
+            </mc:AlternateContent>
+          </a:graphicData>
+        </a:graphic>
+      </p:graphicFrame>
     </p:spTree>
     <p:extLst>
       <p:ext uri="{BB962C8B-B14F-4D97-AF65-F5344CB8AC3E}">
-        <p14:creationId xmlns:p14="http://schemas.microsoft.com/office/powerpoint/2010/main" val="4282421361"/>
+        <p14:creationId xmlns:p14="http://schemas.microsoft.com/office/powerpoint/2010/main" val="2924050927"/>
       </p:ext>
     </p:extLst>
   </p:cSld>
@@ -4815,6 +10767,186 @@
 </file>
 
 <file path=ppt/slides/slide6.xml><?xml version="1.0" encoding="utf-8"?>
+<p:sld xmlns:a="http://schemas.openxmlformats.org/drawingml/2006/main" xmlns:r="http://schemas.openxmlformats.org/officeDocument/2006/relationships" xmlns:p="http://schemas.openxmlformats.org/presentationml/2006/main">
+  <p:cSld>
+    <p:bg>
+      <p:bgPr>
+        <a:solidFill>
+          <a:schemeClr val="bg1"/>
+        </a:solidFill>
+        <a:effectLst/>
+      </p:bgPr>
+    </p:bg>
+    <p:spTree>
+      <p:nvGrpSpPr>
+        <p:cNvPr id="1" name=""/>
+        <p:cNvGrpSpPr/>
+        <p:nvPr/>
+      </p:nvGrpSpPr>
+      <p:grpSpPr>
+        <a:xfrm>
+          <a:off x="0" y="0"/>
+          <a:ext cx="0" cy="0"/>
+          <a:chOff x="0" y="0"/>
+          <a:chExt cx="0" cy="0"/>
+        </a:xfrm>
+      </p:grpSpPr>
+      <p:sp>
+        <p:nvSpPr>
+          <p:cNvPr id="21" name="Down Arrow 7">
+            <a:extLst>
+              <a:ext uri="{FF2B5EF4-FFF2-40B4-BE49-F238E27FC236}">
+                <a16:creationId xmlns:a16="http://schemas.microsoft.com/office/drawing/2014/main" id="{D4771268-CB57-404A-9271-370EB28F6090}"/>
+              </a:ext>
+              <a:ext uri="{C183D7F6-B498-43B3-948B-1728B52AA6E4}">
+                <adec:decorative xmlns:adec="http://schemas.microsoft.com/office/drawing/2017/decorative" val="1"/>
+              </a:ext>
+            </a:extLst>
+          </p:cNvPr>
+          <p:cNvSpPr>
+            <a:spLocks noGrp="1" noRot="1" noChangeAspect="1" noMove="1" noResize="1" noEditPoints="1" noAdjustHandles="1" noChangeArrowheads="1" noChangeShapeType="1" noTextEdit="1"/>
+          </p:cNvSpPr>
+          <p:nvPr>
+            <p:extLst>
+              <p:ext uri="{386F3935-93C4-4BCD-93E2-E3B085C9AB24}">
+                <p16:designElem xmlns:p16="http://schemas.microsoft.com/office/powerpoint/2015/main" val="1"/>
+              </p:ext>
+            </p:extLst>
+          </p:nvPr>
+        </p:nvSpPr>
+        <p:spPr>
+          <a:xfrm rot="16200000">
+            <a:off x="800100" y="1491343"/>
+            <a:ext cx="3333749" cy="3499103"/>
+          </a:xfrm>
+          <a:prstGeom prst="downArrow">
+            <a:avLst>
+              <a:gd name="adj1" fmla="val 100000"/>
+              <a:gd name="adj2" fmla="val 15788"/>
+            </a:avLst>
+          </a:prstGeom>
+          <a:solidFill>
+            <a:srgbClr val="404040"/>
+          </a:solidFill>
+          <a:ln w="53975">
+            <a:noFill/>
+          </a:ln>
+        </p:spPr>
+        <p:style>
+          <a:lnRef idx="2">
+            <a:schemeClr val="accent1">
+              <a:shade val="50000"/>
+            </a:schemeClr>
+          </a:lnRef>
+          <a:fillRef idx="1">
+            <a:schemeClr val="accent1"/>
+          </a:fillRef>
+          <a:effectRef idx="0">
+            <a:schemeClr val="accent1"/>
+          </a:effectRef>
+          <a:fontRef idx="minor">
+            <a:schemeClr val="lt1"/>
+          </a:fontRef>
+        </p:style>
+        <p:txBody>
+          <a:bodyPr rtlCol="0" anchor="ctr"/>
+          <a:lstStyle/>
+          <a:p>
+            <a:pPr algn="ctr"/>
+            <a:endParaRPr lang="en-US"/>
+          </a:p>
+        </p:txBody>
+      </p:sp>
+      <p:sp>
+        <p:nvSpPr>
+          <p:cNvPr id="9" name="Title 1">
+            <a:extLst>
+              <a:ext uri="{FF2B5EF4-FFF2-40B4-BE49-F238E27FC236}">
+                <a16:creationId xmlns:a16="http://schemas.microsoft.com/office/drawing/2014/main" id="{977FD144-BD2A-1B75-BB75-B9FA102E66C3}"/>
+              </a:ext>
+            </a:extLst>
+          </p:cNvPr>
+          <p:cNvSpPr>
+            <a:spLocks noGrp="1"/>
+          </p:cNvSpPr>
+          <p:nvPr>
+            <p:ph type="title"/>
+          </p:nvPr>
+        </p:nvSpPr>
+        <p:spPr>
+          <a:xfrm>
+            <a:off x="1028700" y="1967266"/>
+            <a:ext cx="2628900" cy="2547257"/>
+          </a:xfrm>
+          <a:noFill/>
+        </p:spPr>
+        <p:txBody>
+          <a:bodyPr vert="horz" lIns="91440" tIns="45720" rIns="91440" bIns="45720" rtlCol="0" anchor="ctr">
+            <a:normAutofit/>
+          </a:bodyPr>
+          <a:lstStyle/>
+          <a:p>
+            <a:pPr algn="ctr"/>
+            <a:r>
+              <a:rPr lang="en-US" sz="3600" kern="1200">
+                <a:solidFill>
+                  <a:srgbClr val="FFFFFF"/>
+                </a:solidFill>
+                <a:latin typeface="+mj-lt"/>
+                <a:ea typeface="+mj-ea"/>
+                <a:cs typeface="+mj-cs"/>
+              </a:rPr>
+              <a:t>Jira Board – User Stories and Tasks</a:t>
+            </a:r>
+          </a:p>
+        </p:txBody>
+      </p:sp>
+      <p:pic>
+        <p:nvPicPr>
+          <p:cNvPr id="5" name="Content Placeholder 4">
+            <a:extLst>
+              <a:ext uri="{FF2B5EF4-FFF2-40B4-BE49-F238E27FC236}">
+                <a16:creationId xmlns:a16="http://schemas.microsoft.com/office/drawing/2014/main" id="{A6474410-544C-D436-7B5E-3C952C084D24}"/>
+              </a:ext>
+            </a:extLst>
+          </p:cNvPr>
+          <p:cNvPicPr>
+            <a:picLocks noGrp="1" noChangeAspect="1"/>
+          </p:cNvPicPr>
+          <p:nvPr>
+            <p:ph idx="1"/>
+          </p:nvPr>
+        </p:nvPicPr>
+        <p:blipFill>
+          <a:blip r:embed="rId2"/>
+          <a:stretch>
+            <a:fillRect/>
+          </a:stretch>
+        </p:blipFill>
+        <p:spPr>
+          <a:xfrm>
+            <a:off x="4245143" y="669664"/>
+            <a:ext cx="7946857" cy="5264791"/>
+          </a:xfrm>
+          <a:prstGeom prst="rect">
+            <a:avLst/>
+          </a:prstGeom>
+        </p:spPr>
+      </p:pic>
+    </p:spTree>
+    <p:extLst>
+      <p:ext uri="{BB962C8B-B14F-4D97-AF65-F5344CB8AC3E}">
+        <p14:creationId xmlns:p14="http://schemas.microsoft.com/office/powerpoint/2010/main" val="2262616446"/>
+      </p:ext>
+    </p:extLst>
+  </p:cSld>
+  <p:clrMapOvr>
+    <a:masterClrMapping/>
+  </p:clrMapOvr>
+</p:sld>
+</file>
+
+<file path=ppt/slides/slide7.xml><?xml version="1.0" encoding="utf-8"?>
 <p:sld xmlns:a="http://schemas.openxmlformats.org/drawingml/2006/main" xmlns:r="http://schemas.openxmlformats.org/officeDocument/2006/relationships" xmlns:p="http://schemas.openxmlformats.org/presentationml/2006/main">
   <p:cSld>
     <p:bg>
@@ -5330,7 +11462,7 @@
         </p:nvSpPr>
         <p:spPr>
           <a:xfrm>
-            <a:off x="660041" y="2767106"/>
+            <a:off x="724049" y="1059616"/>
             <a:ext cx="2880828" cy="3071906"/>
           </a:xfrm>
         </p:spPr>
@@ -5341,7 +11473,7 @@
           <a:lstStyle/>
           <a:p>
             <a:r>
-              <a:rPr lang="en-US" sz="4000" kern="1200">
+              <a:rPr lang="en-US" sz="4000" kern="1200" dirty="0">
                 <a:solidFill>
                   <a:srgbClr val="FFFFFF"/>
                 </a:solidFill>
@@ -5378,7 +11510,7 @@
         </p:blipFill>
         <p:spPr>
           <a:xfrm>
-            <a:off x="4164057" y="680194"/>
+            <a:off x="4164057" y="149842"/>
             <a:ext cx="7768210" cy="5515429"/>
           </a:xfrm>
           <a:prstGeom prst="rect">
@@ -5386,269 +11518,94 @@
           </a:prstGeom>
         </p:spPr>
       </p:pic>
+      <p:graphicFrame>
+        <p:nvGraphicFramePr>
+          <p:cNvPr id="9" name="Object 8">
+            <a:extLst>
+              <a:ext uri="{FF2B5EF4-FFF2-40B4-BE49-F238E27FC236}">
+                <a16:creationId xmlns:a16="http://schemas.microsoft.com/office/drawing/2014/main" id="{1C5921F3-3106-F13A-E629-2F287E66C9E8}"/>
+              </a:ext>
+            </a:extLst>
+          </p:cNvPr>
+          <p:cNvGraphicFramePr>
+            <a:graphicFrameLocks/>
+          </p:cNvGraphicFramePr>
+          <p:nvPr>
+            <p:extLst>
+              <p:ext uri="{D42A27DB-BD31-4B8C-83A1-F6EECF244321}">
+                <p14:modId xmlns:p14="http://schemas.microsoft.com/office/powerpoint/2010/main" val="835884924"/>
+              </p:ext>
+            </p:extLst>
+          </p:nvPr>
+        </p:nvGraphicFramePr>
+        <p:xfrm>
+          <a:off x="65611" y="2595569"/>
+          <a:ext cx="3907382" cy="1886674"/>
+        </p:xfrm>
+        <a:graphic>
+          <a:graphicData uri="http://schemas.openxmlformats.org/presentationml/2006/ole">
+            <mc:AlternateContent xmlns:mc="http://schemas.openxmlformats.org/markup-compatibility/2006">
+              <mc:Choice xmlns:v="urn:schemas-microsoft-com:vml" Requires="v">
+                <p:oleObj name="Picture" r:id="rId3" imgW="0" imgH="0" progId="StaticMetafile">
+                  <p:embed/>
+                </p:oleObj>
+              </mc:Choice>
+              <mc:Fallback>
+                <p:oleObj name="Picture" r:id="rId3" imgW="0" imgH="0" progId="StaticMetafile">
+                  <p:embed/>
+                  <p:pic>
+                    <p:nvPicPr>
+                      <p:cNvPr id="7" name="Object 6">
+                        <a:extLst>
+                          <a:ext uri="{FF2B5EF4-FFF2-40B4-BE49-F238E27FC236}">
+                            <a16:creationId xmlns:a16="http://schemas.microsoft.com/office/drawing/2014/main" id="{C16D0045-DDA6-3AD8-B7E0-8E0089A31661}"/>
+                          </a:ext>
+                        </a:extLst>
+                      </p:cNvPr>
+                      <p:cNvPicPr>
+                        <a:picLocks noChangeArrowheads="1"/>
+                      </p:cNvPicPr>
+                      <p:nvPr/>
+                    </p:nvPicPr>
+                    <p:blipFill>
+                      <a:blip r:embed="rId4">
+                        <a:extLst>
+                          <a:ext uri="{28A0092B-C50C-407E-A947-70E740481C1C}">
+                            <a14:useLocalDpi xmlns:a14="http://schemas.microsoft.com/office/drawing/2010/main" val="0"/>
+                          </a:ext>
+                        </a:extLst>
+                      </a:blip>
+                      <a:srcRect/>
+                      <a:stretch>
+                        <a:fillRect/>
+                      </a:stretch>
+                    </p:blipFill>
+                    <p:spPr bwMode="auto">
+                      <a:xfrm>
+                        <a:off x="65611" y="2595569"/>
+                        <a:ext cx="3907382" cy="1886674"/>
+                      </a:xfrm>
+                      <a:prstGeom prst="rect">
+                        <a:avLst/>
+                      </a:prstGeom>
+                      <a:solidFill>
+                        <a:srgbClr val="FFFFFF"/>
+                      </a:solidFill>
+                      <a:ln>
+                        <a:noFill/>
+                      </a:ln>
+                    </p:spPr>
+                  </p:pic>
+                </p:oleObj>
+              </mc:Fallback>
+            </mc:AlternateContent>
+          </a:graphicData>
+        </a:graphic>
+      </p:graphicFrame>
     </p:spTree>
     <p:extLst>
       <p:ext uri="{BB962C8B-B14F-4D97-AF65-F5344CB8AC3E}">
         <p14:creationId xmlns:p14="http://schemas.microsoft.com/office/powerpoint/2010/main" val="1233818207"/>
-      </p:ext>
-    </p:extLst>
-  </p:cSld>
-  <p:clrMapOvr>
-    <a:masterClrMapping/>
-  </p:clrMapOvr>
-</p:sld>
-</file>
-
-<file path=ppt/slides/slide7.xml><?xml version="1.0" encoding="utf-8"?>
-<p:sld xmlns:a="http://schemas.openxmlformats.org/drawingml/2006/main" xmlns:r="http://schemas.openxmlformats.org/officeDocument/2006/relationships" xmlns:p="http://schemas.openxmlformats.org/presentationml/2006/main">
-  <p:cSld>
-    <p:bg>
-      <p:bgPr>
-        <a:solidFill>
-          <a:schemeClr val="bg1"/>
-        </a:solidFill>
-        <a:effectLst/>
-      </p:bgPr>
-    </p:bg>
-    <p:spTree>
-      <p:nvGrpSpPr>
-        <p:cNvPr id="1" name=""/>
-        <p:cNvGrpSpPr/>
-        <p:nvPr/>
-      </p:nvGrpSpPr>
-      <p:grpSpPr>
-        <a:xfrm>
-          <a:off x="0" y="0"/>
-          <a:ext cx="0" cy="0"/>
-          <a:chOff x="0" y="0"/>
-          <a:chExt cx="0" cy="0"/>
-        </a:xfrm>
-      </p:grpSpPr>
-      <p:sp>
-        <p:nvSpPr>
-          <p:cNvPr id="10" name="Rectangle 9">
-            <a:extLst>
-              <a:ext uri="{FF2B5EF4-FFF2-40B4-BE49-F238E27FC236}">
-                <a16:creationId xmlns:a16="http://schemas.microsoft.com/office/drawing/2014/main" id="{823AC064-BC96-4F32-8AE1-B2FD38754823}"/>
-              </a:ext>
-              <a:ext uri="{C183D7F6-B498-43B3-948B-1728B52AA6E4}">
-                <adec:decorative xmlns:adec="http://schemas.microsoft.com/office/drawing/2017/decorative" val="1"/>
-              </a:ext>
-            </a:extLst>
-          </p:cNvPr>
-          <p:cNvSpPr>
-            <a:spLocks noGrp="1" noRot="1" noChangeAspect="1" noMove="1" noResize="1" noEditPoints="1" noAdjustHandles="1" noChangeArrowheads="1" noChangeShapeType="1" noTextEdit="1"/>
-          </p:cNvSpPr>
-          <p:nvPr>
-            <p:extLst>
-              <p:ext uri="{386F3935-93C4-4BCD-93E2-E3B085C9AB24}">
-                <p16:designElem xmlns:p16="http://schemas.microsoft.com/office/powerpoint/2015/main" val="1"/>
-              </p:ext>
-            </p:extLst>
-          </p:nvPr>
-        </p:nvSpPr>
-        <p:spPr bwMode="ltGray">
-          <a:xfrm>
-            <a:off x="378068" y="343486"/>
-            <a:ext cx="11438793" cy="1844256"/>
-          </a:xfrm>
-          <a:prstGeom prst="rect">
-            <a:avLst/>
-          </a:prstGeom>
-          <a:solidFill>
-            <a:srgbClr val="404040"/>
-          </a:solidFill>
-          <a:ln w="127000" cap="sq" cmpd="thinThick">
-            <a:solidFill>
-              <a:srgbClr val="404040"/>
-            </a:solidFill>
-          </a:ln>
-        </p:spPr>
-        <p:style>
-          <a:lnRef idx="2">
-            <a:schemeClr val="accent1">
-              <a:shade val="50000"/>
-            </a:schemeClr>
-          </a:lnRef>
-          <a:fillRef idx="1">
-            <a:schemeClr val="accent1"/>
-          </a:fillRef>
-          <a:effectRef idx="0">
-            <a:schemeClr val="accent1"/>
-          </a:effectRef>
-          <a:fontRef idx="minor">
-            <a:schemeClr val="lt1"/>
-          </a:fontRef>
-        </p:style>
-        <p:txBody>
-          <a:bodyPr rtlCol="0" anchor="ctr"/>
-          <a:lstStyle/>
-          <a:p>
-            <a:pPr marL="0" marR="0" lvl="0" indent="0" algn="ctr" defTabSz="914400" rtl="0" eaLnBrk="1" fontAlgn="auto" latinLnBrk="0" hangingPunct="1">
-              <a:lnSpc>
-                <a:spcPct val="100000"/>
-              </a:lnSpc>
-              <a:spcBef>
-                <a:spcPts val="0"/>
-              </a:spcBef>
-              <a:spcAft>
-                <a:spcPts val="0"/>
-              </a:spcAft>
-              <a:buClrTx/>
-              <a:buSzTx/>
-              <a:buFontTx/>
-              <a:buNone/>
-              <a:tabLst/>
-              <a:defRPr/>
-            </a:pPr>
-            <a:endParaRPr kumimoji="0" lang="en-US" sz="1800" b="0" i="0" u="none" strike="noStrike" kern="1200" cap="none" spc="0" normalizeH="0" baseline="0" noProof="0">
-              <a:ln>
-                <a:noFill/>
-              </a:ln>
-              <a:solidFill>
-                <a:prstClr val="white"/>
-              </a:solidFill>
-              <a:effectLst/>
-              <a:uLnTx/>
-              <a:uFillTx/>
-              <a:latin typeface="Calibri" panose="020F0502020204030204"/>
-              <a:ea typeface="+mn-ea"/>
-              <a:cs typeface="+mn-cs"/>
-            </a:endParaRPr>
-          </a:p>
-        </p:txBody>
-      </p:sp>
-      <p:sp>
-        <p:nvSpPr>
-          <p:cNvPr id="2" name="Title 1">
-            <a:extLst>
-              <a:ext uri="{FF2B5EF4-FFF2-40B4-BE49-F238E27FC236}">
-                <a16:creationId xmlns:a16="http://schemas.microsoft.com/office/drawing/2014/main" id="{B757C77D-E122-0AEC-135B-410A17D162D5}"/>
-              </a:ext>
-            </a:extLst>
-          </p:cNvPr>
-          <p:cNvSpPr>
-            <a:spLocks noGrp="1"/>
-          </p:cNvSpPr>
-          <p:nvPr>
-            <p:ph type="title"/>
-          </p:nvPr>
-        </p:nvSpPr>
-        <p:spPr>
-          <a:xfrm>
-            <a:off x="526073" y="466578"/>
-            <a:ext cx="11139854" cy="930447"/>
-          </a:xfrm>
-        </p:spPr>
-        <p:txBody>
-          <a:bodyPr vert="horz" lIns="91440" tIns="45720" rIns="91440" bIns="45720" rtlCol="0" anchor="b">
-            <a:normAutofit/>
-          </a:bodyPr>
-          <a:lstStyle/>
-          <a:p>
-            <a:pPr algn="ctr"/>
-            <a:r>
-              <a:rPr lang="en-US" sz="3400" kern="1200">
-                <a:solidFill>
-                  <a:srgbClr val="FFFFFF"/>
-                </a:solidFill>
-                <a:latin typeface="+mj-lt"/>
-                <a:ea typeface="+mj-ea"/>
-                <a:cs typeface="+mj-cs"/>
-              </a:rPr>
-              <a:t>Jira Board – Epics/User Stories/Acceptance Criteria/Tasks</a:t>
-            </a:r>
-          </a:p>
-        </p:txBody>
-      </p:sp>
-      <p:cxnSp>
-        <p:nvCxnSpPr>
-          <p:cNvPr id="12" name="Straight Connector 11">
-            <a:extLst>
-              <a:ext uri="{FF2B5EF4-FFF2-40B4-BE49-F238E27FC236}">
-                <a16:creationId xmlns:a16="http://schemas.microsoft.com/office/drawing/2014/main" id="{7E7C77BC-7138-40B1-A15B-20F57A494629}"/>
-              </a:ext>
-              <a:ext uri="{C183D7F6-B498-43B3-948B-1728B52AA6E4}">
-                <adec:decorative xmlns:adec="http://schemas.microsoft.com/office/drawing/2017/decorative" val="1"/>
-              </a:ext>
-            </a:extLst>
-          </p:cNvPr>
-          <p:cNvCxnSpPr>
-            <a:cxnSpLocks noGrp="1" noRot="1" noChangeAspect="1" noMove="1" noResize="1" noEditPoints="1" noAdjustHandles="1" noChangeArrowheads="1" noChangeShapeType="1"/>
-          </p:cNvCxnSpPr>
-          <p:nvPr>
-            <p:extLst>
-              <p:ext uri="{386F3935-93C4-4BCD-93E2-E3B085C9AB24}">
-                <p16:designElem xmlns:p16="http://schemas.microsoft.com/office/powerpoint/2015/main" val="1"/>
-              </p:ext>
-            </p:extLst>
-          </p:nvPr>
-        </p:nvCxnSpPr>
-        <p:spPr>
-          <a:xfrm>
-            <a:off x="2209800" y="1448631"/>
-            <a:ext cx="7772400" cy="0"/>
-          </a:xfrm>
-          <a:prstGeom prst="line">
-            <a:avLst/>
-          </a:prstGeom>
-          <a:ln w="22225">
-            <a:solidFill>
-              <a:srgbClr val="D9D9D9"/>
-            </a:solidFill>
-          </a:ln>
-        </p:spPr>
-        <p:style>
-          <a:lnRef idx="1">
-            <a:schemeClr val="accent1"/>
-          </a:lnRef>
-          <a:fillRef idx="0">
-            <a:schemeClr val="accent1"/>
-          </a:fillRef>
-          <a:effectRef idx="0">
-            <a:schemeClr val="accent1"/>
-          </a:effectRef>
-          <a:fontRef idx="minor">
-            <a:schemeClr val="tx1"/>
-          </a:fontRef>
-        </p:style>
-      </p:cxnSp>
-      <p:pic>
-        <p:nvPicPr>
-          <p:cNvPr id="5" name="Content Placeholder 4" descr="A screenshot of a computer&#10;&#10;Description automatically generated">
-            <a:extLst>
-              <a:ext uri="{FF2B5EF4-FFF2-40B4-BE49-F238E27FC236}">
-                <a16:creationId xmlns:a16="http://schemas.microsoft.com/office/drawing/2014/main" id="{3D6BCA51-A17C-0D78-D38B-7E683CDDD7AE}"/>
-              </a:ext>
-            </a:extLst>
-          </p:cNvPr>
-          <p:cNvPicPr>
-            <a:picLocks noGrp="1" noChangeAspect="1"/>
-          </p:cNvPicPr>
-          <p:nvPr>
-            <p:ph idx="1"/>
-          </p:nvPr>
-        </p:nvPicPr>
-        <p:blipFill>
-          <a:blip r:embed="rId2"/>
-          <a:stretch>
-            <a:fillRect/>
-          </a:stretch>
-        </p:blipFill>
-        <p:spPr>
-          <a:xfrm>
-            <a:off x="1675443" y="2509911"/>
-            <a:ext cx="8786015" cy="3997637"/>
-          </a:xfrm>
-          <a:prstGeom prst="rect">
-            <a:avLst/>
-          </a:prstGeom>
-        </p:spPr>
-      </p:pic>
-    </p:spTree>
-    <p:extLst>
-      <p:ext uri="{BB962C8B-B14F-4D97-AF65-F5344CB8AC3E}">
-        <p14:creationId xmlns:p14="http://schemas.microsoft.com/office/powerpoint/2010/main" val="2924050927"/>
       </p:ext>
     </p:extLst>
   </p:cSld>
@@ -5683,12 +11640,12 @@
           <a:chExt cx="0" cy="0"/>
         </a:xfrm>
       </p:grpSpPr>
-      <p:sp useBgFill="1">
+      <p:sp>
         <p:nvSpPr>
-          <p:cNvPr id="10" name="Rectangle 9">
+          <p:cNvPr id="21" name="Rectangle 20">
             <a:extLst>
               <a:ext uri="{FF2B5EF4-FFF2-40B4-BE49-F238E27FC236}">
-                <a16:creationId xmlns:a16="http://schemas.microsoft.com/office/drawing/2014/main" id="{AB8C311F-7253-4AED-9701-7FC0708C41C7}"/>
+                <a16:creationId xmlns:a16="http://schemas.microsoft.com/office/drawing/2014/main" id="{6753252F-4873-4F63-801D-CC719279A7D5}"/>
               </a:ext>
               <a:ext uri="{C183D7F6-B498-43B3-948B-1728B52AA6E4}">
                 <adec:decorative xmlns:adec="http://schemas.microsoft.com/office/drawing/2017/decorative" val="1"/>
@@ -5714,95 +11671,9 @@
           <a:prstGeom prst="rect">
             <a:avLst/>
           </a:prstGeom>
-          <a:ln w="12700" cap="flat" cmpd="sng" algn="ctr">
-            <a:noFill/>
-            <a:prstDash val="solid"/>
-            <a:miter lim="800000"/>
-          </a:ln>
-          <a:effectLst/>
-          <a:extLst>
-            <a:ext uri="{91240B29-F687-4F45-9708-019B960494DF}">
-              <a14:hiddenLine xmlns:a14="http://schemas.microsoft.com/office/drawing/2010/main" w="12700" cap="flat" cmpd="sng" algn="ctr">
-                <a:solidFill>
-                  <a:schemeClr val="accent1">
-                    <a:shade val="50000"/>
-                  </a:schemeClr>
-                </a:solidFill>
-                <a:prstDash val="solid"/>
-                <a:miter lim="800000"/>
-              </a14:hiddenLine>
-            </a:ext>
-          </a:extLst>
-        </p:spPr>
-        <p:style>
-          <a:lnRef idx="2">
-            <a:schemeClr val="accent1">
-              <a:shade val="50000"/>
-            </a:schemeClr>
-          </a:lnRef>
-          <a:fillRef idx="1">
-            <a:schemeClr val="accent1"/>
-          </a:fillRef>
-          <a:effectRef idx="0">
-            <a:schemeClr val="accent1"/>
-          </a:effectRef>
-          <a:fontRef idx="minor">
-            <a:schemeClr val="lt1"/>
-          </a:fontRef>
-        </p:style>
-        <p:txBody>
-          <a:bodyPr rtlCol="0" anchor="ctr"/>
-          <a:lstStyle/>
-          <a:p>
-            <a:pPr algn="ctr"/>
-            <a:endParaRPr lang="en-US"/>
-          </a:p>
-        </p:txBody>
-      </p:sp>
-      <p:sp>
-        <p:nvSpPr>
-          <p:cNvPr id="12" name="Rectangle 11">
-            <a:extLst>
-              <a:ext uri="{FF2B5EF4-FFF2-40B4-BE49-F238E27FC236}">
-                <a16:creationId xmlns:a16="http://schemas.microsoft.com/office/drawing/2014/main" id="{E2384209-CB15-4CDF-9D31-C44FD9A3F20D}"/>
-              </a:ext>
-              <a:ext uri="{C183D7F6-B498-43B3-948B-1728B52AA6E4}">
-                <adec:decorative xmlns:adec="http://schemas.microsoft.com/office/drawing/2017/decorative" val="1"/>
-              </a:ext>
-            </a:extLst>
-          </p:cNvPr>
-          <p:cNvSpPr>
-            <a:spLocks noGrp="1" noRot="1" noChangeAspect="1" noMove="1" noResize="1" noEditPoints="1" noAdjustHandles="1" noChangeArrowheads="1" noChangeShapeType="1" noTextEdit="1"/>
-          </p:cNvSpPr>
-          <p:nvPr>
-            <p:extLst>
-              <p:ext uri="{386F3935-93C4-4BCD-93E2-E3B085C9AB24}">
-                <p16:designElem xmlns:p16="http://schemas.microsoft.com/office/powerpoint/2015/main" val="1"/>
-              </p:ext>
-            </p:extLst>
-          </p:nvPr>
-        </p:nvSpPr>
-        <p:spPr>
-          <a:xfrm rot="16200000" flipH="1">
-            <a:off x="2666617" y="-2666188"/>
-            <a:ext cx="6858000" cy="12191233"/>
-          </a:xfrm>
-          <a:prstGeom prst="rect">
-            <a:avLst/>
-          </a:prstGeom>
-          <a:gradFill>
-            <a:gsLst>
-              <a:gs pos="8000">
-                <a:schemeClr val="accent1"/>
-              </a:gs>
-              <a:gs pos="100000">
-                <a:schemeClr val="accent1">
-                  <a:lumMod val="50000"/>
-                </a:schemeClr>
-              </a:gs>
-            </a:gsLst>
-            <a:lin ang="12000000" scaled="0"/>
-          </a:gradFill>
+          <a:solidFill>
+            <a:srgbClr val="FFFFFF"/>
+          </a:solidFill>
           <a:ln>
             <a:noFill/>
           </a:ln>
@@ -5834,10 +11705,10 @@
       </p:sp>
       <p:sp>
         <p:nvSpPr>
-          <p:cNvPr id="14" name="Rectangle 13">
+          <p:cNvPr id="23" name="Rectangle 22">
             <a:extLst>
               <a:ext uri="{FF2B5EF4-FFF2-40B4-BE49-F238E27FC236}">
-                <a16:creationId xmlns:a16="http://schemas.microsoft.com/office/drawing/2014/main" id="{2633B3B5-CC90-43F0-8714-D31D1F3F0209}"/>
+                <a16:creationId xmlns:a16="http://schemas.microsoft.com/office/drawing/2014/main" id="{047C8CCB-F95D-4249-92DD-651249D3535A}"/>
               </a:ext>
               <a:ext uri="{C183D7F6-B498-43B3-948B-1728B52AA6E4}">
                 <adec:decorative xmlns:adec="http://schemas.microsoft.com/office/drawing/2017/decorative" val="1"/>
@@ -5856,26 +11727,16 @@
           </p:nvPr>
         </p:nvSpPr>
         <p:spPr>
-          <a:xfrm rot="10800000" flipH="1">
-            <a:off x="-2311" y="0"/>
-            <a:ext cx="9070846" cy="6857572"/>
+          <a:xfrm>
+            <a:off x="0" y="0"/>
+            <a:ext cx="2013557" cy="6858000"/>
           </a:xfrm>
           <a:prstGeom prst="rect">
             <a:avLst/>
           </a:prstGeom>
-          <a:gradFill>
-            <a:gsLst>
-              <a:gs pos="8000">
-                <a:srgbClr val="000000">
-                  <a:alpha val="52000"/>
-                </a:srgbClr>
-              </a:gs>
-              <a:gs pos="100000">
-                <a:schemeClr val="accent1"/>
-              </a:gs>
-            </a:gsLst>
-            <a:lin ang="4800000" scaled="0"/>
-          </a:gradFill>
+          <a:solidFill>
+            <a:srgbClr val="5B5C4A"/>
+          </a:solidFill>
           <a:ln>
             <a:noFill/>
           </a:ln>
@@ -5907,10 +11768,134 @@
       </p:sp>
       <p:sp>
         <p:nvSpPr>
-          <p:cNvPr id="16" name="Rectangle 15">
+          <p:cNvPr id="8" name="Title 1">
             <a:extLst>
               <a:ext uri="{FF2B5EF4-FFF2-40B4-BE49-F238E27FC236}">
-                <a16:creationId xmlns:a16="http://schemas.microsoft.com/office/drawing/2014/main" id="{A8D57A06-A426-446D-B02C-A2DC6B62E45E}"/>
+                <a16:creationId xmlns:a16="http://schemas.microsoft.com/office/drawing/2014/main" id="{94118629-BD4B-7F64-D90C-703F4F035FDD}"/>
+              </a:ext>
+            </a:extLst>
+          </p:cNvPr>
+          <p:cNvSpPr>
+            <a:spLocks noGrp="1"/>
+          </p:cNvSpPr>
+          <p:nvPr>
+            <p:ph type="title"/>
+          </p:nvPr>
+        </p:nvSpPr>
+        <p:spPr>
+          <a:xfrm>
+            <a:off x="640080" y="2074363"/>
+            <a:ext cx="2752354" cy="2709275"/>
+          </a:xfrm>
+          <a:prstGeom prst="ellipse">
+            <a:avLst/>
+          </a:prstGeom>
+          <a:solidFill>
+            <a:srgbClr val="262626"/>
+          </a:solidFill>
+          <a:ln w="174625" cmpd="thinThick">
+            <a:solidFill>
+              <a:srgbClr val="262626"/>
+            </a:solidFill>
+          </a:ln>
+        </p:spPr>
+        <p:txBody>
+          <a:bodyPr vert="horz" lIns="91440" tIns="45720" rIns="91440" bIns="45720" rtlCol="0" anchor="ctr">
+            <a:normAutofit/>
+          </a:bodyPr>
+          <a:lstStyle/>
+          <a:p>
+            <a:pPr algn="ctr"/>
+            <a:r>
+              <a:rPr lang="en-US" sz="2600" kern="1200" dirty="0">
+                <a:solidFill>
+                  <a:srgbClr val="FFFFFF"/>
+                </a:solidFill>
+                <a:latin typeface="+mj-lt"/>
+                <a:ea typeface="+mj-ea"/>
+                <a:cs typeface="+mj-cs"/>
+              </a:rPr>
+              <a:t>Roadmap</a:t>
+            </a:r>
+          </a:p>
+        </p:txBody>
+      </p:sp>
+      <p:pic>
+        <p:nvPicPr>
+          <p:cNvPr id="5" name="Content Placeholder 4">
+            <a:extLst>
+              <a:ext uri="{FF2B5EF4-FFF2-40B4-BE49-F238E27FC236}">
+                <a16:creationId xmlns:a16="http://schemas.microsoft.com/office/drawing/2014/main" id="{E7A7CB01-D485-333F-5AEB-B223F8D59B1A}"/>
+              </a:ext>
+            </a:extLst>
+          </p:cNvPr>
+          <p:cNvPicPr>
+            <a:picLocks noGrp="1" noChangeAspect="1"/>
+          </p:cNvPicPr>
+          <p:nvPr>
+            <p:ph idx="1"/>
+          </p:nvPr>
+        </p:nvPicPr>
+        <p:blipFill>
+          <a:blip r:embed="rId2"/>
+          <a:stretch>
+            <a:fillRect/>
+          </a:stretch>
+        </p:blipFill>
+        <p:spPr>
+          <a:xfrm>
+            <a:off x="3858769" y="90868"/>
+            <a:ext cx="6684264" cy="5514518"/>
+          </a:xfrm>
+          <a:prstGeom prst="rect">
+            <a:avLst/>
+          </a:prstGeom>
+        </p:spPr>
+      </p:pic>
+    </p:spTree>
+    <p:extLst>
+      <p:ext uri="{BB962C8B-B14F-4D97-AF65-F5344CB8AC3E}">
+        <p14:creationId xmlns:p14="http://schemas.microsoft.com/office/powerpoint/2010/main" val="2025619834"/>
+      </p:ext>
+    </p:extLst>
+  </p:cSld>
+  <p:clrMapOvr>
+    <a:masterClrMapping/>
+  </p:clrMapOvr>
+</p:sld>
+</file>
+
+<file path=ppt/slides/slide9.xml><?xml version="1.0" encoding="utf-8"?>
+<p:sld xmlns:a="http://schemas.openxmlformats.org/drawingml/2006/main" xmlns:r="http://schemas.openxmlformats.org/officeDocument/2006/relationships" xmlns:p="http://schemas.openxmlformats.org/presentationml/2006/main">
+  <p:cSld>
+    <p:bg>
+      <p:bgPr>
+        <a:solidFill>
+          <a:schemeClr val="bg1"/>
+        </a:solidFill>
+        <a:effectLst/>
+      </p:bgPr>
+    </p:bg>
+    <p:spTree>
+      <p:nvGrpSpPr>
+        <p:cNvPr id="1" name=""/>
+        <p:cNvGrpSpPr/>
+        <p:nvPr/>
+      </p:nvGrpSpPr>
+      <p:grpSpPr>
+        <a:xfrm>
+          <a:off x="0" y="0"/>
+          <a:ext cx="0" cy="0"/>
+          <a:chOff x="0" y="0"/>
+          <a:chExt cx="0" cy="0"/>
+        </a:xfrm>
+      </p:grpSpPr>
+      <p:sp>
+        <p:nvSpPr>
+          <p:cNvPr id="10" name="Rectangle 9">
+            <a:extLst>
+              <a:ext uri="{FF2B5EF4-FFF2-40B4-BE49-F238E27FC236}">
+                <a16:creationId xmlns:a16="http://schemas.microsoft.com/office/drawing/2014/main" id="{6753252F-4873-4F63-801D-CC719279A7D5}"/>
               </a:ext>
               <a:ext uri="{C183D7F6-B498-43B3-948B-1728B52AA6E4}">
                 <adec:decorative xmlns:adec="http://schemas.microsoft.com/office/drawing/2017/decorative" val="1"/>
@@ -5929,30 +11914,16 @@
           </p:nvPr>
         </p:nvSpPr>
         <p:spPr>
-          <a:xfrm rot="16200000" flipH="1">
-            <a:off x="3649491" y="-1685840"/>
-            <a:ext cx="4894564" cy="12193546"/>
+          <a:xfrm>
+            <a:off x="0" y="0"/>
+            <a:ext cx="12192000" cy="6858000"/>
           </a:xfrm>
           <a:prstGeom prst="rect">
             <a:avLst/>
           </a:prstGeom>
-          <a:gradFill>
-            <a:gsLst>
-              <a:gs pos="0">
-                <a:schemeClr val="accent5">
-                  <a:lumMod val="60000"/>
-                  <a:lumOff val="40000"/>
-                  <a:alpha val="0"/>
-                </a:schemeClr>
-              </a:gs>
-              <a:gs pos="100000">
-                <a:srgbClr val="000000">
-                  <a:alpha val="46000"/>
-                </a:srgbClr>
-              </a:gs>
-            </a:gsLst>
-            <a:lin ang="1200000" scaled="0"/>
-          </a:gradFill>
+          <a:solidFill>
+            <a:srgbClr val="FFFFFF"/>
+          </a:solidFill>
           <a:ln>
             <a:noFill/>
           </a:ln>
@@ -5982,12 +11953,129 @@
           </a:p>
         </p:txBody>
       </p:sp>
+      <p:sp>
+        <p:nvSpPr>
+          <p:cNvPr id="12" name="Rectangle 11">
+            <a:extLst>
+              <a:ext uri="{FF2B5EF4-FFF2-40B4-BE49-F238E27FC236}">
+                <a16:creationId xmlns:a16="http://schemas.microsoft.com/office/drawing/2014/main" id="{047C8CCB-F95D-4249-92DD-651249D3535A}"/>
+              </a:ext>
+              <a:ext uri="{C183D7F6-B498-43B3-948B-1728B52AA6E4}">
+                <adec:decorative xmlns:adec="http://schemas.microsoft.com/office/drawing/2017/decorative" val="1"/>
+              </a:ext>
+            </a:extLst>
+          </p:cNvPr>
+          <p:cNvSpPr>
+            <a:spLocks noGrp="1" noRot="1" noChangeAspect="1" noMove="1" noResize="1" noEditPoints="1" noAdjustHandles="1" noChangeArrowheads="1" noChangeShapeType="1" noTextEdit="1"/>
+          </p:cNvSpPr>
+          <p:nvPr>
+            <p:extLst>
+              <p:ext uri="{386F3935-93C4-4BCD-93E2-E3B085C9AB24}">
+                <p16:designElem xmlns:p16="http://schemas.microsoft.com/office/powerpoint/2015/main" val="1"/>
+              </p:ext>
+            </p:extLst>
+          </p:nvPr>
+        </p:nvSpPr>
+        <p:spPr>
+          <a:xfrm>
+            <a:off x="0" y="0"/>
+            <a:ext cx="2013557" cy="6858000"/>
+          </a:xfrm>
+          <a:prstGeom prst="rect">
+            <a:avLst/>
+          </a:prstGeom>
+          <a:solidFill>
+            <a:srgbClr val="695651"/>
+          </a:solidFill>
+          <a:ln>
+            <a:noFill/>
+          </a:ln>
+        </p:spPr>
+        <p:style>
+          <a:lnRef idx="2">
+            <a:schemeClr val="accent1">
+              <a:shade val="50000"/>
+            </a:schemeClr>
+          </a:lnRef>
+          <a:fillRef idx="1">
+            <a:schemeClr val="accent1"/>
+          </a:fillRef>
+          <a:effectRef idx="0">
+            <a:schemeClr val="accent1"/>
+          </a:effectRef>
+          <a:fontRef idx="minor">
+            <a:schemeClr val="lt1"/>
+          </a:fontRef>
+        </p:style>
+        <p:txBody>
+          <a:bodyPr rtlCol="0" anchor="ctr"/>
+          <a:lstStyle/>
+          <a:p>
+            <a:pPr algn="ctr"/>
+            <a:endParaRPr lang="en-US"/>
+          </a:p>
+        </p:txBody>
+      </p:sp>
+      <p:sp>
+        <p:nvSpPr>
+          <p:cNvPr id="2" name="Title 1">
+            <a:extLst>
+              <a:ext uri="{FF2B5EF4-FFF2-40B4-BE49-F238E27FC236}">
+                <a16:creationId xmlns:a16="http://schemas.microsoft.com/office/drawing/2014/main" id="{EA84C247-6D56-E979-B5D4-B5B791FBB5B5}"/>
+              </a:ext>
+            </a:extLst>
+          </p:cNvPr>
+          <p:cNvSpPr>
+            <a:spLocks noGrp="1"/>
+          </p:cNvSpPr>
+          <p:nvPr>
+            <p:ph type="title"/>
+          </p:nvPr>
+        </p:nvSpPr>
+        <p:spPr>
+          <a:xfrm>
+            <a:off x="640080" y="2074363"/>
+            <a:ext cx="2752354" cy="2709275"/>
+          </a:xfrm>
+          <a:prstGeom prst="ellipse">
+            <a:avLst/>
+          </a:prstGeom>
+          <a:solidFill>
+            <a:srgbClr val="262626"/>
+          </a:solidFill>
+          <a:ln w="174625" cmpd="thinThick">
+            <a:solidFill>
+              <a:srgbClr val="262626"/>
+            </a:solidFill>
+          </a:ln>
+        </p:spPr>
+        <p:txBody>
+          <a:bodyPr vert="horz" lIns="91440" tIns="45720" rIns="91440" bIns="45720" rtlCol="0" anchor="ctr">
+            <a:normAutofit/>
+          </a:bodyPr>
+          <a:lstStyle/>
+          <a:p>
+            <a:pPr algn="ctr"/>
+            <a:r>
+              <a:rPr lang="en-US" sz="2600" kern="1200" dirty="0">
+                <a:solidFill>
+                  <a:srgbClr val="FFFFFF"/>
+                </a:solidFill>
+                <a:latin typeface="+mj-lt"/>
+                <a:ea typeface="+mj-ea"/>
+                <a:cs typeface="+mj-cs"/>
+              </a:rPr>
+              <a:t>Roadmap</a:t>
+            </a:r>
+          </a:p>
+        </p:txBody>
+      </p:sp>
       <p:pic>
         <p:nvPicPr>
           <p:cNvPr id="5" name="Content Placeholder 4">
             <a:extLst>
               <a:ext uri="{FF2B5EF4-FFF2-40B4-BE49-F238E27FC236}">
-                <a16:creationId xmlns:a16="http://schemas.microsoft.com/office/drawing/2014/main" id="{E7A7CB01-D485-333F-5AEB-B223F8D59B1A}"/>
+                <a16:creationId xmlns:a16="http://schemas.microsoft.com/office/drawing/2014/main" id="{154D95FD-E9B7-4A29-FBA1-D7CE11A1CBF4}"/>
               </a:ext>
             </a:extLst>
           </p:cNvPr>
@@ -6006,96 +12094,12 @@
         </p:blipFill>
         <p:spPr>
           <a:xfrm>
-            <a:off x="2493818" y="457200"/>
-            <a:ext cx="7204363" cy="5943600"/>
+            <a:off x="4255806" y="248580"/>
+            <a:ext cx="5750422" cy="4930987"/>
           </a:xfrm>
           <a:prstGeom prst="rect">
             <a:avLst/>
           </a:prstGeom>
-        </p:spPr>
-      </p:pic>
-    </p:spTree>
-    <p:extLst>
-      <p:ext uri="{BB962C8B-B14F-4D97-AF65-F5344CB8AC3E}">
-        <p14:creationId xmlns:p14="http://schemas.microsoft.com/office/powerpoint/2010/main" val="2025619834"/>
-      </p:ext>
-    </p:extLst>
-  </p:cSld>
-  <p:clrMapOvr>
-    <a:masterClrMapping/>
-  </p:clrMapOvr>
-</p:sld>
-</file>
-
-<file path=ppt/slides/slide9.xml><?xml version="1.0" encoding="utf-8"?>
-<p:sld xmlns:a="http://schemas.openxmlformats.org/drawingml/2006/main" xmlns:r="http://schemas.openxmlformats.org/officeDocument/2006/relationships" xmlns:p="http://schemas.openxmlformats.org/presentationml/2006/main">
-  <p:cSld>
-    <p:spTree>
-      <p:nvGrpSpPr>
-        <p:cNvPr id="1" name=""/>
-        <p:cNvGrpSpPr/>
-        <p:nvPr/>
-      </p:nvGrpSpPr>
-      <p:grpSpPr>
-        <a:xfrm>
-          <a:off x="0" y="0"/>
-          <a:ext cx="0" cy="0"/>
-          <a:chOff x="0" y="0"/>
-          <a:chExt cx="0" cy="0"/>
-        </a:xfrm>
-      </p:grpSpPr>
-      <p:sp>
-        <p:nvSpPr>
-          <p:cNvPr id="2" name="Title 1">
-            <a:extLst>
-              <a:ext uri="{FF2B5EF4-FFF2-40B4-BE49-F238E27FC236}">
-                <a16:creationId xmlns:a16="http://schemas.microsoft.com/office/drawing/2014/main" id="{EA84C247-6D56-E979-B5D4-B5B791FBB5B5}"/>
-              </a:ext>
-            </a:extLst>
-          </p:cNvPr>
-          <p:cNvSpPr>
-            <a:spLocks noGrp="1"/>
-          </p:cNvSpPr>
-          <p:nvPr>
-            <p:ph type="title"/>
-          </p:nvPr>
-        </p:nvSpPr>
-        <p:spPr/>
-        <p:txBody>
-          <a:bodyPr/>
-          <a:lstStyle/>
-          <a:p>
-            <a:endParaRPr lang="en-GB"/>
-          </a:p>
-        </p:txBody>
-      </p:sp>
-      <p:pic>
-        <p:nvPicPr>
-          <p:cNvPr id="5" name="Content Placeholder 4">
-            <a:extLst>
-              <a:ext uri="{FF2B5EF4-FFF2-40B4-BE49-F238E27FC236}">
-                <a16:creationId xmlns:a16="http://schemas.microsoft.com/office/drawing/2014/main" id="{154D95FD-E9B7-4A29-FBA1-D7CE11A1CBF4}"/>
-              </a:ext>
-            </a:extLst>
-          </p:cNvPr>
-          <p:cNvPicPr>
-            <a:picLocks noGrp="1" noChangeAspect="1"/>
-          </p:cNvPicPr>
-          <p:nvPr>
-            <p:ph idx="1"/>
-          </p:nvPr>
-        </p:nvPicPr>
-        <p:blipFill>
-          <a:blip r:embed="rId2"/>
-          <a:stretch>
-            <a:fillRect/>
-          </a:stretch>
-        </p:blipFill>
-        <p:spPr>
-          <a:xfrm>
-            <a:off x="2821910" y="603024"/>
-            <a:ext cx="6352238" cy="5446032"/>
-          </a:xfrm>
         </p:spPr>
       </p:pic>
     </p:spTree>
@@ -6404,4 +12408,299 @@
     </a:ext>
   </a:extLst>
 </a:theme>
+</file>
+
+<file path=ppt/theme/theme2.xml><?xml version="1.0" encoding="utf-8"?>
+<a:theme xmlns:a="http://schemas.openxmlformats.org/drawingml/2006/main" name="Office Theme">
+  <a:themeElements>
+    <a:clrScheme name="Office">
+      <a:dk1>
+        <a:sysClr val="windowText" lastClr="000000"/>
+      </a:dk1>
+      <a:lt1>
+        <a:sysClr val="window" lastClr="FFFFFF"/>
+      </a:lt1>
+      <a:dk2>
+        <a:srgbClr val="44546A"/>
+      </a:dk2>
+      <a:lt2>
+        <a:srgbClr val="E7E6E6"/>
+      </a:lt2>
+      <a:accent1>
+        <a:srgbClr val="4472C4"/>
+      </a:accent1>
+      <a:accent2>
+        <a:srgbClr val="ED7D31"/>
+      </a:accent2>
+      <a:accent3>
+        <a:srgbClr val="A5A5A5"/>
+      </a:accent3>
+      <a:accent4>
+        <a:srgbClr val="FFC000"/>
+      </a:accent4>
+      <a:accent5>
+        <a:srgbClr val="5B9BD5"/>
+      </a:accent5>
+      <a:accent6>
+        <a:srgbClr val="70AD47"/>
+      </a:accent6>
+      <a:hlink>
+        <a:srgbClr val="0563C1"/>
+      </a:hlink>
+      <a:folHlink>
+        <a:srgbClr val="954F72"/>
+      </a:folHlink>
+    </a:clrScheme>
+    <a:fontScheme name="Office">
+      <a:majorFont>
+        <a:latin typeface="Calibri Light" panose="020F0302020204030204"/>
+        <a:ea typeface=""/>
+        <a:cs typeface=""/>
+        <a:font script="Jpan" typeface="游ゴシック Light"/>
+        <a:font script="Hang" typeface="맑은 고딕"/>
+        <a:font script="Hans" typeface="等线 Light"/>
+        <a:font script="Hant" typeface="新細明體"/>
+        <a:font script="Arab" typeface="Times New Roman"/>
+        <a:font script="Hebr" typeface="Times New Roman"/>
+        <a:font script="Thai" typeface="Angsana New"/>
+        <a:font script="Ethi" typeface="Nyala"/>
+        <a:font script="Beng" typeface="Vrinda"/>
+        <a:font script="Gujr" typeface="Shruti"/>
+        <a:font script="Khmr" typeface="MoolBoran"/>
+        <a:font script="Knda" typeface="Tunga"/>
+        <a:font script="Guru" typeface="Raavi"/>
+        <a:font script="Cans" typeface="Euphemia"/>
+        <a:font script="Cher" typeface="Plantagenet Cherokee"/>
+        <a:font script="Yiii" typeface="Microsoft Yi Baiti"/>
+        <a:font script="Tibt" typeface="Microsoft Himalaya"/>
+        <a:font script="Thaa" typeface="MV Boli"/>
+        <a:font script="Deva" typeface="Mangal"/>
+        <a:font script="Telu" typeface="Gautami"/>
+        <a:font script="Taml" typeface="Latha"/>
+        <a:font script="Syrc" typeface="Estrangelo Edessa"/>
+        <a:font script="Orya" typeface="Kalinga"/>
+        <a:font script="Mlym" typeface="Kartika"/>
+        <a:font script="Laoo" typeface="DokChampa"/>
+        <a:font script="Sinh" typeface="Iskoola Pota"/>
+        <a:font script="Mong" typeface="Mongolian Baiti"/>
+        <a:font script="Viet" typeface="Times New Roman"/>
+        <a:font script="Uigh" typeface="Microsoft Uighur"/>
+        <a:font script="Geor" typeface="Sylfaen"/>
+        <a:font script="Armn" typeface="Arial"/>
+        <a:font script="Bugi" typeface="Leelawadee UI"/>
+        <a:font script="Bopo" typeface="Microsoft JhengHei"/>
+        <a:font script="Java" typeface="Javanese Text"/>
+        <a:font script="Lisu" typeface="Segoe UI"/>
+        <a:font script="Mymr" typeface="Myanmar Text"/>
+        <a:font script="Nkoo" typeface="Ebrima"/>
+        <a:font script="Olck" typeface="Nirmala UI"/>
+        <a:font script="Osma" typeface="Ebrima"/>
+        <a:font script="Phag" typeface="Phagspa"/>
+        <a:font script="Syrn" typeface="Estrangelo Edessa"/>
+        <a:font script="Syrj" typeface="Estrangelo Edessa"/>
+        <a:font script="Syre" typeface="Estrangelo Edessa"/>
+        <a:font script="Sora" typeface="Nirmala UI"/>
+        <a:font script="Tale" typeface="Microsoft Tai Le"/>
+        <a:font script="Talu" typeface="Microsoft New Tai Lue"/>
+        <a:font script="Tfng" typeface="Ebrima"/>
+      </a:majorFont>
+      <a:minorFont>
+        <a:latin typeface="Calibri" panose="020F0502020204030204"/>
+        <a:ea typeface=""/>
+        <a:cs typeface=""/>
+        <a:font script="Jpan" typeface="游ゴシック"/>
+        <a:font script="Hang" typeface="맑은 고딕"/>
+        <a:font script="Hans" typeface="等线"/>
+        <a:font script="Hant" typeface="新細明體"/>
+        <a:font script="Arab" typeface="Arial"/>
+        <a:font script="Hebr" typeface="Arial"/>
+        <a:font script="Thai" typeface="Cordia New"/>
+        <a:font script="Ethi" typeface="Nyala"/>
+        <a:font script="Beng" typeface="Vrinda"/>
+        <a:font script="Gujr" typeface="Shruti"/>
+        <a:font script="Khmr" typeface="DaunPenh"/>
+        <a:font script="Knda" typeface="Tunga"/>
+        <a:font script="Guru" typeface="Raavi"/>
+        <a:font script="Cans" typeface="Euphemia"/>
+        <a:font script="Cher" typeface="Plantagenet Cherokee"/>
+        <a:font script="Yiii" typeface="Microsoft Yi Baiti"/>
+        <a:font script="Tibt" typeface="Microsoft Himalaya"/>
+        <a:font script="Thaa" typeface="MV Boli"/>
+        <a:font script="Deva" typeface="Mangal"/>
+        <a:font script="Telu" typeface="Gautami"/>
+        <a:font script="Taml" typeface="Latha"/>
+        <a:font script="Syrc" typeface="Estrangelo Edessa"/>
+        <a:font script="Orya" typeface="Kalinga"/>
+        <a:font script="Mlym" typeface="Kartika"/>
+        <a:font script="Laoo" typeface="DokChampa"/>
+        <a:font script="Sinh" typeface="Iskoola Pota"/>
+        <a:font script="Mong" typeface="Mongolian Baiti"/>
+        <a:font script="Viet" typeface="Arial"/>
+        <a:font script="Uigh" typeface="Microsoft Uighur"/>
+        <a:font script="Geor" typeface="Sylfaen"/>
+        <a:font script="Armn" typeface="Arial"/>
+        <a:font script="Bugi" typeface="Leelawadee UI"/>
+        <a:font script="Bopo" typeface="Microsoft JhengHei"/>
+        <a:font script="Java" typeface="Javanese Text"/>
+        <a:font script="Lisu" typeface="Segoe UI"/>
+        <a:font script="Mymr" typeface="Myanmar Text"/>
+        <a:font script="Nkoo" typeface="Ebrima"/>
+        <a:font script="Olck" typeface="Nirmala UI"/>
+        <a:font script="Osma" typeface="Ebrima"/>
+        <a:font script="Phag" typeface="Phagspa"/>
+        <a:font script="Syrn" typeface="Estrangelo Edessa"/>
+        <a:font script="Syrj" typeface="Estrangelo Edessa"/>
+        <a:font script="Syre" typeface="Estrangelo Edessa"/>
+        <a:font script="Sora" typeface="Nirmala UI"/>
+        <a:font script="Tale" typeface="Microsoft Tai Le"/>
+        <a:font script="Talu" typeface="Microsoft New Tai Lue"/>
+        <a:font script="Tfng" typeface="Ebrima"/>
+      </a:minorFont>
+    </a:fontScheme>
+    <a:fmtScheme name="Office">
+      <a:fillStyleLst>
+        <a:solidFill>
+          <a:schemeClr val="phClr"/>
+        </a:solidFill>
+        <a:gradFill rotWithShape="1">
+          <a:gsLst>
+            <a:gs pos="0">
+              <a:schemeClr val="phClr">
+                <a:lumMod val="110000"/>
+                <a:satMod val="105000"/>
+                <a:tint val="67000"/>
+              </a:schemeClr>
+            </a:gs>
+            <a:gs pos="50000">
+              <a:schemeClr val="phClr">
+                <a:lumMod val="105000"/>
+                <a:satMod val="103000"/>
+                <a:tint val="73000"/>
+              </a:schemeClr>
+            </a:gs>
+            <a:gs pos="100000">
+              <a:schemeClr val="phClr">
+                <a:lumMod val="105000"/>
+                <a:satMod val="109000"/>
+                <a:tint val="81000"/>
+              </a:schemeClr>
+            </a:gs>
+          </a:gsLst>
+          <a:lin ang="5400000" scaled="0"/>
+        </a:gradFill>
+        <a:gradFill rotWithShape="1">
+          <a:gsLst>
+            <a:gs pos="0">
+              <a:schemeClr val="phClr">
+                <a:satMod val="103000"/>
+                <a:lumMod val="102000"/>
+                <a:tint val="94000"/>
+              </a:schemeClr>
+            </a:gs>
+            <a:gs pos="50000">
+              <a:schemeClr val="phClr">
+                <a:satMod val="110000"/>
+                <a:lumMod val="100000"/>
+                <a:shade val="100000"/>
+              </a:schemeClr>
+            </a:gs>
+            <a:gs pos="100000">
+              <a:schemeClr val="phClr">
+                <a:lumMod val="99000"/>
+                <a:satMod val="120000"/>
+                <a:shade val="78000"/>
+              </a:schemeClr>
+            </a:gs>
+          </a:gsLst>
+          <a:lin ang="5400000" scaled="0"/>
+        </a:gradFill>
+      </a:fillStyleLst>
+      <a:lnStyleLst>
+        <a:ln w="6350" cap="flat" cmpd="sng" algn="ctr">
+          <a:solidFill>
+            <a:schemeClr val="phClr"/>
+          </a:solidFill>
+          <a:prstDash val="solid"/>
+          <a:miter lim="800000"/>
+        </a:ln>
+        <a:ln w="12700" cap="flat" cmpd="sng" algn="ctr">
+          <a:solidFill>
+            <a:schemeClr val="phClr"/>
+          </a:solidFill>
+          <a:prstDash val="solid"/>
+          <a:miter lim="800000"/>
+        </a:ln>
+        <a:ln w="19050" cap="flat" cmpd="sng" algn="ctr">
+          <a:solidFill>
+            <a:schemeClr val="phClr"/>
+          </a:solidFill>
+          <a:prstDash val="solid"/>
+          <a:miter lim="800000"/>
+        </a:ln>
+      </a:lnStyleLst>
+      <a:effectStyleLst>
+        <a:effectStyle>
+          <a:effectLst/>
+        </a:effectStyle>
+        <a:effectStyle>
+          <a:effectLst/>
+        </a:effectStyle>
+        <a:effectStyle>
+          <a:effectLst>
+            <a:outerShdw blurRad="57150" dist="19050" dir="5400000" algn="ctr" rotWithShape="0">
+              <a:srgbClr val="000000">
+                <a:alpha val="63000"/>
+              </a:srgbClr>
+            </a:outerShdw>
+          </a:effectLst>
+        </a:effectStyle>
+      </a:effectStyleLst>
+      <a:bgFillStyleLst>
+        <a:solidFill>
+          <a:schemeClr val="phClr"/>
+        </a:solidFill>
+        <a:solidFill>
+          <a:schemeClr val="phClr">
+            <a:tint val="95000"/>
+            <a:satMod val="170000"/>
+          </a:schemeClr>
+        </a:solidFill>
+        <a:gradFill rotWithShape="1">
+          <a:gsLst>
+            <a:gs pos="0">
+              <a:schemeClr val="phClr">
+                <a:tint val="93000"/>
+                <a:satMod val="150000"/>
+                <a:shade val="98000"/>
+                <a:lumMod val="102000"/>
+              </a:schemeClr>
+            </a:gs>
+            <a:gs pos="50000">
+              <a:schemeClr val="phClr">
+                <a:tint val="98000"/>
+                <a:satMod val="130000"/>
+                <a:shade val="90000"/>
+                <a:lumMod val="103000"/>
+              </a:schemeClr>
+            </a:gs>
+            <a:gs pos="100000">
+              <a:schemeClr val="phClr">
+                <a:shade val="63000"/>
+                <a:satMod val="120000"/>
+              </a:schemeClr>
+            </a:gs>
+          </a:gsLst>
+          <a:lin ang="5400000" scaled="0"/>
+        </a:gradFill>
+      </a:bgFillStyleLst>
+    </a:fmtScheme>
+  </a:themeElements>
+  <a:objectDefaults/>
+  <a:extraClrSchemeLst/>
+  <a:extLst>
+    <a:ext uri="{05A4C25C-085E-4340-85A3-A5531E510DB2}">
+      <thm15:themeFamily xmlns:thm15="http://schemas.microsoft.com/office/thememl/2012/main" name="Office Theme" id="{62F939B6-93AF-4DB8-9C6B-D6C7DFDC589F}" vid="{4A3C46E8-61CC-4603-A589-7422A47A8E4A}"/>
+    </a:ext>
+  </a:extLst>
+</a:theme>
 </file>
--- a/Documentation/IMS Presentation.pptx
+++ b/Documentation/IMS Presentation.pptx
@@ -5,7 +5,7 @@
     <p:sldMasterId id="2147483648" r:id="rId1"/>
   </p:sldMasterIdLst>
   <p:notesMasterIdLst>
-    <p:notesMasterId r:id="rId14"/>
+    <p:notesMasterId r:id="rId13"/>
   </p:notesMasterIdLst>
   <p:sldIdLst>
     <p:sldId id="256" r:id="rId2"/>
@@ -19,7 +19,6 @@
     <p:sldId id="268" r:id="rId10"/>
     <p:sldId id="263" r:id="rId11"/>
     <p:sldId id="264" r:id="rId12"/>
-    <p:sldId id="265" r:id="rId13"/>
   </p:sldIdLst>
   <p:sldSz cx="12192000" cy="6858000"/>
   <p:notesSz cx="6858000" cy="9144000"/>
@@ -4901,202 +4900,6 @@
     <p:extLst>
       <p:ext uri="{BB962C8B-B14F-4D97-AF65-F5344CB8AC3E}">
         <p14:creationId xmlns:p14="http://schemas.microsoft.com/office/powerpoint/2010/main" val="3937686495"/>
-      </p:ext>
-    </p:extLst>
-  </p:cSld>
-  <p:clrMapOvr>
-    <a:masterClrMapping/>
-  </p:clrMapOvr>
-</p:sld>
-</file>
-
-<file path=ppt/slides/slide12.xml><?xml version="1.0" encoding="utf-8"?>
-<p:sld xmlns:a="http://schemas.openxmlformats.org/drawingml/2006/main" xmlns:r="http://schemas.openxmlformats.org/officeDocument/2006/relationships" xmlns:p="http://schemas.openxmlformats.org/presentationml/2006/main">
-  <p:cSld>
-    <p:spTree>
-      <p:nvGrpSpPr>
-        <p:cNvPr id="1" name=""/>
-        <p:cNvGrpSpPr/>
-        <p:nvPr/>
-      </p:nvGrpSpPr>
-      <p:grpSpPr>
-        <a:xfrm>
-          <a:off x="0" y="0"/>
-          <a:ext cx="0" cy="0"/>
-          <a:chOff x="0" y="0"/>
-          <a:chExt cx="0" cy="0"/>
-        </a:xfrm>
-      </p:grpSpPr>
-      <p:sp>
-        <p:nvSpPr>
-          <p:cNvPr id="2" name="Title 1">
-            <a:extLst>
-              <a:ext uri="{FF2B5EF4-FFF2-40B4-BE49-F238E27FC236}">
-                <a16:creationId xmlns:a16="http://schemas.microsoft.com/office/drawing/2014/main" id="{75E6A40B-2DCF-F576-9A5E-28BDAA47E054}"/>
-              </a:ext>
-            </a:extLst>
-          </p:cNvPr>
-          <p:cNvSpPr>
-            <a:spLocks noGrp="1"/>
-          </p:cNvSpPr>
-          <p:nvPr>
-            <p:ph type="title"/>
-          </p:nvPr>
-        </p:nvSpPr>
-        <p:spPr/>
-        <p:txBody>
-          <a:bodyPr/>
-          <a:lstStyle/>
-          <a:p>
-            <a:r>
-              <a:rPr lang="en-GB" dirty="0"/>
-              <a:t>Sprint Review</a:t>
-            </a:r>
-          </a:p>
-        </p:txBody>
-      </p:sp>
-      <p:sp>
-        <p:nvSpPr>
-          <p:cNvPr id="4" name="Rectangle 2">
-            <a:extLst>
-              <a:ext uri="{FF2B5EF4-FFF2-40B4-BE49-F238E27FC236}">
-                <a16:creationId xmlns:a16="http://schemas.microsoft.com/office/drawing/2014/main" id="{7FC72616-5667-5BAE-5723-250AAA9957A1}"/>
-              </a:ext>
-            </a:extLst>
-          </p:cNvPr>
-          <p:cNvSpPr>
-            <a:spLocks noChangeArrowheads="1"/>
-          </p:cNvSpPr>
-          <p:nvPr/>
-        </p:nvSpPr>
-        <p:spPr bwMode="auto">
-          <a:xfrm>
-            <a:off x="723900" y="1397000"/>
-            <a:ext cx="12192000" cy="0"/>
-          </a:xfrm>
-          <a:prstGeom prst="rect">
-            <a:avLst/>
-          </a:prstGeom>
-          <a:noFill/>
-          <a:ln>
-            <a:noFill/>
-          </a:ln>
-          <a:effectLst/>
-          <a:extLst>
-            <a:ext uri="{909E8E84-426E-40DD-AFC4-6F175D3DCCD1}">
-              <a14:hiddenFill xmlns:a14="http://schemas.microsoft.com/office/drawing/2010/main">
-                <a:solidFill>
-                  <a:schemeClr val="accent1"/>
-                </a:solidFill>
-              </a14:hiddenFill>
-            </a:ext>
-            <a:ext uri="{91240B29-F687-4F45-9708-019B960494DF}">
-              <a14:hiddenLine xmlns:a14="http://schemas.microsoft.com/office/drawing/2010/main" w="9525">
-                <a:solidFill>
-                  <a:schemeClr val="tx1"/>
-                </a:solidFill>
-                <a:miter lim="800000"/>
-                <a:headEnd/>
-                <a:tailEnd/>
-              </a14:hiddenLine>
-            </a:ext>
-            <a:ext uri="{AF507438-7753-43E0-B8FC-AC1667EBCBE1}">
-              <a14:hiddenEffects xmlns:a14="http://schemas.microsoft.com/office/drawing/2010/main">
-                <a:effectLst>
-                  <a:outerShdw dist="35921" dir="2700000" algn="ctr" rotWithShape="0">
-                    <a:schemeClr val="bg2"/>
-                  </a:outerShdw>
-                </a:effectLst>
-              </a14:hiddenEffects>
-            </a:ext>
-          </a:extLst>
-        </p:spPr>
-        <p:txBody>
-          <a:bodyPr vert="horz" wrap="none" lIns="91440" tIns="45720" rIns="91440" bIns="45720" numCol="1" anchor="ctr" anchorCtr="0" compatLnSpc="1">
-            <a:prstTxWarp prst="textNoShape">
-              <a:avLst/>
-            </a:prstTxWarp>
-            <a:spAutoFit/>
-          </a:bodyPr>
-          <a:lstStyle/>
-          <a:p>
-            <a:endParaRPr lang="en-GB"/>
-          </a:p>
-        </p:txBody>
-      </p:sp>
-      <p:sp>
-        <p:nvSpPr>
-          <p:cNvPr id="6" name="Rectangle 4">
-            <a:extLst>
-              <a:ext uri="{FF2B5EF4-FFF2-40B4-BE49-F238E27FC236}">
-                <a16:creationId xmlns:a16="http://schemas.microsoft.com/office/drawing/2014/main" id="{3CD4E14C-D387-3CDB-8F88-DBF561986F88}"/>
-              </a:ext>
-            </a:extLst>
-          </p:cNvPr>
-          <p:cNvSpPr>
-            <a:spLocks noChangeArrowheads="1"/>
-          </p:cNvSpPr>
-          <p:nvPr/>
-        </p:nvSpPr>
-        <p:spPr bwMode="auto">
-          <a:xfrm>
-            <a:off x="3266515" y="2720197"/>
-            <a:ext cx="18314163" cy="48086"/>
-          </a:xfrm>
-          <a:prstGeom prst="rect">
-            <a:avLst/>
-          </a:prstGeom>
-          <a:noFill/>
-          <a:ln>
-            <a:noFill/>
-          </a:ln>
-          <a:effectLst/>
-          <a:extLst>
-            <a:ext uri="{909E8E84-426E-40DD-AFC4-6F175D3DCCD1}">
-              <a14:hiddenFill xmlns:a14="http://schemas.microsoft.com/office/drawing/2010/main">
-                <a:solidFill>
-                  <a:schemeClr val="accent1"/>
-                </a:solidFill>
-              </a14:hiddenFill>
-            </a:ext>
-            <a:ext uri="{91240B29-F687-4F45-9708-019B960494DF}">
-              <a14:hiddenLine xmlns:a14="http://schemas.microsoft.com/office/drawing/2010/main" w="9525">
-                <a:solidFill>
-                  <a:schemeClr val="tx1"/>
-                </a:solidFill>
-                <a:miter lim="800000"/>
-                <a:headEnd/>
-                <a:tailEnd/>
-              </a14:hiddenLine>
-            </a:ext>
-            <a:ext uri="{AF507438-7753-43E0-B8FC-AC1667EBCBE1}">
-              <a14:hiddenEffects xmlns:a14="http://schemas.microsoft.com/office/drawing/2010/main">
-                <a:effectLst>
-                  <a:outerShdw dist="35921" dir="2700000" algn="ctr" rotWithShape="0">
-                    <a:schemeClr val="bg2"/>
-                  </a:outerShdw>
-                </a:effectLst>
-              </a14:hiddenEffects>
-            </a:ext>
-          </a:extLst>
-        </p:spPr>
-        <p:txBody>
-          <a:bodyPr vert="horz" wrap="square" lIns="91440" tIns="45720" rIns="91440" bIns="45720" numCol="1" anchor="ctr" anchorCtr="0" compatLnSpc="1">
-            <a:prstTxWarp prst="textNoShape">
-              <a:avLst/>
-            </a:prstTxWarp>
-            <a:spAutoFit/>
-          </a:bodyPr>
-          <a:lstStyle/>
-          <a:p>
-            <a:endParaRPr lang="en-GB"/>
-          </a:p>
-        </p:txBody>
-      </p:sp>
-    </p:spTree>
-    <p:extLst>
-      <p:ext uri="{BB962C8B-B14F-4D97-AF65-F5344CB8AC3E}">
-        <p14:creationId xmlns:p14="http://schemas.microsoft.com/office/powerpoint/2010/main" val="1738521105"/>
       </p:ext>
     </p:extLst>
   </p:cSld>

--- a/Documentation/IMS Presentation.pptx
+++ b/Documentation/IMS Presentation.pptx
@@ -5,7 +5,7 @@
     <p:sldMasterId id="2147483648" r:id="rId1"/>
   </p:sldMasterIdLst>
   <p:notesMasterIdLst>
-    <p:notesMasterId r:id="rId13"/>
+    <p:notesMasterId r:id="rId15"/>
   </p:notesMasterIdLst>
   <p:sldIdLst>
     <p:sldId id="256" r:id="rId2"/>
@@ -18,7 +18,9 @@
     <p:sldId id="266" r:id="rId9"/>
     <p:sldId id="268" r:id="rId10"/>
     <p:sldId id="263" r:id="rId11"/>
-    <p:sldId id="264" r:id="rId12"/>
+    <p:sldId id="269" r:id="rId12"/>
+    <p:sldId id="264" r:id="rId13"/>
+    <p:sldId id="270" r:id="rId14"/>
   </p:sldIdLst>
   <p:sldSz cx="12192000" cy="6858000"/>
   <p:notesSz cx="6858000" cy="9144000"/>
@@ -4684,6 +4686,410 @@
           <a:chExt cx="0" cy="0"/>
         </a:xfrm>
       </p:grpSpPr>
+      <p:sp useBgFill="1">
+        <p:nvSpPr>
+          <p:cNvPr id="9" name="Rectangle 8">
+            <a:extLst>
+              <a:ext uri="{FF2B5EF4-FFF2-40B4-BE49-F238E27FC236}">
+                <a16:creationId xmlns:a16="http://schemas.microsoft.com/office/drawing/2014/main" id="{0671A8AE-40A1-4631-A6B8-581AFF065482}"/>
+              </a:ext>
+              <a:ext uri="{C183D7F6-B498-43B3-948B-1728B52AA6E4}">
+                <adec:decorative xmlns:adec="http://schemas.microsoft.com/office/drawing/2017/decorative" val="1"/>
+              </a:ext>
+            </a:extLst>
+          </p:cNvPr>
+          <p:cNvSpPr>
+            <a:spLocks noGrp="1" noRot="1" noChangeAspect="1" noMove="1" noResize="1" noEditPoints="1" noAdjustHandles="1" noChangeArrowheads="1" noChangeShapeType="1" noTextEdit="1"/>
+          </p:cNvSpPr>
+          <p:nvPr>
+            <p:extLst>
+              <p:ext uri="{386F3935-93C4-4BCD-93E2-E3B085C9AB24}">
+                <p16:designElem xmlns:p16="http://schemas.microsoft.com/office/powerpoint/2015/main" val="1"/>
+              </p:ext>
+            </p:extLst>
+          </p:nvPr>
+        </p:nvSpPr>
+        <p:spPr>
+          <a:xfrm>
+            <a:off x="0" y="0"/>
+            <a:ext cx="12192000" cy="6858000"/>
+          </a:xfrm>
+          <a:prstGeom prst="rect">
+            <a:avLst/>
+          </a:prstGeom>
+          <a:ln>
+            <a:noFill/>
+          </a:ln>
+        </p:spPr>
+        <p:style>
+          <a:lnRef idx="2">
+            <a:schemeClr val="accent1">
+              <a:shade val="50000"/>
+            </a:schemeClr>
+          </a:lnRef>
+          <a:fillRef idx="1">
+            <a:schemeClr val="accent1"/>
+          </a:fillRef>
+          <a:effectRef idx="0">
+            <a:schemeClr val="accent1"/>
+          </a:effectRef>
+          <a:fontRef idx="minor">
+            <a:schemeClr val="lt1"/>
+          </a:fontRef>
+        </p:style>
+        <p:txBody>
+          <a:bodyPr rtlCol="0" anchor="ctr"/>
+          <a:lstStyle/>
+          <a:p>
+            <a:pPr algn="ctr"/>
+            <a:endParaRPr lang="en-US"/>
+          </a:p>
+        </p:txBody>
+      </p:sp>
+      <p:pic>
+        <p:nvPicPr>
+          <p:cNvPr id="5" name="Picture 4" descr="Camera lens close up">
+            <a:extLst>
+              <a:ext uri="{FF2B5EF4-FFF2-40B4-BE49-F238E27FC236}">
+                <a16:creationId xmlns:a16="http://schemas.microsoft.com/office/drawing/2014/main" id="{C7575167-A740-8EC5-D739-A2981153B4E7}"/>
+              </a:ext>
+            </a:extLst>
+          </p:cNvPr>
+          <p:cNvPicPr>
+            <a:picLocks noChangeAspect="1"/>
+          </p:cNvPicPr>
+          <p:nvPr/>
+        </p:nvPicPr>
+        <p:blipFill rotWithShape="1">
+          <a:blip r:embed="rId2"/>
+          <a:srcRect r="15627" b="-1"/>
+          <a:stretch/>
+        </p:blipFill>
+        <p:spPr>
+          <a:xfrm>
+            <a:off x="3523488" y="10"/>
+            <a:ext cx="8668512" cy="6857990"/>
+          </a:xfrm>
+          <a:prstGeom prst="rect">
+            <a:avLst/>
+          </a:prstGeom>
+        </p:spPr>
+      </p:pic>
+      <p:sp>
+        <p:nvSpPr>
+          <p:cNvPr id="11" name="Rectangle 10">
+            <a:extLst>
+              <a:ext uri="{FF2B5EF4-FFF2-40B4-BE49-F238E27FC236}">
+                <a16:creationId xmlns:a16="http://schemas.microsoft.com/office/drawing/2014/main" id="{AB58EF07-17C2-48CF-ABB0-EEF1F17CB8F0}"/>
+              </a:ext>
+              <a:ext uri="{C183D7F6-B498-43B3-948B-1728B52AA6E4}">
+                <adec:decorative xmlns:adec="http://schemas.microsoft.com/office/drawing/2017/decorative" val="1"/>
+              </a:ext>
+            </a:extLst>
+          </p:cNvPr>
+          <p:cNvSpPr>
+            <a:spLocks noGrp="1" noRot="1" noChangeAspect="1" noMove="1" noResize="1" noEditPoints="1" noAdjustHandles="1" noChangeArrowheads="1" noChangeShapeType="1" noTextEdit="1"/>
+          </p:cNvSpPr>
+          <p:nvPr>
+            <p:extLst>
+              <p:ext uri="{386F3935-93C4-4BCD-93E2-E3B085C9AB24}">
+                <p16:designElem xmlns:p16="http://schemas.microsoft.com/office/powerpoint/2015/main" val="1"/>
+              </p:ext>
+            </p:extLst>
+          </p:nvPr>
+        </p:nvSpPr>
+        <p:spPr>
+          <a:xfrm>
+            <a:off x="3" y="0"/>
+            <a:ext cx="9339206" cy="6858000"/>
+          </a:xfrm>
+          <a:prstGeom prst="rect">
+            <a:avLst/>
+          </a:prstGeom>
+          <a:gradFill>
+            <a:gsLst>
+              <a:gs pos="58000">
+                <a:schemeClr val="bg1"/>
+              </a:gs>
+              <a:gs pos="33000">
+                <a:schemeClr val="bg1">
+                  <a:alpha val="64000"/>
+                </a:schemeClr>
+              </a:gs>
+              <a:gs pos="0">
+                <a:schemeClr val="bg1">
+                  <a:alpha val="0"/>
+                </a:schemeClr>
+              </a:gs>
+              <a:gs pos="100000">
+                <a:schemeClr val="bg1"/>
+              </a:gs>
+            </a:gsLst>
+            <a:lin ang="10800000" scaled="0"/>
+          </a:gradFill>
+          <a:ln>
+            <a:noFill/>
+          </a:ln>
+        </p:spPr>
+        <p:style>
+          <a:lnRef idx="2">
+            <a:schemeClr val="accent1">
+              <a:shade val="50000"/>
+            </a:schemeClr>
+          </a:lnRef>
+          <a:fillRef idx="1">
+            <a:schemeClr val="accent1"/>
+          </a:fillRef>
+          <a:effectRef idx="0">
+            <a:schemeClr val="accent1"/>
+          </a:effectRef>
+          <a:fontRef idx="minor">
+            <a:schemeClr val="lt1"/>
+          </a:fontRef>
+        </p:style>
+        <p:txBody>
+          <a:bodyPr rtlCol="0" anchor="ctr"/>
+          <a:lstStyle/>
+          <a:p>
+            <a:pPr algn="ctr"/>
+            <a:endParaRPr lang="en-US" dirty="0"/>
+          </a:p>
+        </p:txBody>
+      </p:sp>
+      <p:sp>
+        <p:nvSpPr>
+          <p:cNvPr id="2" name="Title 1">
+            <a:extLst>
+              <a:ext uri="{FF2B5EF4-FFF2-40B4-BE49-F238E27FC236}">
+                <a16:creationId xmlns:a16="http://schemas.microsoft.com/office/drawing/2014/main" id="{8E3B3632-A6A0-C46A-DC89-CAB56C6EDDDD}"/>
+              </a:ext>
+            </a:extLst>
+          </p:cNvPr>
+          <p:cNvSpPr>
+            <a:spLocks noGrp="1"/>
+          </p:cNvSpPr>
+          <p:nvPr>
+            <p:ph type="title"/>
+          </p:nvPr>
+        </p:nvSpPr>
+        <p:spPr>
+          <a:xfrm>
+            <a:off x="477981" y="1122363"/>
+            <a:ext cx="4023360" cy="3204134"/>
+          </a:xfrm>
+        </p:spPr>
+        <p:txBody>
+          <a:bodyPr vert="horz" lIns="91440" tIns="45720" rIns="91440" bIns="45720" rtlCol="0" anchor="b">
+            <a:normAutofit/>
+          </a:bodyPr>
+          <a:lstStyle/>
+          <a:p>
+            <a:r>
+              <a:rPr lang="en-US" sz="4800"/>
+              <a:t>Demo</a:t>
+            </a:r>
+          </a:p>
+        </p:txBody>
+      </p:sp>
+      <p:sp>
+        <p:nvSpPr>
+          <p:cNvPr id="13" name="Rectangle 12">
+            <a:extLst>
+              <a:ext uri="{FF2B5EF4-FFF2-40B4-BE49-F238E27FC236}">
+                <a16:creationId xmlns:a16="http://schemas.microsoft.com/office/drawing/2014/main" id="{AF2F604E-43BE-4DC3-B983-E071523364F8}"/>
+              </a:ext>
+              <a:ext uri="{C183D7F6-B498-43B3-948B-1728B52AA6E4}">
+                <adec:decorative xmlns:adec="http://schemas.microsoft.com/office/drawing/2017/decorative" val="1"/>
+              </a:ext>
+            </a:extLst>
+          </p:cNvPr>
+          <p:cNvSpPr>
+            <a:spLocks noGrp="1" noRot="1" noChangeAspect="1" noMove="1" noResize="1" noEditPoints="1" noAdjustHandles="1" noChangeArrowheads="1" noChangeShapeType="1" noTextEdit="1"/>
+          </p:cNvSpPr>
+          <p:nvPr>
+            <p:extLst>
+              <p:ext uri="{386F3935-93C4-4BCD-93E2-E3B085C9AB24}">
+                <p16:designElem xmlns:p16="http://schemas.microsoft.com/office/powerpoint/2015/main" val="1"/>
+              </p:ext>
+            </p:extLst>
+          </p:nvPr>
+        </p:nvSpPr>
+        <p:spPr>
+          <a:xfrm rot="5400000">
+            <a:off x="759921" y="346791"/>
+            <a:ext cx="146304" cy="704088"/>
+          </a:xfrm>
+          <a:prstGeom prst="rect">
+            <a:avLst/>
+          </a:prstGeom>
+          <a:solidFill>
+            <a:schemeClr val="accent2"/>
+          </a:solidFill>
+          <a:ln>
+            <a:noFill/>
+          </a:ln>
+        </p:spPr>
+        <p:style>
+          <a:lnRef idx="2">
+            <a:schemeClr val="accent1">
+              <a:shade val="50000"/>
+            </a:schemeClr>
+          </a:lnRef>
+          <a:fillRef idx="1">
+            <a:schemeClr val="accent1"/>
+          </a:fillRef>
+          <a:effectRef idx="0">
+            <a:schemeClr val="accent1"/>
+          </a:effectRef>
+          <a:fontRef idx="minor">
+            <a:schemeClr val="lt1"/>
+          </a:fontRef>
+        </p:style>
+        <p:txBody>
+          <a:bodyPr rtlCol="0" anchor="ctr"/>
+          <a:lstStyle/>
+          <a:p>
+            <a:pPr algn="ctr"/>
+            <a:endParaRPr lang="en-US">
+              <a:solidFill>
+                <a:prstClr val="white"/>
+              </a:solidFill>
+              <a:latin typeface="Calibri" panose="020F0502020204030204"/>
+            </a:endParaRPr>
+          </a:p>
+        </p:txBody>
+      </p:sp>
+      <p:sp>
+        <p:nvSpPr>
+          <p:cNvPr id="15" name="Rectangle 14">
+            <a:extLst>
+              <a:ext uri="{FF2B5EF4-FFF2-40B4-BE49-F238E27FC236}">
+                <a16:creationId xmlns:a16="http://schemas.microsoft.com/office/drawing/2014/main" id="{08C9B587-E65E-4B52-B37C-ABEBB6E87928}"/>
+              </a:ext>
+              <a:ext uri="{C183D7F6-B498-43B3-948B-1728B52AA6E4}">
+                <adec:decorative xmlns:adec="http://schemas.microsoft.com/office/drawing/2017/decorative" val="1"/>
+              </a:ext>
+            </a:extLst>
+          </p:cNvPr>
+          <p:cNvSpPr>
+            <a:spLocks noGrp="1" noRot="1" noChangeAspect="1" noMove="1" noResize="1" noEditPoints="1" noAdjustHandles="1" noChangeArrowheads="1" noChangeShapeType="1" noTextEdit="1"/>
+          </p:cNvSpPr>
+          <p:nvPr>
+            <p:extLst>
+              <p:ext uri="{386F3935-93C4-4BCD-93E2-E3B085C9AB24}">
+                <p16:designElem xmlns:p16="http://schemas.microsoft.com/office/powerpoint/2015/main" val="1"/>
+              </p:ext>
+            </p:extLst>
+          </p:nvPr>
+        </p:nvSpPr>
+        <p:spPr>
+          <a:xfrm>
+            <a:off x="481029" y="4546920"/>
+            <a:ext cx="3977640" cy="18288"/>
+          </a:xfrm>
+          <a:prstGeom prst="rect">
+            <a:avLst/>
+          </a:prstGeom>
+          <a:solidFill>
+            <a:schemeClr val="tx1"/>
+          </a:solidFill>
+          <a:ln w="3175">
+            <a:noFill/>
+          </a:ln>
+          <a:effectLst/>
+        </p:spPr>
+        <p:style>
+          <a:lnRef idx="2">
+            <a:schemeClr val="accent1">
+              <a:shade val="50000"/>
+            </a:schemeClr>
+          </a:lnRef>
+          <a:fillRef idx="1">
+            <a:schemeClr val="accent1"/>
+          </a:fillRef>
+          <a:effectRef idx="0">
+            <a:schemeClr val="accent1"/>
+          </a:effectRef>
+          <a:fontRef idx="minor">
+            <a:schemeClr val="lt1"/>
+          </a:fontRef>
+        </p:style>
+        <p:txBody>
+          <a:bodyPr rtlCol="0" anchor="ctr"/>
+          <a:lstStyle/>
+          <a:p>
+            <a:pPr marL="0" marR="0" lvl="0" indent="0" algn="ctr" defTabSz="914400" rtl="0" eaLnBrk="1" fontAlgn="auto" latinLnBrk="0" hangingPunct="1">
+              <a:lnSpc>
+                <a:spcPct val="100000"/>
+              </a:lnSpc>
+              <a:spcBef>
+                <a:spcPts val="0"/>
+              </a:spcBef>
+              <a:spcAft>
+                <a:spcPts val="0"/>
+              </a:spcAft>
+              <a:buClrTx/>
+              <a:buSzTx/>
+              <a:buFontTx/>
+              <a:buNone/>
+              <a:tabLst/>
+              <a:defRPr/>
+            </a:pPr>
+            <a:endParaRPr kumimoji="0" lang="en-US" sz="1800" b="0" i="0" u="none" strike="noStrike" kern="1200" cap="none" spc="0" normalizeH="0" baseline="0" noProof="0">
+              <a:ln>
+                <a:noFill/>
+              </a:ln>
+              <a:solidFill>
+                <a:prstClr val="white"/>
+              </a:solidFill>
+              <a:effectLst/>
+              <a:uLnTx/>
+              <a:uFillTx/>
+              <a:latin typeface="Calibri" panose="020F0502020204030204"/>
+              <a:ea typeface="+mn-ea"/>
+              <a:cs typeface="+mn-cs"/>
+            </a:endParaRPr>
+          </a:p>
+        </p:txBody>
+      </p:sp>
+    </p:spTree>
+    <p:extLst>
+      <p:ext uri="{BB962C8B-B14F-4D97-AF65-F5344CB8AC3E}">
+        <p14:creationId xmlns:p14="http://schemas.microsoft.com/office/powerpoint/2010/main" val="776141201"/>
+      </p:ext>
+    </p:extLst>
+  </p:cSld>
+  <p:clrMapOvr>
+    <a:overrideClrMapping bg1="dk1" tx1="lt1" bg2="dk2" tx2="lt2" accent1="accent1" accent2="accent2" accent3="accent3" accent4="accent4" accent5="accent5" accent6="accent6" hlink="hlink" folHlink="folHlink"/>
+  </p:clrMapOvr>
+</p:sld>
+</file>
+
+<file path=ppt/slides/slide12.xml><?xml version="1.0" encoding="utf-8"?>
+<p:sld xmlns:a="http://schemas.openxmlformats.org/drawingml/2006/main" xmlns:r="http://schemas.openxmlformats.org/officeDocument/2006/relationships" xmlns:p="http://schemas.openxmlformats.org/presentationml/2006/main">
+  <p:cSld>
+    <p:bg>
+      <p:bgPr>
+        <a:solidFill>
+          <a:schemeClr val="bg1"/>
+        </a:solidFill>
+        <a:effectLst/>
+      </p:bgPr>
+    </p:bg>
+    <p:spTree>
+      <p:nvGrpSpPr>
+        <p:cNvPr id="1" name=""/>
+        <p:cNvGrpSpPr/>
+        <p:nvPr/>
+      </p:nvGrpSpPr>
+      <p:grpSpPr>
+        <a:xfrm>
+          <a:off x="0" y="0"/>
+          <a:ext cx="0" cy="0"/>
+          <a:chOff x="0" y="0"/>
+          <a:chExt cx="0" cy="0"/>
+        </a:xfrm>
+      </p:grpSpPr>
       <p:sp>
         <p:nvSpPr>
           <p:cNvPr id="17" name="Rectangle 16">
@@ -4905,6 +5311,410 @@
   </p:cSld>
   <p:clrMapOvr>
     <a:masterClrMapping/>
+  </p:clrMapOvr>
+</p:sld>
+</file>
+
+<file path=ppt/slides/slide13.xml><?xml version="1.0" encoding="utf-8"?>
+<p:sld xmlns:a="http://schemas.openxmlformats.org/drawingml/2006/main" xmlns:r="http://schemas.openxmlformats.org/officeDocument/2006/relationships" xmlns:p="http://schemas.openxmlformats.org/presentationml/2006/main">
+  <p:cSld>
+    <p:bg>
+      <p:bgPr>
+        <a:solidFill>
+          <a:schemeClr val="bg1"/>
+        </a:solidFill>
+        <a:effectLst/>
+      </p:bgPr>
+    </p:bg>
+    <p:spTree>
+      <p:nvGrpSpPr>
+        <p:cNvPr id="1" name=""/>
+        <p:cNvGrpSpPr/>
+        <p:nvPr/>
+      </p:nvGrpSpPr>
+      <p:grpSpPr>
+        <a:xfrm>
+          <a:off x="0" y="0"/>
+          <a:ext cx="0" cy="0"/>
+          <a:chOff x="0" y="0"/>
+          <a:chExt cx="0" cy="0"/>
+        </a:xfrm>
+      </p:grpSpPr>
+      <p:sp useBgFill="1">
+        <p:nvSpPr>
+          <p:cNvPr id="9" name="Rectangle 8">
+            <a:extLst>
+              <a:ext uri="{FF2B5EF4-FFF2-40B4-BE49-F238E27FC236}">
+                <a16:creationId xmlns:a16="http://schemas.microsoft.com/office/drawing/2014/main" id="{0671A8AE-40A1-4631-A6B8-581AFF065482}"/>
+              </a:ext>
+              <a:ext uri="{C183D7F6-B498-43B3-948B-1728B52AA6E4}">
+                <adec:decorative xmlns:adec="http://schemas.microsoft.com/office/drawing/2017/decorative" val="1"/>
+              </a:ext>
+            </a:extLst>
+          </p:cNvPr>
+          <p:cNvSpPr>
+            <a:spLocks noGrp="1" noRot="1" noChangeAspect="1" noMove="1" noResize="1" noEditPoints="1" noAdjustHandles="1" noChangeArrowheads="1" noChangeShapeType="1" noTextEdit="1"/>
+          </p:cNvSpPr>
+          <p:nvPr>
+            <p:extLst>
+              <p:ext uri="{386F3935-93C4-4BCD-93E2-E3B085C9AB24}">
+                <p16:designElem xmlns:p16="http://schemas.microsoft.com/office/powerpoint/2015/main" val="1"/>
+              </p:ext>
+            </p:extLst>
+          </p:nvPr>
+        </p:nvSpPr>
+        <p:spPr>
+          <a:xfrm>
+            <a:off x="0" y="0"/>
+            <a:ext cx="12192000" cy="6858000"/>
+          </a:xfrm>
+          <a:prstGeom prst="rect">
+            <a:avLst/>
+          </a:prstGeom>
+          <a:ln>
+            <a:noFill/>
+          </a:ln>
+        </p:spPr>
+        <p:style>
+          <a:lnRef idx="2">
+            <a:schemeClr val="accent1">
+              <a:shade val="50000"/>
+            </a:schemeClr>
+          </a:lnRef>
+          <a:fillRef idx="1">
+            <a:schemeClr val="accent1"/>
+          </a:fillRef>
+          <a:effectRef idx="0">
+            <a:schemeClr val="accent1"/>
+          </a:effectRef>
+          <a:fontRef idx="minor">
+            <a:schemeClr val="lt1"/>
+          </a:fontRef>
+        </p:style>
+        <p:txBody>
+          <a:bodyPr rtlCol="0" anchor="ctr"/>
+          <a:lstStyle/>
+          <a:p>
+            <a:pPr algn="ctr"/>
+            <a:endParaRPr lang="en-US"/>
+          </a:p>
+        </p:txBody>
+      </p:sp>
+      <p:pic>
+        <p:nvPicPr>
+          <p:cNvPr id="5" name="Picture 4" descr="Yellow question mark">
+            <a:extLst>
+              <a:ext uri="{FF2B5EF4-FFF2-40B4-BE49-F238E27FC236}">
+                <a16:creationId xmlns:a16="http://schemas.microsoft.com/office/drawing/2014/main" id="{F14A2334-BE69-E2D9-0675-4481007B1013}"/>
+              </a:ext>
+            </a:extLst>
+          </p:cNvPr>
+          <p:cNvPicPr>
+            <a:picLocks noChangeAspect="1"/>
+          </p:cNvPicPr>
+          <p:nvPr/>
+        </p:nvPicPr>
+        <p:blipFill rotWithShape="1">
+          <a:blip r:embed="rId2"/>
+          <a:srcRect l="18221" r="5939"/>
+          <a:stretch/>
+        </p:blipFill>
+        <p:spPr>
+          <a:xfrm>
+            <a:off x="3523488" y="10"/>
+            <a:ext cx="8668512" cy="6857990"/>
+          </a:xfrm>
+          <a:prstGeom prst="rect">
+            <a:avLst/>
+          </a:prstGeom>
+        </p:spPr>
+      </p:pic>
+      <p:sp>
+        <p:nvSpPr>
+          <p:cNvPr id="11" name="Rectangle 10">
+            <a:extLst>
+              <a:ext uri="{FF2B5EF4-FFF2-40B4-BE49-F238E27FC236}">
+                <a16:creationId xmlns:a16="http://schemas.microsoft.com/office/drawing/2014/main" id="{AB58EF07-17C2-48CF-ABB0-EEF1F17CB8F0}"/>
+              </a:ext>
+              <a:ext uri="{C183D7F6-B498-43B3-948B-1728B52AA6E4}">
+                <adec:decorative xmlns:adec="http://schemas.microsoft.com/office/drawing/2017/decorative" val="1"/>
+              </a:ext>
+            </a:extLst>
+          </p:cNvPr>
+          <p:cNvSpPr>
+            <a:spLocks noGrp="1" noRot="1" noChangeAspect="1" noMove="1" noResize="1" noEditPoints="1" noAdjustHandles="1" noChangeArrowheads="1" noChangeShapeType="1" noTextEdit="1"/>
+          </p:cNvSpPr>
+          <p:nvPr>
+            <p:extLst>
+              <p:ext uri="{386F3935-93C4-4BCD-93E2-E3B085C9AB24}">
+                <p16:designElem xmlns:p16="http://schemas.microsoft.com/office/powerpoint/2015/main" val="1"/>
+              </p:ext>
+            </p:extLst>
+          </p:nvPr>
+        </p:nvSpPr>
+        <p:spPr>
+          <a:xfrm>
+            <a:off x="3" y="0"/>
+            <a:ext cx="9339206" cy="6858000"/>
+          </a:xfrm>
+          <a:prstGeom prst="rect">
+            <a:avLst/>
+          </a:prstGeom>
+          <a:gradFill>
+            <a:gsLst>
+              <a:gs pos="58000">
+                <a:schemeClr val="bg1"/>
+              </a:gs>
+              <a:gs pos="33000">
+                <a:schemeClr val="bg1">
+                  <a:alpha val="64000"/>
+                </a:schemeClr>
+              </a:gs>
+              <a:gs pos="0">
+                <a:schemeClr val="bg1">
+                  <a:alpha val="0"/>
+                </a:schemeClr>
+              </a:gs>
+              <a:gs pos="100000">
+                <a:schemeClr val="bg1"/>
+              </a:gs>
+            </a:gsLst>
+            <a:lin ang="10800000" scaled="0"/>
+          </a:gradFill>
+          <a:ln>
+            <a:noFill/>
+          </a:ln>
+        </p:spPr>
+        <p:style>
+          <a:lnRef idx="2">
+            <a:schemeClr val="accent1">
+              <a:shade val="50000"/>
+            </a:schemeClr>
+          </a:lnRef>
+          <a:fillRef idx="1">
+            <a:schemeClr val="accent1"/>
+          </a:fillRef>
+          <a:effectRef idx="0">
+            <a:schemeClr val="accent1"/>
+          </a:effectRef>
+          <a:fontRef idx="minor">
+            <a:schemeClr val="lt1"/>
+          </a:fontRef>
+        </p:style>
+        <p:txBody>
+          <a:bodyPr rtlCol="0" anchor="ctr"/>
+          <a:lstStyle/>
+          <a:p>
+            <a:pPr algn="ctr"/>
+            <a:endParaRPr lang="en-US" dirty="0"/>
+          </a:p>
+        </p:txBody>
+      </p:sp>
+      <p:sp>
+        <p:nvSpPr>
+          <p:cNvPr id="2" name="Title 1">
+            <a:extLst>
+              <a:ext uri="{FF2B5EF4-FFF2-40B4-BE49-F238E27FC236}">
+                <a16:creationId xmlns:a16="http://schemas.microsoft.com/office/drawing/2014/main" id="{E73A11FD-1F9B-0899-AC6C-29DF09088D64}"/>
+              </a:ext>
+            </a:extLst>
+          </p:cNvPr>
+          <p:cNvSpPr>
+            <a:spLocks noGrp="1"/>
+          </p:cNvSpPr>
+          <p:nvPr>
+            <p:ph type="title"/>
+          </p:nvPr>
+        </p:nvSpPr>
+        <p:spPr>
+          <a:xfrm>
+            <a:off x="477981" y="1122363"/>
+            <a:ext cx="4023360" cy="3204134"/>
+          </a:xfrm>
+        </p:spPr>
+        <p:txBody>
+          <a:bodyPr vert="horz" lIns="91440" tIns="45720" rIns="91440" bIns="45720" rtlCol="0" anchor="b">
+            <a:normAutofit/>
+          </a:bodyPr>
+          <a:lstStyle/>
+          <a:p>
+            <a:r>
+              <a:rPr lang="en-US" sz="4800" dirty="0"/>
+              <a:t>Any Questions?</a:t>
+            </a:r>
+          </a:p>
+        </p:txBody>
+      </p:sp>
+      <p:sp>
+        <p:nvSpPr>
+          <p:cNvPr id="13" name="Rectangle 12">
+            <a:extLst>
+              <a:ext uri="{FF2B5EF4-FFF2-40B4-BE49-F238E27FC236}">
+                <a16:creationId xmlns:a16="http://schemas.microsoft.com/office/drawing/2014/main" id="{AF2F604E-43BE-4DC3-B983-E071523364F8}"/>
+              </a:ext>
+              <a:ext uri="{C183D7F6-B498-43B3-948B-1728B52AA6E4}">
+                <adec:decorative xmlns:adec="http://schemas.microsoft.com/office/drawing/2017/decorative" val="1"/>
+              </a:ext>
+            </a:extLst>
+          </p:cNvPr>
+          <p:cNvSpPr>
+            <a:spLocks noGrp="1" noRot="1" noChangeAspect="1" noMove="1" noResize="1" noEditPoints="1" noAdjustHandles="1" noChangeArrowheads="1" noChangeShapeType="1" noTextEdit="1"/>
+          </p:cNvSpPr>
+          <p:nvPr>
+            <p:extLst>
+              <p:ext uri="{386F3935-93C4-4BCD-93E2-E3B085C9AB24}">
+                <p16:designElem xmlns:p16="http://schemas.microsoft.com/office/powerpoint/2015/main" val="1"/>
+              </p:ext>
+            </p:extLst>
+          </p:nvPr>
+        </p:nvSpPr>
+        <p:spPr>
+          <a:xfrm rot="5400000">
+            <a:off x="759921" y="346791"/>
+            <a:ext cx="146304" cy="704088"/>
+          </a:xfrm>
+          <a:prstGeom prst="rect">
+            <a:avLst/>
+          </a:prstGeom>
+          <a:solidFill>
+            <a:schemeClr val="accent2"/>
+          </a:solidFill>
+          <a:ln>
+            <a:noFill/>
+          </a:ln>
+        </p:spPr>
+        <p:style>
+          <a:lnRef idx="2">
+            <a:schemeClr val="accent1">
+              <a:shade val="50000"/>
+            </a:schemeClr>
+          </a:lnRef>
+          <a:fillRef idx="1">
+            <a:schemeClr val="accent1"/>
+          </a:fillRef>
+          <a:effectRef idx="0">
+            <a:schemeClr val="accent1"/>
+          </a:effectRef>
+          <a:fontRef idx="minor">
+            <a:schemeClr val="lt1"/>
+          </a:fontRef>
+        </p:style>
+        <p:txBody>
+          <a:bodyPr rtlCol="0" anchor="ctr"/>
+          <a:lstStyle/>
+          <a:p>
+            <a:pPr algn="ctr"/>
+            <a:endParaRPr lang="en-US">
+              <a:solidFill>
+                <a:prstClr val="white"/>
+              </a:solidFill>
+              <a:latin typeface="Calibri" panose="020F0502020204030204"/>
+            </a:endParaRPr>
+          </a:p>
+        </p:txBody>
+      </p:sp>
+      <p:sp>
+        <p:nvSpPr>
+          <p:cNvPr id="15" name="Rectangle 14">
+            <a:extLst>
+              <a:ext uri="{FF2B5EF4-FFF2-40B4-BE49-F238E27FC236}">
+                <a16:creationId xmlns:a16="http://schemas.microsoft.com/office/drawing/2014/main" id="{08C9B587-E65E-4B52-B37C-ABEBB6E87928}"/>
+              </a:ext>
+              <a:ext uri="{C183D7F6-B498-43B3-948B-1728B52AA6E4}">
+                <adec:decorative xmlns:adec="http://schemas.microsoft.com/office/drawing/2017/decorative" val="1"/>
+              </a:ext>
+            </a:extLst>
+          </p:cNvPr>
+          <p:cNvSpPr>
+            <a:spLocks noGrp="1" noRot="1" noChangeAspect="1" noMove="1" noResize="1" noEditPoints="1" noAdjustHandles="1" noChangeArrowheads="1" noChangeShapeType="1" noTextEdit="1"/>
+          </p:cNvSpPr>
+          <p:nvPr>
+            <p:extLst>
+              <p:ext uri="{386F3935-93C4-4BCD-93E2-E3B085C9AB24}">
+                <p16:designElem xmlns:p16="http://schemas.microsoft.com/office/powerpoint/2015/main" val="1"/>
+              </p:ext>
+            </p:extLst>
+          </p:nvPr>
+        </p:nvSpPr>
+        <p:spPr>
+          <a:xfrm>
+            <a:off x="481029" y="4546920"/>
+            <a:ext cx="3977640" cy="18288"/>
+          </a:xfrm>
+          <a:prstGeom prst="rect">
+            <a:avLst/>
+          </a:prstGeom>
+          <a:solidFill>
+            <a:schemeClr val="tx1"/>
+          </a:solidFill>
+          <a:ln w="3175">
+            <a:noFill/>
+          </a:ln>
+          <a:effectLst/>
+        </p:spPr>
+        <p:style>
+          <a:lnRef idx="2">
+            <a:schemeClr val="accent1">
+              <a:shade val="50000"/>
+            </a:schemeClr>
+          </a:lnRef>
+          <a:fillRef idx="1">
+            <a:schemeClr val="accent1"/>
+          </a:fillRef>
+          <a:effectRef idx="0">
+            <a:schemeClr val="accent1"/>
+          </a:effectRef>
+          <a:fontRef idx="minor">
+            <a:schemeClr val="lt1"/>
+          </a:fontRef>
+        </p:style>
+        <p:txBody>
+          <a:bodyPr rtlCol="0" anchor="ctr"/>
+          <a:lstStyle/>
+          <a:p>
+            <a:pPr marL="0" marR="0" lvl="0" indent="0" algn="ctr" defTabSz="914400" rtl="0" eaLnBrk="1" fontAlgn="auto" latinLnBrk="0" hangingPunct="1">
+              <a:lnSpc>
+                <a:spcPct val="100000"/>
+              </a:lnSpc>
+              <a:spcBef>
+                <a:spcPts val="0"/>
+              </a:spcBef>
+              <a:spcAft>
+                <a:spcPts val="0"/>
+              </a:spcAft>
+              <a:buClrTx/>
+              <a:buSzTx/>
+              <a:buFontTx/>
+              <a:buNone/>
+              <a:tabLst/>
+              <a:defRPr/>
+            </a:pPr>
+            <a:endParaRPr kumimoji="0" lang="en-US" sz="1800" b="0" i="0" u="none" strike="noStrike" kern="1200" cap="none" spc="0" normalizeH="0" baseline="0" noProof="0">
+              <a:ln>
+                <a:noFill/>
+              </a:ln>
+              <a:solidFill>
+                <a:prstClr val="white"/>
+              </a:solidFill>
+              <a:effectLst/>
+              <a:uLnTx/>
+              <a:uFillTx/>
+              <a:latin typeface="Calibri" panose="020F0502020204030204"/>
+              <a:ea typeface="+mn-ea"/>
+              <a:cs typeface="+mn-cs"/>
+            </a:endParaRPr>
+          </a:p>
+        </p:txBody>
+      </p:sp>
+    </p:spTree>
+    <p:extLst>
+      <p:ext uri="{BB962C8B-B14F-4D97-AF65-F5344CB8AC3E}">
+        <p14:creationId xmlns:p14="http://schemas.microsoft.com/office/powerpoint/2010/main" val="4245907349"/>
+      </p:ext>
+    </p:extLst>
+  </p:cSld>
+  <p:clrMapOvr>
+    <a:overrideClrMapping bg1="dk1" tx1="lt1" bg2="dk2" tx2="lt2" accent1="accent1" accent2="accent2" accent3="accent3" accent4="accent4" accent5="accent5" accent6="accent6" hlink="hlink" folHlink="folHlink"/>
   </p:clrMapOvr>
 </p:sld>
 </file>
@@ -10138,6 +10948,14 @@
 <file path=ppt/slides/slide4.xml><?xml version="1.0" encoding="utf-8"?>
 <p:sld xmlns:a="http://schemas.openxmlformats.org/drawingml/2006/main" xmlns:r="http://schemas.openxmlformats.org/officeDocument/2006/relationships" xmlns:p="http://schemas.openxmlformats.org/presentationml/2006/main">
   <p:cSld>
+    <p:bg>
+      <p:bgPr>
+        <a:solidFill>
+          <a:schemeClr val="bg1"/>
+        </a:solidFill>
+        <a:effectLst/>
+      </p:bgPr>
+    </p:bg>
     <p:spTree>
       <p:nvGrpSpPr>
         <p:cNvPr id="1" name=""/>
@@ -10154,6 +10972,71 @@
       </p:grpSpPr>
       <p:sp>
         <p:nvSpPr>
+          <p:cNvPr id="10" name="Rectangle 9">
+            <a:extLst>
+              <a:ext uri="{FF2B5EF4-FFF2-40B4-BE49-F238E27FC236}">
+                <a16:creationId xmlns:a16="http://schemas.microsoft.com/office/drawing/2014/main" id="{823AC064-BC96-4F32-8AE1-B2FD38754823}"/>
+              </a:ext>
+              <a:ext uri="{C183D7F6-B498-43B3-948B-1728B52AA6E4}">
+                <adec:decorative xmlns:adec="http://schemas.microsoft.com/office/drawing/2017/decorative" val="1"/>
+              </a:ext>
+            </a:extLst>
+          </p:cNvPr>
+          <p:cNvSpPr>
+            <a:spLocks noGrp="1" noRot="1" noChangeAspect="1" noMove="1" noResize="1" noEditPoints="1" noAdjustHandles="1" noChangeArrowheads="1" noChangeShapeType="1" noTextEdit="1"/>
+          </p:cNvSpPr>
+          <p:nvPr>
+            <p:extLst>
+              <p:ext uri="{386F3935-93C4-4BCD-93E2-E3B085C9AB24}">
+                <p16:designElem xmlns:p16="http://schemas.microsoft.com/office/powerpoint/2015/main" val="1"/>
+              </p:ext>
+            </p:extLst>
+          </p:nvPr>
+        </p:nvSpPr>
+        <p:spPr bwMode="ltGray">
+          <a:xfrm>
+            <a:off x="396882" y="280374"/>
+            <a:ext cx="11438793" cy="1844256"/>
+          </a:xfrm>
+          <a:prstGeom prst="rect">
+            <a:avLst/>
+          </a:prstGeom>
+          <a:solidFill>
+            <a:srgbClr val="404040"/>
+          </a:solidFill>
+          <a:ln w="127000" cap="sq" cmpd="thinThick">
+            <a:solidFill>
+              <a:srgbClr val="404040"/>
+            </a:solidFill>
+          </a:ln>
+        </p:spPr>
+        <p:style>
+          <a:lnRef idx="2">
+            <a:schemeClr val="accent1">
+              <a:shade val="50000"/>
+            </a:schemeClr>
+          </a:lnRef>
+          <a:fillRef idx="1">
+            <a:schemeClr val="accent1"/>
+          </a:fillRef>
+          <a:effectRef idx="0">
+            <a:schemeClr val="accent1"/>
+          </a:effectRef>
+          <a:fontRef idx="minor">
+            <a:schemeClr val="lt1"/>
+          </a:fontRef>
+        </p:style>
+        <p:txBody>
+          <a:bodyPr rtlCol="0" anchor="ctr"/>
+          <a:lstStyle/>
+          <a:p>
+            <a:pPr algn="ctr"/>
+            <a:endParaRPr lang="en-US"/>
+          </a:p>
+        </p:txBody>
+      </p:sp>
+      <p:sp>
+        <p:nvSpPr>
           <p:cNvPr id="2" name="Title 1">
             <a:extLst>
               <a:ext uri="{FF2B5EF4-FFF2-40B4-BE49-F238E27FC236}">
@@ -10170,21 +11053,168 @@
         </p:nvSpPr>
         <p:spPr>
           <a:xfrm>
-            <a:off x="506185" y="365125"/>
-            <a:ext cx="11413671" cy="1325563"/>
+            <a:off x="546351" y="433545"/>
+            <a:ext cx="11139854" cy="930447"/>
           </a:xfrm>
         </p:spPr>
         <p:txBody>
-          <a:bodyPr/>
+          <a:bodyPr vert="horz" lIns="91440" tIns="45720" rIns="91440" bIns="45720" rtlCol="0" anchor="b">
+            <a:normAutofit/>
+          </a:bodyPr>
           <a:lstStyle/>
           <a:p>
+            <a:pPr algn="ctr"/>
             <a:r>
-              <a:rPr lang="en-GB" dirty="0"/>
+              <a:rPr lang="en-US" sz="4200">
+                <a:solidFill>
+                  <a:srgbClr val="FFFFFF"/>
+                </a:solidFill>
+              </a:rPr>
               <a:t>Entity Relationship Diagram (ERD) - Initial &amp; Final</a:t>
             </a:r>
           </a:p>
         </p:txBody>
       </p:sp>
+      <p:cxnSp>
+        <p:nvCxnSpPr>
+          <p:cNvPr id="12" name="Straight Connector 11">
+            <a:extLst>
+              <a:ext uri="{FF2B5EF4-FFF2-40B4-BE49-F238E27FC236}">
+                <a16:creationId xmlns:a16="http://schemas.microsoft.com/office/drawing/2014/main" id="{7E7C77BC-7138-40B1-A15B-20F57A494629}"/>
+              </a:ext>
+              <a:ext uri="{C183D7F6-B498-43B3-948B-1728B52AA6E4}">
+                <adec:decorative xmlns:adec="http://schemas.microsoft.com/office/drawing/2017/decorative" val="1"/>
+              </a:ext>
+            </a:extLst>
+          </p:cNvPr>
+          <p:cNvCxnSpPr>
+            <a:cxnSpLocks noGrp="1" noRot="1" noChangeAspect="1" noMove="1" noResize="1" noEditPoints="1" noAdjustHandles="1" noChangeArrowheads="1" noChangeShapeType="1"/>
+          </p:cNvCxnSpPr>
+          <p:nvPr>
+            <p:extLst>
+              <p:ext uri="{386F3935-93C4-4BCD-93E2-E3B085C9AB24}">
+                <p16:designElem xmlns:p16="http://schemas.microsoft.com/office/powerpoint/2015/main" val="1"/>
+              </p:ext>
+            </p:extLst>
+          </p:nvPr>
+        </p:nvCxnSpPr>
+        <p:spPr>
+          <a:xfrm>
+            <a:off x="2230078" y="1522292"/>
+            <a:ext cx="7772400" cy="0"/>
+          </a:xfrm>
+          <a:prstGeom prst="line">
+            <a:avLst/>
+          </a:prstGeom>
+          <a:ln w="22225">
+            <a:solidFill>
+              <a:srgbClr val="D9D9D9"/>
+            </a:solidFill>
+          </a:ln>
+        </p:spPr>
+        <p:style>
+          <a:lnRef idx="1">
+            <a:schemeClr val="accent1"/>
+          </a:lnRef>
+          <a:fillRef idx="0">
+            <a:schemeClr val="accent1"/>
+          </a:fillRef>
+          <a:effectRef idx="0">
+            <a:schemeClr val="accent1"/>
+          </a:effectRef>
+          <a:fontRef idx="minor">
+            <a:schemeClr val="tx1"/>
+          </a:fontRef>
+        </p:style>
+      </p:cxnSp>
+      <p:pic>
+        <p:nvPicPr>
+          <p:cNvPr id="4" name="Picture 3" descr="Diagram&#10;&#10;Description automatically generated">
+            <a:extLst>
+              <a:ext uri="{FF2B5EF4-FFF2-40B4-BE49-F238E27FC236}">
+                <a16:creationId xmlns:a16="http://schemas.microsoft.com/office/drawing/2014/main" id="{2BB1FB7E-354F-5488-FB04-D96FD30453CB}"/>
+              </a:ext>
+            </a:extLst>
+          </p:cNvPr>
+          <p:cNvPicPr>
+            <a:picLocks noChangeAspect="1"/>
+          </p:cNvPicPr>
+          <p:nvPr/>
+        </p:nvPicPr>
+        <p:blipFill>
+          <a:blip r:embed="rId2">
+            <a:extLst>
+              <a:ext uri="{28A0092B-C50C-407E-A947-70E740481C1C}">
+                <a14:useLocalDpi xmlns:a14="http://schemas.microsoft.com/office/drawing/2010/main" val="0"/>
+              </a:ext>
+            </a:extLst>
+          </a:blip>
+          <a:stretch>
+            <a:fillRect/>
+          </a:stretch>
+        </p:blipFill>
+        <p:spPr>
+          <a:xfrm>
+            <a:off x="775951" y="2426817"/>
+            <a:ext cx="4703103" cy="3997637"/>
+          </a:xfrm>
+          <a:prstGeom prst="rect">
+            <a:avLst/>
+          </a:prstGeom>
+        </p:spPr>
+      </p:pic>
+      <p:cxnSp>
+        <p:nvCxnSpPr>
+          <p:cNvPr id="14" name="Straight Connector 13">
+            <a:extLst>
+              <a:ext uri="{FF2B5EF4-FFF2-40B4-BE49-F238E27FC236}">
+                <a16:creationId xmlns:a16="http://schemas.microsoft.com/office/drawing/2014/main" id="{DB146403-F3D6-484B-B2ED-97F9565D0370}"/>
+              </a:ext>
+              <a:ext uri="{C183D7F6-B498-43B3-948B-1728B52AA6E4}">
+                <adec:decorative xmlns:adec="http://schemas.microsoft.com/office/drawing/2017/decorative" val="1"/>
+              </a:ext>
+            </a:extLst>
+          </p:cNvPr>
+          <p:cNvCxnSpPr>
+            <a:cxnSpLocks noGrp="1" noRot="1" noChangeAspect="1" noMove="1" noResize="1" noEditPoints="1" noAdjustHandles="1" noChangeArrowheads="1" noChangeShapeType="1"/>
+          </p:cNvCxnSpPr>
+          <p:nvPr>
+            <p:extLst>
+              <p:ext uri="{386F3935-93C4-4BCD-93E2-E3B085C9AB24}">
+                <p16:designElem xmlns:p16="http://schemas.microsoft.com/office/powerpoint/2015/main" val="1"/>
+              </p:ext>
+            </p:extLst>
+          </p:nvPr>
+        </p:nvCxnSpPr>
+        <p:spPr>
+          <a:xfrm>
+            <a:off x="6116278" y="2596836"/>
+            <a:ext cx="0" cy="3657600"/>
+          </a:xfrm>
+          <a:prstGeom prst="line">
+            <a:avLst/>
+          </a:prstGeom>
+          <a:ln w="101600" cmpd="dbl">
+            <a:solidFill>
+              <a:srgbClr val="595959"/>
+            </a:solidFill>
+          </a:ln>
+        </p:spPr>
+        <p:style>
+          <a:lnRef idx="1">
+            <a:schemeClr val="accent1"/>
+          </a:lnRef>
+          <a:fillRef idx="0">
+            <a:schemeClr val="accent1"/>
+          </a:fillRef>
+          <a:effectRef idx="0">
+            <a:schemeClr val="accent1"/>
+          </a:effectRef>
+          <a:fontRef idx="minor">
+            <a:schemeClr val="tx1"/>
+          </a:fontRef>
+        </p:style>
+      </p:cxnSp>
       <p:pic>
         <p:nvPicPr>
           <p:cNvPr id="5" name="Content Placeholder 4">
@@ -10202,16 +11232,19 @@
           </p:nvPr>
         </p:nvPicPr>
         <p:blipFill>
-          <a:blip r:embed="rId2"/>
+          <a:blip r:embed="rId3"/>
           <a:stretch>
             <a:fillRect/>
           </a:stretch>
         </p:blipFill>
         <p:spPr>
           <a:xfrm>
-            <a:off x="6324600" y="1792288"/>
-            <a:ext cx="5363112" cy="4351338"/>
+            <a:off x="6712947" y="2426818"/>
+            <a:ext cx="4920169" cy="3997637"/>
           </a:xfrm>
+          <a:prstGeom prst="rect">
+            <a:avLst/>
+          </a:prstGeom>
         </p:spPr>
       </p:pic>
     </p:spTree>
